--- a/Slides/Lesson 3.4 Two Draggable Cats.pptx
+++ b/Slides/Lesson 3.4 Two Draggable Cats.pptx
@@ -2,7 +2,7 @@
 <file path=ppt/presentation.xml><?xml version="1.0" encoding="utf-8"?>
 <p:presentation xmlns:a="http://schemas.openxmlformats.org/drawingml/2006/main" xmlns:r="http://schemas.openxmlformats.org/officeDocument/2006/relationships" xmlns:p="http://schemas.openxmlformats.org/presentationml/2006/main" saveSubsetFonts="1">
   <p:sldMasterIdLst>
-    <p:sldMasterId id="2147483648" r:id="rId1"/>
+    <p:sldMasterId id="2147483661" r:id="rId1"/>
   </p:sldMasterIdLst>
   <p:notesMasterIdLst>
     <p:notesMasterId r:id="rId20"/>
@@ -229,7 +229,7 @@
             <a:fld id="{CF8F25F6-E1EF-4065-8525-42EDEBD9BD22}" type="datetimeFigureOut">
               <a:rPr lang="en-US" smtClean="0"/>
               <a:pPr/>
-              <a:t>9/15/2014</a:t>
+              <a:t>8/20/2015</a:t>
             </a:fld>
             <a:endParaRPr lang="en-US"/>
           </a:p>
@@ -792,10 +792,9 @@
           <a:bodyPr/>
           <a:lstStyle/>
           <a:p>
-            <a:fld id="{CBE6DF32-C57F-4EA4-9518-EB5F320F182D}" type="datetimeFigureOut">
-              <a:rPr lang="en-US" smtClean="0"/>
-              <a:pPr/>
-              <a:t>9/15/2014</a:t>
+            <a:fld id="{2F1F79F5-7BEC-496A-AFC7-876E38F64D71}" type="datetime1">
+              <a:rPr lang="en-US" smtClean="0"/>
+              <a:t>8/20/2015</a:t>
             </a:fld>
             <a:endParaRPr lang="en-US"/>
           </a:p>
@@ -835,9 +834,8 @@
           <a:bodyPr/>
           <a:lstStyle/>
           <a:p>
-            <a:fld id="{9F4492BD-6A9C-48FC-AC76-0B4FE11194A1}" type="slidenum">
-              <a:rPr lang="en-US" smtClean="0"/>
-              <a:pPr/>
+            <a:fld id="{2AF3B5EA-18B6-4040-9F78-6052AF49C681}" type="slidenum">
+              <a:rPr lang="en-US" smtClean="0"/>
               <a:t>‹#›</a:t>
             </a:fld>
             <a:endParaRPr lang="en-US"/>
@@ -845,6 +843,11 @@
         </p:txBody>
       </p:sp>
     </p:spTree>
+    <p:extLst>
+      <p:ext uri="{BB962C8B-B14F-4D97-AF65-F5344CB8AC3E}">
+        <p14:creationId xmlns:p14="http://schemas.microsoft.com/office/powerpoint/2010/main" val="2561520148"/>
+      </p:ext>
+    </p:extLst>
   </p:cSld>
   <p:clrMapOvr>
     <a:masterClrMapping/>
@@ -860,6 +863,378 @@
 </file>
 
 <file path=ppt/slideLayouts/slideLayout10.xml><?xml version="1.0" encoding="utf-8"?>
+<p:sldLayout xmlns:a="http://schemas.openxmlformats.org/drawingml/2006/main" xmlns:r="http://schemas.openxmlformats.org/officeDocument/2006/relationships" xmlns:p="http://schemas.openxmlformats.org/presentationml/2006/main" type="blank" preserve="1">
+  <p:cSld name="Blank">
+    <p:spTree>
+      <p:nvGrpSpPr>
+        <p:cNvPr id="1" name=""/>
+        <p:cNvGrpSpPr/>
+        <p:nvPr/>
+      </p:nvGrpSpPr>
+      <p:grpSpPr>
+        <a:xfrm>
+          <a:off x="0" y="0"/>
+          <a:ext cx="0" cy="0"/>
+          <a:chOff x="0" y="0"/>
+          <a:chExt cx="0" cy="0"/>
+        </a:xfrm>
+      </p:grpSpPr>
+      <p:sp>
+        <p:nvSpPr>
+          <p:cNvPr id="2" name="Date Placeholder 1"/>
+          <p:cNvSpPr>
+            <a:spLocks noGrp="1"/>
+          </p:cNvSpPr>
+          <p:nvPr>
+            <p:ph type="dt" sz="half" idx="10"/>
+          </p:nvPr>
+        </p:nvSpPr>
+        <p:spPr/>
+        <p:txBody>
+          <a:bodyPr/>
+          <a:lstStyle/>
+          <a:p>
+            <a:fld id="{0A05703A-7669-4FEA-9056-25299B4D29D4}" type="datetime1">
+              <a:rPr lang="en-US" smtClean="0"/>
+              <a:t>8/20/2015</a:t>
+            </a:fld>
+            <a:endParaRPr lang="en-US"/>
+          </a:p>
+        </p:txBody>
+      </p:sp>
+      <p:sp>
+        <p:nvSpPr>
+          <p:cNvPr id="3" name="Footer Placeholder 2"/>
+          <p:cNvSpPr>
+            <a:spLocks noGrp="1"/>
+          </p:cNvSpPr>
+          <p:nvPr>
+            <p:ph type="ftr" sz="quarter" idx="11"/>
+          </p:nvPr>
+        </p:nvSpPr>
+        <p:spPr/>
+        <p:txBody>
+          <a:bodyPr/>
+          <a:lstStyle/>
+          <a:p>
+            <a:endParaRPr lang="en-US"/>
+          </a:p>
+        </p:txBody>
+      </p:sp>
+      <p:sp>
+        <p:nvSpPr>
+          <p:cNvPr id="4" name="Slide Number Placeholder 3"/>
+          <p:cNvSpPr>
+            <a:spLocks noGrp="1"/>
+          </p:cNvSpPr>
+          <p:nvPr>
+            <p:ph type="sldNum" sz="quarter" idx="12"/>
+          </p:nvPr>
+        </p:nvSpPr>
+        <p:spPr/>
+        <p:txBody>
+          <a:bodyPr/>
+          <a:lstStyle/>
+          <a:p>
+            <a:fld id="{2AF3B5EA-18B6-4040-9F78-6052AF49C681}" type="slidenum">
+              <a:rPr lang="en-US" smtClean="0"/>
+              <a:t>‹#›</a:t>
+            </a:fld>
+            <a:endParaRPr lang="en-US"/>
+          </a:p>
+        </p:txBody>
+      </p:sp>
+    </p:spTree>
+    <p:extLst>
+      <p:ext uri="{BB962C8B-B14F-4D97-AF65-F5344CB8AC3E}">
+        <p14:creationId xmlns:p14="http://schemas.microsoft.com/office/powerpoint/2010/main" val="3297155734"/>
+      </p:ext>
+    </p:extLst>
+  </p:cSld>
+  <p:clrMapOvr>
+    <a:masterClrMapping/>
+  </p:clrMapOvr>
+</p:sldLayout>
+</file>
+
+<file path=ppt/slideLayouts/slideLayout11.xml><?xml version="1.0" encoding="utf-8"?>
+<p:sldLayout xmlns:a="http://schemas.openxmlformats.org/drawingml/2006/main" xmlns:r="http://schemas.openxmlformats.org/officeDocument/2006/relationships" xmlns:p="http://schemas.openxmlformats.org/presentationml/2006/main" type="objTx" preserve="1">
+  <p:cSld name="Content with Caption">
+    <p:spTree>
+      <p:nvGrpSpPr>
+        <p:cNvPr id="1" name=""/>
+        <p:cNvGrpSpPr/>
+        <p:nvPr/>
+      </p:nvGrpSpPr>
+      <p:grpSpPr>
+        <a:xfrm>
+          <a:off x="0" y="0"/>
+          <a:ext cx="0" cy="0"/>
+          <a:chOff x="0" y="0"/>
+          <a:chExt cx="0" cy="0"/>
+        </a:xfrm>
+      </p:grpSpPr>
+      <p:sp>
+        <p:nvSpPr>
+          <p:cNvPr id="2" name="Title 1"/>
+          <p:cNvSpPr>
+            <a:spLocks noGrp="1"/>
+          </p:cNvSpPr>
+          <p:nvPr>
+            <p:ph type="title"/>
+          </p:nvPr>
+        </p:nvSpPr>
+        <p:spPr>
+          <a:xfrm>
+            <a:off x="457200" y="273050"/>
+            <a:ext cx="3008313" cy="1162050"/>
+          </a:xfrm>
+        </p:spPr>
+        <p:txBody>
+          <a:bodyPr anchor="b"/>
+          <a:lstStyle>
+            <a:lvl1pPr algn="l">
+              <a:defRPr sz="2000" b="1"/>
+            </a:lvl1pPr>
+          </a:lstStyle>
+          <a:p>
+            <a:r>
+              <a:rPr lang="en-US" smtClean="0"/>
+              <a:t>Click to edit Master title style</a:t>
+            </a:r>
+            <a:endParaRPr lang="en-US"/>
+          </a:p>
+        </p:txBody>
+      </p:sp>
+      <p:sp>
+        <p:nvSpPr>
+          <p:cNvPr id="3" name="Content Placeholder 2"/>
+          <p:cNvSpPr>
+            <a:spLocks noGrp="1"/>
+          </p:cNvSpPr>
+          <p:nvPr>
+            <p:ph idx="1"/>
+          </p:nvPr>
+        </p:nvSpPr>
+        <p:spPr>
+          <a:xfrm>
+            <a:off x="3575050" y="273050"/>
+            <a:ext cx="5111750" cy="5853113"/>
+          </a:xfrm>
+        </p:spPr>
+        <p:txBody>
+          <a:bodyPr/>
+          <a:lstStyle>
+            <a:lvl1pPr>
+              <a:defRPr sz="3200"/>
+            </a:lvl1pPr>
+            <a:lvl2pPr>
+              <a:defRPr sz="2800"/>
+            </a:lvl2pPr>
+            <a:lvl3pPr>
+              <a:defRPr sz="2400"/>
+            </a:lvl3pPr>
+            <a:lvl4pPr>
+              <a:defRPr sz="2000"/>
+            </a:lvl4pPr>
+            <a:lvl5pPr>
+              <a:defRPr sz="2000"/>
+            </a:lvl5pPr>
+            <a:lvl6pPr>
+              <a:defRPr sz="2000"/>
+            </a:lvl6pPr>
+            <a:lvl7pPr>
+              <a:defRPr sz="2000"/>
+            </a:lvl7pPr>
+            <a:lvl8pPr>
+              <a:defRPr sz="2000"/>
+            </a:lvl8pPr>
+            <a:lvl9pPr>
+              <a:defRPr sz="2000"/>
+            </a:lvl9pPr>
+          </a:lstStyle>
+          <a:p>
+            <a:pPr lvl="0"/>
+            <a:r>
+              <a:rPr lang="en-US" smtClean="0"/>
+              <a:t>Click to edit Master text styles</a:t>
+            </a:r>
+          </a:p>
+          <a:p>
+            <a:pPr lvl="1"/>
+            <a:r>
+              <a:rPr lang="en-US" smtClean="0"/>
+              <a:t>Second level</a:t>
+            </a:r>
+          </a:p>
+          <a:p>
+            <a:pPr lvl="2"/>
+            <a:r>
+              <a:rPr lang="en-US" smtClean="0"/>
+              <a:t>Third level</a:t>
+            </a:r>
+          </a:p>
+          <a:p>
+            <a:pPr lvl="3"/>
+            <a:r>
+              <a:rPr lang="en-US" smtClean="0"/>
+              <a:t>Fourth level</a:t>
+            </a:r>
+          </a:p>
+          <a:p>
+            <a:pPr lvl="4"/>
+            <a:r>
+              <a:rPr lang="en-US" smtClean="0"/>
+              <a:t>Fifth level</a:t>
+            </a:r>
+            <a:endParaRPr lang="en-US"/>
+          </a:p>
+        </p:txBody>
+      </p:sp>
+      <p:sp>
+        <p:nvSpPr>
+          <p:cNvPr id="4" name="Text Placeholder 3"/>
+          <p:cNvSpPr>
+            <a:spLocks noGrp="1"/>
+          </p:cNvSpPr>
+          <p:nvPr>
+            <p:ph type="body" sz="half" idx="2"/>
+          </p:nvPr>
+        </p:nvSpPr>
+        <p:spPr>
+          <a:xfrm>
+            <a:off x="457200" y="1435100"/>
+            <a:ext cx="3008313" cy="4691063"/>
+          </a:xfrm>
+        </p:spPr>
+        <p:txBody>
+          <a:bodyPr/>
+          <a:lstStyle>
+            <a:lvl1pPr marL="0" indent="0">
+              <a:buNone/>
+              <a:defRPr sz="1400"/>
+            </a:lvl1pPr>
+            <a:lvl2pPr marL="457200" indent="0">
+              <a:buNone/>
+              <a:defRPr sz="1200"/>
+            </a:lvl2pPr>
+            <a:lvl3pPr marL="914400" indent="0">
+              <a:buNone/>
+              <a:defRPr sz="1000"/>
+            </a:lvl3pPr>
+            <a:lvl4pPr marL="1371600" indent="0">
+              <a:buNone/>
+              <a:defRPr sz="900"/>
+            </a:lvl4pPr>
+            <a:lvl5pPr marL="1828800" indent="0">
+              <a:buNone/>
+              <a:defRPr sz="900"/>
+            </a:lvl5pPr>
+            <a:lvl6pPr marL="2286000" indent="0">
+              <a:buNone/>
+              <a:defRPr sz="900"/>
+            </a:lvl6pPr>
+            <a:lvl7pPr marL="2743200" indent="0">
+              <a:buNone/>
+              <a:defRPr sz="900"/>
+            </a:lvl7pPr>
+            <a:lvl8pPr marL="3200400" indent="0">
+              <a:buNone/>
+              <a:defRPr sz="900"/>
+            </a:lvl8pPr>
+            <a:lvl9pPr marL="3657600" indent="0">
+              <a:buNone/>
+              <a:defRPr sz="900"/>
+            </a:lvl9pPr>
+          </a:lstStyle>
+          <a:p>
+            <a:pPr lvl="0"/>
+            <a:r>
+              <a:rPr lang="en-US" smtClean="0"/>
+              <a:t>Click to edit Master text styles</a:t>
+            </a:r>
+          </a:p>
+        </p:txBody>
+      </p:sp>
+      <p:sp>
+        <p:nvSpPr>
+          <p:cNvPr id="5" name="Date Placeholder 4"/>
+          <p:cNvSpPr>
+            <a:spLocks noGrp="1"/>
+          </p:cNvSpPr>
+          <p:nvPr>
+            <p:ph type="dt" sz="half" idx="10"/>
+          </p:nvPr>
+        </p:nvSpPr>
+        <p:spPr/>
+        <p:txBody>
+          <a:bodyPr/>
+          <a:lstStyle/>
+          <a:p>
+            <a:fld id="{6E5077B5-BB57-49DB-88CA-226A139E5C01}" type="datetime1">
+              <a:rPr lang="en-US" smtClean="0"/>
+              <a:t>8/20/2015</a:t>
+            </a:fld>
+            <a:endParaRPr lang="en-US"/>
+          </a:p>
+        </p:txBody>
+      </p:sp>
+      <p:sp>
+        <p:nvSpPr>
+          <p:cNvPr id="6" name="Footer Placeholder 5"/>
+          <p:cNvSpPr>
+            <a:spLocks noGrp="1"/>
+          </p:cNvSpPr>
+          <p:nvPr>
+            <p:ph type="ftr" sz="quarter" idx="11"/>
+          </p:nvPr>
+        </p:nvSpPr>
+        <p:spPr/>
+        <p:txBody>
+          <a:bodyPr/>
+          <a:lstStyle/>
+          <a:p>
+            <a:endParaRPr lang="en-US"/>
+          </a:p>
+        </p:txBody>
+      </p:sp>
+      <p:sp>
+        <p:nvSpPr>
+          <p:cNvPr id="7" name="Slide Number Placeholder 6"/>
+          <p:cNvSpPr>
+            <a:spLocks noGrp="1"/>
+          </p:cNvSpPr>
+          <p:nvPr>
+            <p:ph type="sldNum" sz="quarter" idx="12"/>
+          </p:nvPr>
+        </p:nvSpPr>
+        <p:spPr/>
+        <p:txBody>
+          <a:bodyPr/>
+          <a:lstStyle/>
+          <a:p>
+            <a:fld id="{2AF3B5EA-18B6-4040-9F78-6052AF49C681}" type="slidenum">
+              <a:rPr lang="en-US" smtClean="0"/>
+              <a:t>‹#›</a:t>
+            </a:fld>
+            <a:endParaRPr lang="en-US"/>
+          </a:p>
+        </p:txBody>
+      </p:sp>
+    </p:spTree>
+    <p:extLst>
+      <p:ext uri="{BB962C8B-B14F-4D97-AF65-F5344CB8AC3E}">
+        <p14:creationId xmlns:p14="http://schemas.microsoft.com/office/powerpoint/2010/main" val="412259239"/>
+      </p:ext>
+    </p:extLst>
+  </p:cSld>
+  <p:clrMapOvr>
+    <a:masterClrMapping/>
+  </p:clrMapOvr>
+</p:sldLayout>
+</file>
+
+<file path=ppt/slideLayouts/slideLayout12.xml><?xml version="1.0" encoding="utf-8"?>
 <p:sldLayout xmlns:a="http://schemas.openxmlformats.org/drawingml/2006/main" xmlns:r="http://schemas.openxmlformats.org/officeDocument/2006/relationships" xmlns:p="http://schemas.openxmlformats.org/presentationml/2006/main" type="picTx" preserve="1">
   <p:cSld name="Picture with Caption">
     <p:spTree>
@@ -1049,10 +1424,9 @@
           <a:bodyPr/>
           <a:lstStyle/>
           <a:p>
-            <a:fld id="{CBE6DF32-C57F-4EA4-9518-EB5F320F182D}" type="datetimeFigureOut">
-              <a:rPr lang="en-US" smtClean="0"/>
-              <a:pPr/>
-              <a:t>9/15/2014</a:t>
+            <a:fld id="{C48D9447-CBD6-49A1-89FD-8512A8CF8999}" type="datetime1">
+              <a:rPr lang="en-US" smtClean="0"/>
+              <a:t>8/20/2015</a:t>
             </a:fld>
             <a:endParaRPr lang="en-US"/>
           </a:p>
@@ -1092,9 +1466,8 @@
           <a:bodyPr/>
           <a:lstStyle/>
           <a:p>
-            <a:fld id="{9F4492BD-6A9C-48FC-AC76-0B4FE11194A1}" type="slidenum">
-              <a:rPr lang="en-US" smtClean="0"/>
-              <a:pPr/>
+            <a:fld id="{2AF3B5EA-18B6-4040-9F78-6052AF49C681}" type="slidenum">
+              <a:rPr lang="en-US" smtClean="0"/>
               <a:t>‹#›</a:t>
             </a:fld>
             <a:endParaRPr lang="en-US"/>
@@ -1102,6 +1475,11 @@
         </p:txBody>
       </p:sp>
     </p:spTree>
+    <p:extLst>
+      <p:ext uri="{BB962C8B-B14F-4D97-AF65-F5344CB8AC3E}">
+        <p14:creationId xmlns:p14="http://schemas.microsoft.com/office/powerpoint/2010/main" val="1674731102"/>
+      </p:ext>
+    </p:extLst>
   </p:cSld>
   <p:clrMapOvr>
     <a:masterClrMapping/>
@@ -1109,7 +1487,7 @@
 </p:sldLayout>
 </file>
 
-<file path=ppt/slideLayouts/slideLayout11.xml><?xml version="1.0" encoding="utf-8"?>
+<file path=ppt/slideLayouts/slideLayout13.xml><?xml version="1.0" encoding="utf-8"?>
 <p:sldLayout xmlns:a="http://schemas.openxmlformats.org/drawingml/2006/main" xmlns:r="http://schemas.openxmlformats.org/officeDocument/2006/relationships" xmlns:p="http://schemas.openxmlformats.org/presentationml/2006/main" type="vertTx" preserve="1">
   <p:cSld name="Title and Vertical Text">
     <p:spTree>
@@ -1216,10 +1594,9 @@
           <a:bodyPr/>
           <a:lstStyle/>
           <a:p>
-            <a:fld id="{CBE6DF32-C57F-4EA4-9518-EB5F320F182D}" type="datetimeFigureOut">
-              <a:rPr lang="en-US" smtClean="0"/>
-              <a:pPr/>
-              <a:t>9/15/2014</a:t>
+            <a:fld id="{A3639A2A-823D-48B7-9ACE-7FAF42870BA9}" type="datetime1">
+              <a:rPr lang="en-US" smtClean="0"/>
+              <a:t>8/20/2015</a:t>
             </a:fld>
             <a:endParaRPr lang="en-US"/>
           </a:p>
@@ -1259,9 +1636,8 @@
           <a:bodyPr/>
           <a:lstStyle/>
           <a:p>
-            <a:fld id="{9F4492BD-6A9C-48FC-AC76-0B4FE11194A1}" type="slidenum">
-              <a:rPr lang="en-US" smtClean="0"/>
-              <a:pPr/>
+            <a:fld id="{2AF3B5EA-18B6-4040-9F78-6052AF49C681}" type="slidenum">
+              <a:rPr lang="en-US" smtClean="0"/>
               <a:t>‹#›</a:t>
             </a:fld>
             <a:endParaRPr lang="en-US"/>
@@ -1269,6 +1645,11 @@
         </p:txBody>
       </p:sp>
     </p:spTree>
+    <p:extLst>
+      <p:ext uri="{BB962C8B-B14F-4D97-AF65-F5344CB8AC3E}">
+        <p14:creationId xmlns:p14="http://schemas.microsoft.com/office/powerpoint/2010/main" val="2650124520"/>
+      </p:ext>
+    </p:extLst>
   </p:cSld>
   <p:clrMapOvr>
     <a:masterClrMapping/>
@@ -1276,7 +1657,7 @@
 </p:sldLayout>
 </file>
 
-<file path=ppt/slideLayouts/slideLayout12.xml><?xml version="1.0" encoding="utf-8"?>
+<file path=ppt/slideLayouts/slideLayout14.xml><?xml version="1.0" encoding="utf-8"?>
 <p:sldLayout xmlns:a="http://schemas.openxmlformats.org/drawingml/2006/main" xmlns:r="http://schemas.openxmlformats.org/officeDocument/2006/relationships" xmlns:p="http://schemas.openxmlformats.org/presentationml/2006/main" type="vertTitleAndTx" preserve="1">
   <p:cSld name="Vertical Title and Text">
     <p:spTree>
@@ -1393,10 +1774,9 @@
           <a:bodyPr/>
           <a:lstStyle/>
           <a:p>
-            <a:fld id="{CBE6DF32-C57F-4EA4-9518-EB5F320F182D}" type="datetimeFigureOut">
-              <a:rPr lang="en-US" smtClean="0"/>
-              <a:pPr/>
-              <a:t>9/15/2014</a:t>
+            <a:fld id="{ED1B6996-82E9-463C-972C-7B56056E426C}" type="datetime1">
+              <a:rPr lang="en-US" smtClean="0"/>
+              <a:t>8/20/2015</a:t>
             </a:fld>
             <a:endParaRPr lang="en-US"/>
           </a:p>
@@ -1436,9 +1816,8 @@
           <a:bodyPr/>
           <a:lstStyle/>
           <a:p>
-            <a:fld id="{9F4492BD-6A9C-48FC-AC76-0B4FE11194A1}" type="slidenum">
-              <a:rPr lang="en-US" smtClean="0"/>
-              <a:pPr/>
+            <a:fld id="{2AF3B5EA-18B6-4040-9F78-6052AF49C681}" type="slidenum">
+              <a:rPr lang="en-US" smtClean="0"/>
               <a:t>‹#›</a:t>
             </a:fld>
             <a:endParaRPr lang="en-US"/>
@@ -1446,6 +1825,11 @@
         </p:txBody>
       </p:sp>
     </p:spTree>
+    <p:extLst>
+      <p:ext uri="{BB962C8B-B14F-4D97-AF65-F5344CB8AC3E}">
+        <p14:creationId xmlns:p14="http://schemas.microsoft.com/office/powerpoint/2010/main" val="3925729054"/>
+      </p:ext>
+    </p:extLst>
   </p:cSld>
   <p:clrMapOvr>
     <a:masterClrMapping/>
@@ -1453,9 +1837,9 @@
 </p:sldLayout>
 </file>
 
-<file path=ppt/slideLayouts/slideLayout2.xml><?xml version="1.0" encoding="utf-8"?>
-<p:sldLayout xmlns:a="http://schemas.openxmlformats.org/drawingml/2006/main" xmlns:r="http://schemas.openxmlformats.org/officeDocument/2006/relationships" xmlns:p="http://schemas.openxmlformats.org/presentationml/2006/main" type="obj" preserve="1">
-  <p:cSld name="Title and Content">
+<file path=ppt/slideLayouts/slideLayout15.xml><?xml version="1.0" encoding="utf-8"?>
+<p:sldLayout xmlns:a="http://schemas.openxmlformats.org/drawingml/2006/main" xmlns:r="http://schemas.openxmlformats.org/officeDocument/2006/relationships" xmlns:p="http://schemas.openxmlformats.org/presentationml/2006/main" preserve="1" userDrawn="1">
+  <p:cSld name="1_Video">
     <p:spTree>
       <p:nvGrpSpPr>
         <p:cNvPr id="1" name=""/>
@@ -1495,59 +1879,7 @@
       </p:sp>
       <p:sp>
         <p:nvSpPr>
-          <p:cNvPr id="3" name="Content Placeholder 2"/>
-          <p:cNvSpPr>
-            <a:spLocks noGrp="1"/>
-          </p:cNvSpPr>
-          <p:nvPr>
-            <p:ph idx="1"/>
-          </p:nvPr>
-        </p:nvSpPr>
-        <p:spPr/>
-        <p:txBody>
-          <a:bodyPr/>
-          <a:lstStyle/>
-          <a:p>
-            <a:pPr lvl="0"/>
-            <a:r>
-              <a:rPr lang="en-US" smtClean="0"/>
-              <a:t>Click to edit Master text styles</a:t>
-            </a:r>
-          </a:p>
-          <a:p>
-            <a:pPr lvl="1"/>
-            <a:r>
-              <a:rPr lang="en-US" smtClean="0"/>
-              <a:t>Second level</a:t>
-            </a:r>
-          </a:p>
-          <a:p>
-            <a:pPr lvl="2"/>
-            <a:r>
-              <a:rPr lang="en-US" smtClean="0"/>
-              <a:t>Third level</a:t>
-            </a:r>
-          </a:p>
-          <a:p>
-            <a:pPr lvl="3"/>
-            <a:r>
-              <a:rPr lang="en-US" smtClean="0"/>
-              <a:t>Fourth level</a:t>
-            </a:r>
-          </a:p>
-          <a:p>
-            <a:pPr lvl="4"/>
-            <a:r>
-              <a:rPr lang="en-US" smtClean="0"/>
-              <a:t>Fifth level</a:t>
-            </a:r>
-            <a:endParaRPr lang="en-US"/>
-          </a:p>
-        </p:txBody>
-      </p:sp>
-      <p:sp>
-        <p:nvSpPr>
-          <p:cNvPr id="4" name="Date Placeholder 3"/>
+          <p:cNvPr id="3" name="Date Placeholder 2"/>
           <p:cNvSpPr>
             <a:spLocks noGrp="1"/>
           </p:cNvSpPr>
@@ -1563,129 +1895,7 @@
             <a:fld id="{CBE6DF32-C57F-4EA4-9518-EB5F320F182D}" type="datetimeFigureOut">
               <a:rPr lang="en-US" smtClean="0"/>
               <a:pPr/>
-              <a:t>9/15/2014</a:t>
-            </a:fld>
-            <a:endParaRPr lang="en-US"/>
-          </a:p>
-        </p:txBody>
-      </p:sp>
-      <p:sp>
-        <p:nvSpPr>
-          <p:cNvPr id="5" name="Footer Placeholder 4"/>
-          <p:cNvSpPr>
-            <a:spLocks noGrp="1"/>
-          </p:cNvSpPr>
-          <p:nvPr>
-            <p:ph type="ftr" sz="quarter" idx="11"/>
-          </p:nvPr>
-        </p:nvSpPr>
-        <p:spPr/>
-        <p:txBody>
-          <a:bodyPr/>
-          <a:lstStyle/>
-          <a:p>
-            <a:endParaRPr lang="en-US"/>
-          </a:p>
-        </p:txBody>
-      </p:sp>
-      <p:sp>
-        <p:nvSpPr>
-          <p:cNvPr id="6" name="Slide Number Placeholder 5"/>
-          <p:cNvSpPr>
-            <a:spLocks noGrp="1"/>
-          </p:cNvSpPr>
-          <p:nvPr>
-            <p:ph type="sldNum" sz="quarter" idx="12"/>
-          </p:nvPr>
-        </p:nvSpPr>
-        <p:spPr/>
-        <p:txBody>
-          <a:bodyPr/>
-          <a:lstStyle/>
-          <a:p>
-            <a:fld id="{9F4492BD-6A9C-48FC-AC76-0B4FE11194A1}" type="slidenum">
-              <a:rPr lang="en-US" smtClean="0"/>
-              <a:pPr/>
-              <a:t>‹#›</a:t>
-            </a:fld>
-            <a:endParaRPr lang="en-US"/>
-          </a:p>
-        </p:txBody>
-      </p:sp>
-    </p:spTree>
-  </p:cSld>
-  <p:clrMapOvr>
-    <a:masterClrMapping/>
-  </p:clrMapOvr>
-  <p:timing>
-    <p:tnLst>
-      <p:par>
-        <p:cTn id="1" dur="indefinite" restart="never" nodeType="tmRoot"/>
-      </p:par>
-    </p:tnLst>
-  </p:timing>
-</p:sldLayout>
-</file>
-
-<file path=ppt/slideLayouts/slideLayout3.xml><?xml version="1.0" encoding="utf-8"?>
-<p:sldLayout xmlns:a="http://schemas.openxmlformats.org/drawingml/2006/main" xmlns:r="http://schemas.openxmlformats.org/officeDocument/2006/relationships" xmlns:p="http://schemas.openxmlformats.org/presentationml/2006/main" preserve="1" userDrawn="1">
-  <p:cSld name="Video">
-    <p:spTree>
-      <p:nvGrpSpPr>
-        <p:cNvPr id="1" name=""/>
-        <p:cNvGrpSpPr/>
-        <p:nvPr/>
-      </p:nvGrpSpPr>
-      <p:grpSpPr>
-        <a:xfrm>
-          <a:off x="0" y="0"/>
-          <a:ext cx="0" cy="0"/>
-          <a:chOff x="0" y="0"/>
-          <a:chExt cx="0" cy="0"/>
-        </a:xfrm>
-      </p:grpSpPr>
-      <p:sp>
-        <p:nvSpPr>
-          <p:cNvPr id="2" name="Title 1"/>
-          <p:cNvSpPr>
-            <a:spLocks noGrp="1"/>
-          </p:cNvSpPr>
-          <p:nvPr>
-            <p:ph type="title"/>
-          </p:nvPr>
-        </p:nvSpPr>
-        <p:spPr/>
-        <p:txBody>
-          <a:bodyPr/>
-          <a:lstStyle/>
-          <a:p>
-            <a:r>
-              <a:rPr lang="en-US" smtClean="0"/>
-              <a:t>Click to edit Master title style</a:t>
-            </a:r>
-            <a:endParaRPr lang="en-US"/>
-          </a:p>
-        </p:txBody>
-      </p:sp>
-      <p:sp>
-        <p:nvSpPr>
-          <p:cNvPr id="3" name="Date Placeholder 2"/>
-          <p:cNvSpPr>
-            <a:spLocks noGrp="1"/>
-          </p:cNvSpPr>
-          <p:nvPr>
-            <p:ph type="dt" sz="half" idx="10"/>
-          </p:nvPr>
-        </p:nvSpPr>
-        <p:spPr/>
-        <p:txBody>
-          <a:bodyPr/>
-          <a:lstStyle/>
-          <a:p>
-            <a:fld id="{CBE6DF32-C57F-4EA4-9518-EB5F320F182D}" type="datetimeFigureOut">
-              <a:rPr lang="en-US" smtClean="0"/>
-              <a:pPr/>
-              <a:t>9/15/2014</a:t>
+              <a:t>8/20/2015</a:t>
             </a:fld>
             <a:endParaRPr lang="en-US"/>
           </a:p>
@@ -1796,7 +2006,875 @@
 </p:sldLayout>
 </file>
 
+<file path=ppt/slideLayouts/slideLayout2.xml><?xml version="1.0" encoding="utf-8"?>
+<p:sldLayout xmlns:a="http://schemas.openxmlformats.org/drawingml/2006/main" xmlns:r="http://schemas.openxmlformats.org/officeDocument/2006/relationships" xmlns:p="http://schemas.openxmlformats.org/presentationml/2006/main" type="obj" preserve="1">
+  <p:cSld name="Title and Content">
+    <p:spTree>
+      <p:nvGrpSpPr>
+        <p:cNvPr id="1" name=""/>
+        <p:cNvGrpSpPr/>
+        <p:nvPr/>
+      </p:nvGrpSpPr>
+      <p:grpSpPr>
+        <a:xfrm>
+          <a:off x="0" y="0"/>
+          <a:ext cx="0" cy="0"/>
+          <a:chOff x="0" y="0"/>
+          <a:chExt cx="0" cy="0"/>
+        </a:xfrm>
+      </p:grpSpPr>
+      <p:sp>
+        <p:nvSpPr>
+          <p:cNvPr id="2" name="Title 1"/>
+          <p:cNvSpPr>
+            <a:spLocks noGrp="1"/>
+          </p:cNvSpPr>
+          <p:nvPr>
+            <p:ph type="title"/>
+          </p:nvPr>
+        </p:nvSpPr>
+        <p:spPr>
+          <a:ln w="28575">
+            <a:solidFill>
+              <a:schemeClr val="accent1"/>
+            </a:solidFill>
+          </a:ln>
+        </p:spPr>
+        <p:txBody>
+          <a:bodyPr/>
+          <a:lstStyle/>
+          <a:p>
+            <a:r>
+              <a:rPr lang="en-US" dirty="0" smtClean="0"/>
+              <a:t>Click to edit Master title style</a:t>
+            </a:r>
+            <a:endParaRPr lang="en-US" dirty="0"/>
+          </a:p>
+        </p:txBody>
+      </p:sp>
+      <p:sp>
+        <p:nvSpPr>
+          <p:cNvPr id="3" name="Content Placeholder 2"/>
+          <p:cNvSpPr>
+            <a:spLocks noGrp="1"/>
+          </p:cNvSpPr>
+          <p:nvPr>
+            <p:ph idx="1"/>
+          </p:nvPr>
+        </p:nvSpPr>
+        <p:spPr/>
+        <p:txBody>
+          <a:bodyPr/>
+          <a:lstStyle/>
+          <a:p>
+            <a:pPr lvl="0"/>
+            <a:r>
+              <a:rPr lang="en-US" smtClean="0"/>
+              <a:t>Click to edit Master text styles</a:t>
+            </a:r>
+          </a:p>
+          <a:p>
+            <a:pPr lvl="1"/>
+            <a:r>
+              <a:rPr lang="en-US" smtClean="0"/>
+              <a:t>Second level</a:t>
+            </a:r>
+          </a:p>
+          <a:p>
+            <a:pPr lvl="2"/>
+            <a:r>
+              <a:rPr lang="en-US" smtClean="0"/>
+              <a:t>Third level</a:t>
+            </a:r>
+          </a:p>
+          <a:p>
+            <a:pPr lvl="3"/>
+            <a:r>
+              <a:rPr lang="en-US" smtClean="0"/>
+              <a:t>Fourth level</a:t>
+            </a:r>
+          </a:p>
+          <a:p>
+            <a:pPr lvl="4"/>
+            <a:r>
+              <a:rPr lang="en-US" smtClean="0"/>
+              <a:t>Fifth level</a:t>
+            </a:r>
+            <a:endParaRPr lang="en-US"/>
+          </a:p>
+        </p:txBody>
+      </p:sp>
+      <p:sp>
+        <p:nvSpPr>
+          <p:cNvPr id="4" name="Date Placeholder 3"/>
+          <p:cNvSpPr>
+            <a:spLocks noGrp="1"/>
+          </p:cNvSpPr>
+          <p:nvPr>
+            <p:ph type="dt" sz="half" idx="10"/>
+          </p:nvPr>
+        </p:nvSpPr>
+        <p:spPr/>
+        <p:txBody>
+          <a:bodyPr/>
+          <a:lstStyle/>
+          <a:p>
+            <a:fld id="{E22ED4DA-448D-4BB1-B935-CC112220207B}" type="datetime1">
+              <a:rPr lang="en-US" smtClean="0"/>
+              <a:t>8/20/2015</a:t>
+            </a:fld>
+            <a:endParaRPr lang="en-US"/>
+          </a:p>
+        </p:txBody>
+      </p:sp>
+      <p:sp>
+        <p:nvSpPr>
+          <p:cNvPr id="5" name="Footer Placeholder 4"/>
+          <p:cNvSpPr>
+            <a:spLocks noGrp="1"/>
+          </p:cNvSpPr>
+          <p:nvPr>
+            <p:ph type="ftr" sz="quarter" idx="11"/>
+          </p:nvPr>
+        </p:nvSpPr>
+        <p:spPr/>
+        <p:txBody>
+          <a:bodyPr/>
+          <a:lstStyle/>
+          <a:p>
+            <a:endParaRPr lang="en-US"/>
+          </a:p>
+        </p:txBody>
+      </p:sp>
+      <p:sp>
+        <p:nvSpPr>
+          <p:cNvPr id="6" name="Slide Number Placeholder 5"/>
+          <p:cNvSpPr>
+            <a:spLocks noGrp="1"/>
+          </p:cNvSpPr>
+          <p:nvPr>
+            <p:ph type="sldNum" sz="quarter" idx="12"/>
+          </p:nvPr>
+        </p:nvSpPr>
+        <p:spPr/>
+        <p:txBody>
+          <a:bodyPr/>
+          <a:lstStyle/>
+          <a:p>
+            <a:fld id="{2AF3B5EA-18B6-4040-9F78-6052AF49C681}" type="slidenum">
+              <a:rPr lang="en-US" smtClean="0"/>
+              <a:t>‹#›</a:t>
+            </a:fld>
+            <a:endParaRPr lang="en-US"/>
+          </a:p>
+        </p:txBody>
+      </p:sp>
+    </p:spTree>
+    <p:extLst>
+      <p:ext uri="{BB962C8B-B14F-4D97-AF65-F5344CB8AC3E}">
+        <p14:creationId xmlns:p14="http://schemas.microsoft.com/office/powerpoint/2010/main" val="999094658"/>
+      </p:ext>
+    </p:extLst>
+  </p:cSld>
+  <p:clrMapOvr>
+    <a:masterClrMapping/>
+  </p:clrMapOvr>
+  <p:timing>
+    <p:tnLst>
+      <p:par>
+        <p:cTn id="1" dur="indefinite" restart="never" nodeType="tmRoot"/>
+      </p:par>
+    </p:tnLst>
+  </p:timing>
+</p:sldLayout>
+</file>
+
+<file path=ppt/slideLayouts/slideLayout3.xml><?xml version="1.0" encoding="utf-8"?>
+<p:sldLayout xmlns:a="http://schemas.openxmlformats.org/drawingml/2006/main" xmlns:r="http://schemas.openxmlformats.org/officeDocument/2006/relationships" xmlns:p="http://schemas.openxmlformats.org/presentationml/2006/main" type="obj" preserve="1">
+  <p:cSld name="Video">
+    <p:spTree>
+      <p:nvGrpSpPr>
+        <p:cNvPr id="1" name=""/>
+        <p:cNvGrpSpPr/>
+        <p:nvPr/>
+      </p:nvGrpSpPr>
+      <p:grpSpPr>
+        <a:xfrm>
+          <a:off x="0" y="0"/>
+          <a:ext cx="0" cy="0"/>
+          <a:chOff x="0" y="0"/>
+          <a:chExt cx="0" cy="0"/>
+        </a:xfrm>
+      </p:grpSpPr>
+      <p:sp>
+        <p:nvSpPr>
+          <p:cNvPr id="2" name="Title 1"/>
+          <p:cNvSpPr>
+            <a:spLocks noGrp="1"/>
+          </p:cNvSpPr>
+          <p:nvPr>
+            <p:ph type="title"/>
+          </p:nvPr>
+        </p:nvSpPr>
+        <p:spPr/>
+        <p:txBody>
+          <a:bodyPr/>
+          <a:lstStyle/>
+          <a:p>
+            <a:r>
+              <a:rPr lang="en-US" smtClean="0"/>
+              <a:t>Click to edit Master title style</a:t>
+            </a:r>
+            <a:endParaRPr lang="en-US"/>
+          </a:p>
+        </p:txBody>
+      </p:sp>
+      <p:sp>
+        <p:nvSpPr>
+          <p:cNvPr id="3" name="Content Placeholder 2"/>
+          <p:cNvSpPr>
+            <a:spLocks noGrp="1"/>
+          </p:cNvSpPr>
+          <p:nvPr>
+            <p:ph idx="1"/>
+          </p:nvPr>
+        </p:nvSpPr>
+        <p:spPr>
+          <a:xfrm>
+            <a:off x="1523999" y="2590798"/>
+            <a:ext cx="6096000" cy="2544763"/>
+          </a:xfrm>
+        </p:spPr>
+        <p:txBody>
+          <a:bodyPr/>
+          <a:lstStyle/>
+          <a:p>
+            <a:pPr lvl="0"/>
+            <a:r>
+              <a:rPr lang="en-US" dirty="0" smtClean="0"/>
+              <a:t>Click to edit Master text styles</a:t>
+            </a:r>
+          </a:p>
+          <a:p>
+            <a:pPr lvl="1"/>
+            <a:r>
+              <a:rPr lang="en-US" dirty="0" smtClean="0"/>
+              <a:t>Second level</a:t>
+            </a:r>
+          </a:p>
+          <a:p>
+            <a:pPr lvl="2"/>
+            <a:r>
+              <a:rPr lang="en-US" dirty="0" smtClean="0"/>
+              <a:t>Third level</a:t>
+            </a:r>
+          </a:p>
+          <a:p>
+            <a:pPr lvl="3"/>
+            <a:r>
+              <a:rPr lang="en-US" dirty="0" smtClean="0"/>
+              <a:t>Fourth level</a:t>
+            </a:r>
+          </a:p>
+          <a:p>
+            <a:pPr lvl="4"/>
+            <a:r>
+              <a:rPr lang="en-US" dirty="0" smtClean="0"/>
+              <a:t>Fifth level</a:t>
+            </a:r>
+            <a:endParaRPr lang="en-US" dirty="0"/>
+          </a:p>
+        </p:txBody>
+      </p:sp>
+      <p:sp>
+        <p:nvSpPr>
+          <p:cNvPr id="4" name="Date Placeholder 3"/>
+          <p:cNvSpPr>
+            <a:spLocks noGrp="1"/>
+          </p:cNvSpPr>
+          <p:nvPr>
+            <p:ph type="dt" sz="half" idx="10"/>
+          </p:nvPr>
+        </p:nvSpPr>
+        <p:spPr/>
+        <p:txBody>
+          <a:bodyPr/>
+          <a:lstStyle/>
+          <a:p>
+            <a:fld id="{E22ED4DA-448D-4BB1-B935-CC112220207B}" type="datetime1">
+              <a:rPr lang="en-US" smtClean="0"/>
+              <a:t>8/20/2015</a:t>
+            </a:fld>
+            <a:endParaRPr lang="en-US"/>
+          </a:p>
+        </p:txBody>
+      </p:sp>
+      <p:sp>
+        <p:nvSpPr>
+          <p:cNvPr id="5" name="Footer Placeholder 4"/>
+          <p:cNvSpPr>
+            <a:spLocks noGrp="1"/>
+          </p:cNvSpPr>
+          <p:nvPr>
+            <p:ph type="ftr" sz="quarter" idx="11"/>
+          </p:nvPr>
+        </p:nvSpPr>
+        <p:spPr/>
+        <p:txBody>
+          <a:bodyPr/>
+          <a:lstStyle/>
+          <a:p>
+            <a:endParaRPr lang="en-US"/>
+          </a:p>
+        </p:txBody>
+      </p:sp>
+      <p:sp>
+        <p:nvSpPr>
+          <p:cNvPr id="6" name="Slide Number Placeholder 5"/>
+          <p:cNvSpPr>
+            <a:spLocks noGrp="1"/>
+          </p:cNvSpPr>
+          <p:nvPr>
+            <p:ph type="sldNum" sz="quarter" idx="12"/>
+          </p:nvPr>
+        </p:nvSpPr>
+        <p:spPr/>
+        <p:txBody>
+          <a:bodyPr/>
+          <a:lstStyle/>
+          <a:p>
+            <a:fld id="{2AF3B5EA-18B6-4040-9F78-6052AF49C681}" type="slidenum">
+              <a:rPr lang="en-US" smtClean="0"/>
+              <a:t>‹#›</a:t>
+            </a:fld>
+            <a:endParaRPr lang="en-US"/>
+          </a:p>
+        </p:txBody>
+      </p:sp>
+      <p:sp>
+        <p:nvSpPr>
+          <p:cNvPr id="7" name="Rectangle 6"/>
+          <p:cNvSpPr/>
+          <p:nvPr userDrawn="1"/>
+        </p:nvSpPr>
+        <p:spPr>
+          <a:xfrm>
+            <a:off x="794551" y="1719223"/>
+            <a:ext cx="7554897" cy="4287915"/>
+          </a:xfrm>
+          <a:prstGeom prst="rect">
+            <a:avLst/>
+          </a:prstGeom>
+          <a:noFill/>
+          <a:ln w="12700">
+            <a:solidFill>
+              <a:schemeClr val="tx1"/>
+            </a:solidFill>
+          </a:ln>
+        </p:spPr>
+        <p:style>
+          <a:lnRef idx="2">
+            <a:schemeClr val="accent1">
+              <a:shade val="50000"/>
+            </a:schemeClr>
+          </a:lnRef>
+          <a:fillRef idx="1">
+            <a:schemeClr val="accent1"/>
+          </a:fillRef>
+          <a:effectRef idx="0">
+            <a:schemeClr val="accent1"/>
+          </a:effectRef>
+          <a:fontRef idx="minor">
+            <a:schemeClr val="lt1"/>
+          </a:fontRef>
+        </p:style>
+        <p:txBody>
+          <a:bodyPr rtlCol="0" anchor="ctr"/>
+          <a:lstStyle/>
+          <a:p>
+            <a:pPr algn="ctr"/>
+            <a:endParaRPr lang="en-US" dirty="0" smtClean="0">
+              <a:solidFill>
+                <a:schemeClr val="tx1"/>
+              </a:solidFill>
+            </a:endParaRPr>
+          </a:p>
+        </p:txBody>
+      </p:sp>
+      <p:sp>
+        <p:nvSpPr>
+          <p:cNvPr id="8" name="TextBox 7"/>
+          <p:cNvSpPr txBox="1"/>
+          <p:nvPr userDrawn="1"/>
+        </p:nvSpPr>
+        <p:spPr>
+          <a:xfrm>
+            <a:off x="5943600" y="1793674"/>
+            <a:ext cx="2286000" cy="646331"/>
+          </a:xfrm>
+          <a:prstGeom prst="rect">
+            <a:avLst/>
+          </a:prstGeom>
+          <a:noFill/>
+        </p:spPr>
+        <p:txBody>
+          <a:bodyPr wrap="square" rtlCol="0">
+            <a:spAutoFit/>
+          </a:bodyPr>
+          <a:lstStyle/>
+          <a:p>
+            <a:r>
+              <a:rPr lang="en-US" dirty="0" smtClean="0"/>
+              <a:t>Resize video to this</a:t>
+            </a:r>
+            <a:r>
+              <a:rPr lang="en-US" baseline="0" dirty="0" smtClean="0"/>
+              <a:t> box.</a:t>
+            </a:r>
+            <a:endParaRPr lang="en-US" dirty="0"/>
+          </a:p>
+        </p:txBody>
+      </p:sp>
+    </p:spTree>
+    <p:extLst>
+      <p:ext uri="{BB962C8B-B14F-4D97-AF65-F5344CB8AC3E}">
+        <p14:creationId xmlns:p14="http://schemas.microsoft.com/office/powerpoint/2010/main" val="3952427455"/>
+      </p:ext>
+    </p:extLst>
+  </p:cSld>
+  <p:clrMapOvr>
+    <a:masterClrMapping/>
+  </p:clrMapOvr>
+  <p:timing>
+    <p:tnLst>
+      <p:par>
+        <p:cTn id="1" dur="indefinite" restart="never" nodeType="tmRoot"/>
+      </p:par>
+    </p:tnLst>
+  </p:timing>
+</p:sldLayout>
+</file>
+
 <file path=ppt/slideLayouts/slideLayout4.xml><?xml version="1.0" encoding="utf-8"?>
+<p:sldLayout xmlns:a="http://schemas.openxmlformats.org/drawingml/2006/main" xmlns:r="http://schemas.openxmlformats.org/officeDocument/2006/relationships" xmlns:p="http://schemas.openxmlformats.org/presentationml/2006/main" type="obj" preserve="1">
+  <p:cSld name="Code">
+    <p:spTree>
+      <p:nvGrpSpPr>
+        <p:cNvPr id="1" name=""/>
+        <p:cNvGrpSpPr/>
+        <p:nvPr/>
+      </p:nvGrpSpPr>
+      <p:grpSpPr>
+        <a:xfrm>
+          <a:off x="0" y="0"/>
+          <a:ext cx="0" cy="0"/>
+          <a:chOff x="0" y="0"/>
+          <a:chExt cx="0" cy="0"/>
+        </a:xfrm>
+      </p:grpSpPr>
+      <p:sp>
+        <p:nvSpPr>
+          <p:cNvPr id="2" name="Title 1"/>
+          <p:cNvSpPr>
+            <a:spLocks noGrp="1"/>
+          </p:cNvSpPr>
+          <p:nvPr>
+            <p:ph type="title"/>
+          </p:nvPr>
+        </p:nvSpPr>
+        <p:spPr/>
+        <p:txBody>
+          <a:bodyPr/>
+          <a:lstStyle/>
+          <a:p>
+            <a:r>
+              <a:rPr lang="en-US" smtClean="0"/>
+              <a:t>Click to edit Master title style</a:t>
+            </a:r>
+            <a:endParaRPr lang="en-US"/>
+          </a:p>
+        </p:txBody>
+      </p:sp>
+      <p:sp>
+        <p:nvSpPr>
+          <p:cNvPr id="3" name="Content Placeholder 2"/>
+          <p:cNvSpPr>
+            <a:spLocks noGrp="1"/>
+          </p:cNvSpPr>
+          <p:nvPr>
+            <p:ph idx="1"/>
+          </p:nvPr>
+        </p:nvSpPr>
+        <p:spPr/>
+        <p:txBody>
+          <a:bodyPr/>
+          <a:lstStyle>
+            <a:lvl1pPr marL="0" indent="0">
+              <a:buNone/>
+              <a:defRPr b="1">
+                <a:latin typeface="Consolas" pitchFamily="49" charset="0"/>
+                <a:cs typeface="Consolas" pitchFamily="49" charset="0"/>
+              </a:defRPr>
+            </a:lvl1pPr>
+          </a:lstStyle>
+          <a:p>
+            <a:pPr lvl="0"/>
+            <a:r>
+              <a:rPr lang="en-US" dirty="0" smtClean="0"/>
+              <a:t>Click to edit Master text styles</a:t>
+            </a:r>
+          </a:p>
+          <a:p>
+            <a:pPr lvl="1"/>
+            <a:r>
+              <a:rPr lang="en-US" dirty="0" smtClean="0"/>
+              <a:t>Second level</a:t>
+            </a:r>
+          </a:p>
+          <a:p>
+            <a:pPr lvl="2"/>
+            <a:r>
+              <a:rPr lang="en-US" dirty="0" smtClean="0"/>
+              <a:t>Third level</a:t>
+            </a:r>
+          </a:p>
+          <a:p>
+            <a:pPr lvl="3"/>
+            <a:r>
+              <a:rPr lang="en-US" dirty="0" smtClean="0"/>
+              <a:t>Fourth level</a:t>
+            </a:r>
+          </a:p>
+          <a:p>
+            <a:pPr lvl="4"/>
+            <a:r>
+              <a:rPr lang="en-US" dirty="0" smtClean="0"/>
+              <a:t>Fifth level</a:t>
+            </a:r>
+            <a:endParaRPr lang="en-US" dirty="0"/>
+          </a:p>
+        </p:txBody>
+      </p:sp>
+      <p:sp>
+        <p:nvSpPr>
+          <p:cNvPr id="4" name="Date Placeholder 3"/>
+          <p:cNvSpPr>
+            <a:spLocks noGrp="1"/>
+          </p:cNvSpPr>
+          <p:nvPr>
+            <p:ph type="dt" sz="half" idx="10"/>
+          </p:nvPr>
+        </p:nvSpPr>
+        <p:spPr/>
+        <p:txBody>
+          <a:bodyPr/>
+          <a:lstStyle/>
+          <a:p>
+            <a:fld id="{FF5D65A6-AB94-4435-B0B7-3743215FA46C}" type="datetime1">
+              <a:rPr lang="en-US" smtClean="0"/>
+              <a:t>8/20/2015</a:t>
+            </a:fld>
+            <a:endParaRPr lang="en-US"/>
+          </a:p>
+        </p:txBody>
+      </p:sp>
+      <p:sp>
+        <p:nvSpPr>
+          <p:cNvPr id="5" name="Footer Placeholder 4"/>
+          <p:cNvSpPr>
+            <a:spLocks noGrp="1"/>
+          </p:cNvSpPr>
+          <p:nvPr>
+            <p:ph type="ftr" sz="quarter" idx="11"/>
+          </p:nvPr>
+        </p:nvSpPr>
+        <p:spPr/>
+        <p:txBody>
+          <a:bodyPr/>
+          <a:lstStyle/>
+          <a:p>
+            <a:endParaRPr lang="en-US"/>
+          </a:p>
+        </p:txBody>
+      </p:sp>
+      <p:sp>
+        <p:nvSpPr>
+          <p:cNvPr id="6" name="Slide Number Placeholder 5"/>
+          <p:cNvSpPr>
+            <a:spLocks noGrp="1"/>
+          </p:cNvSpPr>
+          <p:nvPr>
+            <p:ph type="sldNum" sz="quarter" idx="12"/>
+          </p:nvPr>
+        </p:nvSpPr>
+        <p:spPr/>
+        <p:txBody>
+          <a:bodyPr/>
+          <a:lstStyle/>
+          <a:p>
+            <a:fld id="{2AF3B5EA-18B6-4040-9F78-6052AF49C681}" type="slidenum">
+              <a:rPr lang="en-US" smtClean="0"/>
+              <a:t>‹#›</a:t>
+            </a:fld>
+            <a:endParaRPr lang="en-US"/>
+          </a:p>
+        </p:txBody>
+      </p:sp>
+    </p:spTree>
+    <p:extLst>
+      <p:ext uri="{BB962C8B-B14F-4D97-AF65-F5344CB8AC3E}">
+        <p14:creationId xmlns:p14="http://schemas.microsoft.com/office/powerpoint/2010/main" val="2590480452"/>
+      </p:ext>
+    </p:extLst>
+  </p:cSld>
+  <p:clrMapOvr>
+    <a:masterClrMapping/>
+  </p:clrMapOvr>
+  <p:timing>
+    <p:tnLst>
+      <p:par>
+        <p:cTn id="1" dur="indefinite" restart="never" nodeType="tmRoot"/>
+      </p:par>
+    </p:tnLst>
+  </p:timing>
+</p:sldLayout>
+</file>
+
+<file path=ppt/slideLayouts/slideLayout5.xml><?xml version="1.0" encoding="utf-8"?>
+<p:sldLayout xmlns:a="http://schemas.openxmlformats.org/drawingml/2006/main" xmlns:r="http://schemas.openxmlformats.org/officeDocument/2006/relationships" xmlns:p="http://schemas.openxmlformats.org/presentationml/2006/main" type="obj" preserve="1">
+  <p:cSld name="Video Clip">
+    <p:spTree>
+      <p:nvGrpSpPr>
+        <p:cNvPr id="1" name=""/>
+        <p:cNvGrpSpPr/>
+        <p:nvPr/>
+      </p:nvGrpSpPr>
+      <p:grpSpPr>
+        <a:xfrm>
+          <a:off x="0" y="0"/>
+          <a:ext cx="0" cy="0"/>
+          <a:chOff x="0" y="0"/>
+          <a:chExt cx="0" cy="0"/>
+        </a:xfrm>
+      </p:grpSpPr>
+      <p:sp>
+        <p:nvSpPr>
+          <p:cNvPr id="2" name="Title 1"/>
+          <p:cNvSpPr>
+            <a:spLocks noGrp="1"/>
+          </p:cNvSpPr>
+          <p:nvPr>
+            <p:ph type="title"/>
+          </p:nvPr>
+        </p:nvSpPr>
+        <p:spPr/>
+        <p:txBody>
+          <a:bodyPr/>
+          <a:lstStyle/>
+          <a:p>
+            <a:r>
+              <a:rPr lang="en-US" smtClean="0"/>
+              <a:t>Click to edit Master title style</a:t>
+            </a:r>
+            <a:endParaRPr lang="en-US"/>
+          </a:p>
+        </p:txBody>
+      </p:sp>
+      <p:sp>
+        <p:nvSpPr>
+          <p:cNvPr id="3" name="Content Placeholder 2"/>
+          <p:cNvSpPr>
+            <a:spLocks noGrp="1"/>
+          </p:cNvSpPr>
+          <p:nvPr>
+            <p:ph idx="1"/>
+          </p:nvPr>
+        </p:nvSpPr>
+        <p:spPr/>
+        <p:txBody>
+          <a:bodyPr/>
+          <a:lstStyle>
+            <a:lvl1pPr marL="0" indent="0">
+              <a:buNone/>
+              <a:defRPr b="1">
+                <a:latin typeface="Consolas" pitchFamily="49" charset="0"/>
+                <a:cs typeface="Consolas" pitchFamily="49" charset="0"/>
+              </a:defRPr>
+            </a:lvl1pPr>
+          </a:lstStyle>
+          <a:p>
+            <a:pPr lvl="0"/>
+            <a:r>
+              <a:rPr lang="en-US" dirty="0" smtClean="0"/>
+              <a:t>Click to edit Master text styles</a:t>
+            </a:r>
+          </a:p>
+          <a:p>
+            <a:pPr lvl="1"/>
+            <a:r>
+              <a:rPr lang="en-US" dirty="0" smtClean="0"/>
+              <a:t>Second level</a:t>
+            </a:r>
+          </a:p>
+          <a:p>
+            <a:pPr lvl="2"/>
+            <a:r>
+              <a:rPr lang="en-US" dirty="0" smtClean="0"/>
+              <a:t>Third level</a:t>
+            </a:r>
+          </a:p>
+          <a:p>
+            <a:pPr lvl="3"/>
+            <a:r>
+              <a:rPr lang="en-US" dirty="0" smtClean="0"/>
+              <a:t>Fourth level</a:t>
+            </a:r>
+          </a:p>
+          <a:p>
+            <a:pPr lvl="4"/>
+            <a:r>
+              <a:rPr lang="en-US" dirty="0" smtClean="0"/>
+              <a:t>Fifth level</a:t>
+            </a:r>
+            <a:endParaRPr lang="en-US" dirty="0"/>
+          </a:p>
+        </p:txBody>
+      </p:sp>
+      <p:sp>
+        <p:nvSpPr>
+          <p:cNvPr id="4" name="Date Placeholder 3"/>
+          <p:cNvSpPr>
+            <a:spLocks noGrp="1"/>
+          </p:cNvSpPr>
+          <p:nvPr>
+            <p:ph type="dt" sz="half" idx="10"/>
+          </p:nvPr>
+        </p:nvSpPr>
+        <p:spPr/>
+        <p:txBody>
+          <a:bodyPr/>
+          <a:lstStyle/>
+          <a:p>
+            <a:fld id="{FF5D65A6-AB94-4435-B0B7-3743215FA46C}" type="datetime1">
+              <a:rPr lang="en-US" smtClean="0"/>
+              <a:t>8/20/2015</a:t>
+            </a:fld>
+            <a:endParaRPr lang="en-US"/>
+          </a:p>
+        </p:txBody>
+      </p:sp>
+      <p:sp>
+        <p:nvSpPr>
+          <p:cNvPr id="5" name="Footer Placeholder 4"/>
+          <p:cNvSpPr>
+            <a:spLocks noGrp="1"/>
+          </p:cNvSpPr>
+          <p:nvPr>
+            <p:ph type="ftr" sz="quarter" idx="11"/>
+          </p:nvPr>
+        </p:nvSpPr>
+        <p:spPr/>
+        <p:txBody>
+          <a:bodyPr/>
+          <a:lstStyle/>
+          <a:p>
+            <a:endParaRPr lang="en-US"/>
+          </a:p>
+        </p:txBody>
+      </p:sp>
+      <p:sp>
+        <p:nvSpPr>
+          <p:cNvPr id="7" name="Rectangle 6"/>
+          <p:cNvSpPr/>
+          <p:nvPr userDrawn="1"/>
+        </p:nvSpPr>
+        <p:spPr>
+          <a:xfrm>
+            <a:off x="609600" y="1676400"/>
+            <a:ext cx="7924800" cy="4343400"/>
+          </a:xfrm>
+          <a:prstGeom prst="rect">
+            <a:avLst/>
+          </a:prstGeom>
+          <a:noFill/>
+          <a:ln/>
+        </p:spPr>
+        <p:style>
+          <a:lnRef idx="2">
+            <a:schemeClr val="dk1"/>
+          </a:lnRef>
+          <a:fillRef idx="1">
+            <a:schemeClr val="lt1"/>
+          </a:fillRef>
+          <a:effectRef idx="0">
+            <a:schemeClr val="dk1"/>
+          </a:effectRef>
+          <a:fontRef idx="minor">
+            <a:schemeClr val="dk1"/>
+          </a:fontRef>
+        </p:style>
+        <p:txBody>
+          <a:bodyPr rot="0" spcFirstLastPara="0" vertOverflow="overflow" horzOverflow="overflow" vert="horz" wrap="square" lIns="91440" tIns="45720" rIns="91440" bIns="45720" numCol="1" spcCol="0" rtlCol="0" fromWordArt="0" anchor="ctr" anchorCtr="0" forceAA="0" compatLnSpc="1">
+            <a:prstTxWarp prst="textNoShape">
+              <a:avLst/>
+            </a:prstTxWarp>
+            <a:noAutofit/>
+          </a:bodyPr>
+          <a:lstStyle/>
+          <a:p>
+            <a:pPr algn="ctr"/>
+            <a:endParaRPr lang="en-US" dirty="0">
+              <a:solidFill>
+                <a:schemeClr val="tx1"/>
+              </a:solidFill>
+            </a:endParaRPr>
+          </a:p>
+        </p:txBody>
+      </p:sp>
+      <p:sp>
+        <p:nvSpPr>
+          <p:cNvPr id="6" name="Slide Number Placeholder 5"/>
+          <p:cNvSpPr>
+            <a:spLocks noGrp="1"/>
+          </p:cNvSpPr>
+          <p:nvPr>
+            <p:ph type="sldNum" sz="quarter" idx="12"/>
+          </p:nvPr>
+        </p:nvSpPr>
+        <p:spPr/>
+        <p:txBody>
+          <a:bodyPr/>
+          <a:lstStyle/>
+          <a:p>
+            <a:fld id="{2AF3B5EA-18B6-4040-9F78-6052AF49C681}" type="slidenum">
+              <a:rPr lang="en-US" smtClean="0"/>
+              <a:t>‹#›</a:t>
+            </a:fld>
+            <a:endParaRPr lang="en-US"/>
+          </a:p>
+        </p:txBody>
+      </p:sp>
+    </p:spTree>
+    <p:extLst>
+      <p:ext uri="{BB962C8B-B14F-4D97-AF65-F5344CB8AC3E}">
+        <p14:creationId xmlns:p14="http://schemas.microsoft.com/office/powerpoint/2010/main" val="4104095517"/>
+      </p:ext>
+    </p:extLst>
+  </p:cSld>
+  <p:clrMapOvr>
+    <a:masterClrMapping/>
+  </p:clrMapOvr>
+  <p:timing>
+    <p:tnLst>
+      <p:par>
+        <p:cTn id="1" dur="indefinite" restart="never" nodeType="tmRoot"/>
+      </p:par>
+    </p:tnLst>
+  </p:timing>
+</p:sldLayout>
+</file>
+
+<file path=ppt/slideLayouts/slideLayout6.xml><?xml version="1.0" encoding="utf-8"?>
 <p:sldLayout xmlns:a="http://schemas.openxmlformats.org/drawingml/2006/main" xmlns:r="http://schemas.openxmlformats.org/officeDocument/2006/relationships" xmlns:p="http://schemas.openxmlformats.org/presentationml/2006/main" type="secHead" preserve="1">
   <p:cSld name="Section Header">
     <p:spTree>
@@ -1979,10 +3057,9 @@
           <a:bodyPr/>
           <a:lstStyle/>
           <a:p>
-            <a:fld id="{CBE6DF32-C57F-4EA4-9518-EB5F320F182D}" type="datetimeFigureOut">
-              <a:rPr lang="en-US" smtClean="0"/>
-              <a:pPr/>
-              <a:t>9/15/2014</a:t>
+            <a:fld id="{7C193DC4-6EF0-48C9-B29C-616106A645E1}" type="datetime1">
+              <a:rPr lang="en-US" smtClean="0"/>
+              <a:t>8/20/2015</a:t>
             </a:fld>
             <a:endParaRPr lang="en-US"/>
           </a:p>
@@ -2022,9 +3099,8 @@
           <a:bodyPr/>
           <a:lstStyle/>
           <a:p>
-            <a:fld id="{9F4492BD-6A9C-48FC-AC76-0B4FE11194A1}" type="slidenum">
-              <a:rPr lang="en-US" smtClean="0"/>
-              <a:pPr/>
+            <a:fld id="{2AF3B5EA-18B6-4040-9F78-6052AF49C681}" type="slidenum">
+              <a:rPr lang="en-US" smtClean="0"/>
               <a:t>‹#›</a:t>
             </a:fld>
             <a:endParaRPr lang="en-US"/>
@@ -2032,6 +3108,11 @@
         </p:txBody>
       </p:sp>
     </p:spTree>
+    <p:extLst>
+      <p:ext uri="{BB962C8B-B14F-4D97-AF65-F5344CB8AC3E}">
+        <p14:creationId xmlns:p14="http://schemas.microsoft.com/office/powerpoint/2010/main" val="3292323445"/>
+      </p:ext>
+    </p:extLst>
   </p:cSld>
   <p:clrMapOvr>
     <a:masterClrMapping/>
@@ -2039,7 +3120,7 @@
 </p:sldLayout>
 </file>
 
-<file path=ppt/slideLayouts/slideLayout5.xml><?xml version="1.0" encoding="utf-8"?>
+<file path=ppt/slideLayouts/slideLayout7.xml><?xml version="1.0" encoding="utf-8"?>
 <p:sldLayout xmlns:a="http://schemas.openxmlformats.org/drawingml/2006/main" xmlns:r="http://schemas.openxmlformats.org/officeDocument/2006/relationships" xmlns:p="http://schemas.openxmlformats.org/presentationml/2006/main" type="twoObj" preserve="1">
   <p:cSld name="Two Content">
     <p:spTree>
@@ -2264,10 +3345,9 @@
           <a:bodyPr/>
           <a:lstStyle/>
           <a:p>
-            <a:fld id="{CBE6DF32-C57F-4EA4-9518-EB5F320F182D}" type="datetimeFigureOut">
-              <a:rPr lang="en-US" smtClean="0"/>
-              <a:pPr/>
-              <a:t>9/15/2014</a:t>
+            <a:fld id="{5D1846AD-9252-4647-9435-4C2AC365653A}" type="datetime1">
+              <a:rPr lang="en-US" smtClean="0"/>
+              <a:t>8/20/2015</a:t>
             </a:fld>
             <a:endParaRPr lang="en-US"/>
           </a:p>
@@ -2307,9 +3387,8 @@
           <a:bodyPr/>
           <a:lstStyle/>
           <a:p>
-            <a:fld id="{9F4492BD-6A9C-48FC-AC76-0B4FE11194A1}" type="slidenum">
-              <a:rPr lang="en-US" smtClean="0"/>
-              <a:pPr/>
+            <a:fld id="{2AF3B5EA-18B6-4040-9F78-6052AF49C681}" type="slidenum">
+              <a:rPr lang="en-US" smtClean="0"/>
               <a:t>‹#›</a:t>
             </a:fld>
             <a:endParaRPr lang="en-US"/>
@@ -2317,6 +3396,11 @@
         </p:txBody>
       </p:sp>
     </p:spTree>
+    <p:extLst>
+      <p:ext uri="{BB962C8B-B14F-4D97-AF65-F5344CB8AC3E}">
+        <p14:creationId xmlns:p14="http://schemas.microsoft.com/office/powerpoint/2010/main" val="2129946784"/>
+      </p:ext>
+    </p:extLst>
   </p:cSld>
   <p:clrMapOvr>
     <a:masterClrMapping/>
@@ -2324,7 +3408,7 @@
 </p:sldLayout>
 </file>
 
-<file path=ppt/slideLayouts/slideLayout6.xml><?xml version="1.0" encoding="utf-8"?>
+<file path=ppt/slideLayouts/slideLayout8.xml><?xml version="1.0" encoding="utf-8"?>
 <p:sldLayout xmlns:a="http://schemas.openxmlformats.org/drawingml/2006/main" xmlns:r="http://schemas.openxmlformats.org/officeDocument/2006/relationships" xmlns:p="http://schemas.openxmlformats.org/presentationml/2006/main" type="twoTxTwoObj" preserve="1">
   <p:cSld name="Comparison">
     <p:spTree>
@@ -2683,10 +3767,9 @@
           <a:bodyPr/>
           <a:lstStyle/>
           <a:p>
-            <a:fld id="{CBE6DF32-C57F-4EA4-9518-EB5F320F182D}" type="datetimeFigureOut">
-              <a:rPr lang="en-US" smtClean="0"/>
-              <a:pPr/>
-              <a:t>9/15/2014</a:t>
+            <a:fld id="{CE56DC10-3561-4063-A6AF-C1CC7A41040A}" type="datetime1">
+              <a:rPr lang="en-US" smtClean="0"/>
+              <a:t>8/20/2015</a:t>
             </a:fld>
             <a:endParaRPr lang="en-US"/>
           </a:p>
@@ -2726,9 +3809,8 @@
           <a:bodyPr/>
           <a:lstStyle/>
           <a:p>
-            <a:fld id="{9F4492BD-6A9C-48FC-AC76-0B4FE11194A1}" type="slidenum">
-              <a:rPr lang="en-US" smtClean="0"/>
-              <a:pPr/>
+            <a:fld id="{2AF3B5EA-18B6-4040-9F78-6052AF49C681}" type="slidenum">
+              <a:rPr lang="en-US" smtClean="0"/>
               <a:t>‹#›</a:t>
             </a:fld>
             <a:endParaRPr lang="en-US"/>
@@ -2736,6 +3818,11 @@
         </p:txBody>
       </p:sp>
     </p:spTree>
+    <p:extLst>
+      <p:ext uri="{BB962C8B-B14F-4D97-AF65-F5344CB8AC3E}">
+        <p14:creationId xmlns:p14="http://schemas.microsoft.com/office/powerpoint/2010/main" val="1354178563"/>
+      </p:ext>
+    </p:extLst>
   </p:cSld>
   <p:clrMapOvr>
     <a:masterClrMapping/>
@@ -2743,7 +3830,7 @@
 </p:sldLayout>
 </file>
 
-<file path=ppt/slideLayouts/slideLayout7.xml><?xml version="1.0" encoding="utf-8"?>
+<file path=ppt/slideLayouts/slideLayout9.xml><?xml version="1.0" encoding="utf-8"?>
 <p:sldLayout xmlns:a="http://schemas.openxmlformats.org/drawingml/2006/main" xmlns:r="http://schemas.openxmlformats.org/officeDocument/2006/relationships" xmlns:p="http://schemas.openxmlformats.org/presentationml/2006/main" type="titleOnly" preserve="1">
   <p:cSld name="Title Only">
     <p:spTree>
@@ -2798,10 +3885,9 @@
           <a:bodyPr/>
           <a:lstStyle/>
           <a:p>
-            <a:fld id="{CBE6DF32-C57F-4EA4-9518-EB5F320F182D}" type="datetimeFigureOut">
-              <a:rPr lang="en-US" smtClean="0"/>
-              <a:pPr/>
-              <a:t>9/15/2014</a:t>
+            <a:fld id="{2F7B77F5-1464-4F6B-92A8-64FC8A508293}" type="datetime1">
+              <a:rPr lang="en-US" smtClean="0"/>
+              <a:t>8/20/2015</a:t>
             </a:fld>
             <a:endParaRPr lang="en-US"/>
           </a:p>
@@ -2841,9 +3927,8 @@
           <a:bodyPr/>
           <a:lstStyle/>
           <a:p>
-            <a:fld id="{9F4492BD-6A9C-48FC-AC76-0B4FE11194A1}" type="slidenum">
-              <a:rPr lang="en-US" smtClean="0"/>
-              <a:pPr/>
+            <a:fld id="{2AF3B5EA-18B6-4040-9F78-6052AF49C681}" type="slidenum">
+              <a:rPr lang="en-US" smtClean="0"/>
               <a:t>‹#›</a:t>
             </a:fld>
             <a:endParaRPr lang="en-US"/>
@@ -2851,381 +3936,27 @@
         </p:txBody>
       </p:sp>
     </p:spTree>
+    <p:extLst>
+      <p:ext uri="{BB962C8B-B14F-4D97-AF65-F5344CB8AC3E}">
+        <p14:creationId xmlns:p14="http://schemas.microsoft.com/office/powerpoint/2010/main" val="1633327924"/>
+      </p:ext>
+    </p:extLst>
   </p:cSld>
   <p:clrMapOvr>
     <a:masterClrMapping/>
   </p:clrMapOvr>
-</p:sldLayout>
-</file>
-
-<file path=ppt/slideLayouts/slideLayout8.xml><?xml version="1.0" encoding="utf-8"?>
-<p:sldLayout xmlns:a="http://schemas.openxmlformats.org/drawingml/2006/main" xmlns:r="http://schemas.openxmlformats.org/officeDocument/2006/relationships" xmlns:p="http://schemas.openxmlformats.org/presentationml/2006/main" type="blank" preserve="1">
-  <p:cSld name="Blank">
-    <p:spTree>
-      <p:nvGrpSpPr>
-        <p:cNvPr id="1" name=""/>
-        <p:cNvGrpSpPr/>
-        <p:nvPr/>
-      </p:nvGrpSpPr>
-      <p:grpSpPr>
-        <a:xfrm>
-          <a:off x="0" y="0"/>
-          <a:ext cx="0" cy="0"/>
-          <a:chOff x="0" y="0"/>
-          <a:chExt cx="0" cy="0"/>
-        </a:xfrm>
-      </p:grpSpPr>
-      <p:sp>
-        <p:nvSpPr>
-          <p:cNvPr id="2" name="Date Placeholder 1"/>
-          <p:cNvSpPr>
-            <a:spLocks noGrp="1"/>
-          </p:cNvSpPr>
-          <p:nvPr>
-            <p:ph type="dt" sz="half" idx="10"/>
-          </p:nvPr>
-        </p:nvSpPr>
-        <p:spPr/>
-        <p:txBody>
-          <a:bodyPr/>
-          <a:lstStyle/>
-          <a:p>
-            <a:fld id="{CBE6DF32-C57F-4EA4-9518-EB5F320F182D}" type="datetimeFigureOut">
-              <a:rPr lang="en-US" smtClean="0"/>
-              <a:pPr/>
-              <a:t>9/15/2014</a:t>
-            </a:fld>
-            <a:endParaRPr lang="en-US"/>
-          </a:p>
-        </p:txBody>
-      </p:sp>
-      <p:sp>
-        <p:nvSpPr>
-          <p:cNvPr id="3" name="Footer Placeholder 2"/>
-          <p:cNvSpPr>
-            <a:spLocks noGrp="1"/>
-          </p:cNvSpPr>
-          <p:nvPr>
-            <p:ph type="ftr" sz="quarter" idx="11"/>
-          </p:nvPr>
-        </p:nvSpPr>
-        <p:spPr/>
-        <p:txBody>
-          <a:bodyPr/>
-          <a:lstStyle/>
-          <a:p>
-            <a:endParaRPr lang="en-US"/>
-          </a:p>
-        </p:txBody>
-      </p:sp>
-      <p:sp>
-        <p:nvSpPr>
-          <p:cNvPr id="4" name="Slide Number Placeholder 3"/>
-          <p:cNvSpPr>
-            <a:spLocks noGrp="1"/>
-          </p:cNvSpPr>
-          <p:nvPr>
-            <p:ph type="sldNum" sz="quarter" idx="12"/>
-          </p:nvPr>
-        </p:nvSpPr>
-        <p:spPr/>
-        <p:txBody>
-          <a:bodyPr/>
-          <a:lstStyle/>
-          <a:p>
-            <a:fld id="{9F4492BD-6A9C-48FC-AC76-0B4FE11194A1}" type="slidenum">
-              <a:rPr lang="en-US" smtClean="0"/>
-              <a:pPr/>
-              <a:t>‹#›</a:t>
-            </a:fld>
-            <a:endParaRPr lang="en-US"/>
-          </a:p>
-        </p:txBody>
-      </p:sp>
-    </p:spTree>
-  </p:cSld>
-  <p:clrMapOvr>
-    <a:masterClrMapping/>
-  </p:clrMapOvr>
-</p:sldLayout>
-</file>
-
-<file path=ppt/slideLayouts/slideLayout9.xml><?xml version="1.0" encoding="utf-8"?>
-<p:sldLayout xmlns:a="http://schemas.openxmlformats.org/drawingml/2006/main" xmlns:r="http://schemas.openxmlformats.org/officeDocument/2006/relationships" xmlns:p="http://schemas.openxmlformats.org/presentationml/2006/main" type="objTx" preserve="1">
-  <p:cSld name="Content with Caption">
-    <p:spTree>
-      <p:nvGrpSpPr>
-        <p:cNvPr id="1" name=""/>
-        <p:cNvGrpSpPr/>
-        <p:nvPr/>
-      </p:nvGrpSpPr>
-      <p:grpSpPr>
-        <a:xfrm>
-          <a:off x="0" y="0"/>
-          <a:ext cx="0" cy="0"/>
-          <a:chOff x="0" y="0"/>
-          <a:chExt cx="0" cy="0"/>
-        </a:xfrm>
-      </p:grpSpPr>
-      <p:sp>
-        <p:nvSpPr>
-          <p:cNvPr id="2" name="Title 1"/>
-          <p:cNvSpPr>
-            <a:spLocks noGrp="1"/>
-          </p:cNvSpPr>
-          <p:nvPr>
-            <p:ph type="title"/>
-          </p:nvPr>
-        </p:nvSpPr>
-        <p:spPr>
-          <a:xfrm>
-            <a:off x="457200" y="273050"/>
-            <a:ext cx="3008313" cy="1162050"/>
-          </a:xfrm>
-        </p:spPr>
-        <p:txBody>
-          <a:bodyPr anchor="b"/>
-          <a:lstStyle>
-            <a:lvl1pPr algn="l">
-              <a:defRPr sz="2000" b="1"/>
-            </a:lvl1pPr>
-          </a:lstStyle>
-          <a:p>
-            <a:r>
-              <a:rPr lang="en-US" smtClean="0"/>
-              <a:t>Click to edit Master title style</a:t>
-            </a:r>
-            <a:endParaRPr lang="en-US"/>
-          </a:p>
-        </p:txBody>
-      </p:sp>
-      <p:sp>
-        <p:nvSpPr>
-          <p:cNvPr id="3" name="Content Placeholder 2"/>
-          <p:cNvSpPr>
-            <a:spLocks noGrp="1"/>
-          </p:cNvSpPr>
-          <p:nvPr>
-            <p:ph idx="1"/>
-          </p:nvPr>
-        </p:nvSpPr>
-        <p:spPr>
-          <a:xfrm>
-            <a:off x="3575050" y="273050"/>
-            <a:ext cx="5111750" cy="5853113"/>
-          </a:xfrm>
-        </p:spPr>
-        <p:txBody>
-          <a:bodyPr/>
-          <a:lstStyle>
-            <a:lvl1pPr>
-              <a:defRPr sz="3200"/>
-            </a:lvl1pPr>
-            <a:lvl2pPr>
-              <a:defRPr sz="2800"/>
-            </a:lvl2pPr>
-            <a:lvl3pPr>
-              <a:defRPr sz="2400"/>
-            </a:lvl3pPr>
-            <a:lvl4pPr>
-              <a:defRPr sz="2000"/>
-            </a:lvl4pPr>
-            <a:lvl5pPr>
-              <a:defRPr sz="2000"/>
-            </a:lvl5pPr>
-            <a:lvl6pPr>
-              <a:defRPr sz="2000"/>
-            </a:lvl6pPr>
-            <a:lvl7pPr>
-              <a:defRPr sz="2000"/>
-            </a:lvl7pPr>
-            <a:lvl8pPr>
-              <a:defRPr sz="2000"/>
-            </a:lvl8pPr>
-            <a:lvl9pPr>
-              <a:defRPr sz="2000"/>
-            </a:lvl9pPr>
-          </a:lstStyle>
-          <a:p>
-            <a:pPr lvl="0"/>
-            <a:r>
-              <a:rPr lang="en-US" smtClean="0"/>
-              <a:t>Click to edit Master text styles</a:t>
-            </a:r>
-          </a:p>
-          <a:p>
-            <a:pPr lvl="1"/>
-            <a:r>
-              <a:rPr lang="en-US" smtClean="0"/>
-              <a:t>Second level</a:t>
-            </a:r>
-          </a:p>
-          <a:p>
-            <a:pPr lvl="2"/>
-            <a:r>
-              <a:rPr lang="en-US" smtClean="0"/>
-              <a:t>Third level</a:t>
-            </a:r>
-          </a:p>
-          <a:p>
-            <a:pPr lvl="3"/>
-            <a:r>
-              <a:rPr lang="en-US" smtClean="0"/>
-              <a:t>Fourth level</a:t>
-            </a:r>
-          </a:p>
-          <a:p>
-            <a:pPr lvl="4"/>
-            <a:r>
-              <a:rPr lang="en-US" smtClean="0"/>
-              <a:t>Fifth level</a:t>
-            </a:r>
-            <a:endParaRPr lang="en-US"/>
-          </a:p>
-        </p:txBody>
-      </p:sp>
-      <p:sp>
-        <p:nvSpPr>
-          <p:cNvPr id="4" name="Text Placeholder 3"/>
-          <p:cNvSpPr>
-            <a:spLocks noGrp="1"/>
-          </p:cNvSpPr>
-          <p:nvPr>
-            <p:ph type="body" sz="half" idx="2"/>
-          </p:nvPr>
-        </p:nvSpPr>
-        <p:spPr>
-          <a:xfrm>
-            <a:off x="457200" y="1435100"/>
-            <a:ext cx="3008313" cy="4691063"/>
-          </a:xfrm>
-        </p:spPr>
-        <p:txBody>
-          <a:bodyPr/>
-          <a:lstStyle>
-            <a:lvl1pPr marL="0" indent="0">
-              <a:buNone/>
-              <a:defRPr sz="1400"/>
-            </a:lvl1pPr>
-            <a:lvl2pPr marL="457200" indent="0">
-              <a:buNone/>
-              <a:defRPr sz="1200"/>
-            </a:lvl2pPr>
-            <a:lvl3pPr marL="914400" indent="0">
-              <a:buNone/>
-              <a:defRPr sz="1000"/>
-            </a:lvl3pPr>
-            <a:lvl4pPr marL="1371600" indent="0">
-              <a:buNone/>
-              <a:defRPr sz="900"/>
-            </a:lvl4pPr>
-            <a:lvl5pPr marL="1828800" indent="0">
-              <a:buNone/>
-              <a:defRPr sz="900"/>
-            </a:lvl5pPr>
-            <a:lvl6pPr marL="2286000" indent="0">
-              <a:buNone/>
-              <a:defRPr sz="900"/>
-            </a:lvl6pPr>
-            <a:lvl7pPr marL="2743200" indent="0">
-              <a:buNone/>
-              <a:defRPr sz="900"/>
-            </a:lvl7pPr>
-            <a:lvl8pPr marL="3200400" indent="0">
-              <a:buNone/>
-              <a:defRPr sz="900"/>
-            </a:lvl8pPr>
-            <a:lvl9pPr marL="3657600" indent="0">
-              <a:buNone/>
-              <a:defRPr sz="900"/>
-            </a:lvl9pPr>
-          </a:lstStyle>
-          <a:p>
-            <a:pPr lvl="0"/>
-            <a:r>
-              <a:rPr lang="en-US" smtClean="0"/>
-              <a:t>Click to edit Master text styles</a:t>
-            </a:r>
-          </a:p>
-        </p:txBody>
-      </p:sp>
-      <p:sp>
-        <p:nvSpPr>
-          <p:cNvPr id="5" name="Date Placeholder 4"/>
-          <p:cNvSpPr>
-            <a:spLocks noGrp="1"/>
-          </p:cNvSpPr>
-          <p:nvPr>
-            <p:ph type="dt" sz="half" idx="10"/>
-          </p:nvPr>
-        </p:nvSpPr>
-        <p:spPr/>
-        <p:txBody>
-          <a:bodyPr/>
-          <a:lstStyle/>
-          <a:p>
-            <a:fld id="{CBE6DF32-C57F-4EA4-9518-EB5F320F182D}" type="datetimeFigureOut">
-              <a:rPr lang="en-US" smtClean="0"/>
-              <a:pPr/>
-              <a:t>9/15/2014</a:t>
-            </a:fld>
-            <a:endParaRPr lang="en-US"/>
-          </a:p>
-        </p:txBody>
-      </p:sp>
-      <p:sp>
-        <p:nvSpPr>
-          <p:cNvPr id="6" name="Footer Placeholder 5"/>
-          <p:cNvSpPr>
-            <a:spLocks noGrp="1"/>
-          </p:cNvSpPr>
-          <p:nvPr>
-            <p:ph type="ftr" sz="quarter" idx="11"/>
-          </p:nvPr>
-        </p:nvSpPr>
-        <p:spPr/>
-        <p:txBody>
-          <a:bodyPr/>
-          <a:lstStyle/>
-          <a:p>
-            <a:endParaRPr lang="en-US"/>
-          </a:p>
-        </p:txBody>
-      </p:sp>
-      <p:sp>
-        <p:nvSpPr>
-          <p:cNvPr id="7" name="Slide Number Placeholder 6"/>
-          <p:cNvSpPr>
-            <a:spLocks noGrp="1"/>
-          </p:cNvSpPr>
-          <p:nvPr>
-            <p:ph type="sldNum" sz="quarter" idx="12"/>
-          </p:nvPr>
-        </p:nvSpPr>
-        <p:spPr/>
-        <p:txBody>
-          <a:bodyPr/>
-          <a:lstStyle/>
-          <a:p>
-            <a:fld id="{9F4492BD-6A9C-48FC-AC76-0B4FE11194A1}" type="slidenum">
-              <a:rPr lang="en-US" smtClean="0"/>
-              <a:pPr/>
-              <a:t>‹#›</a:t>
-            </a:fld>
-            <a:endParaRPr lang="en-US"/>
-          </a:p>
-        </p:txBody>
-      </p:sp>
-    </p:spTree>
-  </p:cSld>
-  <p:clrMapOvr>
-    <a:masterClrMapping/>
-  </p:clrMapOvr>
+  <p:timing>
+    <p:tnLst>
+      <p:par>
+        <p:cTn id="1" dur="indefinite" restart="never" nodeType="tmRoot"/>
+      </p:par>
+    </p:tnLst>
+  </p:timing>
 </p:sldLayout>
 </file>
 
 <file path=ppt/slideMasters/slideMaster1.xml><?xml version="1.0" encoding="utf-8"?>
-<p:sldMaster xmlns:a="http://schemas.openxmlformats.org/drawingml/2006/main" xmlns:r="http://schemas.openxmlformats.org/officeDocument/2006/relationships" xmlns:p="http://schemas.openxmlformats.org/presentationml/2006/main">
+<p:sldMaster xmlns:a="http://schemas.openxmlformats.org/drawingml/2006/main" xmlns:r="http://schemas.openxmlformats.org/officeDocument/2006/relationships" xmlns:p="http://schemas.openxmlformats.org/presentationml/2006/main" preserve="1">
   <p:cSld>
     <p:bg>
       <p:bgRef idx="1001">
@@ -3265,6 +3996,18 @@
             <a:avLst/>
           </a:prstGeom>
         </p:spPr>
+        <p:style>
+          <a:lnRef idx="2">
+            <a:schemeClr val="accent1"/>
+          </a:lnRef>
+          <a:fillRef idx="1">
+            <a:schemeClr val="lt1"/>
+          </a:fillRef>
+          <a:effectRef idx="0">
+            <a:schemeClr val="accent1"/>
+          </a:effectRef>
+          <a:fontRef idx="none"/>
+        </p:style>
         <p:txBody>
           <a:bodyPr vert="horz" lIns="91440" tIns="45720" rIns="91440" bIns="45720" rtlCol="0" anchor="ctr">
             <a:normAutofit/>
@@ -3374,10 +4117,9 @@
             </a:lvl1pPr>
           </a:lstStyle>
           <a:p>
-            <a:fld id="{CBE6DF32-C57F-4EA4-9518-EB5F320F182D}" type="datetimeFigureOut">
-              <a:rPr lang="en-US" smtClean="0"/>
-              <a:pPr/>
-              <a:t>9/15/2014</a:t>
+            <a:fld id="{02B3F677-983B-48DB-ADFD-63FE6CBC7FB2}" type="datetime1">
+              <a:rPr lang="en-US" smtClean="0"/>
+              <a:t>8/20/2015</a:t>
             </a:fld>
             <a:endParaRPr lang="en-US"/>
           </a:p>
@@ -3453,9 +4195,8 @@
             </a:lvl1pPr>
           </a:lstStyle>
           <a:p>
-            <a:fld id="{9F4492BD-6A9C-48FC-AC76-0B4FE11194A1}" type="slidenum">
-              <a:rPr lang="en-US" smtClean="0"/>
-              <a:pPr/>
+            <a:fld id="{2AF3B5EA-18B6-4040-9F78-6052AF49C681}" type="slidenum">
+              <a:rPr lang="en-US" smtClean="0"/>
               <a:t>‹#›</a:t>
             </a:fld>
             <a:endParaRPr lang="en-US"/>
@@ -3463,21 +4204,29 @@
         </p:txBody>
       </p:sp>
     </p:spTree>
+    <p:extLst>
+      <p:ext uri="{BB962C8B-B14F-4D97-AF65-F5344CB8AC3E}">
+        <p14:creationId xmlns:p14="http://schemas.microsoft.com/office/powerpoint/2010/main" val="4099457794"/>
+      </p:ext>
+    </p:extLst>
   </p:cSld>
   <p:clrMap bg1="lt1" tx1="dk1" bg2="lt2" tx2="dk2" accent1="accent1" accent2="accent2" accent3="accent3" accent4="accent4" accent5="accent5" accent6="accent6" hlink="hlink" folHlink="folHlink"/>
   <p:sldLayoutIdLst>
-    <p:sldLayoutId id="2147483649" r:id="rId1"/>
-    <p:sldLayoutId id="2147483650" r:id="rId2"/>
-    <p:sldLayoutId id="2147483660" r:id="rId3"/>
-    <p:sldLayoutId id="2147483651" r:id="rId4"/>
-    <p:sldLayoutId id="2147483652" r:id="rId5"/>
-    <p:sldLayoutId id="2147483653" r:id="rId6"/>
-    <p:sldLayoutId id="2147483654" r:id="rId7"/>
-    <p:sldLayoutId id="2147483655" r:id="rId8"/>
-    <p:sldLayoutId id="2147483656" r:id="rId9"/>
-    <p:sldLayoutId id="2147483657" r:id="rId10"/>
-    <p:sldLayoutId id="2147483658" r:id="rId11"/>
-    <p:sldLayoutId id="2147483659" r:id="rId12"/>
+    <p:sldLayoutId id="2147483662" r:id="rId1"/>
+    <p:sldLayoutId id="2147483663" r:id="rId2"/>
+    <p:sldLayoutId id="2147483664" r:id="rId3"/>
+    <p:sldLayoutId id="2147483665" r:id="rId4"/>
+    <p:sldLayoutId id="2147483666" r:id="rId5"/>
+    <p:sldLayoutId id="2147483667" r:id="rId6"/>
+    <p:sldLayoutId id="2147483668" r:id="rId7"/>
+    <p:sldLayoutId id="2147483669" r:id="rId8"/>
+    <p:sldLayoutId id="2147483670" r:id="rId9"/>
+    <p:sldLayoutId id="2147483671" r:id="rId10"/>
+    <p:sldLayoutId id="2147483672" r:id="rId11"/>
+    <p:sldLayoutId id="2147483673" r:id="rId12"/>
+    <p:sldLayoutId id="2147483674" r:id="rId13"/>
+    <p:sldLayoutId id="2147483675" r:id="rId14"/>
+    <p:sldLayoutId id="2147483660" r:id="rId15"/>
   </p:sldLayoutIdLst>
   <p:timing>
     <p:tnLst>
@@ -3486,6 +4235,7 @@
       </p:par>
     </p:tnLst>
   </p:timing>
+  <p:hf hdr="0" ftr="0" dt="0"/>
   <p:txStyles>
     <p:titleStyle>
       <a:lvl1pPr algn="ctr" defTabSz="914400" rtl="0" eaLnBrk="1" latinLnBrk="0" hangingPunct="1">
@@ -3829,6 +4579,30 @@
       </p:sp>
       <p:sp>
         <p:nvSpPr>
+          <p:cNvPr id="5" name="Slide Number Placeholder 4"/>
+          <p:cNvSpPr>
+            <a:spLocks noGrp="1"/>
+          </p:cNvSpPr>
+          <p:nvPr>
+            <p:ph type="sldNum" sz="quarter" idx="12"/>
+          </p:nvPr>
+        </p:nvSpPr>
+        <p:spPr/>
+        <p:txBody>
+          <a:bodyPr/>
+          <a:lstStyle/>
+          <a:p>
+            <a:fld id="{AB376464-0CAE-48CA-94A1-62F8E9374B4C}" type="slidenum">
+              <a:rPr lang="en-US" smtClean="0"/>
+              <a:pPr/>
+              <a:t>1</a:t>
+            </a:fld>
+            <a:endParaRPr lang="en-US"/>
+          </a:p>
+        </p:txBody>
+      </p:sp>
+      <p:sp>
+        <p:nvSpPr>
           <p:cNvPr id="4" name="TextBox 3"/>
           <p:cNvSpPr txBox="1"/>
           <p:nvPr>
@@ -3881,30 +4655,6 @@
               </a:rPr>
               <a:t>A</a:t>
             </a:r>
-            <a:endParaRPr lang="en-US"/>
-          </a:p>
-        </p:txBody>
-      </p:sp>
-      <p:sp>
-        <p:nvSpPr>
-          <p:cNvPr id="5" name="Slide Number Placeholder 4"/>
-          <p:cNvSpPr>
-            <a:spLocks noGrp="1"/>
-          </p:cNvSpPr>
-          <p:nvPr>
-            <p:ph type="sldNum" sz="quarter" idx="12"/>
-          </p:nvPr>
-        </p:nvSpPr>
-        <p:spPr/>
-        <p:txBody>
-          <a:bodyPr/>
-          <a:lstStyle/>
-          <a:p>
-            <a:fld id="{AB376464-0CAE-48CA-94A1-62F8E9374B4C}" type="slidenum">
-              <a:rPr lang="en-US" smtClean="0"/>
-              <a:pPr/>
-              <a:t>1</a:t>
-            </a:fld>
             <a:endParaRPr lang="en-US"/>
           </a:p>
         </p:txBody>
@@ -4160,6 +4910,29 @@
       </p:grpSpPr>
       <p:sp>
         <p:nvSpPr>
+          <p:cNvPr id="2" name="Title 1"/>
+          <p:cNvSpPr>
+            <a:spLocks noGrp="1"/>
+          </p:cNvSpPr>
+          <p:nvPr>
+            <p:ph type="title"/>
+          </p:nvPr>
+        </p:nvSpPr>
+        <p:spPr/>
+        <p:txBody>
+          <a:bodyPr/>
+          <a:lstStyle/>
+          <a:p>
+            <a:r>
+              <a:rPr lang="en-US" dirty="0" smtClean="0"/>
+              <a:t>world-after-tick</a:t>
+            </a:r>
+            <a:endParaRPr lang="en-US" dirty="0"/>
+          </a:p>
+        </p:txBody>
+      </p:sp>
+      <p:sp>
+        <p:nvSpPr>
           <p:cNvPr id="3" name="Content Placeholder 2"/>
           <p:cNvSpPr>
             <a:spLocks noGrp="1"/>
@@ -4207,7 +4980,21 @@
                 <a:latin typeface="Consolas" pitchFamily="49" charset="0"/>
                 <a:cs typeface="Consolas" pitchFamily="49" charset="0"/>
               </a:rPr>
-              <a:t>;; produces the world that should follow </a:t>
+              <a:t>;; </a:t>
+            </a:r>
+            <a:r>
+              <a:rPr lang="en-US" b="1" dirty="0" smtClean="0">
+                <a:latin typeface="Consolas" pitchFamily="49" charset="0"/>
+                <a:cs typeface="Consolas" pitchFamily="49" charset="0"/>
+              </a:rPr>
+              <a:t>RETURNS: </a:t>
+            </a:r>
+            <a:r>
+              <a:rPr lang="en-US" b="1" dirty="0">
+                <a:latin typeface="Consolas" pitchFamily="49" charset="0"/>
+                <a:cs typeface="Consolas" pitchFamily="49" charset="0"/>
+              </a:rPr>
+              <a:t>the world that should follow </a:t>
             </a:r>
             <a:r>
               <a:rPr lang="en-US" b="1" dirty="0" smtClean="0">
@@ -4257,12 +5044,15 @@
                 <a:latin typeface="Consolas" pitchFamily="49" charset="0"/>
                 <a:cs typeface="Consolas" pitchFamily="49" charset="0"/>
               </a:rPr>
-              <a:t>;; strategy: structural decomposition on </a:t>
-            </a:r>
-            <a:endParaRPr lang="en-US" b="1" dirty="0" smtClean="0">
-              <a:latin typeface="Consolas" pitchFamily="49" charset="0"/>
-              <a:cs typeface="Consolas" pitchFamily="49" charset="0"/>
-            </a:endParaRPr>
+              <a:t>;; </a:t>
+            </a:r>
+            <a:r>
+              <a:rPr lang="en-US" b="1" dirty="0" smtClean="0">
+                <a:latin typeface="Consolas" pitchFamily="49" charset="0"/>
+                <a:cs typeface="Consolas" pitchFamily="49" charset="0"/>
+              </a:rPr>
+              <a:t>STRATEGY: Use template for World on w</a:t>
+            </a:r>
           </a:p>
           <a:p>
             <a:pPr marL="0" indent="0">
@@ -4274,20 +5064,10 @@
               </a:spcBef>
               <a:buNone/>
             </a:pPr>
-            <a:r>
-              <a:rPr lang="en-US" b="1" dirty="0" smtClean="0">
-                <a:latin typeface="Consolas" pitchFamily="49" charset="0"/>
-                <a:cs typeface="Consolas" pitchFamily="49" charset="0"/>
-              </a:rPr>
-              <a:t>;;   w </a:t>
-            </a:r>
-            <a:r>
-              <a:rPr lang="en-US" b="1" dirty="0">
-                <a:latin typeface="Consolas" pitchFamily="49" charset="0"/>
-                <a:cs typeface="Consolas" pitchFamily="49" charset="0"/>
-              </a:rPr>
-              <a:t>: World</a:t>
-            </a:r>
+            <a:endParaRPr lang="en-US" b="1" dirty="0">
+              <a:latin typeface="Consolas" pitchFamily="49" charset="0"/>
+              <a:cs typeface="Consolas" pitchFamily="49" charset="0"/>
+            </a:endParaRPr>
           </a:p>
           <a:p>
             <a:pPr marL="0" indent="0">
@@ -4461,29 +5241,6 @@
               <a:latin typeface="Consolas" pitchFamily="49" charset="0"/>
               <a:cs typeface="Consolas" pitchFamily="49" charset="0"/>
             </a:endParaRPr>
-          </a:p>
-        </p:txBody>
-      </p:sp>
-      <p:sp>
-        <p:nvSpPr>
-          <p:cNvPr id="2" name="Title 1"/>
-          <p:cNvSpPr>
-            <a:spLocks noGrp="1"/>
-          </p:cNvSpPr>
-          <p:nvPr>
-            <p:ph type="title"/>
-          </p:nvPr>
-        </p:nvSpPr>
-        <p:spPr/>
-        <p:txBody>
-          <a:bodyPr/>
-          <a:lstStyle/>
-          <a:p>
-            <a:r>
-              <a:rPr lang="en-US" dirty="0" smtClean="0"/>
-              <a:t>world-after-tick</a:t>
-            </a:r>
-            <a:endParaRPr lang="en-US" dirty="0"/>
           </a:p>
         </p:txBody>
       </p:sp>
@@ -4650,7 +5407,7 @@
         <p:spPr/>
         <p:txBody>
           <a:bodyPr>
-            <a:normAutofit fontScale="55000" lnSpcReduction="20000"/>
+            <a:normAutofit/>
           </a:bodyPr>
           <a:lstStyle/>
           <a:p>
@@ -4658,7 +5415,7 @@
               <a:buNone/>
             </a:pPr>
             <a:r>
-              <a:rPr lang="en-US" b="1" dirty="0">
+              <a:rPr lang="en-US" sz="1800" b="1" dirty="0">
                 <a:latin typeface="Consolas" pitchFamily="49" charset="0"/>
                 <a:cs typeface="Consolas" pitchFamily="49" charset="0"/>
               </a:rPr>
@@ -4670,14 +5427,21 @@
               <a:buNone/>
             </a:pPr>
             <a:r>
-              <a:rPr lang="en-US" b="1" dirty="0">
-                <a:latin typeface="Consolas" pitchFamily="49" charset="0"/>
-                <a:cs typeface="Consolas" pitchFamily="49" charset="0"/>
-              </a:rPr>
-              <a:t>;; produces the state of the given cat after a </a:t>
-            </a:r>
-            <a:r>
-              <a:rPr lang="en-US" b="1" dirty="0" smtClean="0">
+              <a:rPr lang="en-US" sz="1800" b="1" dirty="0" smtClean="0">
+                <a:latin typeface="Consolas" pitchFamily="49" charset="0"/>
+                <a:cs typeface="Consolas" pitchFamily="49" charset="0"/>
+              </a:rPr>
+              <a:t>;; RETURNS: the </a:t>
+            </a:r>
+            <a:r>
+              <a:rPr lang="en-US" sz="1800" b="1" dirty="0">
+                <a:latin typeface="Consolas" pitchFamily="49" charset="0"/>
+                <a:cs typeface="Consolas" pitchFamily="49" charset="0"/>
+              </a:rPr>
+              <a:t>state of the given cat after a </a:t>
+            </a:r>
+            <a:r>
+              <a:rPr lang="en-US" sz="1800" b="1" dirty="0" smtClean="0">
                 <a:latin typeface="Consolas" pitchFamily="49" charset="0"/>
                 <a:cs typeface="Consolas" pitchFamily="49" charset="0"/>
               </a:rPr>
@@ -4689,27 +5453,27 @@
               <a:buNone/>
             </a:pPr>
             <a:r>
-              <a:rPr lang="en-US" b="1" dirty="0" smtClean="0">
+              <a:rPr lang="en-US" sz="1800" b="1" dirty="0" smtClean="0">
                 <a:latin typeface="Consolas" pitchFamily="49" charset="0"/>
                 <a:cs typeface="Consolas" pitchFamily="49" charset="0"/>
               </a:rPr>
               <a:t>;; </a:t>
             </a:r>
             <a:r>
-              <a:rPr lang="en-US" b="1" dirty="0" err="1" smtClean="0">
+              <a:rPr lang="en-US" sz="1800" b="1" dirty="0" err="1" smtClean="0">
                 <a:latin typeface="Consolas" pitchFamily="49" charset="0"/>
                 <a:cs typeface="Consolas" pitchFamily="49" charset="0"/>
               </a:rPr>
               <a:t>unpaused</a:t>
             </a:r>
             <a:r>
-              <a:rPr lang="en-US" b="1" dirty="0" smtClean="0">
+              <a:rPr lang="en-US" sz="1800" b="1" dirty="0" smtClean="0">
                 <a:latin typeface="Consolas" pitchFamily="49" charset="0"/>
                 <a:cs typeface="Consolas" pitchFamily="49" charset="0"/>
               </a:rPr>
               <a:t> world.</a:t>
             </a:r>
-            <a:endParaRPr lang="en-US" b="1" dirty="0">
+            <a:endParaRPr lang="en-US" sz="1800" b="1" dirty="0">
               <a:latin typeface="Consolas" pitchFamily="49" charset="0"/>
               <a:cs typeface="Consolas" pitchFamily="49" charset="0"/>
             </a:endParaRPr>
@@ -4718,7 +5482,7 @@
             <a:pPr marL="0" indent="0">
               <a:buNone/>
             </a:pPr>
-            <a:endParaRPr lang="en-US" b="1" dirty="0">
+            <a:endParaRPr lang="en-US" sz="1800" b="1" dirty="0">
               <a:latin typeface="Consolas" pitchFamily="49" charset="0"/>
               <a:cs typeface="Consolas" pitchFamily="49" charset="0"/>
             </a:endParaRPr>
@@ -4728,73 +5492,20 @@
               <a:buNone/>
             </a:pPr>
             <a:r>
-              <a:rPr lang="en-US" b="1" dirty="0">
-                <a:latin typeface="Consolas" pitchFamily="49" charset="0"/>
-                <a:cs typeface="Consolas" pitchFamily="49" charset="0"/>
-              </a:rPr>
-              <a:t>;; examples: </a:t>
-            </a:r>
-          </a:p>
-          <a:p>
-            <a:pPr marL="0" indent="0">
-              <a:buNone/>
-            </a:pPr>
-            <a:r>
-              <a:rPr lang="en-US" b="1" dirty="0">
-                <a:latin typeface="Consolas" pitchFamily="49" charset="0"/>
-                <a:cs typeface="Consolas" pitchFamily="49" charset="0"/>
-              </a:rPr>
-              <a:t>;; cat selected</a:t>
-            </a:r>
-          </a:p>
-          <a:p>
-            <a:pPr marL="0" indent="0">
-              <a:buNone/>
-            </a:pPr>
-            <a:r>
-              <a:rPr lang="en-US" b="1" dirty="0">
-                <a:latin typeface="Consolas" pitchFamily="49" charset="0"/>
-                <a:cs typeface="Consolas" pitchFamily="49" charset="0"/>
-              </a:rPr>
-              <a:t>;; (cat-after-tick selected-cat-at-20) = selected-cat-at-20</a:t>
-            </a:r>
-          </a:p>
-          <a:p>
-            <a:pPr marL="0" indent="0">
-              <a:buNone/>
-            </a:pPr>
-            <a:r>
-              <a:rPr lang="en-US" b="1" dirty="0">
-                <a:latin typeface="Consolas" pitchFamily="49" charset="0"/>
-                <a:cs typeface="Consolas" pitchFamily="49" charset="0"/>
-              </a:rPr>
-              <a:t>;; cat paused:</a:t>
-            </a:r>
-          </a:p>
-          <a:p>
-            <a:pPr marL="0" indent="0">
-              <a:buNone/>
-            </a:pPr>
-            <a:r>
-              <a:rPr lang="en-US" b="1" dirty="0">
-                <a:latin typeface="Consolas" pitchFamily="49" charset="0"/>
-                <a:cs typeface="Consolas" pitchFamily="49" charset="0"/>
-              </a:rPr>
-              <a:t>;; (cat-after-tick unselected-cat-at-20) = </a:t>
-            </a:r>
-            <a:r>
-              <a:rPr lang="en-US" b="1" dirty="0" smtClean="0">
-                <a:latin typeface="Consolas" pitchFamily="49" charset="0"/>
-                <a:cs typeface="Consolas" pitchFamily="49" charset="0"/>
-              </a:rPr>
-              <a:t>unselected-cat-at-28</a:t>
-            </a:r>
-          </a:p>
-          <a:p>
-            <a:pPr marL="0" indent="0">
-              <a:buNone/>
-            </a:pPr>
-            <a:endParaRPr lang="en-US" b="1" dirty="0">
+              <a:rPr lang="en-US" sz="1800" b="1" dirty="0">
+                <a:latin typeface="Consolas" pitchFamily="49" charset="0"/>
+                <a:cs typeface="Consolas" pitchFamily="49" charset="0"/>
+              </a:rPr>
+              <a:t>;; </a:t>
+            </a:r>
+            <a:r>
+              <a:rPr lang="en-US" sz="1800" b="1" dirty="0" smtClean="0">
+                <a:latin typeface="Consolas" pitchFamily="49" charset="0"/>
+                <a:cs typeface="Consolas" pitchFamily="49" charset="0"/>
+              </a:rPr>
+              <a:t>EXAMPLES: </a:t>
+            </a:r>
+            <a:endParaRPr lang="en-US" sz="1800" b="1" dirty="0">
               <a:latin typeface="Consolas" pitchFamily="49" charset="0"/>
               <a:cs typeface="Consolas" pitchFamily="49" charset="0"/>
             </a:endParaRPr>
@@ -4804,13 +5515,61 @@
               <a:buNone/>
             </a:pPr>
             <a:r>
-              <a:rPr lang="en-US" b="1" dirty="0" smtClean="0">
-                <a:latin typeface="Consolas" pitchFamily="49" charset="0"/>
-                <a:cs typeface="Consolas" pitchFamily="49" charset="0"/>
-              </a:rPr>
-              <a:t>;; strategy: structural decomposition on c : Cat</a:t>
-            </a:r>
-            <a:endParaRPr lang="en-US" b="1" dirty="0">
+              <a:rPr lang="en-US" sz="1800" b="1" dirty="0">
+                <a:latin typeface="Consolas" pitchFamily="49" charset="0"/>
+                <a:cs typeface="Consolas" pitchFamily="49" charset="0"/>
+              </a:rPr>
+              <a:t>;; cat selected</a:t>
+            </a:r>
+          </a:p>
+          <a:p>
+            <a:pPr marL="0" indent="0">
+              <a:buNone/>
+            </a:pPr>
+            <a:r>
+              <a:rPr lang="en-US" sz="1800" b="1" dirty="0">
+                <a:latin typeface="Consolas" pitchFamily="49" charset="0"/>
+                <a:cs typeface="Consolas" pitchFamily="49" charset="0"/>
+              </a:rPr>
+              <a:t>;; (cat-after-tick selected-cat-at-20) = selected-cat-at-20</a:t>
+            </a:r>
+          </a:p>
+          <a:p>
+            <a:pPr marL="0" indent="0">
+              <a:buNone/>
+            </a:pPr>
+            <a:r>
+              <a:rPr lang="en-US" sz="1800" b="1" dirty="0">
+                <a:latin typeface="Consolas" pitchFamily="49" charset="0"/>
+                <a:cs typeface="Consolas" pitchFamily="49" charset="0"/>
+              </a:rPr>
+              <a:t>;; cat paused:</a:t>
+            </a:r>
+          </a:p>
+          <a:p>
+            <a:pPr marL="0" indent="0">
+              <a:buNone/>
+            </a:pPr>
+            <a:r>
+              <a:rPr lang="en-US" sz="1800" b="1" dirty="0">
+                <a:latin typeface="Consolas" pitchFamily="49" charset="0"/>
+                <a:cs typeface="Consolas" pitchFamily="49" charset="0"/>
+              </a:rPr>
+              <a:t>;; (cat-after-tick unselected-cat-at-20) = </a:t>
+            </a:r>
+            <a:r>
+              <a:rPr lang="en-US" sz="1800" b="1" dirty="0" smtClean="0">
+                <a:latin typeface="Consolas" pitchFamily="49" charset="0"/>
+                <a:cs typeface="Consolas" pitchFamily="49" charset="0"/>
+              </a:rPr>
+              <a:t>unselected-cat-at-28</a:t>
+            </a:r>
+          </a:p>
+          <a:p>
+            <a:pPr marL="0" indent="0">
+              <a:buNone/>
+            </a:pPr>
+            <a:endParaRPr lang="en-US" sz="1800" b="1" dirty="0">
               <a:latin typeface="Consolas" pitchFamily="49" charset="0"/>
               <a:cs typeface="Consolas" pitchFamily="49" charset="0"/>
             </a:endParaRPr>
@@ -4819,7 +5578,21 @@
             <a:pPr marL="0" indent="0">
               <a:buNone/>
             </a:pPr>
-            <a:endParaRPr lang="en-US" b="1" dirty="0">
+            <a:r>
+              <a:rPr lang="en-US" sz="1800" b="1" dirty="0" smtClean="0">
+                <a:latin typeface="Consolas" pitchFamily="49" charset="0"/>
+                <a:cs typeface="Consolas" pitchFamily="49" charset="0"/>
+              </a:rPr>
+              <a:t>;; </a:t>
+            </a:r>
+            <a:r>
+              <a:rPr lang="en-US" sz="1800" b="1" dirty="0" smtClean="0">
+                <a:latin typeface="Consolas" pitchFamily="49" charset="0"/>
+                <a:cs typeface="Consolas" pitchFamily="49" charset="0"/>
+              </a:rPr>
+              <a:t>STRATEGY: Use template for Cat on c</a:t>
+            </a:r>
+            <a:endParaRPr lang="en-US" sz="1800" b="1" dirty="0">
               <a:latin typeface="Consolas" pitchFamily="49" charset="0"/>
               <a:cs typeface="Consolas" pitchFamily="49" charset="0"/>
             </a:endParaRPr>
@@ -4828,26 +5601,7 @@
             <a:pPr marL="0" indent="0">
               <a:buNone/>
             </a:pPr>
-            <a:r>
-              <a:rPr lang="en-US" b="1" dirty="0">
-                <a:latin typeface="Consolas" pitchFamily="49" charset="0"/>
-                <a:cs typeface="Consolas" pitchFamily="49" charset="0"/>
-              </a:rPr>
-              <a:t>(define (cat-after-tick c)</a:t>
-            </a:r>
-          </a:p>
-          <a:p>
-            <a:pPr marL="0" indent="0">
-              <a:buNone/>
-            </a:pPr>
-            <a:r>
-              <a:rPr lang="en-US" b="1" dirty="0">
-                <a:latin typeface="Consolas" pitchFamily="49" charset="0"/>
-                <a:cs typeface="Consolas" pitchFamily="49" charset="0"/>
-              </a:rPr>
-              <a:t>  (cat-after-tick-helper </a:t>
-            </a:r>
-            <a:endParaRPr lang="en-US" b="1" dirty="0" smtClean="0">
+            <a:endParaRPr lang="en-US" sz="1800" b="1" dirty="0">
               <a:latin typeface="Consolas" pitchFamily="49" charset="0"/>
               <a:cs typeface="Consolas" pitchFamily="49" charset="0"/>
             </a:endParaRPr>
@@ -4857,60 +5611,18 @@
               <a:buNone/>
             </a:pPr>
             <a:r>
-              <a:rPr lang="en-US" b="1" dirty="0">
-                <a:latin typeface="Consolas" pitchFamily="49" charset="0"/>
-                <a:cs typeface="Consolas" pitchFamily="49" charset="0"/>
-              </a:rPr>
-              <a:t> </a:t>
-            </a:r>
-            <a:r>
-              <a:rPr lang="en-US" b="1" dirty="0" smtClean="0">
-                <a:latin typeface="Consolas" pitchFamily="49" charset="0"/>
-                <a:cs typeface="Consolas" pitchFamily="49" charset="0"/>
-              </a:rPr>
-              <a:t>   (</a:t>
-            </a:r>
-            <a:r>
-              <a:rPr lang="en-US" b="1" dirty="0">
-                <a:latin typeface="Consolas" pitchFamily="49" charset="0"/>
-                <a:cs typeface="Consolas" pitchFamily="49" charset="0"/>
-              </a:rPr>
-              <a:t>cat-x-</a:t>
-            </a:r>
-            <a:r>
-              <a:rPr lang="en-US" b="1" dirty="0" err="1">
-                <a:latin typeface="Consolas" pitchFamily="49" charset="0"/>
-                <a:cs typeface="Consolas" pitchFamily="49" charset="0"/>
-              </a:rPr>
-              <a:t>pos</a:t>
-            </a:r>
-            <a:r>
-              <a:rPr lang="en-US" b="1" dirty="0">
-                <a:latin typeface="Consolas" pitchFamily="49" charset="0"/>
-                <a:cs typeface="Consolas" pitchFamily="49" charset="0"/>
-              </a:rPr>
-              <a:t> c) (cat-y-</a:t>
-            </a:r>
-            <a:r>
-              <a:rPr lang="en-US" b="1" dirty="0" err="1">
-                <a:latin typeface="Consolas" pitchFamily="49" charset="0"/>
-                <a:cs typeface="Consolas" pitchFamily="49" charset="0"/>
-              </a:rPr>
-              <a:t>pos</a:t>
-            </a:r>
-            <a:r>
-              <a:rPr lang="en-US" b="1" dirty="0">
-                <a:latin typeface="Consolas" pitchFamily="49" charset="0"/>
-                <a:cs typeface="Consolas" pitchFamily="49" charset="0"/>
-              </a:rPr>
-              <a:t> c) (cat-selected? c)))</a:t>
+              <a:rPr lang="en-US" sz="1800" b="1" dirty="0" smtClean="0">
+                <a:latin typeface="Consolas" pitchFamily="49" charset="0"/>
+                <a:cs typeface="Consolas" pitchFamily="49" charset="0"/>
+              </a:rPr>
+              <a:t>;; function definition on next slide</a:t>
             </a:r>
           </a:p>
           <a:p>
             <a:pPr marL="0" indent="0">
               <a:buNone/>
             </a:pPr>
-            <a:endParaRPr lang="en-US" b="1" dirty="0">
+            <a:endParaRPr lang="en-US" sz="1800" b="1" dirty="0">
               <a:latin typeface="Consolas" pitchFamily="49" charset="0"/>
               <a:cs typeface="Consolas" pitchFamily="49" charset="0"/>
             </a:endParaRPr>
@@ -4971,7 +5683,7 @@
           <a:p>
             <a:r>
               <a:rPr lang="en-US" dirty="0" smtClean="0"/>
-              <a:t>cat-after-tick-helper</a:t>
+              <a:t>cat-after-tick definition</a:t>
             </a:r>
             <a:endParaRPr lang="en-US" dirty="0"/>
           </a:p>
@@ -4990,320 +5702,142 @@
         <p:spPr/>
         <p:txBody>
           <a:bodyPr>
-            <a:normAutofit fontScale="62500" lnSpcReduction="20000"/>
+            <a:normAutofit/>
           </a:bodyPr>
           <a:lstStyle/>
           <a:p>
             <a:pPr marL="0" indent="0">
+              <a:spcBef>
+                <a:spcPts val="0"/>
+              </a:spcBef>
               <a:buNone/>
             </a:pPr>
             <a:r>
-              <a:rPr lang="en-US" b="1" dirty="0">
-                <a:latin typeface="Consolas" pitchFamily="49" charset="0"/>
-                <a:cs typeface="Consolas" pitchFamily="49" charset="0"/>
-              </a:rPr>
-              <a:t>;; cat-after-tick-helper </a:t>
-            </a:r>
-            <a:endParaRPr lang="en-US" b="1" dirty="0" smtClean="0">
-              <a:latin typeface="Consolas" pitchFamily="49" charset="0"/>
-              <a:cs typeface="Consolas" pitchFamily="49" charset="0"/>
-            </a:endParaRPr>
+              <a:rPr lang="en-US" sz="2400" b="1" dirty="0">
+                <a:latin typeface="Consolas" pitchFamily="49" charset="0"/>
+                <a:cs typeface="Consolas" pitchFamily="49" charset="0"/>
+              </a:rPr>
+              <a:t>(define (cat-after-tick c)</a:t>
+            </a:r>
           </a:p>
           <a:p>
             <a:pPr marL="0" indent="0">
+              <a:spcBef>
+                <a:spcPts val="0"/>
+              </a:spcBef>
               <a:buNone/>
             </a:pPr>
             <a:r>
-              <a:rPr lang="en-US" b="1" dirty="0" smtClean="0">
-                <a:latin typeface="Consolas" pitchFamily="49" charset="0"/>
-                <a:cs typeface="Consolas" pitchFamily="49" charset="0"/>
-              </a:rPr>
-              <a:t>;;   : Integer </a:t>
-            </a:r>
-            <a:r>
-              <a:rPr lang="en-US" b="1" dirty="0" err="1" smtClean="0">
-                <a:latin typeface="Consolas" pitchFamily="49" charset="0"/>
-                <a:cs typeface="Consolas" pitchFamily="49" charset="0"/>
-              </a:rPr>
-              <a:t>Integer</a:t>
-            </a:r>
-            <a:r>
-              <a:rPr lang="en-US" b="1" dirty="0" smtClean="0">
-                <a:latin typeface="Consolas" pitchFamily="49" charset="0"/>
-                <a:cs typeface="Consolas" pitchFamily="49" charset="0"/>
-              </a:rPr>
-              <a:t> </a:t>
-            </a:r>
-            <a:r>
-              <a:rPr lang="en-US" b="1" dirty="0">
-                <a:latin typeface="Consolas" pitchFamily="49" charset="0"/>
-                <a:cs typeface="Consolas" pitchFamily="49" charset="0"/>
-              </a:rPr>
-              <a:t>Boolean -&gt; Cat</a:t>
+              <a:rPr lang="en-US" sz="2400" b="1" dirty="0">
+                <a:latin typeface="Consolas" pitchFamily="49" charset="0"/>
+                <a:cs typeface="Consolas" pitchFamily="49" charset="0"/>
+              </a:rPr>
+              <a:t>  (if (cat-selected? c)</a:t>
             </a:r>
           </a:p>
           <a:p>
             <a:pPr marL="0" indent="0">
+              <a:spcBef>
+                <a:spcPts val="0"/>
+              </a:spcBef>
               <a:buNone/>
             </a:pPr>
             <a:r>
-              <a:rPr lang="en-US" b="1" dirty="0">
-                <a:latin typeface="Consolas" pitchFamily="49" charset="0"/>
-                <a:cs typeface="Consolas" pitchFamily="49" charset="0"/>
-              </a:rPr>
-              <a:t>;; </a:t>
-            </a:r>
-            <a:r>
-              <a:rPr lang="en-US" b="1" dirty="0" smtClean="0">
-                <a:latin typeface="Consolas" pitchFamily="49" charset="0"/>
-                <a:cs typeface="Consolas" pitchFamily="49" charset="0"/>
-              </a:rPr>
-              <a:t>RETURNS: </a:t>
-            </a:r>
-            <a:r>
-              <a:rPr lang="en-US" b="1" dirty="0">
-                <a:latin typeface="Consolas" pitchFamily="49" charset="0"/>
-                <a:cs typeface="Consolas" pitchFamily="49" charset="0"/>
-              </a:rPr>
-              <a:t>the cat that should follow one in the </a:t>
-            </a:r>
-            <a:r>
-              <a:rPr lang="en-US" b="1" dirty="0" smtClean="0">
-                <a:latin typeface="Consolas" pitchFamily="49" charset="0"/>
-                <a:cs typeface="Consolas" pitchFamily="49" charset="0"/>
-              </a:rPr>
-              <a:t>given</a:t>
+              <a:rPr lang="en-US" sz="2400" b="1" dirty="0">
+                <a:latin typeface="Consolas" pitchFamily="49" charset="0"/>
+                <a:cs typeface="Consolas" pitchFamily="49" charset="0"/>
+              </a:rPr>
+              <a:t>    c</a:t>
             </a:r>
           </a:p>
           <a:p>
             <a:pPr marL="0" indent="0">
+              <a:spcBef>
+                <a:spcPts val="0"/>
+              </a:spcBef>
               <a:buNone/>
             </a:pPr>
             <a:r>
-              <a:rPr lang="en-US" b="1" dirty="0" smtClean="0">
-                <a:latin typeface="Consolas" pitchFamily="49" charset="0"/>
-                <a:cs typeface="Consolas" pitchFamily="49" charset="0"/>
-              </a:rPr>
-              <a:t>;; </a:t>
-            </a:r>
-            <a:r>
-              <a:rPr lang="en-US" b="1" dirty="0">
-                <a:latin typeface="Consolas" pitchFamily="49" charset="0"/>
-                <a:cs typeface="Consolas" pitchFamily="49" charset="0"/>
-              </a:rPr>
-              <a:t>position in </a:t>
-            </a:r>
-            <a:r>
-              <a:rPr lang="en-US" b="1" dirty="0" smtClean="0">
-                <a:latin typeface="Consolas" pitchFamily="49" charset="0"/>
-                <a:cs typeface="Consolas" pitchFamily="49" charset="0"/>
-              </a:rPr>
-              <a:t>an </a:t>
-            </a:r>
-            <a:r>
-              <a:rPr lang="en-US" b="1" dirty="0" err="1" smtClean="0">
-                <a:latin typeface="Consolas" pitchFamily="49" charset="0"/>
-                <a:cs typeface="Consolas" pitchFamily="49" charset="0"/>
-              </a:rPr>
-              <a:t>unpaused</a:t>
-            </a:r>
-            <a:r>
-              <a:rPr lang="en-US" b="1" dirty="0" smtClean="0">
-                <a:latin typeface="Consolas" pitchFamily="49" charset="0"/>
-                <a:cs typeface="Consolas" pitchFamily="49" charset="0"/>
-              </a:rPr>
-              <a:t> </a:t>
-            </a:r>
-            <a:r>
-              <a:rPr lang="en-US" b="1" dirty="0">
-                <a:latin typeface="Consolas" pitchFamily="49" charset="0"/>
-                <a:cs typeface="Consolas" pitchFamily="49" charset="0"/>
-              </a:rPr>
-              <a:t>world </a:t>
+              <a:rPr lang="en-US" sz="2400" b="1" dirty="0">
+                <a:latin typeface="Consolas" pitchFamily="49" charset="0"/>
+                <a:cs typeface="Consolas" pitchFamily="49" charset="0"/>
+              </a:rPr>
+              <a:t>    (make-cat</a:t>
             </a:r>
           </a:p>
           <a:p>
             <a:pPr marL="0" indent="0">
+              <a:spcBef>
+                <a:spcPts val="0"/>
+              </a:spcBef>
               <a:buNone/>
             </a:pPr>
             <a:r>
-              <a:rPr lang="en-US" b="1" dirty="0">
-                <a:latin typeface="Consolas" pitchFamily="49" charset="0"/>
-                <a:cs typeface="Consolas" pitchFamily="49" charset="0"/>
-              </a:rPr>
-              <a:t>;; strategy: function composition</a:t>
+              <a:rPr lang="en-US" sz="2400" b="1" dirty="0">
+                <a:latin typeface="Consolas" pitchFamily="49" charset="0"/>
+                <a:cs typeface="Consolas" pitchFamily="49" charset="0"/>
+              </a:rPr>
+              <a:t>      (cat-x-</a:t>
+            </a:r>
+            <a:r>
+              <a:rPr lang="en-US" sz="2400" b="1" dirty="0" err="1">
+                <a:latin typeface="Consolas" pitchFamily="49" charset="0"/>
+                <a:cs typeface="Consolas" pitchFamily="49" charset="0"/>
+              </a:rPr>
+              <a:t>pos</a:t>
+            </a:r>
+            <a:r>
+              <a:rPr lang="en-US" sz="2400" b="1" dirty="0">
+                <a:latin typeface="Consolas" pitchFamily="49" charset="0"/>
+                <a:cs typeface="Consolas" pitchFamily="49" charset="0"/>
+              </a:rPr>
+              <a:t> c)</a:t>
             </a:r>
           </a:p>
           <a:p>
             <a:pPr marL="0" indent="0">
+              <a:spcBef>
+                <a:spcPts val="0"/>
+              </a:spcBef>
               <a:buNone/>
             </a:pPr>
             <a:r>
-              <a:rPr lang="en-US" b="1" dirty="0">
-                <a:latin typeface="Consolas" pitchFamily="49" charset="0"/>
-                <a:cs typeface="Consolas" pitchFamily="49" charset="0"/>
-              </a:rPr>
-              <a:t>(define (cat-after-tick-helper x-</a:t>
-            </a:r>
-            <a:r>
-              <a:rPr lang="en-US" b="1" dirty="0" err="1">
+              <a:rPr lang="en-US" sz="2400" b="1" dirty="0">
+                <a:latin typeface="Consolas" pitchFamily="49" charset="0"/>
+                <a:cs typeface="Consolas" pitchFamily="49" charset="0"/>
+              </a:rPr>
+              <a:t>      (+ (cat-y-</a:t>
+            </a:r>
+            <a:r>
+              <a:rPr lang="en-US" sz="2400" b="1" dirty="0" err="1">
                 <a:latin typeface="Consolas" pitchFamily="49" charset="0"/>
                 <a:cs typeface="Consolas" pitchFamily="49" charset="0"/>
               </a:rPr>
               <a:t>pos</a:t>
             </a:r>
             <a:r>
-              <a:rPr lang="en-US" b="1" dirty="0">
-                <a:latin typeface="Consolas" pitchFamily="49" charset="0"/>
-                <a:cs typeface="Consolas" pitchFamily="49" charset="0"/>
-              </a:rPr>
-              <a:t> y-</a:t>
-            </a:r>
-            <a:r>
-              <a:rPr lang="en-US" b="1" dirty="0" err="1">
-                <a:latin typeface="Consolas" pitchFamily="49" charset="0"/>
-                <a:cs typeface="Consolas" pitchFamily="49" charset="0"/>
-              </a:rPr>
-              <a:t>pos</a:t>
-            </a:r>
-            <a:r>
-              <a:rPr lang="en-US" b="1" dirty="0">
-                <a:latin typeface="Consolas" pitchFamily="49" charset="0"/>
-                <a:cs typeface="Consolas" pitchFamily="49" charset="0"/>
-              </a:rPr>
-              <a:t> selected?)</a:t>
+              <a:rPr lang="en-US" sz="2400" b="1" dirty="0">
+                <a:latin typeface="Consolas" pitchFamily="49" charset="0"/>
+                <a:cs typeface="Consolas" pitchFamily="49" charset="0"/>
+              </a:rPr>
+              <a:t> c) CATSPEED)          </a:t>
             </a:r>
           </a:p>
           <a:p>
             <a:pPr marL="0" indent="0">
+              <a:spcBef>
+                <a:spcPts val="0"/>
+              </a:spcBef>
               <a:buNone/>
             </a:pPr>
             <a:r>
-              <a:rPr lang="en-US" b="1" dirty="0">
-                <a:latin typeface="Consolas" pitchFamily="49" charset="0"/>
-                <a:cs typeface="Consolas" pitchFamily="49" charset="0"/>
-              </a:rPr>
-              <a:t>  (if selected?</a:t>
-            </a:r>
-          </a:p>
-          <a:p>
-            <a:pPr marL="0" indent="0">
-              <a:buNone/>
-            </a:pPr>
-            <a:r>
-              <a:rPr lang="en-US" b="1" dirty="0">
-                <a:latin typeface="Consolas" pitchFamily="49" charset="0"/>
-                <a:cs typeface="Consolas" pitchFamily="49" charset="0"/>
-              </a:rPr>
-              <a:t>    (make-cat x-</a:t>
-            </a:r>
-            <a:r>
-              <a:rPr lang="en-US" b="1" dirty="0" err="1">
-                <a:latin typeface="Consolas" pitchFamily="49" charset="0"/>
-                <a:cs typeface="Consolas" pitchFamily="49" charset="0"/>
-              </a:rPr>
-              <a:t>pos</a:t>
-            </a:r>
-            <a:r>
-              <a:rPr lang="en-US" b="1" dirty="0">
-                <a:latin typeface="Consolas" pitchFamily="49" charset="0"/>
-                <a:cs typeface="Consolas" pitchFamily="49" charset="0"/>
-              </a:rPr>
-              <a:t> y-</a:t>
-            </a:r>
-            <a:r>
-              <a:rPr lang="en-US" b="1" dirty="0" err="1">
-                <a:latin typeface="Consolas" pitchFamily="49" charset="0"/>
-                <a:cs typeface="Consolas" pitchFamily="49" charset="0"/>
-              </a:rPr>
-              <a:t>pos</a:t>
-            </a:r>
-            <a:r>
-              <a:rPr lang="en-US" b="1" dirty="0">
-                <a:latin typeface="Consolas" pitchFamily="49" charset="0"/>
-                <a:cs typeface="Consolas" pitchFamily="49" charset="0"/>
-              </a:rPr>
-              <a:t> selected?)</a:t>
-            </a:r>
-          </a:p>
-          <a:p>
-            <a:pPr marL="0" indent="0">
-              <a:buNone/>
-            </a:pPr>
-            <a:r>
-              <a:rPr lang="en-US" b="1" dirty="0">
-                <a:latin typeface="Consolas" pitchFamily="49" charset="0"/>
-                <a:cs typeface="Consolas" pitchFamily="49" charset="0"/>
-              </a:rPr>
-              <a:t>    (make-cat</a:t>
-            </a:r>
-          </a:p>
-          <a:p>
-            <a:pPr marL="0" indent="0">
-              <a:buNone/>
-            </a:pPr>
-            <a:r>
-              <a:rPr lang="en-US" b="1" dirty="0">
-                <a:latin typeface="Consolas" pitchFamily="49" charset="0"/>
-                <a:cs typeface="Consolas" pitchFamily="49" charset="0"/>
-              </a:rPr>
-              <a:t>      x-</a:t>
-            </a:r>
-            <a:r>
-              <a:rPr lang="en-US" b="1" dirty="0" err="1">
-                <a:latin typeface="Consolas" pitchFamily="49" charset="0"/>
-                <a:cs typeface="Consolas" pitchFamily="49" charset="0"/>
-              </a:rPr>
-              <a:t>pos</a:t>
-            </a:r>
-            <a:endParaRPr lang="en-US" b="1" dirty="0">
-              <a:latin typeface="Consolas" pitchFamily="49" charset="0"/>
-              <a:cs typeface="Consolas" pitchFamily="49" charset="0"/>
-            </a:endParaRPr>
-          </a:p>
-          <a:p>
-            <a:pPr marL="0" indent="0">
-              <a:buNone/>
-            </a:pPr>
-            <a:r>
-              <a:rPr lang="en-US" b="1" dirty="0">
-                <a:latin typeface="Consolas" pitchFamily="49" charset="0"/>
-                <a:cs typeface="Consolas" pitchFamily="49" charset="0"/>
-              </a:rPr>
-              <a:t>      (+ y-</a:t>
-            </a:r>
-            <a:r>
-              <a:rPr lang="en-US" b="1" dirty="0" err="1">
-                <a:latin typeface="Consolas" pitchFamily="49" charset="0"/>
-                <a:cs typeface="Consolas" pitchFamily="49" charset="0"/>
-              </a:rPr>
-              <a:t>pos</a:t>
-            </a:r>
-            <a:r>
-              <a:rPr lang="en-US" b="1" dirty="0">
-                <a:latin typeface="Consolas" pitchFamily="49" charset="0"/>
-                <a:cs typeface="Consolas" pitchFamily="49" charset="0"/>
-              </a:rPr>
-              <a:t> CATSPEED)          </a:t>
-            </a:r>
-          </a:p>
-          <a:p>
-            <a:pPr marL="0" indent="0">
-              <a:buNone/>
-            </a:pPr>
-            <a:r>
-              <a:rPr lang="en-US" b="1" dirty="0">
-                <a:latin typeface="Consolas" pitchFamily="49" charset="0"/>
-                <a:cs typeface="Consolas" pitchFamily="49" charset="0"/>
-              </a:rPr>
-              <a:t>      selected?)))</a:t>
-            </a:r>
-          </a:p>
-          <a:p>
-            <a:pPr marL="0" indent="0">
-              <a:buNone/>
-            </a:pPr>
-            <a:endParaRPr lang="en-US" b="1" dirty="0">
+              <a:rPr lang="en-US" sz="2400" b="1" dirty="0">
+                <a:latin typeface="Consolas" pitchFamily="49" charset="0"/>
+                <a:cs typeface="Consolas" pitchFamily="49" charset="0"/>
+              </a:rPr>
+              <a:t>      (cat-selected? c))))</a:t>
+            </a:r>
+            <a:endParaRPr lang="en-US" sz="2400" b="1" dirty="0">
               <a:latin typeface="Consolas" pitchFamily="49" charset="0"/>
               <a:cs typeface="Consolas" pitchFamily="49" charset="0"/>
             </a:endParaRPr>
@@ -5465,7 +5999,7 @@
         <p:spPr/>
         <p:txBody>
           <a:bodyPr>
-            <a:normAutofit fontScale="77500" lnSpcReduction="20000"/>
+            <a:normAutofit fontScale="85000" lnSpcReduction="20000"/>
           </a:bodyPr>
           <a:lstStyle/>
           <a:p>
@@ -5489,7 +6023,21 @@
                 <a:latin typeface="Consolas" pitchFamily="49" charset="0"/>
                 <a:cs typeface="Consolas" pitchFamily="49" charset="0"/>
               </a:rPr>
-              <a:t>;; produces a Scene that portrays the </a:t>
+              <a:t>;; </a:t>
+            </a:r>
+            <a:r>
+              <a:rPr lang="en-US" b="1" dirty="0" smtClean="0">
+                <a:latin typeface="Consolas" pitchFamily="49" charset="0"/>
+                <a:cs typeface="Consolas" pitchFamily="49" charset="0"/>
+              </a:rPr>
+              <a:t>RETURNS: a </a:t>
+            </a:r>
+            <a:r>
+              <a:rPr lang="en-US" b="1" dirty="0">
+                <a:latin typeface="Consolas" pitchFamily="49" charset="0"/>
+                <a:cs typeface="Consolas" pitchFamily="49" charset="0"/>
+              </a:rPr>
+              <a:t>Scene that portrays the </a:t>
             </a:r>
             <a:endParaRPr lang="en-US" b="1" dirty="0" smtClean="0">
               <a:latin typeface="Consolas" pitchFamily="49" charset="0"/>
@@ -5527,35 +6075,23 @@
               <a:t>;; </a:t>
             </a:r>
             <a:r>
-              <a:rPr lang="en-US" b="1" dirty="0">
-                <a:latin typeface="Consolas" pitchFamily="49" charset="0"/>
-                <a:cs typeface="Consolas" pitchFamily="49" charset="0"/>
-              </a:rPr>
-              <a:t>strategy: structural decomposition </a:t>
-            </a:r>
-            <a:endParaRPr lang="en-US" b="1" dirty="0" smtClean="0">
+              <a:rPr lang="en-US" b="1" dirty="0" smtClean="0">
+                <a:latin typeface="Consolas" pitchFamily="49" charset="0"/>
+                <a:cs typeface="Consolas" pitchFamily="49" charset="0"/>
+              </a:rPr>
+              <a:t>STRATEGY: </a:t>
+            </a:r>
+            <a:r>
+              <a:rPr lang="en-US" b="1" dirty="0" smtClean="0">
+                <a:latin typeface="Consolas" pitchFamily="49" charset="0"/>
+                <a:cs typeface="Consolas" pitchFamily="49" charset="0"/>
+              </a:rPr>
+              <a:t>Use template for World on w</a:t>
+            </a:r>
+            <a:endParaRPr lang="en-US" b="1" dirty="0">
               <a:latin typeface="Consolas" pitchFamily="49" charset="0"/>
               <a:cs typeface="Consolas" pitchFamily="49" charset="0"/>
             </a:endParaRPr>
-          </a:p>
-          <a:p>
-            <a:pPr marL="0" indent="0">
-              <a:buNone/>
-            </a:pPr>
-            <a:r>
-              <a:rPr lang="en-US" b="1" dirty="0" smtClean="0">
-                <a:latin typeface="Consolas" pitchFamily="49" charset="0"/>
-                <a:cs typeface="Consolas" pitchFamily="49" charset="0"/>
-              </a:rPr>
-              <a:t>;;   on w </a:t>
-            </a:r>
-            <a:r>
-              <a:rPr lang="en-US" b="1" dirty="0">
-                <a:latin typeface="Consolas" pitchFamily="49" charset="0"/>
-                <a:cs typeface="Consolas" pitchFamily="49" charset="0"/>
-              </a:rPr>
-              <a:t>: World</a:t>
-            </a:r>
           </a:p>
           <a:p>
             <a:pPr marL="0" indent="0">
@@ -5946,22 +6482,14 @@
                 <a:latin typeface="Consolas" pitchFamily="49" charset="0"/>
                 <a:cs typeface="Consolas" pitchFamily="49" charset="0"/>
               </a:rPr>
-              <a:t>;; strategy : structural decomposition</a:t>
-            </a:r>
-          </a:p>
-          <a:p>
-            <a:pPr marL="0" indent="0">
-              <a:spcBef>
-                <a:spcPts val="0"/>
-              </a:spcBef>
-              <a:buNone/>
-            </a:pPr>
+              <a:t>;; strategy : </a:t>
+            </a:r>
             <a:r>
               <a:rPr lang="en-US" sz="2400" b="1" dirty="0" smtClean="0">
                 <a:latin typeface="Consolas" pitchFamily="49" charset="0"/>
                 <a:cs typeface="Consolas" pitchFamily="49" charset="0"/>
               </a:rPr>
-              <a:t>;;  on c : Cat</a:t>
+              <a:t>Use template for Cat on c</a:t>
             </a:r>
             <a:endParaRPr lang="en-US" sz="2400" b="1" dirty="0">
               <a:latin typeface="Consolas" pitchFamily="49" charset="0"/>
@@ -6293,15 +6821,17 @@
           <a:p>
             <a:r>
               <a:rPr lang="en-US" dirty="0" smtClean="0"/>
-              <a:t>If you have questions about this lesson, ask them on the Discussion Board</a:t>
-            </a:r>
-          </a:p>
-          <a:p>
-            <a:r>
-              <a:rPr lang="en-US" dirty="0" smtClean="0"/>
-              <a:t>Do Problem Set 02</a:t>
-            </a:r>
-            <a:endParaRPr lang="en-US" dirty="0"/>
+              <a:t>If you have questions about this lesson, ask them on the </a:t>
+            </a:r>
+            <a:r>
+              <a:rPr lang="en-US" smtClean="0"/>
+              <a:t>Discussion </a:t>
+            </a:r>
+            <a:r>
+              <a:rPr lang="en-US" smtClean="0"/>
+              <a:t>Board</a:t>
+            </a:r>
+            <a:endParaRPr lang="en-US" dirty="0" smtClean="0"/>
           </a:p>
         </p:txBody>
       </p:sp>
@@ -6406,7 +6936,15 @@
             <a:pPr lvl="1" fontAlgn="base"/>
             <a:r>
               <a:rPr lang="en-US" dirty="0"/>
-              <a:t>Use structural decomposition to guide the development of programs incorporating multiple data definitions.</a:t>
+              <a:t>Use </a:t>
+            </a:r>
+            <a:r>
+              <a:rPr lang="en-US" dirty="0" smtClean="0"/>
+              <a:t>templates to </a:t>
+            </a:r>
+            <a:r>
+              <a:rPr lang="en-US" dirty="0"/>
+              <a:t>guide the development of programs incorporating multiple data definitions.</a:t>
             </a:r>
           </a:p>
           <a:p>
@@ -6648,8 +7186,8 @@
         </p:blipFill>
         <p:spPr>
           <a:xfrm>
-            <a:off x="414866" y="1524000"/>
-            <a:ext cx="8314268" cy="4676776"/>
+            <a:off x="1066800" y="1890713"/>
+            <a:ext cx="7010400" cy="3943350"/>
           </a:xfrm>
           <a:prstGeom prst="rect">
             <a:avLst/>
@@ -7749,14 +8287,7 @@
                 <a:latin typeface="Consolas" pitchFamily="49" charset="0"/>
                 <a:cs typeface="Consolas" pitchFamily="49" charset="0"/>
               </a:rPr>
-              <a:t>;      </a:t>
-            </a:r>
-            <a:r>
-              <a:rPr lang="en-US" b="1" dirty="0" smtClean="0">
-                <a:latin typeface="Consolas" pitchFamily="49" charset="0"/>
-                <a:cs typeface="Consolas" pitchFamily="49" charset="0"/>
-              </a:rPr>
-              <a:t>(</a:t>
+              <a:t>;      (</a:t>
             </a:r>
             <a:r>
               <a:rPr lang="en-US" b="1" dirty="0">
@@ -7849,7 +8380,9 @@
         </p:nvSpPr>
         <p:spPr/>
         <p:txBody>
-          <a:bodyPr/>
+          <a:bodyPr>
+            <a:normAutofit fontScale="92500" lnSpcReduction="10000"/>
+          </a:bodyPr>
           <a:lstStyle/>
           <a:p>
             <a:r>
@@ -7881,8 +8414,20 @@
             <a:pPr lvl="1"/>
             <a:r>
               <a:rPr lang="en-US" dirty="0" smtClean="0"/>
-              <a:t>if each cat had a paused? field, then what does it mean for one cat to be paused and the other not?</a:t>
-            </a:r>
+              <a:t>if each cat had a paused? field, then what does it mean for one cat to be paused and the other not</a:t>
+            </a:r>
+            <a:r>
+              <a:rPr lang="en-US" dirty="0" smtClean="0"/>
+              <a:t>?</a:t>
+            </a:r>
+          </a:p>
+          <a:p>
+            <a:pPr lvl="1"/>
+            <a:r>
+              <a:rPr lang="en-US" dirty="0" smtClean="0"/>
+              <a:t>Is it possible for one cat to be paused and the other not?</a:t>
+            </a:r>
+            <a:endParaRPr lang="en-US" dirty="0" smtClean="0"/>
           </a:p>
           <a:p>
             <a:pPr lvl="1"/>
@@ -7918,7 +8463,7 @@
 </file>
 
 <file path=ppt/theme/theme1.xml><?xml version="1.0" encoding="utf-8"?>
-<a:theme xmlns:a="http://schemas.openxmlformats.org/drawingml/2006/main" name="Office Theme">
+<a:theme xmlns:a="http://schemas.openxmlformats.org/drawingml/2006/main" name="1_Office Theme">
   <a:themeElements>
     <a:clrScheme name="Office">
       <a:dk1>
@@ -7992,6 +8537,7 @@
         <a:font script="Mong" typeface="Mongolian Baiti"/>
         <a:font script="Viet" typeface="Times New Roman"/>
         <a:font script="Uigh" typeface="Microsoft Uighur"/>
+        <a:font script="Geor" typeface="Sylfaen"/>
       </a:majorFont>
       <a:minorFont>
         <a:latin typeface="Calibri"/>
@@ -8026,6 +8572,7 @@
         <a:font script="Mong" typeface="Mongolian Baiti"/>
         <a:font script="Viet" typeface="Arial"/>
         <a:font script="Uigh" typeface="Microsoft Uighur"/>
+        <a:font script="Geor" typeface="Sylfaen"/>
       </a:minorFont>
     </a:fontScheme>
     <a:fmtScheme name="Office">
@@ -8198,40 +8745,23 @@
   <a:objectDefaults>
     <a:spDef>
       <a:spPr>
-        <a:gradFill flip="none" rotWithShape="1">
-          <a:gsLst>
-            <a:gs pos="0">
-              <a:schemeClr val="tx2">
-                <a:tint val="66000"/>
-                <a:satMod val="160000"/>
-              </a:schemeClr>
-            </a:gs>
-            <a:gs pos="50000">
-              <a:schemeClr val="tx2">
-                <a:tint val="44500"/>
-                <a:satMod val="160000"/>
-              </a:schemeClr>
-            </a:gs>
-            <a:gs pos="100000">
-              <a:schemeClr val="tx2">
-                <a:tint val="23500"/>
-                <a:satMod val="160000"/>
-              </a:schemeClr>
-            </a:gs>
-          </a:gsLst>
-          <a:lin ang="5400000" scaled="1"/>
-          <a:tileRect/>
-        </a:gradFill>
-        <a:ln w="12700">
-          <a:solidFill>
-            <a:schemeClr val="tx1"/>
-          </a:solidFill>
-        </a:ln>
+        <a:solidFill>
+          <a:schemeClr val="accent3">
+            <a:lumMod val="40000"/>
+            <a:lumOff val="60000"/>
+          </a:schemeClr>
+        </a:solidFill>
+        <a:ln/>
       </a:spPr>
-      <a:bodyPr rtlCol="0" anchor="ctr"/>
+      <a:bodyPr rot="0" spcFirstLastPara="0" vertOverflow="overflow" horzOverflow="overflow" vert="horz" wrap="square" lIns="91440" tIns="45720" rIns="91440" bIns="45720" numCol="1" spcCol="0" rtlCol="0" fromWordArt="0" anchor="ctr" anchorCtr="0" forceAA="0" compatLnSpc="1">
+        <a:prstTxWarp prst="textNoShape">
+          <a:avLst/>
+        </a:prstTxWarp>
+        <a:noAutofit/>
+      </a:bodyPr>
       <a:lstStyle>
-        <a:defPPr algn="ctr">
-          <a:defRPr dirty="0" smtClean="0">
+        <a:defPPr>
+          <a:defRPr dirty="0">
             <a:solidFill>
               <a:schemeClr val="tx1"/>
             </a:solidFill>
@@ -8240,47 +8770,19 @@
       </a:lstStyle>
       <a:style>
         <a:lnRef idx="2">
-          <a:schemeClr val="accent1">
-            <a:shade val="50000"/>
-          </a:schemeClr>
+          <a:schemeClr val="accent1"/>
         </a:lnRef>
         <a:fillRef idx="1">
-          <a:schemeClr val="accent1"/>
+          <a:schemeClr val="lt1"/>
         </a:fillRef>
         <a:effectRef idx="0">
           <a:schemeClr val="accent1"/>
         </a:effectRef>
         <a:fontRef idx="minor">
-          <a:schemeClr val="lt1"/>
+          <a:schemeClr val="dk1"/>
         </a:fontRef>
       </a:style>
     </a:spDef>
-    <a:lnDef>
-      <a:spPr>
-        <a:ln w="12700">
-          <a:solidFill>
-            <a:schemeClr val="tx1"/>
-          </a:solidFill>
-          <a:tailEnd type="stealth" w="lg" len="lg"/>
-        </a:ln>
-      </a:spPr>
-      <a:bodyPr/>
-      <a:lstStyle/>
-      <a:style>
-        <a:lnRef idx="1">
-          <a:schemeClr val="accent1"/>
-        </a:lnRef>
-        <a:fillRef idx="0">
-          <a:schemeClr val="accent1"/>
-        </a:fillRef>
-        <a:effectRef idx="0">
-          <a:schemeClr val="accent1"/>
-        </a:effectRef>
-        <a:fontRef idx="minor">
-          <a:schemeClr val="tx1"/>
-        </a:fontRef>
-      </a:style>
-    </a:lnDef>
   </a:objectDefaults>
   <a:extraClrSchemeLst/>
 </a:theme>

--- a/Slides/Lesson 3.4 Two Draggable Cats.pptx
+++ b/Slides/Lesson 3.4 Two Draggable Cats.pptx
@@ -229,7 +229,7 @@
             <a:fld id="{CF8F25F6-E1EF-4065-8525-42EDEBD9BD22}" type="datetimeFigureOut">
               <a:rPr lang="en-US" smtClean="0"/>
               <a:pPr/>
-              <a:t>8/20/2015</a:t>
+              <a:t>8/1/2016</a:t>
             </a:fld>
             <a:endParaRPr lang="en-US"/>
           </a:p>
@@ -295,38 +295,37 @@
           <a:p>
             <a:pPr lvl="0"/>
             <a:r>
-              <a:rPr lang="en-US" smtClean="0"/>
+              <a:rPr lang="en-US"/>
               <a:t>Click to edit Master text styles</a:t>
             </a:r>
           </a:p>
           <a:p>
             <a:pPr lvl="1"/>
             <a:r>
-              <a:rPr lang="en-US" smtClean="0"/>
+              <a:rPr lang="en-US"/>
               <a:t>Second level</a:t>
             </a:r>
           </a:p>
           <a:p>
             <a:pPr lvl="2"/>
             <a:r>
-              <a:rPr lang="en-US" smtClean="0"/>
+              <a:rPr lang="en-US"/>
               <a:t>Third level</a:t>
             </a:r>
           </a:p>
           <a:p>
             <a:pPr lvl="3"/>
             <a:r>
-              <a:rPr lang="en-US" smtClean="0"/>
+              <a:rPr lang="en-US"/>
               <a:t>Fourth level</a:t>
             </a:r>
           </a:p>
           <a:p>
             <a:pPr lvl="4"/>
             <a:r>
-              <a:rPr lang="en-US" smtClean="0"/>
+              <a:rPr lang="en-US"/>
               <a:t>Fifth level</a:t>
             </a:r>
-            <a:endParaRPr lang="en-US"/>
           </a:p>
         </p:txBody>
       </p:sp>
@@ -547,29 +546,29 @@
           <a:lstStyle/>
           <a:p>
             <a:r>
-              <a:rPr lang="en-US" dirty="0" smtClean="0"/>
+              <a:rPr lang="en-US" dirty="0"/>
               <a:t>Welcome to Week 2, Lesson 1: "How to Design Universe Programs".</a:t>
             </a:r>
           </a:p>
           <a:p>
-            <a:endParaRPr lang="en-US" dirty="0" smtClean="0"/>
-          </a:p>
-          <a:p>
-            <a:r>
-              <a:rPr lang="en-US" dirty="0" smtClean="0"/>
+            <a:endParaRPr lang="en-US" dirty="0"/>
+          </a:p>
+          <a:p>
+            <a:r>
+              <a:rPr lang="en-US" dirty="0"/>
               <a:t>In this lesson, you will learn the</a:t>
             </a:r>
             <a:r>
-              <a:rPr lang="en-US" baseline="0" dirty="0" smtClean="0"/>
+              <a:rPr lang="en-US" baseline="0" dirty="0"/>
               <a:t> steps in designing universe programs.  You will learn how to decide what data goes into the state of a world, and what does not.</a:t>
             </a:r>
           </a:p>
           <a:p>
-            <a:endParaRPr lang="en-US" baseline="0" dirty="0" smtClean="0"/>
-          </a:p>
-          <a:p>
-            <a:r>
-              <a:rPr lang="en-US" baseline="0" dirty="0" smtClean="0"/>
+            <a:endParaRPr lang="en-US" baseline="0" dirty="0"/>
+          </a:p>
+          <a:p>
+            <a:r>
+              <a:rPr lang="en-US" baseline="0" dirty="0"/>
               <a:t>We will also introduce the concept of a "wish list" to help you organize your program.</a:t>
             </a:r>
             <a:endParaRPr lang="en-US" dirty="0"/>
@@ -651,10 +650,9 @@
           <a:lstStyle/>
           <a:p>
             <a:r>
-              <a:rPr lang="en-US" smtClean="0"/>
+              <a:rPr lang="en-US"/>
               <a:t>Click to edit Master title style</a:t>
             </a:r>
-            <a:endParaRPr lang="en-US"/>
           </a:p>
         </p:txBody>
       </p:sp>
@@ -770,10 +768,9 @@
           </a:lstStyle>
           <a:p>
             <a:r>
-              <a:rPr lang="en-US" smtClean="0"/>
+              <a:rPr lang="en-US"/>
               <a:t>Click to edit Master subtitle style</a:t>
             </a:r>
-            <a:endParaRPr lang="en-US"/>
           </a:p>
         </p:txBody>
       </p:sp>
@@ -794,7 +791,7 @@
           <a:p>
             <a:fld id="{2F1F79F5-7BEC-496A-AFC7-876E38F64D71}" type="datetime1">
               <a:rPr lang="en-US" smtClean="0"/>
-              <a:t>8/20/2015</a:t>
+              <a:t>8/1/2016</a:t>
             </a:fld>
             <a:endParaRPr lang="en-US"/>
           </a:p>
@@ -852,13 +849,6 @@
   <p:clrMapOvr>
     <a:masterClrMapping/>
   </p:clrMapOvr>
-  <p:timing>
-    <p:tnLst>
-      <p:par>
-        <p:cTn id="1" dur="indefinite" restart="never" nodeType="tmRoot"/>
-      </p:par>
-    </p:tnLst>
-  </p:timing>
 </p:sldLayout>
 </file>
 
@@ -896,7 +886,7 @@
           <a:p>
             <a:fld id="{0A05703A-7669-4FEA-9056-25299B4D29D4}" type="datetime1">
               <a:rPr lang="en-US" smtClean="0"/>
-              <a:t>8/20/2015</a:t>
+              <a:t>8/1/2016</a:t>
             </a:fld>
             <a:endParaRPr lang="en-US"/>
           </a:p>
@@ -999,10 +989,9 @@
           </a:lstStyle>
           <a:p>
             <a:r>
-              <a:rPr lang="en-US" smtClean="0"/>
+              <a:rPr lang="en-US"/>
               <a:t>Click to edit Master title style</a:t>
             </a:r>
-            <a:endParaRPr lang="en-US"/>
           </a:p>
         </p:txBody>
       </p:sp>
@@ -1056,38 +1045,37 @@
           <a:p>
             <a:pPr lvl="0"/>
             <a:r>
-              <a:rPr lang="en-US" smtClean="0"/>
+              <a:rPr lang="en-US"/>
               <a:t>Click to edit Master text styles</a:t>
             </a:r>
           </a:p>
           <a:p>
             <a:pPr lvl="1"/>
             <a:r>
-              <a:rPr lang="en-US" smtClean="0"/>
+              <a:rPr lang="en-US"/>
               <a:t>Second level</a:t>
             </a:r>
           </a:p>
           <a:p>
             <a:pPr lvl="2"/>
             <a:r>
-              <a:rPr lang="en-US" smtClean="0"/>
+              <a:rPr lang="en-US"/>
               <a:t>Third level</a:t>
             </a:r>
           </a:p>
           <a:p>
             <a:pPr lvl="3"/>
             <a:r>
-              <a:rPr lang="en-US" smtClean="0"/>
+              <a:rPr lang="en-US"/>
               <a:t>Fourth level</a:t>
             </a:r>
           </a:p>
           <a:p>
             <a:pPr lvl="4"/>
             <a:r>
-              <a:rPr lang="en-US" smtClean="0"/>
+              <a:rPr lang="en-US"/>
               <a:t>Fifth level</a:t>
             </a:r>
-            <a:endParaRPr lang="en-US"/>
           </a:p>
         </p:txBody>
       </p:sp>
@@ -1150,7 +1138,7 @@
           <a:p>
             <a:pPr lvl="0"/>
             <a:r>
-              <a:rPr lang="en-US" smtClean="0"/>
+              <a:rPr lang="en-US"/>
               <a:t>Click to edit Master text styles</a:t>
             </a:r>
           </a:p>
@@ -1173,7 +1161,7 @@
           <a:p>
             <a:fld id="{6E5077B5-BB57-49DB-88CA-226A139E5C01}" type="datetime1">
               <a:rPr lang="en-US" smtClean="0"/>
-              <a:t>8/20/2015</a:t>
+              <a:t>8/1/2016</a:t>
             </a:fld>
             <a:endParaRPr lang="en-US"/>
           </a:p>
@@ -1276,10 +1264,9 @@
           </a:lstStyle>
           <a:p>
             <a:r>
-              <a:rPr lang="en-US" smtClean="0"/>
+              <a:rPr lang="en-US"/>
               <a:t>Click to edit Master title style</a:t>
             </a:r>
-            <a:endParaRPr lang="en-US"/>
           </a:p>
         </p:txBody>
       </p:sp>
@@ -1403,7 +1390,7 @@
           <a:p>
             <a:pPr lvl="0"/>
             <a:r>
-              <a:rPr lang="en-US" smtClean="0"/>
+              <a:rPr lang="en-US"/>
               <a:t>Click to edit Master text styles</a:t>
             </a:r>
           </a:p>
@@ -1426,7 +1413,7 @@
           <a:p>
             <a:fld id="{C48D9447-CBD6-49A1-89FD-8512A8CF8999}" type="datetime1">
               <a:rPr lang="en-US" smtClean="0"/>
-              <a:t>8/20/2015</a:t>
+              <a:t>8/1/2016</a:t>
             </a:fld>
             <a:endParaRPr lang="en-US"/>
           </a:p>
@@ -1520,10 +1507,9 @@
           <a:lstStyle/>
           <a:p>
             <a:r>
-              <a:rPr lang="en-US" smtClean="0"/>
+              <a:rPr lang="en-US"/>
               <a:t>Click to edit Master title style</a:t>
             </a:r>
-            <a:endParaRPr lang="en-US"/>
           </a:p>
         </p:txBody>
       </p:sp>
@@ -1544,38 +1530,37 @@
           <a:p>
             <a:pPr lvl="0"/>
             <a:r>
-              <a:rPr lang="en-US" smtClean="0"/>
+              <a:rPr lang="en-US"/>
               <a:t>Click to edit Master text styles</a:t>
             </a:r>
           </a:p>
           <a:p>
             <a:pPr lvl="1"/>
             <a:r>
-              <a:rPr lang="en-US" smtClean="0"/>
+              <a:rPr lang="en-US"/>
               <a:t>Second level</a:t>
             </a:r>
           </a:p>
           <a:p>
             <a:pPr lvl="2"/>
             <a:r>
-              <a:rPr lang="en-US" smtClean="0"/>
+              <a:rPr lang="en-US"/>
               <a:t>Third level</a:t>
             </a:r>
           </a:p>
           <a:p>
             <a:pPr lvl="3"/>
             <a:r>
-              <a:rPr lang="en-US" smtClean="0"/>
+              <a:rPr lang="en-US"/>
               <a:t>Fourth level</a:t>
             </a:r>
           </a:p>
           <a:p>
             <a:pPr lvl="4"/>
             <a:r>
-              <a:rPr lang="en-US" smtClean="0"/>
+              <a:rPr lang="en-US"/>
               <a:t>Fifth level</a:t>
             </a:r>
-            <a:endParaRPr lang="en-US"/>
           </a:p>
         </p:txBody>
       </p:sp>
@@ -1596,7 +1581,7 @@
           <a:p>
             <a:fld id="{A3639A2A-823D-48B7-9ACE-7FAF42870BA9}" type="datetime1">
               <a:rPr lang="en-US" smtClean="0"/>
-              <a:t>8/20/2015</a:t>
+              <a:t>8/1/2016</a:t>
             </a:fld>
             <a:endParaRPr lang="en-US"/>
           </a:p>
@@ -1695,10 +1680,9 @@
           <a:lstStyle/>
           <a:p>
             <a:r>
-              <a:rPr lang="en-US" smtClean="0"/>
+              <a:rPr lang="en-US"/>
               <a:t>Click to edit Master title style</a:t>
             </a:r>
-            <a:endParaRPr lang="en-US"/>
           </a:p>
         </p:txBody>
       </p:sp>
@@ -1724,38 +1708,37 @@
           <a:p>
             <a:pPr lvl="0"/>
             <a:r>
-              <a:rPr lang="en-US" smtClean="0"/>
+              <a:rPr lang="en-US"/>
               <a:t>Click to edit Master text styles</a:t>
             </a:r>
           </a:p>
           <a:p>
             <a:pPr lvl="1"/>
             <a:r>
-              <a:rPr lang="en-US" smtClean="0"/>
+              <a:rPr lang="en-US"/>
               <a:t>Second level</a:t>
             </a:r>
           </a:p>
           <a:p>
             <a:pPr lvl="2"/>
             <a:r>
-              <a:rPr lang="en-US" smtClean="0"/>
+              <a:rPr lang="en-US"/>
               <a:t>Third level</a:t>
             </a:r>
           </a:p>
           <a:p>
             <a:pPr lvl="3"/>
             <a:r>
-              <a:rPr lang="en-US" smtClean="0"/>
+              <a:rPr lang="en-US"/>
               <a:t>Fourth level</a:t>
             </a:r>
           </a:p>
           <a:p>
             <a:pPr lvl="4"/>
             <a:r>
-              <a:rPr lang="en-US" smtClean="0"/>
+              <a:rPr lang="en-US"/>
               <a:t>Fifth level</a:t>
             </a:r>
-            <a:endParaRPr lang="en-US"/>
           </a:p>
         </p:txBody>
       </p:sp>
@@ -1776,7 +1759,7 @@
           <a:p>
             <a:fld id="{ED1B6996-82E9-463C-972C-7B56056E426C}" type="datetime1">
               <a:rPr lang="en-US" smtClean="0"/>
-              <a:t>8/20/2015</a:t>
+              <a:t>8/1/2016</a:t>
             </a:fld>
             <a:endParaRPr lang="en-US"/>
           </a:p>
@@ -1870,10 +1853,9 @@
           <a:lstStyle/>
           <a:p>
             <a:r>
-              <a:rPr lang="en-US" smtClean="0"/>
+              <a:rPr lang="en-US"/>
               <a:t>Click to edit Master title style</a:t>
             </a:r>
-            <a:endParaRPr lang="en-US"/>
           </a:p>
         </p:txBody>
       </p:sp>
@@ -1895,7 +1877,7 @@
             <a:fld id="{CBE6DF32-C57F-4EA4-9518-EB5F320F182D}" type="datetimeFigureOut">
               <a:rPr lang="en-US" smtClean="0"/>
               <a:pPr/>
-              <a:t>8/20/2015</a:t>
+              <a:t>8/1/2016</a:t>
             </a:fld>
             <a:endParaRPr lang="en-US"/>
           </a:p>
@@ -2045,10 +2027,9 @@
           <a:lstStyle/>
           <a:p>
             <a:r>
-              <a:rPr lang="en-US" dirty="0" smtClean="0"/>
+              <a:rPr lang="en-US" dirty="0"/>
               <a:t>Click to edit Master title style</a:t>
             </a:r>
-            <a:endParaRPr lang="en-US" dirty="0"/>
           </a:p>
         </p:txBody>
       </p:sp>
@@ -2069,38 +2050,37 @@
           <a:p>
             <a:pPr lvl="0"/>
             <a:r>
-              <a:rPr lang="en-US" smtClean="0"/>
+              <a:rPr lang="en-US"/>
               <a:t>Click to edit Master text styles</a:t>
             </a:r>
           </a:p>
           <a:p>
             <a:pPr lvl="1"/>
             <a:r>
-              <a:rPr lang="en-US" smtClean="0"/>
+              <a:rPr lang="en-US"/>
               <a:t>Second level</a:t>
             </a:r>
           </a:p>
           <a:p>
             <a:pPr lvl="2"/>
             <a:r>
-              <a:rPr lang="en-US" smtClean="0"/>
+              <a:rPr lang="en-US"/>
               <a:t>Third level</a:t>
             </a:r>
           </a:p>
           <a:p>
             <a:pPr lvl="3"/>
             <a:r>
-              <a:rPr lang="en-US" smtClean="0"/>
+              <a:rPr lang="en-US"/>
               <a:t>Fourth level</a:t>
             </a:r>
           </a:p>
           <a:p>
             <a:pPr lvl="4"/>
             <a:r>
-              <a:rPr lang="en-US" smtClean="0"/>
+              <a:rPr lang="en-US"/>
               <a:t>Fifth level</a:t>
             </a:r>
-            <a:endParaRPr lang="en-US"/>
           </a:p>
         </p:txBody>
       </p:sp>
@@ -2121,7 +2101,7 @@
           <a:p>
             <a:fld id="{E22ED4DA-448D-4BB1-B935-CC112220207B}" type="datetime1">
               <a:rPr lang="en-US" smtClean="0"/>
-              <a:t>8/20/2015</a:t>
+              <a:t>8/1/2016</a:t>
             </a:fld>
             <a:endParaRPr lang="en-US"/>
           </a:p>
@@ -2179,13 +2159,6 @@
   <p:clrMapOvr>
     <a:masterClrMapping/>
   </p:clrMapOvr>
-  <p:timing>
-    <p:tnLst>
-      <p:par>
-        <p:cTn id="1" dur="indefinite" restart="never" nodeType="tmRoot"/>
-      </p:par>
-    </p:tnLst>
-  </p:timing>
 </p:sldLayout>
 </file>
 
@@ -2222,10 +2195,9 @@
           <a:lstStyle/>
           <a:p>
             <a:r>
-              <a:rPr lang="en-US" smtClean="0"/>
+              <a:rPr lang="en-US"/>
               <a:t>Click to edit Master title style</a:t>
             </a:r>
-            <a:endParaRPr lang="en-US"/>
           </a:p>
         </p:txBody>
       </p:sp>
@@ -2251,38 +2223,37 @@
           <a:p>
             <a:pPr lvl="0"/>
             <a:r>
-              <a:rPr lang="en-US" dirty="0" smtClean="0"/>
+              <a:rPr lang="en-US" dirty="0"/>
               <a:t>Click to edit Master text styles</a:t>
             </a:r>
           </a:p>
           <a:p>
             <a:pPr lvl="1"/>
             <a:r>
-              <a:rPr lang="en-US" dirty="0" smtClean="0"/>
+              <a:rPr lang="en-US" dirty="0"/>
               <a:t>Second level</a:t>
             </a:r>
           </a:p>
           <a:p>
             <a:pPr lvl="2"/>
             <a:r>
-              <a:rPr lang="en-US" dirty="0" smtClean="0"/>
+              <a:rPr lang="en-US" dirty="0"/>
               <a:t>Third level</a:t>
             </a:r>
           </a:p>
           <a:p>
             <a:pPr lvl="3"/>
             <a:r>
-              <a:rPr lang="en-US" dirty="0" smtClean="0"/>
+              <a:rPr lang="en-US" dirty="0"/>
               <a:t>Fourth level</a:t>
             </a:r>
           </a:p>
           <a:p>
             <a:pPr lvl="4"/>
             <a:r>
-              <a:rPr lang="en-US" dirty="0" smtClean="0"/>
+              <a:rPr lang="en-US" dirty="0"/>
               <a:t>Fifth level</a:t>
             </a:r>
-            <a:endParaRPr lang="en-US" dirty="0"/>
           </a:p>
         </p:txBody>
       </p:sp>
@@ -2303,7 +2274,7 @@
           <a:p>
             <a:fld id="{E22ED4DA-448D-4BB1-B935-CC112220207B}" type="datetime1">
               <a:rPr lang="en-US" smtClean="0"/>
-              <a:t>8/20/2015</a:t>
+              <a:t>8/1/2016</a:t>
             </a:fld>
             <a:endParaRPr lang="en-US"/>
           </a:p>
@@ -2393,7 +2364,7 @@
           <a:lstStyle/>
           <a:p>
             <a:pPr algn="ctr"/>
-            <a:endParaRPr lang="en-US" dirty="0" smtClean="0">
+            <a:endParaRPr lang="en-US" dirty="0">
               <a:solidFill>
                 <a:schemeClr val="tx1"/>
               </a:solidFill>
@@ -2424,11 +2395,11 @@
           <a:lstStyle/>
           <a:p>
             <a:r>
-              <a:rPr lang="en-US" dirty="0" smtClean="0"/>
+              <a:rPr lang="en-US" dirty="0"/>
               <a:t>Resize video to this</a:t>
             </a:r>
             <a:r>
-              <a:rPr lang="en-US" baseline="0" dirty="0" smtClean="0"/>
+              <a:rPr lang="en-US" baseline="0" dirty="0"/>
               <a:t> box.</a:t>
             </a:r>
             <a:endParaRPr lang="en-US" dirty="0"/>
@@ -2445,13 +2416,6 @@
   <p:clrMapOvr>
     <a:masterClrMapping/>
   </p:clrMapOvr>
-  <p:timing>
-    <p:tnLst>
-      <p:par>
-        <p:cTn id="1" dur="indefinite" restart="never" nodeType="tmRoot"/>
-      </p:par>
-    </p:tnLst>
-  </p:timing>
 </p:sldLayout>
 </file>
 
@@ -2488,10 +2452,9 @@
           <a:lstStyle/>
           <a:p>
             <a:r>
-              <a:rPr lang="en-US" smtClean="0"/>
+              <a:rPr lang="en-US"/>
               <a:t>Click to edit Master title style</a:t>
             </a:r>
-            <a:endParaRPr lang="en-US"/>
           </a:p>
         </p:txBody>
       </p:sp>
@@ -2520,38 +2483,37 @@
           <a:p>
             <a:pPr lvl="0"/>
             <a:r>
-              <a:rPr lang="en-US" dirty="0" smtClean="0"/>
+              <a:rPr lang="en-US" dirty="0"/>
               <a:t>Click to edit Master text styles</a:t>
             </a:r>
           </a:p>
           <a:p>
             <a:pPr lvl="1"/>
             <a:r>
-              <a:rPr lang="en-US" dirty="0" smtClean="0"/>
+              <a:rPr lang="en-US" dirty="0"/>
               <a:t>Second level</a:t>
             </a:r>
           </a:p>
           <a:p>
             <a:pPr lvl="2"/>
             <a:r>
-              <a:rPr lang="en-US" dirty="0" smtClean="0"/>
+              <a:rPr lang="en-US" dirty="0"/>
               <a:t>Third level</a:t>
             </a:r>
           </a:p>
           <a:p>
             <a:pPr lvl="3"/>
             <a:r>
-              <a:rPr lang="en-US" dirty="0" smtClean="0"/>
+              <a:rPr lang="en-US" dirty="0"/>
               <a:t>Fourth level</a:t>
             </a:r>
           </a:p>
           <a:p>
             <a:pPr lvl="4"/>
             <a:r>
-              <a:rPr lang="en-US" dirty="0" smtClean="0"/>
+              <a:rPr lang="en-US" dirty="0"/>
               <a:t>Fifth level</a:t>
             </a:r>
-            <a:endParaRPr lang="en-US" dirty="0"/>
           </a:p>
         </p:txBody>
       </p:sp>
@@ -2572,7 +2534,7 @@
           <a:p>
             <a:fld id="{FF5D65A6-AB94-4435-B0B7-3743215FA46C}" type="datetime1">
               <a:rPr lang="en-US" smtClean="0"/>
-              <a:t>8/20/2015</a:t>
+              <a:t>8/1/2016</a:t>
             </a:fld>
             <a:endParaRPr lang="en-US"/>
           </a:p>
@@ -2630,13 +2592,6 @@
   <p:clrMapOvr>
     <a:masterClrMapping/>
   </p:clrMapOvr>
-  <p:timing>
-    <p:tnLst>
-      <p:par>
-        <p:cTn id="1" dur="indefinite" restart="never" nodeType="tmRoot"/>
-      </p:par>
-    </p:tnLst>
-  </p:timing>
 </p:sldLayout>
 </file>
 
@@ -2673,10 +2628,9 @@
           <a:lstStyle/>
           <a:p>
             <a:r>
-              <a:rPr lang="en-US" smtClean="0"/>
+              <a:rPr lang="en-US"/>
               <a:t>Click to edit Master title style</a:t>
             </a:r>
-            <a:endParaRPr lang="en-US"/>
           </a:p>
         </p:txBody>
       </p:sp>
@@ -2705,38 +2659,37 @@
           <a:p>
             <a:pPr lvl="0"/>
             <a:r>
-              <a:rPr lang="en-US" dirty="0" smtClean="0"/>
+              <a:rPr lang="en-US" dirty="0"/>
               <a:t>Click to edit Master text styles</a:t>
             </a:r>
           </a:p>
           <a:p>
             <a:pPr lvl="1"/>
             <a:r>
-              <a:rPr lang="en-US" dirty="0" smtClean="0"/>
+              <a:rPr lang="en-US" dirty="0"/>
               <a:t>Second level</a:t>
             </a:r>
           </a:p>
           <a:p>
             <a:pPr lvl="2"/>
             <a:r>
-              <a:rPr lang="en-US" dirty="0" smtClean="0"/>
+              <a:rPr lang="en-US" dirty="0"/>
               <a:t>Third level</a:t>
             </a:r>
           </a:p>
           <a:p>
             <a:pPr lvl="3"/>
             <a:r>
-              <a:rPr lang="en-US" dirty="0" smtClean="0"/>
+              <a:rPr lang="en-US" dirty="0"/>
               <a:t>Fourth level</a:t>
             </a:r>
           </a:p>
           <a:p>
             <a:pPr lvl="4"/>
             <a:r>
-              <a:rPr lang="en-US" dirty="0" smtClean="0"/>
+              <a:rPr lang="en-US" dirty="0"/>
               <a:t>Fifth level</a:t>
             </a:r>
-            <a:endParaRPr lang="en-US" dirty="0"/>
           </a:p>
         </p:txBody>
       </p:sp>
@@ -2757,7 +2710,7 @@
           <a:p>
             <a:fld id="{FF5D65A6-AB94-4435-B0B7-3743215FA46C}" type="datetime1">
               <a:rPr lang="en-US" smtClean="0"/>
-              <a:t>8/20/2015</a:t>
+              <a:t>8/1/2016</a:t>
             </a:fld>
             <a:endParaRPr lang="en-US"/>
           </a:p>
@@ -2864,13 +2817,6 @@
   <p:clrMapOvr>
     <a:masterClrMapping/>
   </p:clrMapOvr>
-  <p:timing>
-    <p:tnLst>
-      <p:par>
-        <p:cTn id="1" dur="indefinite" restart="never" nodeType="tmRoot"/>
-      </p:par>
-    </p:tnLst>
-  </p:timing>
 </p:sldLayout>
 </file>
 
@@ -2916,10 +2862,9 @@
           </a:lstStyle>
           <a:p>
             <a:r>
-              <a:rPr lang="en-US" smtClean="0"/>
+              <a:rPr lang="en-US"/>
               <a:t>Click to edit Master title style</a:t>
             </a:r>
-            <a:endParaRPr lang="en-US"/>
           </a:p>
         </p:txBody>
       </p:sp>
@@ -3036,7 +2981,7 @@
           <a:p>
             <a:pPr lvl="0"/>
             <a:r>
-              <a:rPr lang="en-US" smtClean="0"/>
+              <a:rPr lang="en-US"/>
               <a:t>Click to edit Master text styles</a:t>
             </a:r>
           </a:p>
@@ -3059,7 +3004,7 @@
           <a:p>
             <a:fld id="{7C193DC4-6EF0-48C9-B29C-616106A645E1}" type="datetime1">
               <a:rPr lang="en-US" smtClean="0"/>
-              <a:t>8/20/2015</a:t>
+              <a:t>8/1/2016</a:t>
             </a:fld>
             <a:endParaRPr lang="en-US"/>
           </a:p>
@@ -3153,10 +3098,9 @@
           <a:lstStyle/>
           <a:p>
             <a:r>
-              <a:rPr lang="en-US" smtClean="0"/>
+              <a:rPr lang="en-US"/>
               <a:t>Click to edit Master title style</a:t>
             </a:r>
-            <a:endParaRPr lang="en-US"/>
           </a:p>
         </p:txBody>
       </p:sp>
@@ -3210,38 +3154,37 @@
           <a:p>
             <a:pPr lvl="0"/>
             <a:r>
-              <a:rPr lang="en-US" smtClean="0"/>
+              <a:rPr lang="en-US"/>
               <a:t>Click to edit Master text styles</a:t>
             </a:r>
           </a:p>
           <a:p>
             <a:pPr lvl="1"/>
             <a:r>
-              <a:rPr lang="en-US" smtClean="0"/>
+              <a:rPr lang="en-US"/>
               <a:t>Second level</a:t>
             </a:r>
           </a:p>
           <a:p>
             <a:pPr lvl="2"/>
             <a:r>
-              <a:rPr lang="en-US" smtClean="0"/>
+              <a:rPr lang="en-US"/>
               <a:t>Third level</a:t>
             </a:r>
           </a:p>
           <a:p>
             <a:pPr lvl="3"/>
             <a:r>
-              <a:rPr lang="en-US" smtClean="0"/>
+              <a:rPr lang="en-US"/>
               <a:t>Fourth level</a:t>
             </a:r>
           </a:p>
           <a:p>
             <a:pPr lvl="4"/>
             <a:r>
-              <a:rPr lang="en-US" smtClean="0"/>
+              <a:rPr lang="en-US"/>
               <a:t>Fifth level</a:t>
             </a:r>
-            <a:endParaRPr lang="en-US"/>
           </a:p>
         </p:txBody>
       </p:sp>
@@ -3295,38 +3238,37 @@
           <a:p>
             <a:pPr lvl="0"/>
             <a:r>
-              <a:rPr lang="en-US" smtClean="0"/>
+              <a:rPr lang="en-US"/>
               <a:t>Click to edit Master text styles</a:t>
             </a:r>
           </a:p>
           <a:p>
             <a:pPr lvl="1"/>
             <a:r>
-              <a:rPr lang="en-US" smtClean="0"/>
+              <a:rPr lang="en-US"/>
               <a:t>Second level</a:t>
             </a:r>
           </a:p>
           <a:p>
             <a:pPr lvl="2"/>
             <a:r>
-              <a:rPr lang="en-US" smtClean="0"/>
+              <a:rPr lang="en-US"/>
               <a:t>Third level</a:t>
             </a:r>
           </a:p>
           <a:p>
             <a:pPr lvl="3"/>
             <a:r>
-              <a:rPr lang="en-US" smtClean="0"/>
+              <a:rPr lang="en-US"/>
               <a:t>Fourth level</a:t>
             </a:r>
           </a:p>
           <a:p>
             <a:pPr lvl="4"/>
             <a:r>
-              <a:rPr lang="en-US" smtClean="0"/>
+              <a:rPr lang="en-US"/>
               <a:t>Fifth level</a:t>
             </a:r>
-            <a:endParaRPr lang="en-US"/>
           </a:p>
         </p:txBody>
       </p:sp>
@@ -3347,7 +3289,7 @@
           <a:p>
             <a:fld id="{5D1846AD-9252-4647-9435-4C2AC365653A}" type="datetime1">
               <a:rPr lang="en-US" smtClean="0"/>
-              <a:t>8/20/2015</a:t>
+              <a:t>8/1/2016</a:t>
             </a:fld>
             <a:endParaRPr lang="en-US"/>
           </a:p>
@@ -3445,10 +3387,9 @@
           </a:lstStyle>
           <a:p>
             <a:r>
-              <a:rPr lang="en-US" smtClean="0"/>
+              <a:rPr lang="en-US"/>
               <a:t>Click to edit Master title style</a:t>
             </a:r>
-            <a:endParaRPr lang="en-US"/>
           </a:p>
         </p:txBody>
       </p:sp>
@@ -3511,7 +3452,7 @@
           <a:p>
             <a:pPr lvl="0"/>
             <a:r>
-              <a:rPr lang="en-US" smtClean="0"/>
+              <a:rPr lang="en-US"/>
               <a:t>Click to edit Master text styles</a:t>
             </a:r>
           </a:p>
@@ -3567,38 +3508,37 @@
           <a:p>
             <a:pPr lvl="0"/>
             <a:r>
-              <a:rPr lang="en-US" smtClean="0"/>
+              <a:rPr lang="en-US"/>
               <a:t>Click to edit Master text styles</a:t>
             </a:r>
           </a:p>
           <a:p>
             <a:pPr lvl="1"/>
             <a:r>
-              <a:rPr lang="en-US" smtClean="0"/>
+              <a:rPr lang="en-US"/>
               <a:t>Second level</a:t>
             </a:r>
           </a:p>
           <a:p>
             <a:pPr lvl="2"/>
             <a:r>
-              <a:rPr lang="en-US" smtClean="0"/>
+              <a:rPr lang="en-US"/>
               <a:t>Third level</a:t>
             </a:r>
           </a:p>
           <a:p>
             <a:pPr lvl="3"/>
             <a:r>
-              <a:rPr lang="en-US" smtClean="0"/>
+              <a:rPr lang="en-US"/>
               <a:t>Fourth level</a:t>
             </a:r>
           </a:p>
           <a:p>
             <a:pPr lvl="4"/>
             <a:r>
-              <a:rPr lang="en-US" smtClean="0"/>
+              <a:rPr lang="en-US"/>
               <a:t>Fifth level</a:t>
             </a:r>
-            <a:endParaRPr lang="en-US"/>
           </a:p>
         </p:txBody>
       </p:sp>
@@ -3661,7 +3601,7 @@
           <a:p>
             <a:pPr lvl="0"/>
             <a:r>
-              <a:rPr lang="en-US" smtClean="0"/>
+              <a:rPr lang="en-US"/>
               <a:t>Click to edit Master text styles</a:t>
             </a:r>
           </a:p>
@@ -3717,38 +3657,37 @@
           <a:p>
             <a:pPr lvl="0"/>
             <a:r>
-              <a:rPr lang="en-US" smtClean="0"/>
+              <a:rPr lang="en-US"/>
               <a:t>Click to edit Master text styles</a:t>
             </a:r>
           </a:p>
           <a:p>
             <a:pPr lvl="1"/>
             <a:r>
-              <a:rPr lang="en-US" smtClean="0"/>
+              <a:rPr lang="en-US"/>
               <a:t>Second level</a:t>
             </a:r>
           </a:p>
           <a:p>
             <a:pPr lvl="2"/>
             <a:r>
-              <a:rPr lang="en-US" smtClean="0"/>
+              <a:rPr lang="en-US"/>
               <a:t>Third level</a:t>
             </a:r>
           </a:p>
           <a:p>
             <a:pPr lvl="3"/>
             <a:r>
-              <a:rPr lang="en-US" smtClean="0"/>
+              <a:rPr lang="en-US"/>
               <a:t>Fourth level</a:t>
             </a:r>
           </a:p>
           <a:p>
             <a:pPr lvl="4"/>
             <a:r>
-              <a:rPr lang="en-US" smtClean="0"/>
+              <a:rPr lang="en-US"/>
               <a:t>Fifth level</a:t>
             </a:r>
-            <a:endParaRPr lang="en-US"/>
           </a:p>
         </p:txBody>
       </p:sp>
@@ -3769,7 +3708,7 @@
           <a:p>
             <a:fld id="{CE56DC10-3561-4063-A6AF-C1CC7A41040A}" type="datetime1">
               <a:rPr lang="en-US" smtClean="0"/>
-              <a:t>8/20/2015</a:t>
+              <a:t>8/1/2016</a:t>
             </a:fld>
             <a:endParaRPr lang="en-US"/>
           </a:p>
@@ -3863,10 +3802,9 @@
           <a:lstStyle/>
           <a:p>
             <a:r>
-              <a:rPr lang="en-US" smtClean="0"/>
+              <a:rPr lang="en-US"/>
               <a:t>Click to edit Master title style</a:t>
             </a:r>
-            <a:endParaRPr lang="en-US"/>
           </a:p>
         </p:txBody>
       </p:sp>
@@ -3887,7 +3825,7 @@
           <a:p>
             <a:fld id="{2F7B77F5-1464-4F6B-92A8-64FC8A508293}" type="datetime1">
               <a:rPr lang="en-US" smtClean="0"/>
-              <a:t>8/20/2015</a:t>
+              <a:t>8/1/2016</a:t>
             </a:fld>
             <a:endParaRPr lang="en-US"/>
           </a:p>
@@ -3945,13 +3883,6 @@
   <p:clrMapOvr>
     <a:masterClrMapping/>
   </p:clrMapOvr>
-  <p:timing>
-    <p:tnLst>
-      <p:par>
-        <p:cTn id="1" dur="indefinite" restart="never" nodeType="tmRoot"/>
-      </p:par>
-    </p:tnLst>
-  </p:timing>
 </p:sldLayout>
 </file>
 
@@ -4015,10 +3946,9 @@
           <a:lstStyle/>
           <a:p>
             <a:r>
-              <a:rPr lang="en-US" smtClean="0"/>
+              <a:rPr lang="en-US"/>
               <a:t>Click to edit Master title style</a:t>
             </a:r>
-            <a:endParaRPr lang="en-US"/>
           </a:p>
         </p:txBody>
       </p:sp>
@@ -4049,38 +3979,37 @@
           <a:p>
             <a:pPr lvl="0"/>
             <a:r>
-              <a:rPr lang="en-US" smtClean="0"/>
+              <a:rPr lang="en-US"/>
               <a:t>Click to edit Master text styles</a:t>
             </a:r>
           </a:p>
           <a:p>
             <a:pPr lvl="1"/>
             <a:r>
-              <a:rPr lang="en-US" smtClean="0"/>
+              <a:rPr lang="en-US"/>
               <a:t>Second level</a:t>
             </a:r>
           </a:p>
           <a:p>
             <a:pPr lvl="2"/>
             <a:r>
-              <a:rPr lang="en-US" smtClean="0"/>
+              <a:rPr lang="en-US"/>
               <a:t>Third level</a:t>
             </a:r>
           </a:p>
           <a:p>
             <a:pPr lvl="3"/>
             <a:r>
-              <a:rPr lang="en-US" smtClean="0"/>
+              <a:rPr lang="en-US"/>
               <a:t>Fourth level</a:t>
             </a:r>
           </a:p>
           <a:p>
             <a:pPr lvl="4"/>
             <a:r>
-              <a:rPr lang="en-US" smtClean="0"/>
+              <a:rPr lang="en-US"/>
               <a:t>Fifth level</a:t>
             </a:r>
-            <a:endParaRPr lang="en-US"/>
           </a:p>
         </p:txBody>
       </p:sp>
@@ -4119,7 +4048,7 @@
           <a:p>
             <a:fld id="{02B3F677-983B-48DB-ADFD-63FE6CBC7FB2}" type="datetime1">
               <a:rPr lang="en-US" smtClean="0"/>
-              <a:t>8/20/2015</a:t>
+              <a:t>8/1/2016</a:t>
             </a:fld>
             <a:endParaRPr lang="en-US"/>
           </a:p>
@@ -4228,13 +4157,6 @@
     <p:sldLayoutId id="2147483675" r:id="rId14"/>
     <p:sldLayoutId id="2147483660" r:id="rId15"/>
   </p:sldLayoutIdLst>
-  <p:timing>
-    <p:tnLst>
-      <p:par>
-        <p:cTn id="1" dur="indefinite" restart="never" nodeType="tmRoot"/>
-      </p:par>
-    </p:tnLst>
-  </p:timing>
   <p:hf hdr="0" ftr="0" dt="0"/>
   <p:txStyles>
     <p:titleStyle>
@@ -4522,55 +4444,54 @@
           <a:lstStyle/>
           <a:p>
             <a:r>
-              <a:rPr lang="en-US" dirty="0" smtClean="0"/>
+              <a:rPr lang="en-US" dirty="0"/>
               <a:t>Two </a:t>
             </a:r>
             <a:r>
-              <a:rPr lang="en-US" dirty="0" err="1" smtClean="0"/>
+              <a:rPr lang="en-US" dirty="0" err="1"/>
               <a:t>Draggable</a:t>
             </a:r>
             <a:r>
-              <a:rPr lang="en-US" dirty="0" smtClean="0"/>
+              <a:rPr lang="en-US" dirty="0"/>
               <a:t> Cats</a:t>
             </a:r>
+          </a:p>
+        </p:txBody>
+      </p:sp>
+      <p:sp>
+        <p:nvSpPr>
+          <p:cNvPr id="3" name="Subtitle 2"/>
+          <p:cNvSpPr>
+            <a:spLocks noGrp="1"/>
+          </p:cNvSpPr>
+          <p:nvPr>
+            <p:ph type="subTitle" idx="1"/>
+          </p:nvPr>
+        </p:nvSpPr>
+        <p:spPr/>
+        <p:txBody>
+          <a:bodyPr/>
+          <a:lstStyle/>
+          <a:p>
+            <a:r>
+              <a:rPr lang="en-US" dirty="0"/>
+              <a:t>CS 5010 Program Design Paradigms “</a:t>
+            </a:r>
+            <a:r>
+              <a:rPr lang="en-US" dirty="0" err="1"/>
+              <a:t>Bootcamp</a:t>
+            </a:r>
+            <a:r>
+              <a:rPr lang="en-US" dirty="0"/>
+              <a:t>”</a:t>
+            </a:r>
+          </a:p>
+          <a:p>
+            <a:r>
+              <a:rPr lang="en-US"/>
+              <a:t>Lesson 3.4</a:t>
+            </a:r>
             <a:endParaRPr lang="en-US" dirty="0"/>
-          </a:p>
-        </p:txBody>
-      </p:sp>
-      <p:sp>
-        <p:nvSpPr>
-          <p:cNvPr id="3" name="Subtitle 2"/>
-          <p:cNvSpPr>
-            <a:spLocks noGrp="1"/>
-          </p:cNvSpPr>
-          <p:nvPr>
-            <p:ph type="subTitle" idx="1"/>
-          </p:nvPr>
-        </p:nvSpPr>
-        <p:spPr/>
-        <p:txBody>
-          <a:bodyPr/>
-          <a:lstStyle/>
-          <a:p>
-            <a:r>
-              <a:rPr lang="en-US" dirty="0" smtClean="0"/>
-              <a:t>CS 5010 Program Design Paradigms “</a:t>
-            </a:r>
-            <a:r>
-              <a:rPr lang="en-US" dirty="0" err="1" smtClean="0"/>
-              <a:t>Bootcamp</a:t>
-            </a:r>
-            <a:r>
-              <a:rPr lang="en-US" dirty="0" smtClean="0"/>
-              <a:t>”</a:t>
-            </a:r>
-          </a:p>
-          <a:p>
-            <a:r>
-              <a:rPr lang="en-US" smtClean="0"/>
-              <a:t>Lesson 3.4</a:t>
-            </a:r>
-            <a:endParaRPr lang="en-US" dirty="0" smtClean="0"/>
           </a:p>
           <a:p>
             <a:endParaRPr lang="en-US" dirty="0"/>
@@ -4628,29 +4549,29 @@
           <a:lstStyle/>
           <a:p>
             <a:r>
-              <a:rPr lang="en-US" smtClean="0"/>
+              <a:rPr lang="en-US"/>
               <a:t>TexPoint fonts used in EMF. </a:t>
             </a:r>
           </a:p>
           <a:p>
             <a:r>
-              <a:rPr lang="en-US" smtClean="0"/>
+              <a:rPr lang="en-US"/>
               <a:t>Read the TexPoint manual before you delete this box.: </a:t>
             </a:r>
             <a:r>
-              <a:rPr lang="en-US" smtClean="0">
+              <a:rPr lang="en-US">
                 <a:latin typeface="CMMI10"/>
               </a:rPr>
               <a:t>A</a:t>
             </a:r>
             <a:r>
-              <a:rPr lang="en-US" smtClean="0">
+              <a:rPr lang="en-US">
                 <a:latin typeface="CMR10"/>
               </a:rPr>
               <a:t>A</a:t>
             </a:r>
             <a:r>
-              <a:rPr lang="en-US" smtClean="0">
+              <a:rPr lang="en-US">
                 <a:latin typeface="CMSY10ORIG"/>
               </a:rPr>
               <a:t>A</a:t>
@@ -4727,27 +4648,13 @@
             <a:p>
               <a:r>
                 <a:rPr lang="en-US" sz="1000" dirty="0"/>
-                <a:t>© Mitchell Wand, </a:t>
-              </a:r>
-              <a:r>
-                <a:rPr lang="en-US" sz="1000" dirty="0" smtClean="0"/>
-                <a:t>2012-2014</a:t>
+                <a:t>© Mitchell Wand, 2012-2014</a:t>
               </a:r>
             </a:p>
             <a:p>
               <a:r>
-                <a:rPr lang="en-US" sz="1000" dirty="0" smtClean="0"/>
+                <a:rPr lang="en-US" sz="1000" dirty="0"/>
                 <a:t>This work is licensed under a </a:t>
-              </a:r>
-              <a:r>
-                <a:rPr lang="en-US" altLang="en-US" sz="1000" dirty="0" smtClean="0">
-                  <a:solidFill>
-                    <a:srgbClr val="4374B7"/>
-                  </a:solidFill>
-                  <a:latin typeface="Helvetica Neue"/>
-                  <a:hlinkClick r:id="rId5"/>
-                </a:rPr>
-                <a:t>Creative </a:t>
               </a:r>
               <a:r>
                 <a:rPr lang="en-US" altLang="en-US" sz="1000" dirty="0">
@@ -4757,7 +4664,7 @@
                   <a:latin typeface="Helvetica Neue"/>
                   <a:hlinkClick r:id="rId5"/>
                 </a:rPr>
-                <a:t>Commons Attribution-</a:t>
+                <a:t>Creative Commons Attribution-</a:t>
               </a:r>
               <a:r>
                 <a:rPr lang="en-US" altLang="en-US" sz="1000" dirty="0" err="1">
@@ -4780,10 +4687,9 @@
                 <a:t> 4.0 International License</a:t>
               </a:r>
               <a:r>
-                <a:rPr lang="en-US" sz="1000" dirty="0" smtClean="0"/>
+                <a:rPr lang="en-US" sz="1000" dirty="0"/>
                 <a:t>.</a:t>
               </a:r>
-              <a:endParaRPr lang="en-US" sz="1000" dirty="0"/>
             </a:p>
           </p:txBody>
         </p:sp>
@@ -4793,13 +4699,6 @@
   <p:clrMapOvr>
     <a:masterClrMapping/>
   </p:clrMapOvr>
-  <p:timing>
-    <p:tnLst>
-      <p:par>
-        <p:cTn id="1" dur="indefinite" restart="never" nodeType="tmRoot"/>
-      </p:par>
-    </p:tnLst>
-  </p:timing>
 </p:sld>
 </file>
 
@@ -4836,10 +4735,9 @@
           <a:lstStyle/>
           <a:p>
             <a:r>
-              <a:rPr lang="en-US" dirty="0" smtClean="0"/>
+              <a:rPr lang="en-US" dirty="0"/>
               <a:t>Follow the template!</a:t>
             </a:r>
-            <a:endParaRPr lang="en-US" dirty="0"/>
           </a:p>
         </p:txBody>
       </p:sp>
@@ -4859,22 +4757,21 @@
           <a:lstStyle/>
           <a:p>
             <a:r>
-              <a:rPr lang="en-US" dirty="0" smtClean="0"/>
+              <a:rPr lang="en-US" dirty="0"/>
               <a:t>If your world has some cats in it, then your world function will just call a cat function on each cat.</a:t>
             </a:r>
           </a:p>
           <a:p>
             <a:r>
-              <a:rPr lang="en-US" dirty="0" smtClean="0"/>
+              <a:rPr lang="en-US" dirty="0"/>
               <a:t>The structure of your program will follow the structure of your data definitions.</a:t>
             </a:r>
           </a:p>
           <a:p>
             <a:r>
-              <a:rPr lang="en-US" dirty="0" smtClean="0"/>
+              <a:rPr lang="en-US" dirty="0"/>
               <a:t>Let's watch this at work:</a:t>
             </a:r>
-            <a:endParaRPr lang="en-US" dirty="0"/>
           </a:p>
         </p:txBody>
       </p:sp>
@@ -4924,10 +4821,9 @@
           <a:lstStyle/>
           <a:p>
             <a:r>
-              <a:rPr lang="en-US" dirty="0" smtClean="0"/>
+              <a:rPr lang="en-US" dirty="0"/>
               <a:t>world-after-tick</a:t>
             </a:r>
-            <a:endParaRPr lang="en-US" dirty="0"/>
           </a:p>
         </p:txBody>
       </p:sp>
@@ -4980,28 +4876,7 @@
                 <a:latin typeface="Consolas" pitchFamily="49" charset="0"/>
                 <a:cs typeface="Consolas" pitchFamily="49" charset="0"/>
               </a:rPr>
-              <a:t>;; </a:t>
-            </a:r>
-            <a:r>
-              <a:rPr lang="en-US" b="1" dirty="0" smtClean="0">
-                <a:latin typeface="Consolas" pitchFamily="49" charset="0"/>
-                <a:cs typeface="Consolas" pitchFamily="49" charset="0"/>
-              </a:rPr>
-              <a:t>RETURNS: </a:t>
-            </a:r>
-            <a:r>
-              <a:rPr lang="en-US" b="1" dirty="0">
-                <a:latin typeface="Consolas" pitchFamily="49" charset="0"/>
-                <a:cs typeface="Consolas" pitchFamily="49" charset="0"/>
-              </a:rPr>
-              <a:t>the world that should follow </a:t>
-            </a:r>
-            <a:r>
-              <a:rPr lang="en-US" b="1" dirty="0" smtClean="0">
-                <a:latin typeface="Consolas" pitchFamily="49" charset="0"/>
-                <a:cs typeface="Consolas" pitchFamily="49" charset="0"/>
-              </a:rPr>
-              <a:t>the</a:t>
+              <a:t>;; RETURNS: the world that should follow the</a:t>
             </a:r>
           </a:p>
           <a:p>
@@ -5015,18 +4890,11 @@
               <a:buNone/>
             </a:pPr>
             <a:r>
-              <a:rPr lang="en-US" b="1" dirty="0" smtClean="0">
-                <a:latin typeface="Consolas" pitchFamily="49" charset="0"/>
-                <a:cs typeface="Consolas" pitchFamily="49" charset="0"/>
-              </a:rPr>
-              <a:t>;; </a:t>
-            </a:r>
-            <a:r>
               <a:rPr lang="en-US" b="1" dirty="0">
                 <a:latin typeface="Consolas" pitchFamily="49" charset="0"/>
                 <a:cs typeface="Consolas" pitchFamily="49" charset="0"/>
               </a:rPr>
-              <a:t>given world after a tick</a:t>
+              <a:t>;; given world after a tick</a:t>
             </a:r>
           </a:p>
           <a:p>
@@ -5044,14 +4912,7 @@
                 <a:latin typeface="Consolas" pitchFamily="49" charset="0"/>
                 <a:cs typeface="Consolas" pitchFamily="49" charset="0"/>
               </a:rPr>
-              <a:t>;; </a:t>
-            </a:r>
-            <a:r>
-              <a:rPr lang="en-US" b="1" dirty="0" smtClean="0">
-                <a:latin typeface="Consolas" pitchFamily="49" charset="0"/>
-                <a:cs typeface="Consolas" pitchFamily="49" charset="0"/>
-              </a:rPr>
-              <a:t>STRATEGY: Use template for World on w</a:t>
+              <a:t>;; STRATEGY: Use template for World on w</a:t>
             </a:r>
           </a:p>
           <a:p>
@@ -5222,16 +5083,12 @@
               <a:buNone/>
             </a:pPr>
             <a:r>
-              <a:rPr lang="en-US" b="1" dirty="0" smtClean="0">
+              <a:rPr lang="en-US" b="1" dirty="0">
                 <a:latin typeface="Consolas" pitchFamily="49" charset="0"/>
                 <a:cs typeface="Consolas" pitchFamily="49" charset="0"/>
               </a:rPr>
               <a:t>      false)))</a:t>
             </a:r>
-            <a:endParaRPr lang="en-US" b="1" dirty="0">
-              <a:latin typeface="Consolas" pitchFamily="49" charset="0"/>
-              <a:cs typeface="Consolas" pitchFamily="49" charset="0"/>
-            </a:endParaRPr>
           </a:p>
           <a:p>
             <a:pPr marL="0" indent="0">
@@ -5280,7 +5137,7 @@
           <a:p>
             <a:pPr algn="ctr"/>
             <a:r>
-              <a:rPr lang="en-US" b="1" dirty="0" smtClean="0">
+              <a:rPr lang="en-US" b="1" dirty="0">
                 <a:solidFill>
                   <a:schemeClr val="tx1"/>
                 </a:solidFill>
@@ -5288,7 +5145,7 @@
               <a:t>(world-cat1 w) </a:t>
             </a:r>
             <a:r>
-              <a:rPr lang="en-US" dirty="0" smtClean="0">
+              <a:rPr lang="en-US" dirty="0">
                 <a:solidFill>
                   <a:schemeClr val="tx1"/>
                 </a:solidFill>
@@ -5344,13 +5201,6 @@
   <p:clrMapOvr>
     <a:masterClrMapping/>
   </p:clrMapOvr>
-  <p:timing>
-    <p:tnLst>
-      <p:par>
-        <p:cTn id="1" dur="indefinite" restart="never" nodeType="tmRoot"/>
-      </p:par>
-    </p:tnLst>
-  </p:timing>
 </p:sld>
 </file>
 
@@ -5387,10 +5237,9 @@
           <a:lstStyle/>
           <a:p>
             <a:r>
-              <a:rPr lang="en-US" dirty="0" smtClean="0"/>
+              <a:rPr lang="en-US" dirty="0"/>
               <a:t>cat-after-tick</a:t>
             </a:r>
-            <a:endParaRPr lang="en-US" dirty="0"/>
           </a:p>
         </p:txBody>
       </p:sp>
@@ -5427,25 +5276,11 @@
               <a:buNone/>
             </a:pPr>
             <a:r>
-              <a:rPr lang="en-US" sz="1800" b="1" dirty="0" smtClean="0">
-                <a:latin typeface="Consolas" pitchFamily="49" charset="0"/>
-                <a:cs typeface="Consolas" pitchFamily="49" charset="0"/>
-              </a:rPr>
-              <a:t>;; RETURNS: the </a:t>
-            </a:r>
-            <a:r>
               <a:rPr lang="en-US" sz="1800" b="1" dirty="0">
                 <a:latin typeface="Consolas" pitchFamily="49" charset="0"/>
                 <a:cs typeface="Consolas" pitchFamily="49" charset="0"/>
               </a:rPr>
-              <a:t>state of the given cat after a </a:t>
-            </a:r>
-            <a:r>
-              <a:rPr lang="en-US" sz="1800" b="1" dirty="0" smtClean="0">
-                <a:latin typeface="Consolas" pitchFamily="49" charset="0"/>
-                <a:cs typeface="Consolas" pitchFamily="49" charset="0"/>
-              </a:rPr>
-              <a:t>tick in an</a:t>
+              <a:t>;; RETURNS: the state of the given cat after a tick in an</a:t>
             </a:r>
           </a:p>
           <a:p>
@@ -5453,30 +5288,26 @@
               <a:buNone/>
             </a:pPr>
             <a:r>
-              <a:rPr lang="en-US" sz="1800" b="1" dirty="0" smtClean="0">
+              <a:rPr lang="en-US" sz="1800" b="1" dirty="0">
                 <a:latin typeface="Consolas" pitchFamily="49" charset="0"/>
                 <a:cs typeface="Consolas" pitchFamily="49" charset="0"/>
               </a:rPr>
               <a:t>;; </a:t>
             </a:r>
             <a:r>
-              <a:rPr lang="en-US" sz="1800" b="1" dirty="0" err="1" smtClean="0">
+              <a:rPr lang="en-US" sz="1800" b="1" dirty="0" err="1">
                 <a:latin typeface="Consolas" pitchFamily="49" charset="0"/>
                 <a:cs typeface="Consolas" pitchFamily="49" charset="0"/>
               </a:rPr>
               <a:t>unpaused</a:t>
             </a:r>
             <a:r>
-              <a:rPr lang="en-US" sz="1800" b="1" dirty="0" smtClean="0">
+              <a:rPr lang="en-US" sz="1800" b="1" dirty="0">
                 <a:latin typeface="Consolas" pitchFamily="49" charset="0"/>
                 <a:cs typeface="Consolas" pitchFamily="49" charset="0"/>
               </a:rPr>
               <a:t> world.</a:t>
             </a:r>
-            <a:endParaRPr lang="en-US" sz="1800" b="1" dirty="0">
-              <a:latin typeface="Consolas" pitchFamily="49" charset="0"/>
-              <a:cs typeface="Consolas" pitchFamily="49" charset="0"/>
-            </a:endParaRPr>
           </a:p>
           <a:p>
             <a:pPr marL="0" indent="0">
@@ -5496,19 +5327,8 @@
                 <a:latin typeface="Consolas" pitchFamily="49" charset="0"/>
                 <a:cs typeface="Consolas" pitchFamily="49" charset="0"/>
               </a:rPr>
-              <a:t>;; </a:t>
-            </a:r>
-            <a:r>
-              <a:rPr lang="en-US" sz="1800" b="1" dirty="0" smtClean="0">
-                <a:latin typeface="Consolas" pitchFamily="49" charset="0"/>
-                <a:cs typeface="Consolas" pitchFamily="49" charset="0"/>
-              </a:rPr>
-              <a:t>EXAMPLES: </a:t>
-            </a:r>
-            <a:endParaRPr lang="en-US" sz="1800" b="1" dirty="0">
-              <a:latin typeface="Consolas" pitchFamily="49" charset="0"/>
-              <a:cs typeface="Consolas" pitchFamily="49" charset="0"/>
-            </a:endParaRPr>
+              <a:t>;; EXAMPLES: </a:t>
+            </a:r>
           </a:p>
           <a:p>
             <a:pPr marL="0" indent="0">
@@ -5555,14 +5375,7 @@
                 <a:latin typeface="Consolas" pitchFamily="49" charset="0"/>
                 <a:cs typeface="Consolas" pitchFamily="49" charset="0"/>
               </a:rPr>
-              <a:t>;; (cat-after-tick unselected-cat-at-20) = </a:t>
-            </a:r>
-            <a:r>
-              <a:rPr lang="en-US" sz="1800" b="1" dirty="0" smtClean="0">
-                <a:latin typeface="Consolas" pitchFamily="49" charset="0"/>
-                <a:cs typeface="Consolas" pitchFamily="49" charset="0"/>
-              </a:rPr>
-              <a:t>unselected-cat-at-28</a:t>
+              <a:t>;; (cat-after-tick unselected-cat-at-20) = unselected-cat-at-28</a:t>
             </a:r>
           </a:p>
           <a:p>
@@ -5579,23 +5392,12 @@
               <a:buNone/>
             </a:pPr>
             <a:r>
-              <a:rPr lang="en-US" sz="1800" b="1" dirty="0" smtClean="0">
-                <a:latin typeface="Consolas" pitchFamily="49" charset="0"/>
-                <a:cs typeface="Consolas" pitchFamily="49" charset="0"/>
-              </a:rPr>
-              <a:t>;; </a:t>
-            </a:r>
-            <a:r>
-              <a:rPr lang="en-US" sz="1800" b="1" dirty="0" smtClean="0">
-                <a:latin typeface="Consolas" pitchFamily="49" charset="0"/>
-                <a:cs typeface="Consolas" pitchFamily="49" charset="0"/>
-              </a:rPr>
-              <a:t>STRATEGY: Use template for Cat on c</a:t>
-            </a:r>
-            <a:endParaRPr lang="en-US" sz="1800" b="1" dirty="0">
-              <a:latin typeface="Consolas" pitchFamily="49" charset="0"/>
-              <a:cs typeface="Consolas" pitchFamily="49" charset="0"/>
-            </a:endParaRPr>
+              <a:rPr lang="en-US" sz="1800" b="1" dirty="0">
+                <a:latin typeface="Consolas" pitchFamily="49" charset="0"/>
+                <a:cs typeface="Consolas" pitchFamily="49" charset="0"/>
+              </a:rPr>
+              <a:t>;; STRATEGY: Use template for Cat on c</a:t>
+            </a:r>
           </a:p>
           <a:p>
             <a:pPr marL="0" indent="0">
@@ -5611,7 +5413,7 @@
               <a:buNone/>
             </a:pPr>
             <a:r>
-              <a:rPr lang="en-US" sz="1800" b="1" dirty="0" smtClean="0">
+              <a:rPr lang="en-US" sz="1800" b="1" dirty="0">
                 <a:latin typeface="Consolas" pitchFamily="49" charset="0"/>
                 <a:cs typeface="Consolas" pitchFamily="49" charset="0"/>
               </a:rPr>
@@ -5639,13 +5441,6 @@
   <p:clrMapOvr>
     <a:masterClrMapping/>
   </p:clrMapOvr>
-  <p:timing>
-    <p:tnLst>
-      <p:par>
-        <p:cTn id="1" dur="indefinite" restart="never" nodeType="tmRoot"/>
-      </p:par>
-    </p:tnLst>
-  </p:timing>
 </p:sld>
 </file>
 
@@ -5682,10 +5477,9 @@
           <a:lstStyle/>
           <a:p>
             <a:r>
-              <a:rPr lang="en-US" dirty="0" smtClean="0"/>
+              <a:rPr lang="en-US" dirty="0"/>
               <a:t>cat-after-tick definition</a:t>
             </a:r>
-            <a:endParaRPr lang="en-US" dirty="0"/>
           </a:p>
         </p:txBody>
       </p:sp>
@@ -5837,10 +5631,6 @@
               </a:rPr>
               <a:t>      (cat-selected? c))))</a:t>
             </a:r>
-            <a:endParaRPr lang="en-US" sz="2400" b="1" dirty="0">
-              <a:latin typeface="Consolas" pitchFamily="49" charset="0"/>
-              <a:cs typeface="Consolas" pitchFamily="49" charset="0"/>
-            </a:endParaRPr>
           </a:p>
         </p:txBody>
       </p:sp>
@@ -5854,13 +5644,6 @@
   <p:clrMapOvr>
     <a:masterClrMapping/>
   </p:clrMapOvr>
-  <p:timing>
-    <p:tnLst>
-      <p:par>
-        <p:cTn id="1" dur="indefinite" restart="never" nodeType="tmRoot"/>
-      </p:par>
-    </p:tnLst>
-  </p:timing>
 </p:sld>
 </file>
 
@@ -5897,10 +5680,9 @@
           <a:lstStyle/>
           <a:p>
             <a:r>
-              <a:rPr lang="en-US" dirty="0" smtClean="0"/>
+              <a:rPr lang="en-US" dirty="0"/>
               <a:t>world-to-scene</a:t>
             </a:r>
-            <a:endParaRPr lang="en-US" dirty="0"/>
           </a:p>
         </p:txBody>
       </p:sp>
@@ -5920,16 +5702,15 @@
           <a:lstStyle/>
           <a:p>
             <a:r>
-              <a:rPr lang="en-US" dirty="0" smtClean="0"/>
+              <a:rPr lang="en-US" dirty="0"/>
               <a:t>world-to-scene follows the same pattern:  the world consists of two cats, so we call two cat functions.</a:t>
             </a:r>
           </a:p>
           <a:p>
             <a:r>
-              <a:rPr lang="en-US" dirty="0" smtClean="0"/>
+              <a:rPr lang="en-US" dirty="0"/>
               <a:t>Both cats have to appear in the same scene, so we will have to be a little clever about our cat function.</a:t>
             </a:r>
-            <a:endParaRPr lang="en-US" dirty="0"/>
           </a:p>
         </p:txBody>
       </p:sp>
@@ -5979,10 +5760,9 @@
           <a:lstStyle/>
           <a:p>
             <a:r>
-              <a:rPr lang="en-US" dirty="0" smtClean="0"/>
+              <a:rPr lang="en-US" dirty="0"/>
               <a:t>world-to-scene</a:t>
             </a:r>
-            <a:endParaRPr lang="en-US" dirty="0"/>
           </a:p>
         </p:txBody>
       </p:sp>
@@ -6023,75 +5803,32 @@
                 <a:latin typeface="Consolas" pitchFamily="49" charset="0"/>
                 <a:cs typeface="Consolas" pitchFamily="49" charset="0"/>
               </a:rPr>
-              <a:t>;; </a:t>
-            </a:r>
-            <a:r>
-              <a:rPr lang="en-US" b="1" dirty="0" smtClean="0">
-                <a:latin typeface="Consolas" pitchFamily="49" charset="0"/>
-                <a:cs typeface="Consolas" pitchFamily="49" charset="0"/>
-              </a:rPr>
-              <a:t>RETURNS: a </a:t>
-            </a:r>
+              <a:t>;; RETURNS: a Scene that portrays the </a:t>
+            </a:r>
+          </a:p>
+          <a:p>
+            <a:pPr marL="0" indent="0">
+              <a:buNone/>
+            </a:pPr>
             <a:r>
               <a:rPr lang="en-US" b="1" dirty="0">
                 <a:latin typeface="Consolas" pitchFamily="49" charset="0"/>
                 <a:cs typeface="Consolas" pitchFamily="49" charset="0"/>
               </a:rPr>
-              <a:t>Scene that portrays the </a:t>
-            </a:r>
-            <a:endParaRPr lang="en-US" b="1" dirty="0" smtClean="0">
-              <a:latin typeface="Consolas" pitchFamily="49" charset="0"/>
-              <a:cs typeface="Consolas" pitchFamily="49" charset="0"/>
-            </a:endParaRPr>
+              <a:t>;;   given world.</a:t>
+            </a:r>
           </a:p>
           <a:p>
             <a:pPr marL="0" indent="0">
               <a:buNone/>
             </a:pPr>
             <a:r>
-              <a:rPr lang="en-US" b="1" dirty="0" smtClean="0">
-                <a:latin typeface="Consolas" pitchFamily="49" charset="0"/>
-                <a:cs typeface="Consolas" pitchFamily="49" charset="0"/>
-              </a:rPr>
-              <a:t>;;   given </a:t>
-            </a:r>
-            <a:r>
               <a:rPr lang="en-US" b="1" dirty="0">
                 <a:latin typeface="Consolas" pitchFamily="49" charset="0"/>
                 <a:cs typeface="Consolas" pitchFamily="49" charset="0"/>
               </a:rPr>
-              <a:t>world.</a:t>
-            </a:r>
-          </a:p>
-          <a:p>
-            <a:pPr marL="0" indent="0">
-              <a:buNone/>
-            </a:pPr>
-            <a:r>
-              <a:rPr lang="en-US" b="1" dirty="0" smtClean="0">
-                <a:latin typeface="Consolas" pitchFamily="49" charset="0"/>
-                <a:cs typeface="Consolas" pitchFamily="49" charset="0"/>
-              </a:rPr>
-              <a:t>;; </a:t>
-            </a:r>
-            <a:r>
-              <a:rPr lang="en-US" b="1" dirty="0" smtClean="0">
-                <a:latin typeface="Consolas" pitchFamily="49" charset="0"/>
-                <a:cs typeface="Consolas" pitchFamily="49" charset="0"/>
-              </a:rPr>
-              <a:t>STRATEGY: </a:t>
-            </a:r>
-            <a:r>
-              <a:rPr lang="en-US" b="1" dirty="0" smtClean="0">
-                <a:latin typeface="Consolas" pitchFamily="49" charset="0"/>
-                <a:cs typeface="Consolas" pitchFamily="49" charset="0"/>
-              </a:rPr>
-              <a:t>Use template for World on w</a:t>
-            </a:r>
-            <a:endParaRPr lang="en-US" b="1" dirty="0">
-              <a:latin typeface="Consolas" pitchFamily="49" charset="0"/>
-              <a:cs typeface="Consolas" pitchFamily="49" charset="0"/>
-            </a:endParaRPr>
+              <a:t>;; STRATEGY: Use template for World on w</a:t>
+            </a:r>
           </a:p>
           <a:p>
             <a:pPr marL="0" indent="0">
@@ -6203,7 +5940,7 @@
           <a:p>
             <a:pPr algn="ctr"/>
             <a:r>
-              <a:rPr lang="en-US" dirty="0" smtClean="0">
+              <a:rPr lang="en-US" dirty="0">
                 <a:solidFill>
                   <a:schemeClr val="tx1"/>
                 </a:solidFill>
@@ -6211,7 +5948,7 @@
               <a:t>The pieces are cats, so create a </a:t>
             </a:r>
             <a:r>
-              <a:rPr lang="en-US" dirty="0" err="1" smtClean="0">
+              <a:rPr lang="en-US" dirty="0" err="1">
                 <a:solidFill>
                   <a:schemeClr val="tx1"/>
                 </a:solidFill>
@@ -6219,7 +5956,7 @@
               <a:t>wishlist</a:t>
             </a:r>
             <a:r>
-              <a:rPr lang="en-US" dirty="0" smtClean="0">
+              <a:rPr lang="en-US" dirty="0">
                 <a:solidFill>
                   <a:schemeClr val="tx1"/>
                 </a:solidFill>
@@ -6324,13 +6061,6 @@
   <p:clrMapOvr>
     <a:masterClrMapping/>
   </p:clrMapOvr>
-  <p:timing>
-    <p:tnLst>
-      <p:par>
-        <p:cTn id="1" dur="indefinite" restart="never" nodeType="tmRoot"/>
-      </p:par>
-    </p:tnLst>
-  </p:timing>
 </p:sld>
 </file>
 
@@ -6367,10 +6097,9 @@
           <a:lstStyle/>
           <a:p>
             <a:r>
-              <a:rPr lang="en-US" dirty="0" smtClean="0"/>
+              <a:rPr lang="en-US" dirty="0"/>
               <a:t>place-cat</a:t>
             </a:r>
-            <a:endParaRPr lang="en-US" dirty="0"/>
           </a:p>
         </p:txBody>
       </p:sp>
@@ -6417,14 +6146,7 @@
                 <a:latin typeface="Consolas" pitchFamily="49" charset="0"/>
                 <a:cs typeface="Consolas" pitchFamily="49" charset="0"/>
               </a:rPr>
-              <a:t>;; returns a scene like the given one, but </a:t>
-            </a:r>
-            <a:r>
-              <a:rPr lang="en-US" sz="2400" b="1" dirty="0" smtClean="0">
-                <a:latin typeface="Consolas" pitchFamily="49" charset="0"/>
-                <a:cs typeface="Consolas" pitchFamily="49" charset="0"/>
-              </a:rPr>
-              <a:t>with</a:t>
+              <a:t>;; returns a scene like the given one, but with</a:t>
             </a:r>
           </a:p>
           <a:p>
@@ -6435,39 +6157,11 @@
               <a:buNone/>
             </a:pPr>
             <a:r>
-              <a:rPr lang="en-US" sz="2400" b="1" dirty="0" smtClean="0">
-                <a:latin typeface="Consolas" pitchFamily="49" charset="0"/>
-                <a:cs typeface="Consolas" pitchFamily="49" charset="0"/>
-              </a:rPr>
-              <a:t>;; </a:t>
-            </a:r>
-            <a:r>
               <a:rPr lang="en-US" sz="2400" b="1" dirty="0">
                 <a:latin typeface="Consolas" pitchFamily="49" charset="0"/>
                 <a:cs typeface="Consolas" pitchFamily="49" charset="0"/>
               </a:rPr>
-              <a:t>the given cat </a:t>
-            </a:r>
-            <a:r>
-              <a:rPr lang="en-US" sz="2400" b="1" dirty="0" smtClean="0">
-                <a:latin typeface="Consolas" pitchFamily="49" charset="0"/>
-                <a:cs typeface="Consolas" pitchFamily="49" charset="0"/>
-              </a:rPr>
-              <a:t>painted </a:t>
-            </a:r>
-            <a:r>
-              <a:rPr lang="en-US" sz="2400" b="1" dirty="0">
-                <a:latin typeface="Consolas" pitchFamily="49" charset="0"/>
-                <a:cs typeface="Consolas" pitchFamily="49" charset="0"/>
-              </a:rPr>
-              <a:t>on it</a:t>
-            </a:r>
-            <a:r>
-              <a:rPr lang="en-US" sz="2400" b="1" dirty="0" smtClean="0">
-                <a:latin typeface="Consolas" pitchFamily="49" charset="0"/>
-                <a:cs typeface="Consolas" pitchFamily="49" charset="0"/>
-              </a:rPr>
-              <a:t>.</a:t>
+              <a:t>;; the given cat painted on it.</a:t>
             </a:r>
           </a:p>
           <a:p>
@@ -6478,23 +6172,12 @@
               <a:buNone/>
             </a:pPr>
             <a:r>
-              <a:rPr lang="en-US" sz="2400" b="1" dirty="0" smtClean="0">
-                <a:latin typeface="Consolas" pitchFamily="49" charset="0"/>
-                <a:cs typeface="Consolas" pitchFamily="49" charset="0"/>
-              </a:rPr>
-              <a:t>;; strategy : </a:t>
-            </a:r>
-            <a:r>
-              <a:rPr lang="en-US" sz="2400" b="1" dirty="0" smtClean="0">
-                <a:latin typeface="Consolas" pitchFamily="49" charset="0"/>
-                <a:cs typeface="Consolas" pitchFamily="49" charset="0"/>
-              </a:rPr>
-              <a:t>Use template for Cat on c</a:t>
-            </a:r>
-            <a:endParaRPr lang="en-US" sz="2400" b="1" dirty="0">
-              <a:latin typeface="Consolas" pitchFamily="49" charset="0"/>
-              <a:cs typeface="Consolas" pitchFamily="49" charset="0"/>
-            </a:endParaRPr>
+              <a:rPr lang="en-US" sz="2400" b="1" dirty="0">
+                <a:latin typeface="Consolas" pitchFamily="49" charset="0"/>
+                <a:cs typeface="Consolas" pitchFamily="49" charset="0"/>
+              </a:rPr>
+              <a:t>;; strategy : Use template for Cat on c</a:t>
+            </a:r>
           </a:p>
           <a:p>
             <a:pPr marL="0" indent="0">
@@ -6611,13 +6294,6 @@
   <p:clrMapOvr>
     <a:masterClrMapping/>
   </p:clrMapOvr>
-  <p:timing>
-    <p:tnLst>
-      <p:par>
-        <p:cTn id="1" dur="indefinite" restart="never" nodeType="tmRoot"/>
-      </p:par>
-    </p:tnLst>
-  </p:timing>
 </p:sld>
 </file>
 
@@ -6654,10 +6330,9 @@
           <a:lstStyle/>
           <a:p>
             <a:r>
-              <a:rPr lang="en-US" dirty="0" smtClean="0"/>
+              <a:rPr lang="en-US" dirty="0"/>
               <a:t>Summary</a:t>
             </a:r>
-            <a:endParaRPr lang="en-US" dirty="0"/>
           </a:p>
         </p:txBody>
       </p:sp>
@@ -6679,41 +6354,28 @@
             <a:pPr fontAlgn="base"/>
             <a:r>
               <a:rPr lang="en-US" dirty="0"/>
-              <a:t>In this lesson, </a:t>
-            </a:r>
-            <a:r>
-              <a:rPr lang="en-US" dirty="0" smtClean="0"/>
-              <a:t>you had the opportunity to</a:t>
+              <a:t>In this lesson, you had the opportunity to</a:t>
             </a:r>
           </a:p>
           <a:p>
             <a:pPr lvl="1" fontAlgn="base"/>
             <a:r>
-              <a:rPr lang="en-US" dirty="0" smtClean="0"/>
+              <a:rPr lang="en-US" dirty="0"/>
               <a:t>Build a more complex world</a:t>
             </a:r>
-            <a:endParaRPr lang="en-US" dirty="0"/>
           </a:p>
           <a:p>
             <a:pPr lvl="1" fontAlgn="base"/>
             <a:r>
-              <a:rPr lang="en-US" dirty="0" smtClean="0"/>
-              <a:t>Write </a:t>
-            </a:r>
-            <a:r>
               <a:rPr lang="en-US" dirty="0"/>
-              <a:t>more complex data definitions, representing information in appropriate places.</a:t>
+              <a:t>Write more complex data definitions, representing information in appropriate places.</a:t>
             </a:r>
           </a:p>
           <a:p>
             <a:pPr lvl="1" fontAlgn="base"/>
             <a:r>
               <a:rPr lang="en-US" dirty="0"/>
-              <a:t>Use structural decomposition to guide the development of programs incorporating multiple data definitions</a:t>
-            </a:r>
-            <a:r>
-              <a:rPr lang="en-US" dirty="0" smtClean="0"/>
-              <a:t>.</a:t>
+              <a:t>Use structural decomposition to guide the development of programs incorporating multiple data definitions.</a:t>
             </a:r>
           </a:p>
           <a:p>
@@ -6732,13 +6394,6 @@
   <p:clrMapOvr>
     <a:masterClrMapping/>
   </p:clrMapOvr>
-  <p:timing>
-    <p:tnLst>
-      <p:par>
-        <p:cTn id="1" dur="indefinite" restart="never" nodeType="tmRoot"/>
-      </p:par>
-    </p:tnLst>
-  </p:timing>
 </p:sld>
 </file>
 
@@ -6775,63 +6430,58 @@
           <a:lstStyle/>
           <a:p>
             <a:r>
-              <a:rPr lang="en-US" dirty="0" smtClean="0"/>
+              <a:rPr lang="en-US" dirty="0"/>
               <a:t>Next Steps</a:t>
             </a:r>
+          </a:p>
+        </p:txBody>
+      </p:sp>
+      <p:sp>
+        <p:nvSpPr>
+          <p:cNvPr id="3" name="Content Placeholder 2"/>
+          <p:cNvSpPr>
+            <a:spLocks noGrp="1"/>
+          </p:cNvSpPr>
+          <p:nvPr>
+            <p:ph idx="1"/>
+          </p:nvPr>
+        </p:nvSpPr>
+        <p:spPr/>
+        <p:txBody>
+          <a:bodyPr/>
+          <a:lstStyle/>
+          <a:p>
+            <a:r>
+              <a:rPr lang="en-US" dirty="0"/>
+              <a:t>Run two-</a:t>
+            </a:r>
+            <a:r>
+              <a:rPr lang="en-US" dirty="0" err="1"/>
+              <a:t>draggable</a:t>
+            </a:r>
+            <a:r>
+              <a:rPr lang="en-US" dirty="0"/>
+              <a:t>-</a:t>
+            </a:r>
+            <a:r>
+              <a:rPr lang="en-US" dirty="0" err="1"/>
+              <a:t>cats.rkt</a:t>
+            </a:r>
+            <a:r>
+              <a:rPr lang="en-US" dirty="0"/>
+              <a:t> and study the code (including the tests!)</a:t>
+            </a:r>
+          </a:p>
+          <a:p>
+            <a:r>
+              <a:rPr lang="en-US" dirty="0"/>
+              <a:t>If you have questions about this lesson, ask them on the </a:t>
+            </a:r>
+            <a:r>
+              <a:rPr lang="en-US"/>
+              <a:t>Discussion Board</a:t>
+            </a:r>
             <a:endParaRPr lang="en-US" dirty="0"/>
-          </a:p>
-        </p:txBody>
-      </p:sp>
-      <p:sp>
-        <p:nvSpPr>
-          <p:cNvPr id="3" name="Content Placeholder 2"/>
-          <p:cNvSpPr>
-            <a:spLocks noGrp="1"/>
-          </p:cNvSpPr>
-          <p:nvPr>
-            <p:ph idx="1"/>
-          </p:nvPr>
-        </p:nvSpPr>
-        <p:spPr/>
-        <p:txBody>
-          <a:bodyPr/>
-          <a:lstStyle/>
-          <a:p>
-            <a:r>
-              <a:rPr lang="en-US" dirty="0" smtClean="0"/>
-              <a:t>Run two-</a:t>
-            </a:r>
-            <a:r>
-              <a:rPr lang="en-US" dirty="0" err="1" smtClean="0"/>
-              <a:t>draggable</a:t>
-            </a:r>
-            <a:r>
-              <a:rPr lang="en-US" dirty="0" smtClean="0"/>
-              <a:t>-</a:t>
-            </a:r>
-            <a:r>
-              <a:rPr lang="en-US" dirty="0" err="1" smtClean="0"/>
-              <a:t>cats.rkt</a:t>
-            </a:r>
-            <a:r>
-              <a:rPr lang="en-US" dirty="0" smtClean="0"/>
-              <a:t> and study the code (including the tests!)</a:t>
-            </a:r>
-          </a:p>
-          <a:p>
-            <a:r>
-              <a:rPr lang="en-US" dirty="0" smtClean="0"/>
-              <a:t>If you have questions about this lesson, ask them on the </a:t>
-            </a:r>
-            <a:r>
-              <a:rPr lang="en-US" smtClean="0"/>
-              <a:t>Discussion </a:t>
-            </a:r>
-            <a:r>
-              <a:rPr lang="en-US" smtClean="0"/>
-              <a:t>Board</a:t>
-            </a:r>
-            <a:endParaRPr lang="en-US" dirty="0" smtClean="0"/>
           </a:p>
         </p:txBody>
       </p:sp>
@@ -6845,13 +6495,6 @@
   <p:clrMapOvr>
     <a:masterClrMapping/>
   </p:clrMapOvr>
-  <p:timing>
-    <p:tnLst>
-      <p:par>
-        <p:cTn id="1" dur="indefinite" restart="never" nodeType="tmRoot"/>
-      </p:par>
-    </p:tnLst>
-  </p:timing>
 </p:sld>
 </file>
 
@@ -6890,10 +6533,9 @@
           <a:lstStyle/>
           <a:p>
             <a:r>
-              <a:rPr lang="en-US" dirty="0" smtClean="0"/>
+              <a:rPr lang="en-US" dirty="0"/>
               <a:t>Introduction and Learning Objectives</a:t>
             </a:r>
-            <a:endParaRPr lang="en-US" dirty="0"/>
           </a:p>
         </p:txBody>
       </p:sp>
@@ -6936,15 +6578,7 @@
             <a:pPr lvl="1" fontAlgn="base"/>
             <a:r>
               <a:rPr lang="en-US" dirty="0"/>
-              <a:t>Use </a:t>
-            </a:r>
-            <a:r>
-              <a:rPr lang="en-US" dirty="0" smtClean="0"/>
-              <a:t>templates to </a:t>
-            </a:r>
-            <a:r>
-              <a:rPr lang="en-US" dirty="0"/>
-              <a:t>guide the development of programs incorporating multiple data definitions.</a:t>
+              <a:t>Use templates to guide the development of programs incorporating multiple data definitions.</a:t>
             </a:r>
           </a:p>
           <a:p>
@@ -6962,13 +6596,6 @@
   <p:clrMapOvr>
     <a:masterClrMapping/>
   </p:clrMapOvr>
-  <p:timing>
-    <p:tnLst>
-      <p:par>
-        <p:cTn id="1" dur="indefinite" restart="never" nodeType="tmRoot"/>
-      </p:par>
-    </p:tnLst>
-  </p:timing>
 </p:sld>
 </file>
 
@@ -7005,10 +6632,9 @@
           <a:lstStyle/>
           <a:p>
             <a:r>
-              <a:rPr lang="en-US" dirty="0" smtClean="0"/>
+              <a:rPr lang="en-US" dirty="0"/>
               <a:t>Requirements</a:t>
             </a:r>
-            <a:endParaRPr lang="en-US" dirty="0"/>
           </a:p>
         </p:txBody>
       </p:sp>
@@ -7030,63 +6656,63 @@
           <a:lstStyle/>
           <a:p>
             <a:r>
-              <a:rPr lang="en-US" dirty="0" smtClean="0"/>
+              <a:rPr lang="en-US" dirty="0"/>
               <a:t>Like </a:t>
             </a:r>
             <a:r>
-              <a:rPr lang="en-US" dirty="0" err="1" smtClean="0"/>
+              <a:rPr lang="en-US" dirty="0" err="1"/>
               <a:t>draggable</a:t>
             </a:r>
             <a:r>
-              <a:rPr lang="en-US" dirty="0" smtClean="0"/>
+              <a:rPr lang="en-US" dirty="0"/>
               <a:t>-cat, except:</a:t>
             </a:r>
           </a:p>
           <a:p>
             <a:r>
-              <a:rPr lang="en-US" dirty="0" smtClean="0"/>
+              <a:rPr lang="en-US" dirty="0"/>
               <a:t>We have 2 cats in the scene</a:t>
             </a:r>
           </a:p>
           <a:p>
             <a:r>
-              <a:rPr lang="en-US" dirty="0" smtClean="0"/>
+              <a:rPr lang="en-US" dirty="0"/>
               <a:t>Each cat can be individually selected, as in </a:t>
             </a:r>
             <a:r>
-              <a:rPr lang="en-US" dirty="0" err="1" smtClean="0"/>
+              <a:rPr lang="en-US" dirty="0" err="1"/>
               <a:t>draggable</a:t>
             </a:r>
             <a:r>
-              <a:rPr lang="en-US" dirty="0" smtClean="0"/>
+              <a:rPr lang="en-US" dirty="0"/>
               <a:t>-cat</a:t>
             </a:r>
           </a:p>
           <a:p>
             <a:r>
-              <a:rPr lang="en-US" dirty="0" smtClean="0"/>
+              <a:rPr lang="en-US" dirty="0"/>
               <a:t>Space pauses or </a:t>
             </a:r>
             <a:r>
-              <a:rPr lang="en-US" dirty="0" err="1" smtClean="0"/>
+              <a:rPr lang="en-US" dirty="0" err="1"/>
               <a:t>unpauses</a:t>
             </a:r>
             <a:r>
-              <a:rPr lang="en-US" dirty="0" smtClean="0"/>
+              <a:rPr lang="en-US" dirty="0"/>
               <a:t> the entire animation</a:t>
             </a:r>
           </a:p>
           <a:p>
             <a:r>
-              <a:rPr lang="en-US" dirty="0" smtClean="0"/>
+              <a:rPr lang="en-US" dirty="0"/>
               <a:t>Demo: two-</a:t>
             </a:r>
             <a:r>
-              <a:rPr lang="en-US" dirty="0" err="1" smtClean="0"/>
+              <a:rPr lang="en-US" dirty="0" err="1"/>
               <a:t>draggable</a:t>
             </a:r>
             <a:r>
-              <a:rPr lang="en-US" dirty="0" smtClean="0"/>
+              <a:rPr lang="en-US" dirty="0"/>
               <a:t>-cats: </a:t>
             </a:r>
             <a:r>
@@ -7109,13 +6735,6 @@
   <p:clrMapOvr>
     <a:masterClrMapping/>
   </p:clrMapOvr>
-  <p:timing>
-    <p:tnLst>
-      <p:par>
-        <p:cTn id="1" dur="indefinite" restart="never" nodeType="tmRoot"/>
-      </p:par>
-    </p:tnLst>
-  </p:timing>
 </p:sld>
 </file>
 
@@ -7152,18 +6771,17 @@
           <a:lstStyle/>
           <a:p>
             <a:r>
-              <a:rPr lang="en-US" dirty="0" smtClean="0"/>
+              <a:rPr lang="en-US" dirty="0"/>
               <a:t>two-</a:t>
             </a:r>
             <a:r>
-              <a:rPr lang="en-US" dirty="0" err="1" smtClean="0"/>
+              <a:rPr lang="en-US" dirty="0" err="1"/>
               <a:t>draggable</a:t>
             </a:r>
             <a:r>
-              <a:rPr lang="en-US" dirty="0" smtClean="0"/>
+              <a:rPr lang="en-US" dirty="0"/>
               <a:t>-cats: demo</a:t>
             </a:r>
-            <a:endParaRPr lang="en-US" dirty="0"/>
           </a:p>
         </p:txBody>
       </p:sp>
@@ -7222,10 +6840,9 @@
           <a:lstStyle/>
           <a:p>
             <a:r>
-              <a:rPr lang="en-US" dirty="0" smtClean="0"/>
+              <a:rPr lang="en-US" dirty="0"/>
               <a:t>Note: I've added a bunch of tests since this video was made.  Study them!</a:t>
             </a:r>
-            <a:endParaRPr lang="en-US" dirty="0"/>
           </a:p>
         </p:txBody>
       </p:sp>
@@ -7252,7 +6869,7 @@
           <a:lstStyle/>
           <a:p>
             <a:r>
-              <a:rPr lang="en-US" dirty="0" smtClean="0">
+              <a:rPr lang="en-US" dirty="0">
                 <a:hlinkClick r:id="rId4"/>
               </a:rPr>
               <a:t>YouTube link</a:t>
@@ -7387,10 +7004,9 @@
           <a:lstStyle/>
           <a:p>
             <a:r>
-              <a:rPr lang="en-US" dirty="0" smtClean="0"/>
+              <a:rPr lang="en-US" dirty="0"/>
               <a:t>Information Analysis</a:t>
             </a:r>
-            <a:endParaRPr lang="en-US" dirty="0"/>
           </a:p>
         </p:txBody>
       </p:sp>
@@ -7410,17 +7026,16 @@
           <a:lstStyle/>
           <a:p>
             <a:r>
-              <a:rPr lang="en-US" dirty="0" smtClean="0"/>
+              <a:rPr lang="en-US" dirty="0"/>
               <a:t>The world has two cats and a paused?</a:t>
             </a:r>
           </a:p>
           <a:p>
             <a:pPr lvl="1"/>
             <a:r>
-              <a:rPr lang="en-US" dirty="0" smtClean="0"/>
+              <a:rPr lang="en-US" dirty="0"/>
               <a:t>it is the whole world that is paused or not</a:t>
             </a:r>
-            <a:endParaRPr lang="en-US" dirty="0"/>
           </a:p>
         </p:txBody>
       </p:sp>
@@ -7434,13 +7049,6 @@
   <p:clrMapOvr>
     <a:masterClrMapping/>
   </p:clrMapOvr>
-  <p:timing>
-    <p:tnLst>
-      <p:par>
-        <p:cTn id="1" dur="indefinite" restart="never" nodeType="tmRoot"/>
-      </p:par>
-    </p:tnLst>
-  </p:timing>
 </p:sld>
 </file>
 
@@ -7477,10 +7085,9 @@
           <a:lstStyle/>
           <a:p>
             <a:r>
-              <a:rPr lang="en-US" dirty="0" smtClean="0"/>
+              <a:rPr lang="en-US" dirty="0"/>
               <a:t>Data Definitions: World</a:t>
             </a:r>
-            <a:endParaRPr lang="en-US" dirty="0"/>
           </a:p>
         </p:txBody>
       </p:sp>
@@ -7573,21 +7180,7 @@
                 <a:latin typeface="Consolas" pitchFamily="49" charset="0"/>
                 <a:cs typeface="Consolas" pitchFamily="49" charset="0"/>
               </a:rPr>
-              <a:t>;; paused? describes whether or not the world </a:t>
-            </a:r>
-            <a:r>
-              <a:rPr lang="en-US" b="1" dirty="0" smtClean="0">
-                <a:latin typeface="Consolas" pitchFamily="49" charset="0"/>
-                <a:cs typeface="Consolas" pitchFamily="49" charset="0"/>
-              </a:rPr>
-              <a:t>;; is </a:t>
-            </a:r>
-            <a:r>
-              <a:rPr lang="en-US" b="1" dirty="0">
-                <a:latin typeface="Consolas" pitchFamily="49" charset="0"/>
-                <a:cs typeface="Consolas" pitchFamily="49" charset="0"/>
-              </a:rPr>
-              <a:t>paused</a:t>
+              <a:t>;; paused? describes whether or not the world ;; is paused</a:t>
             </a:r>
           </a:p>
           <a:p>
@@ -7674,51 +7267,29 @@
               </a:rPr>
               <a:t>;;   (... (world-cat1 w) </a:t>
             </a:r>
-            <a:endParaRPr lang="en-US" b="1" dirty="0" smtClean="0">
-              <a:latin typeface="Consolas" pitchFamily="49" charset="0"/>
-              <a:cs typeface="Consolas" pitchFamily="49" charset="0"/>
-            </a:endParaRPr>
           </a:p>
           <a:p>
             <a:pPr marL="0" indent="0">
               <a:buNone/>
             </a:pPr>
             <a:r>
-              <a:rPr lang="en-US" b="1" dirty="0" smtClean="0">
-                <a:latin typeface="Consolas" pitchFamily="49" charset="0"/>
-                <a:cs typeface="Consolas" pitchFamily="49" charset="0"/>
-              </a:rPr>
-              <a:t>;;        (</a:t>
-            </a:r>
-            <a:r>
               <a:rPr lang="en-US" b="1" dirty="0">
                 <a:latin typeface="Consolas" pitchFamily="49" charset="0"/>
                 <a:cs typeface="Consolas" pitchFamily="49" charset="0"/>
               </a:rPr>
-              <a:t>world-cat2 w) </a:t>
-            </a:r>
-            <a:endParaRPr lang="en-US" b="1" dirty="0" smtClean="0">
-              <a:latin typeface="Consolas" pitchFamily="49" charset="0"/>
-              <a:cs typeface="Consolas" pitchFamily="49" charset="0"/>
-            </a:endParaRPr>
+              <a:t>;;        (world-cat2 w) </a:t>
+            </a:r>
           </a:p>
           <a:p>
             <a:pPr marL="0" indent="0">
               <a:buNone/>
             </a:pPr>
             <a:r>
-              <a:rPr lang="en-US" b="1" dirty="0" smtClean="0">
-                <a:latin typeface="Consolas" pitchFamily="49" charset="0"/>
-                <a:cs typeface="Consolas" pitchFamily="49" charset="0"/>
-              </a:rPr>
-              <a:t>;;        (</a:t>
-            </a:r>
-            <a:r>
               <a:rPr lang="en-US" b="1" dirty="0">
                 <a:latin typeface="Consolas" pitchFamily="49" charset="0"/>
                 <a:cs typeface="Consolas" pitchFamily="49" charset="0"/>
               </a:rPr>
-              <a:t>world-paused? w)))</a:t>
+              <a:t>;;        (world-paused? w)))</a:t>
             </a:r>
           </a:p>
           <a:p>
@@ -7742,13 +7313,6 @@
   <p:clrMapOvr>
     <a:masterClrMapping/>
   </p:clrMapOvr>
-  <p:timing>
-    <p:tnLst>
-      <p:par>
-        <p:cTn id="1" dur="indefinite" restart="never" nodeType="tmRoot"/>
-      </p:par>
-    </p:tnLst>
-  </p:timing>
 </p:sld>
 </file>
 
@@ -7785,10 +7349,9 @@
           <a:lstStyle/>
           <a:p>
             <a:r>
-              <a:rPr lang="en-US" dirty="0" smtClean="0"/>
+              <a:rPr lang="en-US" dirty="0"/>
               <a:t>Information Analysis</a:t>
             </a:r>
-            <a:endParaRPr lang="en-US" dirty="0"/>
           </a:p>
         </p:txBody>
       </p:sp>
@@ -7808,46 +7371,45 @@
           <a:lstStyle/>
           <a:p>
             <a:r>
-              <a:rPr lang="en-US" dirty="0" smtClean="0"/>
+              <a:rPr lang="en-US" dirty="0"/>
               <a:t>Each cat has x-</a:t>
             </a:r>
             <a:r>
-              <a:rPr lang="en-US" dirty="0" err="1" smtClean="0"/>
+              <a:rPr lang="en-US" dirty="0" err="1"/>
               <a:t>pos</a:t>
             </a:r>
             <a:r>
-              <a:rPr lang="en-US" dirty="0" smtClean="0"/>
+              <a:rPr lang="en-US" dirty="0"/>
               <a:t>, y-</a:t>
             </a:r>
             <a:r>
-              <a:rPr lang="en-US" dirty="0" err="1" smtClean="0"/>
+              <a:rPr lang="en-US" dirty="0" err="1"/>
               <a:t>pos</a:t>
             </a:r>
             <a:r>
-              <a:rPr lang="en-US" dirty="0" smtClean="0"/>
+              <a:rPr lang="en-US" dirty="0"/>
               <a:t>, and selected?</a:t>
             </a:r>
           </a:p>
           <a:p>
             <a:r>
-              <a:rPr lang="en-US" dirty="0" smtClean="0"/>
+              <a:rPr lang="en-US" dirty="0"/>
               <a:t>What about paused?</a:t>
             </a:r>
           </a:p>
           <a:p>
             <a:pPr lvl="1"/>
             <a:r>
-              <a:rPr lang="en-US" dirty="0" smtClean="0"/>
+              <a:rPr lang="en-US" dirty="0"/>
               <a:t>cats aren't individually paused</a:t>
             </a:r>
           </a:p>
           <a:p>
             <a:pPr lvl="1"/>
             <a:r>
-              <a:rPr lang="en-US" dirty="0" smtClean="0"/>
+              <a:rPr lang="en-US" dirty="0"/>
               <a:t>it's the whole thing that is paused or not.</a:t>
             </a:r>
-            <a:endParaRPr lang="en-US" dirty="0"/>
           </a:p>
         </p:txBody>
       </p:sp>
@@ -7861,13 +7423,6 @@
   <p:clrMapOvr>
     <a:masterClrMapping/>
   </p:clrMapOvr>
-  <p:timing>
-    <p:tnLst>
-      <p:par>
-        <p:cTn id="1" dur="indefinite" restart="never" nodeType="tmRoot"/>
-      </p:par>
-    </p:tnLst>
-  </p:timing>
 </p:sld>
 </file>
 
@@ -7904,10 +7459,9 @@
           <a:lstStyle/>
           <a:p>
             <a:r>
-              <a:rPr lang="en-US" dirty="0" smtClean="0"/>
+              <a:rPr lang="en-US" dirty="0"/>
               <a:t>Data Definitions: Cat</a:t>
             </a:r>
-            <a:endParaRPr lang="en-US" dirty="0"/>
           </a:p>
         </p:txBody>
       </p:sp>
@@ -7992,54 +7546,32 @@
               </a:rPr>
               <a:t>;; A Cat is a </a:t>
             </a:r>
-            <a:endParaRPr lang="en-US" b="1" dirty="0" smtClean="0">
-              <a:latin typeface="Consolas" pitchFamily="49" charset="0"/>
-              <a:cs typeface="Consolas" pitchFamily="49" charset="0"/>
-            </a:endParaRPr>
           </a:p>
           <a:p>
             <a:pPr marL="0" indent="0">
               <a:buNone/>
             </a:pPr>
             <a:r>
-              <a:rPr lang="en-US" b="1" dirty="0" smtClean="0">
-                <a:latin typeface="Consolas" pitchFamily="49" charset="0"/>
-                <a:cs typeface="Consolas" pitchFamily="49" charset="0"/>
-              </a:rPr>
-              <a:t>;;   (</a:t>
-            </a:r>
-            <a:r>
               <a:rPr lang="en-US" b="1" dirty="0">
                 <a:latin typeface="Consolas" pitchFamily="49" charset="0"/>
                 <a:cs typeface="Consolas" pitchFamily="49" charset="0"/>
               </a:rPr>
-              <a:t>make-cat </a:t>
-            </a:r>
-            <a:r>
-              <a:rPr lang="en-US" b="1" dirty="0" smtClean="0">
-                <a:latin typeface="Consolas" pitchFamily="49" charset="0"/>
-                <a:cs typeface="Consolas" pitchFamily="49" charset="0"/>
-              </a:rPr>
-              <a:t>Integer </a:t>
-            </a:r>
-            <a:r>
-              <a:rPr lang="en-US" b="1" dirty="0" err="1" smtClean="0">
+              <a:t>;;   (make-cat Integer </a:t>
+            </a:r>
+            <a:r>
+              <a:rPr lang="en-US" b="1" dirty="0" err="1">
                 <a:latin typeface="Consolas" pitchFamily="49" charset="0"/>
                 <a:cs typeface="Consolas" pitchFamily="49" charset="0"/>
               </a:rPr>
               <a:t>Integer</a:t>
             </a:r>
             <a:r>
-              <a:rPr lang="en-US" b="1" dirty="0" smtClean="0">
+              <a:rPr lang="en-US" b="1" dirty="0">
                 <a:latin typeface="Consolas" pitchFamily="49" charset="0"/>
                 <a:cs typeface="Consolas" pitchFamily="49" charset="0"/>
               </a:rPr>
               <a:t> Boolean)</a:t>
             </a:r>
-            <a:endParaRPr lang="en-US" b="1" dirty="0">
-              <a:latin typeface="Consolas" pitchFamily="49" charset="0"/>
-              <a:cs typeface="Consolas" pitchFamily="49" charset="0"/>
-            </a:endParaRPr>
           </a:p>
           <a:p>
             <a:pPr marL="0" indent="0">
@@ -8102,14 +7634,7 @@
                 <a:latin typeface="Consolas" pitchFamily="49" charset="0"/>
                 <a:cs typeface="Consolas" pitchFamily="49" charset="0"/>
               </a:rPr>
-              <a:t>;; selected? describes whether or not the cat </a:t>
-            </a:r>
-            <a:r>
-              <a:rPr lang="en-US" b="1" dirty="0" smtClean="0">
-                <a:latin typeface="Consolas" pitchFamily="49" charset="0"/>
-                <a:cs typeface="Consolas" pitchFamily="49" charset="0"/>
-              </a:rPr>
-              <a:t>is</a:t>
+              <a:t>;; selected? describes whether or not the cat is</a:t>
             </a:r>
           </a:p>
           <a:p>
@@ -8117,18 +7642,11 @@
               <a:buNone/>
             </a:pPr>
             <a:r>
-              <a:rPr lang="en-US" b="1" dirty="0" smtClean="0">
-                <a:latin typeface="Consolas" pitchFamily="49" charset="0"/>
-                <a:cs typeface="Consolas" pitchFamily="49" charset="0"/>
-              </a:rPr>
-              <a:t>;; </a:t>
-            </a:r>
-            <a:r>
               <a:rPr lang="en-US" b="1" dirty="0">
                 <a:latin typeface="Consolas" pitchFamily="49" charset="0"/>
                 <a:cs typeface="Consolas" pitchFamily="49" charset="0"/>
               </a:rPr>
-              <a:t>selected.</a:t>
+              <a:t>;; selected.</a:t>
             </a:r>
           </a:p>
           <a:p>
@@ -8229,35 +7747,24 @@
               </a:rPr>
               <a:t> w) </a:t>
             </a:r>
-            <a:endParaRPr lang="en-US" b="1" dirty="0" smtClean="0">
-              <a:latin typeface="Consolas" pitchFamily="49" charset="0"/>
-              <a:cs typeface="Consolas" pitchFamily="49" charset="0"/>
-            </a:endParaRPr>
           </a:p>
           <a:p>
             <a:pPr marL="0" indent="0">
               <a:buNone/>
             </a:pPr>
             <a:r>
-              <a:rPr lang="en-US" b="1" smtClean="0">
+              <a:rPr lang="en-US" b="1">
                 <a:latin typeface="Consolas" pitchFamily="49" charset="0"/>
                 <a:cs typeface="Consolas" pitchFamily="49" charset="0"/>
               </a:rPr>
               <a:t>;      </a:t>
             </a:r>
             <a:r>
-              <a:rPr lang="en-US" b="1" dirty="0" smtClean="0">
-                <a:latin typeface="Consolas" pitchFamily="49" charset="0"/>
-                <a:cs typeface="Consolas" pitchFamily="49" charset="0"/>
-              </a:rPr>
-              <a:t>(</a:t>
-            </a:r>
-            <a:r>
               <a:rPr lang="en-US" b="1" dirty="0">
                 <a:latin typeface="Consolas" pitchFamily="49" charset="0"/>
                 <a:cs typeface="Consolas" pitchFamily="49" charset="0"/>
               </a:rPr>
-              <a:t>cat-y-</a:t>
+              <a:t>(cat-y-</a:t>
             </a:r>
             <a:r>
               <a:rPr lang="en-US" b="1" dirty="0" err="1">
@@ -8273,28 +7780,17 @@
               </a:rPr>
               <a:t> w) </a:t>
             </a:r>
-            <a:endParaRPr lang="en-US" b="1" dirty="0" smtClean="0">
-              <a:latin typeface="Consolas" pitchFamily="49" charset="0"/>
-              <a:cs typeface="Consolas" pitchFamily="49" charset="0"/>
-            </a:endParaRPr>
           </a:p>
           <a:p>
             <a:pPr marL="0" indent="0">
               <a:buNone/>
             </a:pPr>
             <a:r>
-              <a:rPr lang="en-US" b="1" dirty="0" smtClean="0">
-                <a:latin typeface="Consolas" pitchFamily="49" charset="0"/>
-                <a:cs typeface="Consolas" pitchFamily="49" charset="0"/>
-              </a:rPr>
-              <a:t>;      (</a:t>
-            </a:r>
-            <a:r>
               <a:rPr lang="en-US" b="1" dirty="0">
                 <a:latin typeface="Consolas" pitchFamily="49" charset="0"/>
                 <a:cs typeface="Consolas" pitchFamily="49" charset="0"/>
               </a:rPr>
-              <a:t>cat-selected? w)))</a:t>
+              <a:t>;      (cat-selected? w)))</a:t>
             </a:r>
           </a:p>
           <a:p>
@@ -8318,13 +7814,6 @@
   <p:clrMapOvr>
     <a:masterClrMapping/>
   </p:clrMapOvr>
-  <p:timing>
-    <p:tnLst>
-      <p:par>
-        <p:cTn id="1" dur="indefinite" restart="never" nodeType="tmRoot"/>
-      </p:par>
-    </p:tnLst>
-  </p:timing>
 </p:sld>
 </file>
 
@@ -8361,10 +7850,9 @@
           <a:lstStyle/>
           <a:p>
             <a:r>
-              <a:rPr lang="en-US" dirty="0" smtClean="0"/>
+              <a:rPr lang="en-US" dirty="0"/>
               <a:t>Data Design Principles</a:t>
             </a:r>
-            <a:endParaRPr lang="en-US" dirty="0"/>
           </a:p>
         </p:txBody>
       </p:sp>
@@ -8386,48 +7874,43 @@
           <a:lstStyle/>
           <a:p>
             <a:r>
-              <a:rPr lang="en-US" dirty="0" smtClean="0"/>
+              <a:rPr lang="en-US" dirty="0"/>
               <a:t>Every value of the information should be represented by some value of the data</a:t>
             </a:r>
           </a:p>
           <a:p>
             <a:pPr lvl="1"/>
             <a:r>
-              <a:rPr lang="en-US" dirty="0" smtClean="0"/>
+              <a:rPr lang="en-US" dirty="0"/>
               <a:t>otherwise, we lose immediately!</a:t>
             </a:r>
           </a:p>
           <a:p>
             <a:r>
-              <a:rPr lang="en-US" dirty="0" smtClean="0"/>
+              <a:rPr lang="en-US" dirty="0"/>
               <a:t>Every value of the data should represent some value of the information</a:t>
             </a:r>
           </a:p>
           <a:p>
             <a:pPr lvl="1"/>
             <a:r>
-              <a:rPr lang="en-US" dirty="0" smtClean="0"/>
+              <a:rPr lang="en-US" dirty="0"/>
               <a:t>no meaningless or nonsensical combinations</a:t>
             </a:r>
           </a:p>
           <a:p>
             <a:pPr lvl="1"/>
             <a:r>
-              <a:rPr lang="en-US" dirty="0" smtClean="0"/>
-              <a:t>if each cat had a paused? field, then what does it mean for one cat to be paused and the other not</a:t>
-            </a:r>
-            <a:r>
-              <a:rPr lang="en-US" dirty="0" smtClean="0"/>
-              <a:t>?</a:t>
+              <a:rPr lang="en-US" dirty="0"/>
+              <a:t>if each cat had a paused? field, then what does it mean for one cat to be paused and the other not?</a:t>
             </a:r>
           </a:p>
           <a:p>
             <a:pPr lvl="1"/>
             <a:r>
-              <a:rPr lang="en-US" dirty="0" smtClean="0"/>
+              <a:rPr lang="en-US" dirty="0"/>
               <a:t>Is it possible for one cat to be paused and the other not?</a:t>
             </a:r>
-            <a:endParaRPr lang="en-US" dirty="0" smtClean="0"/>
           </a:p>
           <a:p>
             <a:pPr lvl="1"/>
@@ -8440,13 +7923,6 @@
   <p:clrMapOvr>
     <a:masterClrMapping/>
   </p:clrMapOvr>
-  <p:timing>
-    <p:tnLst>
-      <p:par>
-        <p:cTn id="1" dur="indefinite" restart="never" nodeType="tmRoot"/>
-      </p:par>
-    </p:tnLst>
-  </p:timing>
 </p:sld>
 </file>
 

--- a/Slides/Lesson 3.4 Two Draggable Cats.pptx
+++ b/Slides/Lesson 3.4 Two Draggable Cats.pptx
@@ -229,7 +229,7 @@
             <a:fld id="{CF8F25F6-E1EF-4065-8525-42EDEBD9BD22}" type="datetimeFigureOut">
               <a:rPr lang="en-US" smtClean="0"/>
               <a:pPr/>
-              <a:t>8/1/2016</a:t>
+              <a:t>8/20/2015</a:t>
             </a:fld>
             <a:endParaRPr lang="en-US"/>
           </a:p>
@@ -295,37 +295,38 @@
           <a:p>
             <a:pPr lvl="0"/>
             <a:r>
-              <a:rPr lang="en-US"/>
+              <a:rPr lang="en-US" smtClean="0"/>
               <a:t>Click to edit Master text styles</a:t>
             </a:r>
           </a:p>
           <a:p>
             <a:pPr lvl="1"/>
             <a:r>
-              <a:rPr lang="en-US"/>
+              <a:rPr lang="en-US" smtClean="0"/>
               <a:t>Second level</a:t>
             </a:r>
           </a:p>
           <a:p>
             <a:pPr lvl="2"/>
             <a:r>
-              <a:rPr lang="en-US"/>
+              <a:rPr lang="en-US" smtClean="0"/>
               <a:t>Third level</a:t>
             </a:r>
           </a:p>
           <a:p>
             <a:pPr lvl="3"/>
             <a:r>
-              <a:rPr lang="en-US"/>
+              <a:rPr lang="en-US" smtClean="0"/>
               <a:t>Fourth level</a:t>
             </a:r>
           </a:p>
           <a:p>
             <a:pPr lvl="4"/>
             <a:r>
-              <a:rPr lang="en-US"/>
+              <a:rPr lang="en-US" smtClean="0"/>
               <a:t>Fifth level</a:t>
             </a:r>
+            <a:endParaRPr lang="en-US"/>
           </a:p>
         </p:txBody>
       </p:sp>
@@ -546,29 +547,29 @@
           <a:lstStyle/>
           <a:p>
             <a:r>
-              <a:rPr lang="en-US" dirty="0"/>
+              <a:rPr lang="en-US" dirty="0" smtClean="0"/>
               <a:t>Welcome to Week 2, Lesson 1: "How to Design Universe Programs".</a:t>
             </a:r>
           </a:p>
           <a:p>
-            <a:endParaRPr lang="en-US" dirty="0"/>
-          </a:p>
-          <a:p>
-            <a:r>
-              <a:rPr lang="en-US" dirty="0"/>
+            <a:endParaRPr lang="en-US" dirty="0" smtClean="0"/>
+          </a:p>
+          <a:p>
+            <a:r>
+              <a:rPr lang="en-US" dirty="0" smtClean="0"/>
               <a:t>In this lesson, you will learn the</a:t>
             </a:r>
             <a:r>
-              <a:rPr lang="en-US" baseline="0" dirty="0"/>
+              <a:rPr lang="en-US" baseline="0" dirty="0" smtClean="0"/>
               <a:t> steps in designing universe programs.  You will learn how to decide what data goes into the state of a world, and what does not.</a:t>
             </a:r>
           </a:p>
           <a:p>
-            <a:endParaRPr lang="en-US" baseline="0" dirty="0"/>
-          </a:p>
-          <a:p>
-            <a:r>
-              <a:rPr lang="en-US" baseline="0" dirty="0"/>
+            <a:endParaRPr lang="en-US" baseline="0" dirty="0" smtClean="0"/>
+          </a:p>
+          <a:p>
+            <a:r>
+              <a:rPr lang="en-US" baseline="0" dirty="0" smtClean="0"/>
               <a:t>We will also introduce the concept of a "wish list" to help you organize your program.</a:t>
             </a:r>
             <a:endParaRPr lang="en-US" dirty="0"/>
@@ -650,9 +651,10 @@
           <a:lstStyle/>
           <a:p>
             <a:r>
-              <a:rPr lang="en-US"/>
+              <a:rPr lang="en-US" smtClean="0"/>
               <a:t>Click to edit Master title style</a:t>
             </a:r>
+            <a:endParaRPr lang="en-US"/>
           </a:p>
         </p:txBody>
       </p:sp>
@@ -768,9 +770,10 @@
           </a:lstStyle>
           <a:p>
             <a:r>
-              <a:rPr lang="en-US"/>
+              <a:rPr lang="en-US" smtClean="0"/>
               <a:t>Click to edit Master subtitle style</a:t>
             </a:r>
+            <a:endParaRPr lang="en-US"/>
           </a:p>
         </p:txBody>
       </p:sp>
@@ -791,7 +794,7 @@
           <a:p>
             <a:fld id="{2F1F79F5-7BEC-496A-AFC7-876E38F64D71}" type="datetime1">
               <a:rPr lang="en-US" smtClean="0"/>
-              <a:t>8/1/2016</a:t>
+              <a:t>8/20/2015</a:t>
             </a:fld>
             <a:endParaRPr lang="en-US"/>
           </a:p>
@@ -849,6 +852,13 @@
   <p:clrMapOvr>
     <a:masterClrMapping/>
   </p:clrMapOvr>
+  <p:timing>
+    <p:tnLst>
+      <p:par>
+        <p:cTn id="1" dur="indefinite" restart="never" nodeType="tmRoot"/>
+      </p:par>
+    </p:tnLst>
+  </p:timing>
 </p:sldLayout>
 </file>
 
@@ -886,7 +896,7 @@
           <a:p>
             <a:fld id="{0A05703A-7669-4FEA-9056-25299B4D29D4}" type="datetime1">
               <a:rPr lang="en-US" smtClean="0"/>
-              <a:t>8/1/2016</a:t>
+              <a:t>8/20/2015</a:t>
             </a:fld>
             <a:endParaRPr lang="en-US"/>
           </a:p>
@@ -989,9 +999,10 @@
           </a:lstStyle>
           <a:p>
             <a:r>
-              <a:rPr lang="en-US"/>
+              <a:rPr lang="en-US" smtClean="0"/>
               <a:t>Click to edit Master title style</a:t>
             </a:r>
+            <a:endParaRPr lang="en-US"/>
           </a:p>
         </p:txBody>
       </p:sp>
@@ -1045,37 +1056,38 @@
           <a:p>
             <a:pPr lvl="0"/>
             <a:r>
-              <a:rPr lang="en-US"/>
+              <a:rPr lang="en-US" smtClean="0"/>
               <a:t>Click to edit Master text styles</a:t>
             </a:r>
           </a:p>
           <a:p>
             <a:pPr lvl="1"/>
             <a:r>
-              <a:rPr lang="en-US"/>
+              <a:rPr lang="en-US" smtClean="0"/>
               <a:t>Second level</a:t>
             </a:r>
           </a:p>
           <a:p>
             <a:pPr lvl="2"/>
             <a:r>
-              <a:rPr lang="en-US"/>
+              <a:rPr lang="en-US" smtClean="0"/>
               <a:t>Third level</a:t>
             </a:r>
           </a:p>
           <a:p>
             <a:pPr lvl="3"/>
             <a:r>
-              <a:rPr lang="en-US"/>
+              <a:rPr lang="en-US" smtClean="0"/>
               <a:t>Fourth level</a:t>
             </a:r>
           </a:p>
           <a:p>
             <a:pPr lvl="4"/>
             <a:r>
-              <a:rPr lang="en-US"/>
+              <a:rPr lang="en-US" smtClean="0"/>
               <a:t>Fifth level</a:t>
             </a:r>
+            <a:endParaRPr lang="en-US"/>
           </a:p>
         </p:txBody>
       </p:sp>
@@ -1138,7 +1150,7 @@
           <a:p>
             <a:pPr lvl="0"/>
             <a:r>
-              <a:rPr lang="en-US"/>
+              <a:rPr lang="en-US" smtClean="0"/>
               <a:t>Click to edit Master text styles</a:t>
             </a:r>
           </a:p>
@@ -1161,7 +1173,7 @@
           <a:p>
             <a:fld id="{6E5077B5-BB57-49DB-88CA-226A139E5C01}" type="datetime1">
               <a:rPr lang="en-US" smtClean="0"/>
-              <a:t>8/1/2016</a:t>
+              <a:t>8/20/2015</a:t>
             </a:fld>
             <a:endParaRPr lang="en-US"/>
           </a:p>
@@ -1264,9 +1276,10 @@
           </a:lstStyle>
           <a:p>
             <a:r>
-              <a:rPr lang="en-US"/>
+              <a:rPr lang="en-US" smtClean="0"/>
               <a:t>Click to edit Master title style</a:t>
             </a:r>
+            <a:endParaRPr lang="en-US"/>
           </a:p>
         </p:txBody>
       </p:sp>
@@ -1390,7 +1403,7 @@
           <a:p>
             <a:pPr lvl="0"/>
             <a:r>
-              <a:rPr lang="en-US"/>
+              <a:rPr lang="en-US" smtClean="0"/>
               <a:t>Click to edit Master text styles</a:t>
             </a:r>
           </a:p>
@@ -1413,7 +1426,7 @@
           <a:p>
             <a:fld id="{C48D9447-CBD6-49A1-89FD-8512A8CF8999}" type="datetime1">
               <a:rPr lang="en-US" smtClean="0"/>
-              <a:t>8/1/2016</a:t>
+              <a:t>8/20/2015</a:t>
             </a:fld>
             <a:endParaRPr lang="en-US"/>
           </a:p>
@@ -1507,9 +1520,10 @@
           <a:lstStyle/>
           <a:p>
             <a:r>
-              <a:rPr lang="en-US"/>
+              <a:rPr lang="en-US" smtClean="0"/>
               <a:t>Click to edit Master title style</a:t>
             </a:r>
+            <a:endParaRPr lang="en-US"/>
           </a:p>
         </p:txBody>
       </p:sp>
@@ -1530,37 +1544,38 @@
           <a:p>
             <a:pPr lvl="0"/>
             <a:r>
-              <a:rPr lang="en-US"/>
+              <a:rPr lang="en-US" smtClean="0"/>
               <a:t>Click to edit Master text styles</a:t>
             </a:r>
           </a:p>
           <a:p>
             <a:pPr lvl="1"/>
             <a:r>
-              <a:rPr lang="en-US"/>
+              <a:rPr lang="en-US" smtClean="0"/>
               <a:t>Second level</a:t>
             </a:r>
           </a:p>
           <a:p>
             <a:pPr lvl="2"/>
             <a:r>
-              <a:rPr lang="en-US"/>
+              <a:rPr lang="en-US" smtClean="0"/>
               <a:t>Third level</a:t>
             </a:r>
           </a:p>
           <a:p>
             <a:pPr lvl="3"/>
             <a:r>
-              <a:rPr lang="en-US"/>
+              <a:rPr lang="en-US" smtClean="0"/>
               <a:t>Fourth level</a:t>
             </a:r>
           </a:p>
           <a:p>
             <a:pPr lvl="4"/>
             <a:r>
-              <a:rPr lang="en-US"/>
+              <a:rPr lang="en-US" smtClean="0"/>
               <a:t>Fifth level</a:t>
             </a:r>
+            <a:endParaRPr lang="en-US"/>
           </a:p>
         </p:txBody>
       </p:sp>
@@ -1581,7 +1596,7 @@
           <a:p>
             <a:fld id="{A3639A2A-823D-48B7-9ACE-7FAF42870BA9}" type="datetime1">
               <a:rPr lang="en-US" smtClean="0"/>
-              <a:t>8/1/2016</a:t>
+              <a:t>8/20/2015</a:t>
             </a:fld>
             <a:endParaRPr lang="en-US"/>
           </a:p>
@@ -1680,9 +1695,10 @@
           <a:lstStyle/>
           <a:p>
             <a:r>
-              <a:rPr lang="en-US"/>
+              <a:rPr lang="en-US" smtClean="0"/>
               <a:t>Click to edit Master title style</a:t>
             </a:r>
+            <a:endParaRPr lang="en-US"/>
           </a:p>
         </p:txBody>
       </p:sp>
@@ -1708,37 +1724,38 @@
           <a:p>
             <a:pPr lvl="0"/>
             <a:r>
-              <a:rPr lang="en-US"/>
+              <a:rPr lang="en-US" smtClean="0"/>
               <a:t>Click to edit Master text styles</a:t>
             </a:r>
           </a:p>
           <a:p>
             <a:pPr lvl="1"/>
             <a:r>
-              <a:rPr lang="en-US"/>
+              <a:rPr lang="en-US" smtClean="0"/>
               <a:t>Second level</a:t>
             </a:r>
           </a:p>
           <a:p>
             <a:pPr lvl="2"/>
             <a:r>
-              <a:rPr lang="en-US"/>
+              <a:rPr lang="en-US" smtClean="0"/>
               <a:t>Third level</a:t>
             </a:r>
           </a:p>
           <a:p>
             <a:pPr lvl="3"/>
             <a:r>
-              <a:rPr lang="en-US"/>
+              <a:rPr lang="en-US" smtClean="0"/>
               <a:t>Fourth level</a:t>
             </a:r>
           </a:p>
           <a:p>
             <a:pPr lvl="4"/>
             <a:r>
-              <a:rPr lang="en-US"/>
+              <a:rPr lang="en-US" smtClean="0"/>
               <a:t>Fifth level</a:t>
             </a:r>
+            <a:endParaRPr lang="en-US"/>
           </a:p>
         </p:txBody>
       </p:sp>
@@ -1759,7 +1776,7 @@
           <a:p>
             <a:fld id="{ED1B6996-82E9-463C-972C-7B56056E426C}" type="datetime1">
               <a:rPr lang="en-US" smtClean="0"/>
-              <a:t>8/1/2016</a:t>
+              <a:t>8/20/2015</a:t>
             </a:fld>
             <a:endParaRPr lang="en-US"/>
           </a:p>
@@ -1853,9 +1870,10 @@
           <a:lstStyle/>
           <a:p>
             <a:r>
-              <a:rPr lang="en-US"/>
+              <a:rPr lang="en-US" smtClean="0"/>
               <a:t>Click to edit Master title style</a:t>
             </a:r>
+            <a:endParaRPr lang="en-US"/>
           </a:p>
         </p:txBody>
       </p:sp>
@@ -1877,7 +1895,7 @@
             <a:fld id="{CBE6DF32-C57F-4EA4-9518-EB5F320F182D}" type="datetimeFigureOut">
               <a:rPr lang="en-US" smtClean="0"/>
               <a:pPr/>
-              <a:t>8/1/2016</a:t>
+              <a:t>8/20/2015</a:t>
             </a:fld>
             <a:endParaRPr lang="en-US"/>
           </a:p>
@@ -2027,9 +2045,10 @@
           <a:lstStyle/>
           <a:p>
             <a:r>
-              <a:rPr lang="en-US" dirty="0"/>
+              <a:rPr lang="en-US" dirty="0" smtClean="0"/>
               <a:t>Click to edit Master title style</a:t>
             </a:r>
+            <a:endParaRPr lang="en-US" dirty="0"/>
           </a:p>
         </p:txBody>
       </p:sp>
@@ -2050,37 +2069,38 @@
           <a:p>
             <a:pPr lvl="0"/>
             <a:r>
-              <a:rPr lang="en-US"/>
+              <a:rPr lang="en-US" smtClean="0"/>
               <a:t>Click to edit Master text styles</a:t>
             </a:r>
           </a:p>
           <a:p>
             <a:pPr lvl="1"/>
             <a:r>
-              <a:rPr lang="en-US"/>
+              <a:rPr lang="en-US" smtClean="0"/>
               <a:t>Second level</a:t>
             </a:r>
           </a:p>
           <a:p>
             <a:pPr lvl="2"/>
             <a:r>
-              <a:rPr lang="en-US"/>
+              <a:rPr lang="en-US" smtClean="0"/>
               <a:t>Third level</a:t>
             </a:r>
           </a:p>
           <a:p>
             <a:pPr lvl="3"/>
             <a:r>
-              <a:rPr lang="en-US"/>
+              <a:rPr lang="en-US" smtClean="0"/>
               <a:t>Fourth level</a:t>
             </a:r>
           </a:p>
           <a:p>
             <a:pPr lvl="4"/>
             <a:r>
-              <a:rPr lang="en-US"/>
+              <a:rPr lang="en-US" smtClean="0"/>
               <a:t>Fifth level</a:t>
             </a:r>
+            <a:endParaRPr lang="en-US"/>
           </a:p>
         </p:txBody>
       </p:sp>
@@ -2101,7 +2121,7 @@
           <a:p>
             <a:fld id="{E22ED4DA-448D-4BB1-B935-CC112220207B}" type="datetime1">
               <a:rPr lang="en-US" smtClean="0"/>
-              <a:t>8/1/2016</a:t>
+              <a:t>8/20/2015</a:t>
             </a:fld>
             <a:endParaRPr lang="en-US"/>
           </a:p>
@@ -2159,6 +2179,13 @@
   <p:clrMapOvr>
     <a:masterClrMapping/>
   </p:clrMapOvr>
+  <p:timing>
+    <p:tnLst>
+      <p:par>
+        <p:cTn id="1" dur="indefinite" restart="never" nodeType="tmRoot"/>
+      </p:par>
+    </p:tnLst>
+  </p:timing>
 </p:sldLayout>
 </file>
 
@@ -2195,9 +2222,10 @@
           <a:lstStyle/>
           <a:p>
             <a:r>
-              <a:rPr lang="en-US"/>
+              <a:rPr lang="en-US" smtClean="0"/>
               <a:t>Click to edit Master title style</a:t>
             </a:r>
+            <a:endParaRPr lang="en-US"/>
           </a:p>
         </p:txBody>
       </p:sp>
@@ -2223,37 +2251,38 @@
           <a:p>
             <a:pPr lvl="0"/>
             <a:r>
-              <a:rPr lang="en-US" dirty="0"/>
+              <a:rPr lang="en-US" dirty="0" smtClean="0"/>
               <a:t>Click to edit Master text styles</a:t>
             </a:r>
           </a:p>
           <a:p>
             <a:pPr lvl="1"/>
             <a:r>
-              <a:rPr lang="en-US" dirty="0"/>
+              <a:rPr lang="en-US" dirty="0" smtClean="0"/>
               <a:t>Second level</a:t>
             </a:r>
           </a:p>
           <a:p>
             <a:pPr lvl="2"/>
             <a:r>
-              <a:rPr lang="en-US" dirty="0"/>
+              <a:rPr lang="en-US" dirty="0" smtClean="0"/>
               <a:t>Third level</a:t>
             </a:r>
           </a:p>
           <a:p>
             <a:pPr lvl="3"/>
             <a:r>
-              <a:rPr lang="en-US" dirty="0"/>
+              <a:rPr lang="en-US" dirty="0" smtClean="0"/>
               <a:t>Fourth level</a:t>
             </a:r>
           </a:p>
           <a:p>
             <a:pPr lvl="4"/>
             <a:r>
-              <a:rPr lang="en-US" dirty="0"/>
+              <a:rPr lang="en-US" dirty="0" smtClean="0"/>
               <a:t>Fifth level</a:t>
             </a:r>
+            <a:endParaRPr lang="en-US" dirty="0"/>
           </a:p>
         </p:txBody>
       </p:sp>
@@ -2274,7 +2303,7 @@
           <a:p>
             <a:fld id="{E22ED4DA-448D-4BB1-B935-CC112220207B}" type="datetime1">
               <a:rPr lang="en-US" smtClean="0"/>
-              <a:t>8/1/2016</a:t>
+              <a:t>8/20/2015</a:t>
             </a:fld>
             <a:endParaRPr lang="en-US"/>
           </a:p>
@@ -2364,7 +2393,7 @@
           <a:lstStyle/>
           <a:p>
             <a:pPr algn="ctr"/>
-            <a:endParaRPr lang="en-US" dirty="0">
+            <a:endParaRPr lang="en-US" dirty="0" smtClean="0">
               <a:solidFill>
                 <a:schemeClr val="tx1"/>
               </a:solidFill>
@@ -2395,11 +2424,11 @@
           <a:lstStyle/>
           <a:p>
             <a:r>
-              <a:rPr lang="en-US" dirty="0"/>
+              <a:rPr lang="en-US" dirty="0" smtClean="0"/>
               <a:t>Resize video to this</a:t>
             </a:r>
             <a:r>
-              <a:rPr lang="en-US" baseline="0" dirty="0"/>
+              <a:rPr lang="en-US" baseline="0" dirty="0" smtClean="0"/>
               <a:t> box.</a:t>
             </a:r>
             <a:endParaRPr lang="en-US" dirty="0"/>
@@ -2416,6 +2445,13 @@
   <p:clrMapOvr>
     <a:masterClrMapping/>
   </p:clrMapOvr>
+  <p:timing>
+    <p:tnLst>
+      <p:par>
+        <p:cTn id="1" dur="indefinite" restart="never" nodeType="tmRoot"/>
+      </p:par>
+    </p:tnLst>
+  </p:timing>
 </p:sldLayout>
 </file>
 
@@ -2452,9 +2488,10 @@
           <a:lstStyle/>
           <a:p>
             <a:r>
-              <a:rPr lang="en-US"/>
+              <a:rPr lang="en-US" smtClean="0"/>
               <a:t>Click to edit Master title style</a:t>
             </a:r>
+            <a:endParaRPr lang="en-US"/>
           </a:p>
         </p:txBody>
       </p:sp>
@@ -2483,37 +2520,38 @@
           <a:p>
             <a:pPr lvl="0"/>
             <a:r>
-              <a:rPr lang="en-US" dirty="0"/>
+              <a:rPr lang="en-US" dirty="0" smtClean="0"/>
               <a:t>Click to edit Master text styles</a:t>
             </a:r>
           </a:p>
           <a:p>
             <a:pPr lvl="1"/>
             <a:r>
-              <a:rPr lang="en-US" dirty="0"/>
+              <a:rPr lang="en-US" dirty="0" smtClean="0"/>
               <a:t>Second level</a:t>
             </a:r>
           </a:p>
           <a:p>
             <a:pPr lvl="2"/>
             <a:r>
-              <a:rPr lang="en-US" dirty="0"/>
+              <a:rPr lang="en-US" dirty="0" smtClean="0"/>
               <a:t>Third level</a:t>
             </a:r>
           </a:p>
           <a:p>
             <a:pPr lvl="3"/>
             <a:r>
-              <a:rPr lang="en-US" dirty="0"/>
+              <a:rPr lang="en-US" dirty="0" smtClean="0"/>
               <a:t>Fourth level</a:t>
             </a:r>
           </a:p>
           <a:p>
             <a:pPr lvl="4"/>
             <a:r>
-              <a:rPr lang="en-US" dirty="0"/>
+              <a:rPr lang="en-US" dirty="0" smtClean="0"/>
               <a:t>Fifth level</a:t>
             </a:r>
+            <a:endParaRPr lang="en-US" dirty="0"/>
           </a:p>
         </p:txBody>
       </p:sp>
@@ -2534,7 +2572,7 @@
           <a:p>
             <a:fld id="{FF5D65A6-AB94-4435-B0B7-3743215FA46C}" type="datetime1">
               <a:rPr lang="en-US" smtClean="0"/>
-              <a:t>8/1/2016</a:t>
+              <a:t>8/20/2015</a:t>
             </a:fld>
             <a:endParaRPr lang="en-US"/>
           </a:p>
@@ -2592,6 +2630,13 @@
   <p:clrMapOvr>
     <a:masterClrMapping/>
   </p:clrMapOvr>
+  <p:timing>
+    <p:tnLst>
+      <p:par>
+        <p:cTn id="1" dur="indefinite" restart="never" nodeType="tmRoot"/>
+      </p:par>
+    </p:tnLst>
+  </p:timing>
 </p:sldLayout>
 </file>
 
@@ -2628,9 +2673,10 @@
           <a:lstStyle/>
           <a:p>
             <a:r>
-              <a:rPr lang="en-US"/>
+              <a:rPr lang="en-US" smtClean="0"/>
               <a:t>Click to edit Master title style</a:t>
             </a:r>
+            <a:endParaRPr lang="en-US"/>
           </a:p>
         </p:txBody>
       </p:sp>
@@ -2659,37 +2705,38 @@
           <a:p>
             <a:pPr lvl="0"/>
             <a:r>
-              <a:rPr lang="en-US" dirty="0"/>
+              <a:rPr lang="en-US" dirty="0" smtClean="0"/>
               <a:t>Click to edit Master text styles</a:t>
             </a:r>
           </a:p>
           <a:p>
             <a:pPr lvl="1"/>
             <a:r>
-              <a:rPr lang="en-US" dirty="0"/>
+              <a:rPr lang="en-US" dirty="0" smtClean="0"/>
               <a:t>Second level</a:t>
             </a:r>
           </a:p>
           <a:p>
             <a:pPr lvl="2"/>
             <a:r>
-              <a:rPr lang="en-US" dirty="0"/>
+              <a:rPr lang="en-US" dirty="0" smtClean="0"/>
               <a:t>Third level</a:t>
             </a:r>
           </a:p>
           <a:p>
             <a:pPr lvl="3"/>
             <a:r>
-              <a:rPr lang="en-US" dirty="0"/>
+              <a:rPr lang="en-US" dirty="0" smtClean="0"/>
               <a:t>Fourth level</a:t>
             </a:r>
           </a:p>
           <a:p>
             <a:pPr lvl="4"/>
             <a:r>
-              <a:rPr lang="en-US" dirty="0"/>
+              <a:rPr lang="en-US" dirty="0" smtClean="0"/>
               <a:t>Fifth level</a:t>
             </a:r>
+            <a:endParaRPr lang="en-US" dirty="0"/>
           </a:p>
         </p:txBody>
       </p:sp>
@@ -2710,7 +2757,7 @@
           <a:p>
             <a:fld id="{FF5D65A6-AB94-4435-B0B7-3743215FA46C}" type="datetime1">
               <a:rPr lang="en-US" smtClean="0"/>
-              <a:t>8/1/2016</a:t>
+              <a:t>8/20/2015</a:t>
             </a:fld>
             <a:endParaRPr lang="en-US"/>
           </a:p>
@@ -2817,6 +2864,13 @@
   <p:clrMapOvr>
     <a:masterClrMapping/>
   </p:clrMapOvr>
+  <p:timing>
+    <p:tnLst>
+      <p:par>
+        <p:cTn id="1" dur="indefinite" restart="never" nodeType="tmRoot"/>
+      </p:par>
+    </p:tnLst>
+  </p:timing>
 </p:sldLayout>
 </file>
 
@@ -2862,9 +2916,10 @@
           </a:lstStyle>
           <a:p>
             <a:r>
-              <a:rPr lang="en-US"/>
+              <a:rPr lang="en-US" smtClean="0"/>
               <a:t>Click to edit Master title style</a:t>
             </a:r>
+            <a:endParaRPr lang="en-US"/>
           </a:p>
         </p:txBody>
       </p:sp>
@@ -2981,7 +3036,7 @@
           <a:p>
             <a:pPr lvl="0"/>
             <a:r>
-              <a:rPr lang="en-US"/>
+              <a:rPr lang="en-US" smtClean="0"/>
               <a:t>Click to edit Master text styles</a:t>
             </a:r>
           </a:p>
@@ -3004,7 +3059,7 @@
           <a:p>
             <a:fld id="{7C193DC4-6EF0-48C9-B29C-616106A645E1}" type="datetime1">
               <a:rPr lang="en-US" smtClean="0"/>
-              <a:t>8/1/2016</a:t>
+              <a:t>8/20/2015</a:t>
             </a:fld>
             <a:endParaRPr lang="en-US"/>
           </a:p>
@@ -3098,9 +3153,10 @@
           <a:lstStyle/>
           <a:p>
             <a:r>
-              <a:rPr lang="en-US"/>
+              <a:rPr lang="en-US" smtClean="0"/>
               <a:t>Click to edit Master title style</a:t>
             </a:r>
+            <a:endParaRPr lang="en-US"/>
           </a:p>
         </p:txBody>
       </p:sp>
@@ -3154,37 +3210,38 @@
           <a:p>
             <a:pPr lvl="0"/>
             <a:r>
-              <a:rPr lang="en-US"/>
+              <a:rPr lang="en-US" smtClean="0"/>
               <a:t>Click to edit Master text styles</a:t>
             </a:r>
           </a:p>
           <a:p>
             <a:pPr lvl="1"/>
             <a:r>
-              <a:rPr lang="en-US"/>
+              <a:rPr lang="en-US" smtClean="0"/>
               <a:t>Second level</a:t>
             </a:r>
           </a:p>
           <a:p>
             <a:pPr lvl="2"/>
             <a:r>
-              <a:rPr lang="en-US"/>
+              <a:rPr lang="en-US" smtClean="0"/>
               <a:t>Third level</a:t>
             </a:r>
           </a:p>
           <a:p>
             <a:pPr lvl="3"/>
             <a:r>
-              <a:rPr lang="en-US"/>
+              <a:rPr lang="en-US" smtClean="0"/>
               <a:t>Fourth level</a:t>
             </a:r>
           </a:p>
           <a:p>
             <a:pPr lvl="4"/>
             <a:r>
-              <a:rPr lang="en-US"/>
+              <a:rPr lang="en-US" smtClean="0"/>
               <a:t>Fifth level</a:t>
             </a:r>
+            <a:endParaRPr lang="en-US"/>
           </a:p>
         </p:txBody>
       </p:sp>
@@ -3238,37 +3295,38 @@
           <a:p>
             <a:pPr lvl="0"/>
             <a:r>
-              <a:rPr lang="en-US"/>
+              <a:rPr lang="en-US" smtClean="0"/>
               <a:t>Click to edit Master text styles</a:t>
             </a:r>
           </a:p>
           <a:p>
             <a:pPr lvl="1"/>
             <a:r>
-              <a:rPr lang="en-US"/>
+              <a:rPr lang="en-US" smtClean="0"/>
               <a:t>Second level</a:t>
             </a:r>
           </a:p>
           <a:p>
             <a:pPr lvl="2"/>
             <a:r>
-              <a:rPr lang="en-US"/>
+              <a:rPr lang="en-US" smtClean="0"/>
               <a:t>Third level</a:t>
             </a:r>
           </a:p>
           <a:p>
             <a:pPr lvl="3"/>
             <a:r>
-              <a:rPr lang="en-US"/>
+              <a:rPr lang="en-US" smtClean="0"/>
               <a:t>Fourth level</a:t>
             </a:r>
           </a:p>
           <a:p>
             <a:pPr lvl="4"/>
             <a:r>
-              <a:rPr lang="en-US"/>
+              <a:rPr lang="en-US" smtClean="0"/>
               <a:t>Fifth level</a:t>
             </a:r>
+            <a:endParaRPr lang="en-US"/>
           </a:p>
         </p:txBody>
       </p:sp>
@@ -3289,7 +3347,7 @@
           <a:p>
             <a:fld id="{5D1846AD-9252-4647-9435-4C2AC365653A}" type="datetime1">
               <a:rPr lang="en-US" smtClean="0"/>
-              <a:t>8/1/2016</a:t>
+              <a:t>8/20/2015</a:t>
             </a:fld>
             <a:endParaRPr lang="en-US"/>
           </a:p>
@@ -3387,9 +3445,10 @@
           </a:lstStyle>
           <a:p>
             <a:r>
-              <a:rPr lang="en-US"/>
+              <a:rPr lang="en-US" smtClean="0"/>
               <a:t>Click to edit Master title style</a:t>
             </a:r>
+            <a:endParaRPr lang="en-US"/>
           </a:p>
         </p:txBody>
       </p:sp>
@@ -3452,7 +3511,7 @@
           <a:p>
             <a:pPr lvl="0"/>
             <a:r>
-              <a:rPr lang="en-US"/>
+              <a:rPr lang="en-US" smtClean="0"/>
               <a:t>Click to edit Master text styles</a:t>
             </a:r>
           </a:p>
@@ -3508,37 +3567,38 @@
           <a:p>
             <a:pPr lvl="0"/>
             <a:r>
-              <a:rPr lang="en-US"/>
+              <a:rPr lang="en-US" smtClean="0"/>
               <a:t>Click to edit Master text styles</a:t>
             </a:r>
           </a:p>
           <a:p>
             <a:pPr lvl="1"/>
             <a:r>
-              <a:rPr lang="en-US"/>
+              <a:rPr lang="en-US" smtClean="0"/>
               <a:t>Second level</a:t>
             </a:r>
           </a:p>
           <a:p>
             <a:pPr lvl="2"/>
             <a:r>
-              <a:rPr lang="en-US"/>
+              <a:rPr lang="en-US" smtClean="0"/>
               <a:t>Third level</a:t>
             </a:r>
           </a:p>
           <a:p>
             <a:pPr lvl="3"/>
             <a:r>
-              <a:rPr lang="en-US"/>
+              <a:rPr lang="en-US" smtClean="0"/>
               <a:t>Fourth level</a:t>
             </a:r>
           </a:p>
           <a:p>
             <a:pPr lvl="4"/>
             <a:r>
-              <a:rPr lang="en-US"/>
+              <a:rPr lang="en-US" smtClean="0"/>
               <a:t>Fifth level</a:t>
             </a:r>
+            <a:endParaRPr lang="en-US"/>
           </a:p>
         </p:txBody>
       </p:sp>
@@ -3601,7 +3661,7 @@
           <a:p>
             <a:pPr lvl="0"/>
             <a:r>
-              <a:rPr lang="en-US"/>
+              <a:rPr lang="en-US" smtClean="0"/>
               <a:t>Click to edit Master text styles</a:t>
             </a:r>
           </a:p>
@@ -3657,37 +3717,38 @@
           <a:p>
             <a:pPr lvl="0"/>
             <a:r>
-              <a:rPr lang="en-US"/>
+              <a:rPr lang="en-US" smtClean="0"/>
               <a:t>Click to edit Master text styles</a:t>
             </a:r>
           </a:p>
           <a:p>
             <a:pPr lvl="1"/>
             <a:r>
-              <a:rPr lang="en-US"/>
+              <a:rPr lang="en-US" smtClean="0"/>
               <a:t>Second level</a:t>
             </a:r>
           </a:p>
           <a:p>
             <a:pPr lvl="2"/>
             <a:r>
-              <a:rPr lang="en-US"/>
+              <a:rPr lang="en-US" smtClean="0"/>
               <a:t>Third level</a:t>
             </a:r>
           </a:p>
           <a:p>
             <a:pPr lvl="3"/>
             <a:r>
-              <a:rPr lang="en-US"/>
+              <a:rPr lang="en-US" smtClean="0"/>
               <a:t>Fourth level</a:t>
             </a:r>
           </a:p>
           <a:p>
             <a:pPr lvl="4"/>
             <a:r>
-              <a:rPr lang="en-US"/>
+              <a:rPr lang="en-US" smtClean="0"/>
               <a:t>Fifth level</a:t>
             </a:r>
+            <a:endParaRPr lang="en-US"/>
           </a:p>
         </p:txBody>
       </p:sp>
@@ -3708,7 +3769,7 @@
           <a:p>
             <a:fld id="{CE56DC10-3561-4063-A6AF-C1CC7A41040A}" type="datetime1">
               <a:rPr lang="en-US" smtClean="0"/>
-              <a:t>8/1/2016</a:t>
+              <a:t>8/20/2015</a:t>
             </a:fld>
             <a:endParaRPr lang="en-US"/>
           </a:p>
@@ -3802,9 +3863,10 @@
           <a:lstStyle/>
           <a:p>
             <a:r>
-              <a:rPr lang="en-US"/>
+              <a:rPr lang="en-US" smtClean="0"/>
               <a:t>Click to edit Master title style</a:t>
             </a:r>
+            <a:endParaRPr lang="en-US"/>
           </a:p>
         </p:txBody>
       </p:sp>
@@ -3825,7 +3887,7 @@
           <a:p>
             <a:fld id="{2F7B77F5-1464-4F6B-92A8-64FC8A508293}" type="datetime1">
               <a:rPr lang="en-US" smtClean="0"/>
-              <a:t>8/1/2016</a:t>
+              <a:t>8/20/2015</a:t>
             </a:fld>
             <a:endParaRPr lang="en-US"/>
           </a:p>
@@ -3883,6 +3945,13 @@
   <p:clrMapOvr>
     <a:masterClrMapping/>
   </p:clrMapOvr>
+  <p:timing>
+    <p:tnLst>
+      <p:par>
+        <p:cTn id="1" dur="indefinite" restart="never" nodeType="tmRoot"/>
+      </p:par>
+    </p:tnLst>
+  </p:timing>
 </p:sldLayout>
 </file>
 
@@ -3946,9 +4015,10 @@
           <a:lstStyle/>
           <a:p>
             <a:r>
-              <a:rPr lang="en-US"/>
+              <a:rPr lang="en-US" smtClean="0"/>
               <a:t>Click to edit Master title style</a:t>
             </a:r>
+            <a:endParaRPr lang="en-US"/>
           </a:p>
         </p:txBody>
       </p:sp>
@@ -3979,37 +4049,38 @@
           <a:p>
             <a:pPr lvl="0"/>
             <a:r>
-              <a:rPr lang="en-US"/>
+              <a:rPr lang="en-US" smtClean="0"/>
               <a:t>Click to edit Master text styles</a:t>
             </a:r>
           </a:p>
           <a:p>
             <a:pPr lvl="1"/>
             <a:r>
-              <a:rPr lang="en-US"/>
+              <a:rPr lang="en-US" smtClean="0"/>
               <a:t>Second level</a:t>
             </a:r>
           </a:p>
           <a:p>
             <a:pPr lvl="2"/>
             <a:r>
-              <a:rPr lang="en-US"/>
+              <a:rPr lang="en-US" smtClean="0"/>
               <a:t>Third level</a:t>
             </a:r>
           </a:p>
           <a:p>
             <a:pPr lvl="3"/>
             <a:r>
-              <a:rPr lang="en-US"/>
+              <a:rPr lang="en-US" smtClean="0"/>
               <a:t>Fourth level</a:t>
             </a:r>
           </a:p>
           <a:p>
             <a:pPr lvl="4"/>
             <a:r>
-              <a:rPr lang="en-US"/>
+              <a:rPr lang="en-US" smtClean="0"/>
               <a:t>Fifth level</a:t>
             </a:r>
+            <a:endParaRPr lang="en-US"/>
           </a:p>
         </p:txBody>
       </p:sp>
@@ -4048,7 +4119,7 @@
           <a:p>
             <a:fld id="{02B3F677-983B-48DB-ADFD-63FE6CBC7FB2}" type="datetime1">
               <a:rPr lang="en-US" smtClean="0"/>
-              <a:t>8/1/2016</a:t>
+              <a:t>8/20/2015</a:t>
             </a:fld>
             <a:endParaRPr lang="en-US"/>
           </a:p>
@@ -4157,6 +4228,13 @@
     <p:sldLayoutId id="2147483675" r:id="rId14"/>
     <p:sldLayoutId id="2147483660" r:id="rId15"/>
   </p:sldLayoutIdLst>
+  <p:timing>
+    <p:tnLst>
+      <p:par>
+        <p:cTn id="1" dur="indefinite" restart="never" nodeType="tmRoot"/>
+      </p:par>
+    </p:tnLst>
+  </p:timing>
   <p:hf hdr="0" ftr="0" dt="0"/>
   <p:txStyles>
     <p:titleStyle>
@@ -4444,17 +4522,18 @@
           <a:lstStyle/>
           <a:p>
             <a:r>
-              <a:rPr lang="en-US" dirty="0"/>
+              <a:rPr lang="en-US" dirty="0" smtClean="0"/>
               <a:t>Two </a:t>
             </a:r>
             <a:r>
-              <a:rPr lang="en-US" dirty="0" err="1"/>
+              <a:rPr lang="en-US" dirty="0" err="1" smtClean="0"/>
               <a:t>Draggable</a:t>
             </a:r>
             <a:r>
-              <a:rPr lang="en-US" dirty="0"/>
+              <a:rPr lang="en-US" dirty="0" smtClean="0"/>
               <a:t> Cats</a:t>
             </a:r>
+            <a:endParaRPr lang="en-US" dirty="0"/>
           </a:p>
         </p:txBody>
       </p:sp>
@@ -4474,24 +4553,24 @@
           <a:lstStyle/>
           <a:p>
             <a:r>
-              <a:rPr lang="en-US" dirty="0"/>
+              <a:rPr lang="en-US" dirty="0" smtClean="0"/>
               <a:t>CS 5010 Program Design Paradigms “</a:t>
             </a:r>
             <a:r>
-              <a:rPr lang="en-US" dirty="0" err="1"/>
+              <a:rPr lang="en-US" dirty="0" err="1" smtClean="0"/>
               <a:t>Bootcamp</a:t>
             </a:r>
             <a:r>
-              <a:rPr lang="en-US" dirty="0"/>
+              <a:rPr lang="en-US" dirty="0" smtClean="0"/>
               <a:t>”</a:t>
             </a:r>
           </a:p>
           <a:p>
             <a:r>
-              <a:rPr lang="en-US"/>
+              <a:rPr lang="en-US" smtClean="0"/>
               <a:t>Lesson 3.4</a:t>
             </a:r>
-            <a:endParaRPr lang="en-US" dirty="0"/>
+            <a:endParaRPr lang="en-US" dirty="0" smtClean="0"/>
           </a:p>
           <a:p>
             <a:endParaRPr lang="en-US" dirty="0"/>
@@ -4549,29 +4628,29 @@
           <a:lstStyle/>
           <a:p>
             <a:r>
-              <a:rPr lang="en-US"/>
+              <a:rPr lang="en-US" smtClean="0"/>
               <a:t>TexPoint fonts used in EMF. </a:t>
             </a:r>
           </a:p>
           <a:p>
             <a:r>
-              <a:rPr lang="en-US"/>
+              <a:rPr lang="en-US" smtClean="0"/>
               <a:t>Read the TexPoint manual before you delete this box.: </a:t>
             </a:r>
             <a:r>
-              <a:rPr lang="en-US">
+              <a:rPr lang="en-US" smtClean="0">
                 <a:latin typeface="CMMI10"/>
               </a:rPr>
               <a:t>A</a:t>
             </a:r>
             <a:r>
-              <a:rPr lang="en-US">
+              <a:rPr lang="en-US" smtClean="0">
                 <a:latin typeface="CMR10"/>
               </a:rPr>
               <a:t>A</a:t>
             </a:r>
             <a:r>
-              <a:rPr lang="en-US">
+              <a:rPr lang="en-US" smtClean="0">
                 <a:latin typeface="CMSY10ORIG"/>
               </a:rPr>
               <a:t>A</a:t>
@@ -4648,13 +4727,27 @@
             <a:p>
               <a:r>
                 <a:rPr lang="en-US" sz="1000" dirty="0"/>
-                <a:t>© Mitchell Wand, 2012-2014</a:t>
+                <a:t>© Mitchell Wand, </a:t>
+              </a:r>
+              <a:r>
+                <a:rPr lang="en-US" sz="1000" dirty="0" smtClean="0"/>
+                <a:t>2012-2014</a:t>
               </a:r>
             </a:p>
             <a:p>
               <a:r>
-                <a:rPr lang="en-US" sz="1000" dirty="0"/>
+                <a:rPr lang="en-US" sz="1000" dirty="0" smtClean="0"/>
                 <a:t>This work is licensed under a </a:t>
+              </a:r>
+              <a:r>
+                <a:rPr lang="en-US" altLang="en-US" sz="1000" dirty="0" smtClean="0">
+                  <a:solidFill>
+                    <a:srgbClr val="4374B7"/>
+                  </a:solidFill>
+                  <a:latin typeface="Helvetica Neue"/>
+                  <a:hlinkClick r:id="rId5"/>
+                </a:rPr>
+                <a:t>Creative </a:t>
               </a:r>
               <a:r>
                 <a:rPr lang="en-US" altLang="en-US" sz="1000" dirty="0">
@@ -4664,7 +4757,7 @@
                   <a:latin typeface="Helvetica Neue"/>
                   <a:hlinkClick r:id="rId5"/>
                 </a:rPr>
-                <a:t>Creative Commons Attribution-</a:t>
+                <a:t>Commons Attribution-</a:t>
               </a:r>
               <a:r>
                 <a:rPr lang="en-US" altLang="en-US" sz="1000" dirty="0" err="1">
@@ -4687,9 +4780,10 @@
                 <a:t> 4.0 International License</a:t>
               </a:r>
               <a:r>
-                <a:rPr lang="en-US" sz="1000" dirty="0"/>
+                <a:rPr lang="en-US" sz="1000" dirty="0" smtClean="0"/>
                 <a:t>.</a:t>
               </a:r>
+              <a:endParaRPr lang="en-US" sz="1000" dirty="0"/>
             </a:p>
           </p:txBody>
         </p:sp>
@@ -4699,6 +4793,13 @@
   <p:clrMapOvr>
     <a:masterClrMapping/>
   </p:clrMapOvr>
+  <p:timing>
+    <p:tnLst>
+      <p:par>
+        <p:cTn id="1" dur="indefinite" restart="never" nodeType="tmRoot"/>
+      </p:par>
+    </p:tnLst>
+  </p:timing>
 </p:sld>
 </file>
 
@@ -4735,9 +4836,10 @@
           <a:lstStyle/>
           <a:p>
             <a:r>
-              <a:rPr lang="en-US" dirty="0"/>
+              <a:rPr lang="en-US" dirty="0" smtClean="0"/>
               <a:t>Follow the template!</a:t>
             </a:r>
+            <a:endParaRPr lang="en-US" dirty="0"/>
           </a:p>
         </p:txBody>
       </p:sp>
@@ -4757,21 +4859,22 @@
           <a:lstStyle/>
           <a:p>
             <a:r>
-              <a:rPr lang="en-US" dirty="0"/>
+              <a:rPr lang="en-US" dirty="0" smtClean="0"/>
               <a:t>If your world has some cats in it, then your world function will just call a cat function on each cat.</a:t>
             </a:r>
           </a:p>
           <a:p>
             <a:r>
-              <a:rPr lang="en-US" dirty="0"/>
+              <a:rPr lang="en-US" dirty="0" smtClean="0"/>
               <a:t>The structure of your program will follow the structure of your data definitions.</a:t>
             </a:r>
           </a:p>
           <a:p>
             <a:r>
-              <a:rPr lang="en-US" dirty="0"/>
+              <a:rPr lang="en-US" dirty="0" smtClean="0"/>
               <a:t>Let's watch this at work:</a:t>
             </a:r>
+            <a:endParaRPr lang="en-US" dirty="0"/>
           </a:p>
         </p:txBody>
       </p:sp>
@@ -4821,9 +4924,10 @@
           <a:lstStyle/>
           <a:p>
             <a:r>
-              <a:rPr lang="en-US" dirty="0"/>
+              <a:rPr lang="en-US" dirty="0" smtClean="0"/>
               <a:t>world-after-tick</a:t>
             </a:r>
+            <a:endParaRPr lang="en-US" dirty="0"/>
           </a:p>
         </p:txBody>
       </p:sp>
@@ -4876,7 +4980,28 @@
                 <a:latin typeface="Consolas" pitchFamily="49" charset="0"/>
                 <a:cs typeface="Consolas" pitchFamily="49" charset="0"/>
               </a:rPr>
-              <a:t>;; RETURNS: the world that should follow the</a:t>
+              <a:t>;; </a:t>
+            </a:r>
+            <a:r>
+              <a:rPr lang="en-US" b="1" dirty="0" smtClean="0">
+                <a:latin typeface="Consolas" pitchFamily="49" charset="0"/>
+                <a:cs typeface="Consolas" pitchFamily="49" charset="0"/>
+              </a:rPr>
+              <a:t>RETURNS: </a:t>
+            </a:r>
+            <a:r>
+              <a:rPr lang="en-US" b="1" dirty="0">
+                <a:latin typeface="Consolas" pitchFamily="49" charset="0"/>
+                <a:cs typeface="Consolas" pitchFamily="49" charset="0"/>
+              </a:rPr>
+              <a:t>the world that should follow </a:t>
+            </a:r>
+            <a:r>
+              <a:rPr lang="en-US" b="1" dirty="0" smtClean="0">
+                <a:latin typeface="Consolas" pitchFamily="49" charset="0"/>
+                <a:cs typeface="Consolas" pitchFamily="49" charset="0"/>
+              </a:rPr>
+              <a:t>the</a:t>
             </a:r>
           </a:p>
           <a:p>
@@ -4890,11 +5015,18 @@
               <a:buNone/>
             </a:pPr>
             <a:r>
+              <a:rPr lang="en-US" b="1" dirty="0" smtClean="0">
+                <a:latin typeface="Consolas" pitchFamily="49" charset="0"/>
+                <a:cs typeface="Consolas" pitchFamily="49" charset="0"/>
+              </a:rPr>
+              <a:t>;; </a:t>
+            </a:r>
+            <a:r>
               <a:rPr lang="en-US" b="1" dirty="0">
                 <a:latin typeface="Consolas" pitchFamily="49" charset="0"/>
                 <a:cs typeface="Consolas" pitchFamily="49" charset="0"/>
               </a:rPr>
-              <a:t>;; given world after a tick</a:t>
+              <a:t>given world after a tick</a:t>
             </a:r>
           </a:p>
           <a:p>
@@ -4912,7 +5044,14 @@
                 <a:latin typeface="Consolas" pitchFamily="49" charset="0"/>
                 <a:cs typeface="Consolas" pitchFamily="49" charset="0"/>
               </a:rPr>
-              <a:t>;; STRATEGY: Use template for World on w</a:t>
+              <a:t>;; </a:t>
+            </a:r>
+            <a:r>
+              <a:rPr lang="en-US" b="1" dirty="0" smtClean="0">
+                <a:latin typeface="Consolas" pitchFamily="49" charset="0"/>
+                <a:cs typeface="Consolas" pitchFamily="49" charset="0"/>
+              </a:rPr>
+              <a:t>STRATEGY: Use template for World on w</a:t>
             </a:r>
           </a:p>
           <a:p>
@@ -5083,12 +5222,16 @@
               <a:buNone/>
             </a:pPr>
             <a:r>
-              <a:rPr lang="en-US" b="1" dirty="0">
+              <a:rPr lang="en-US" b="1" dirty="0" smtClean="0">
                 <a:latin typeface="Consolas" pitchFamily="49" charset="0"/>
                 <a:cs typeface="Consolas" pitchFamily="49" charset="0"/>
               </a:rPr>
               <a:t>      false)))</a:t>
             </a:r>
+            <a:endParaRPr lang="en-US" b="1" dirty="0">
+              <a:latin typeface="Consolas" pitchFamily="49" charset="0"/>
+              <a:cs typeface="Consolas" pitchFamily="49" charset="0"/>
+            </a:endParaRPr>
           </a:p>
           <a:p>
             <a:pPr marL="0" indent="0">
@@ -5137,7 +5280,7 @@
           <a:p>
             <a:pPr algn="ctr"/>
             <a:r>
-              <a:rPr lang="en-US" b="1" dirty="0">
+              <a:rPr lang="en-US" b="1" dirty="0" smtClean="0">
                 <a:solidFill>
                   <a:schemeClr val="tx1"/>
                 </a:solidFill>
@@ -5145,7 +5288,7 @@
               <a:t>(world-cat1 w) </a:t>
             </a:r>
             <a:r>
-              <a:rPr lang="en-US" dirty="0">
+              <a:rPr lang="en-US" dirty="0" smtClean="0">
                 <a:solidFill>
                   <a:schemeClr val="tx1"/>
                 </a:solidFill>
@@ -5201,6 +5344,13 @@
   <p:clrMapOvr>
     <a:masterClrMapping/>
   </p:clrMapOvr>
+  <p:timing>
+    <p:tnLst>
+      <p:par>
+        <p:cTn id="1" dur="indefinite" restart="never" nodeType="tmRoot"/>
+      </p:par>
+    </p:tnLst>
+  </p:timing>
 </p:sld>
 </file>
 
@@ -5237,9 +5387,10 @@
           <a:lstStyle/>
           <a:p>
             <a:r>
-              <a:rPr lang="en-US" dirty="0"/>
+              <a:rPr lang="en-US" dirty="0" smtClean="0"/>
               <a:t>cat-after-tick</a:t>
             </a:r>
+            <a:endParaRPr lang="en-US" dirty="0"/>
           </a:p>
         </p:txBody>
       </p:sp>
@@ -5276,11 +5427,25 @@
               <a:buNone/>
             </a:pPr>
             <a:r>
+              <a:rPr lang="en-US" sz="1800" b="1" dirty="0" smtClean="0">
+                <a:latin typeface="Consolas" pitchFamily="49" charset="0"/>
+                <a:cs typeface="Consolas" pitchFamily="49" charset="0"/>
+              </a:rPr>
+              <a:t>;; RETURNS: the </a:t>
+            </a:r>
+            <a:r>
               <a:rPr lang="en-US" sz="1800" b="1" dirty="0">
                 <a:latin typeface="Consolas" pitchFamily="49" charset="0"/>
                 <a:cs typeface="Consolas" pitchFamily="49" charset="0"/>
               </a:rPr>
-              <a:t>;; RETURNS: the state of the given cat after a tick in an</a:t>
+              <a:t>state of the given cat after a </a:t>
+            </a:r>
+            <a:r>
+              <a:rPr lang="en-US" sz="1800" b="1" dirty="0" smtClean="0">
+                <a:latin typeface="Consolas" pitchFamily="49" charset="0"/>
+                <a:cs typeface="Consolas" pitchFamily="49" charset="0"/>
+              </a:rPr>
+              <a:t>tick in an</a:t>
             </a:r>
           </a:p>
           <a:p>
@@ -5288,26 +5453,30 @@
               <a:buNone/>
             </a:pPr>
             <a:r>
-              <a:rPr lang="en-US" sz="1800" b="1" dirty="0">
+              <a:rPr lang="en-US" sz="1800" b="1" dirty="0" smtClean="0">
                 <a:latin typeface="Consolas" pitchFamily="49" charset="0"/>
                 <a:cs typeface="Consolas" pitchFamily="49" charset="0"/>
               </a:rPr>
               <a:t>;; </a:t>
             </a:r>
             <a:r>
-              <a:rPr lang="en-US" sz="1800" b="1" dirty="0" err="1">
+              <a:rPr lang="en-US" sz="1800" b="1" dirty="0" err="1" smtClean="0">
                 <a:latin typeface="Consolas" pitchFamily="49" charset="0"/>
                 <a:cs typeface="Consolas" pitchFamily="49" charset="0"/>
               </a:rPr>
               <a:t>unpaused</a:t>
             </a:r>
             <a:r>
-              <a:rPr lang="en-US" sz="1800" b="1" dirty="0">
+              <a:rPr lang="en-US" sz="1800" b="1" dirty="0" smtClean="0">
                 <a:latin typeface="Consolas" pitchFamily="49" charset="0"/>
                 <a:cs typeface="Consolas" pitchFamily="49" charset="0"/>
               </a:rPr>
               <a:t> world.</a:t>
             </a:r>
+            <a:endParaRPr lang="en-US" sz="1800" b="1" dirty="0">
+              <a:latin typeface="Consolas" pitchFamily="49" charset="0"/>
+              <a:cs typeface="Consolas" pitchFamily="49" charset="0"/>
+            </a:endParaRPr>
           </a:p>
           <a:p>
             <a:pPr marL="0" indent="0">
@@ -5327,8 +5496,19 @@
                 <a:latin typeface="Consolas" pitchFamily="49" charset="0"/>
                 <a:cs typeface="Consolas" pitchFamily="49" charset="0"/>
               </a:rPr>
-              <a:t>;; EXAMPLES: </a:t>
-            </a:r>
+              <a:t>;; </a:t>
+            </a:r>
+            <a:r>
+              <a:rPr lang="en-US" sz="1800" b="1" dirty="0" smtClean="0">
+                <a:latin typeface="Consolas" pitchFamily="49" charset="0"/>
+                <a:cs typeface="Consolas" pitchFamily="49" charset="0"/>
+              </a:rPr>
+              <a:t>EXAMPLES: </a:t>
+            </a:r>
+            <a:endParaRPr lang="en-US" sz="1800" b="1" dirty="0">
+              <a:latin typeface="Consolas" pitchFamily="49" charset="0"/>
+              <a:cs typeface="Consolas" pitchFamily="49" charset="0"/>
+            </a:endParaRPr>
           </a:p>
           <a:p>
             <a:pPr marL="0" indent="0">
@@ -5375,7 +5555,14 @@
                 <a:latin typeface="Consolas" pitchFamily="49" charset="0"/>
                 <a:cs typeface="Consolas" pitchFamily="49" charset="0"/>
               </a:rPr>
-              <a:t>;; (cat-after-tick unselected-cat-at-20) = unselected-cat-at-28</a:t>
+              <a:t>;; (cat-after-tick unselected-cat-at-20) = </a:t>
+            </a:r>
+            <a:r>
+              <a:rPr lang="en-US" sz="1800" b="1" dirty="0" smtClean="0">
+                <a:latin typeface="Consolas" pitchFamily="49" charset="0"/>
+                <a:cs typeface="Consolas" pitchFamily="49" charset="0"/>
+              </a:rPr>
+              <a:t>unselected-cat-at-28</a:t>
             </a:r>
           </a:p>
           <a:p>
@@ -5392,12 +5579,23 @@
               <a:buNone/>
             </a:pPr>
             <a:r>
-              <a:rPr lang="en-US" sz="1800" b="1" dirty="0">
-                <a:latin typeface="Consolas" pitchFamily="49" charset="0"/>
-                <a:cs typeface="Consolas" pitchFamily="49" charset="0"/>
-              </a:rPr>
-              <a:t>;; STRATEGY: Use template for Cat on c</a:t>
-            </a:r>
+              <a:rPr lang="en-US" sz="1800" b="1" dirty="0" smtClean="0">
+                <a:latin typeface="Consolas" pitchFamily="49" charset="0"/>
+                <a:cs typeface="Consolas" pitchFamily="49" charset="0"/>
+              </a:rPr>
+              <a:t>;; </a:t>
+            </a:r>
+            <a:r>
+              <a:rPr lang="en-US" sz="1800" b="1" dirty="0" smtClean="0">
+                <a:latin typeface="Consolas" pitchFamily="49" charset="0"/>
+                <a:cs typeface="Consolas" pitchFamily="49" charset="0"/>
+              </a:rPr>
+              <a:t>STRATEGY: Use template for Cat on c</a:t>
+            </a:r>
+            <a:endParaRPr lang="en-US" sz="1800" b="1" dirty="0">
+              <a:latin typeface="Consolas" pitchFamily="49" charset="0"/>
+              <a:cs typeface="Consolas" pitchFamily="49" charset="0"/>
+            </a:endParaRPr>
           </a:p>
           <a:p>
             <a:pPr marL="0" indent="0">
@@ -5413,7 +5611,7 @@
               <a:buNone/>
             </a:pPr>
             <a:r>
-              <a:rPr lang="en-US" sz="1800" b="1" dirty="0">
+              <a:rPr lang="en-US" sz="1800" b="1" dirty="0" smtClean="0">
                 <a:latin typeface="Consolas" pitchFamily="49" charset="0"/>
                 <a:cs typeface="Consolas" pitchFamily="49" charset="0"/>
               </a:rPr>
@@ -5441,6 +5639,13 @@
   <p:clrMapOvr>
     <a:masterClrMapping/>
   </p:clrMapOvr>
+  <p:timing>
+    <p:tnLst>
+      <p:par>
+        <p:cTn id="1" dur="indefinite" restart="never" nodeType="tmRoot"/>
+      </p:par>
+    </p:tnLst>
+  </p:timing>
 </p:sld>
 </file>
 
@@ -5477,9 +5682,10 @@
           <a:lstStyle/>
           <a:p>
             <a:r>
-              <a:rPr lang="en-US" dirty="0"/>
+              <a:rPr lang="en-US" dirty="0" smtClean="0"/>
               <a:t>cat-after-tick definition</a:t>
             </a:r>
+            <a:endParaRPr lang="en-US" dirty="0"/>
           </a:p>
         </p:txBody>
       </p:sp>
@@ -5631,6 +5837,10 @@
               </a:rPr>
               <a:t>      (cat-selected? c))))</a:t>
             </a:r>
+            <a:endParaRPr lang="en-US" sz="2400" b="1" dirty="0">
+              <a:latin typeface="Consolas" pitchFamily="49" charset="0"/>
+              <a:cs typeface="Consolas" pitchFamily="49" charset="0"/>
+            </a:endParaRPr>
           </a:p>
         </p:txBody>
       </p:sp>
@@ -5644,6 +5854,13 @@
   <p:clrMapOvr>
     <a:masterClrMapping/>
   </p:clrMapOvr>
+  <p:timing>
+    <p:tnLst>
+      <p:par>
+        <p:cTn id="1" dur="indefinite" restart="never" nodeType="tmRoot"/>
+      </p:par>
+    </p:tnLst>
+  </p:timing>
 </p:sld>
 </file>
 
@@ -5680,9 +5897,10 @@
           <a:lstStyle/>
           <a:p>
             <a:r>
-              <a:rPr lang="en-US" dirty="0"/>
+              <a:rPr lang="en-US" dirty="0" smtClean="0"/>
               <a:t>world-to-scene</a:t>
             </a:r>
+            <a:endParaRPr lang="en-US" dirty="0"/>
           </a:p>
         </p:txBody>
       </p:sp>
@@ -5702,15 +5920,16 @@
           <a:lstStyle/>
           <a:p>
             <a:r>
-              <a:rPr lang="en-US" dirty="0"/>
+              <a:rPr lang="en-US" dirty="0" smtClean="0"/>
               <a:t>world-to-scene follows the same pattern:  the world consists of two cats, so we call two cat functions.</a:t>
             </a:r>
           </a:p>
           <a:p>
             <a:r>
-              <a:rPr lang="en-US" dirty="0"/>
+              <a:rPr lang="en-US" dirty="0" smtClean="0"/>
               <a:t>Both cats have to appear in the same scene, so we will have to be a little clever about our cat function.</a:t>
             </a:r>
+            <a:endParaRPr lang="en-US" dirty="0"/>
           </a:p>
         </p:txBody>
       </p:sp>
@@ -5760,9 +5979,10 @@
           <a:lstStyle/>
           <a:p>
             <a:r>
-              <a:rPr lang="en-US" dirty="0"/>
+              <a:rPr lang="en-US" dirty="0" smtClean="0"/>
               <a:t>world-to-scene</a:t>
             </a:r>
+            <a:endParaRPr lang="en-US" dirty="0"/>
           </a:p>
         </p:txBody>
       </p:sp>
@@ -5803,19 +6023,44 @@
                 <a:latin typeface="Consolas" pitchFamily="49" charset="0"/>
                 <a:cs typeface="Consolas" pitchFamily="49" charset="0"/>
               </a:rPr>
-              <a:t>;; RETURNS: a Scene that portrays the </a:t>
-            </a:r>
+              <a:t>;; </a:t>
+            </a:r>
+            <a:r>
+              <a:rPr lang="en-US" b="1" dirty="0" smtClean="0">
+                <a:latin typeface="Consolas" pitchFamily="49" charset="0"/>
+                <a:cs typeface="Consolas" pitchFamily="49" charset="0"/>
+              </a:rPr>
+              <a:t>RETURNS: a </a:t>
+            </a:r>
+            <a:r>
+              <a:rPr lang="en-US" b="1" dirty="0">
+                <a:latin typeface="Consolas" pitchFamily="49" charset="0"/>
+                <a:cs typeface="Consolas" pitchFamily="49" charset="0"/>
+              </a:rPr>
+              <a:t>Scene that portrays the </a:t>
+            </a:r>
+            <a:endParaRPr lang="en-US" b="1" dirty="0" smtClean="0">
+              <a:latin typeface="Consolas" pitchFamily="49" charset="0"/>
+              <a:cs typeface="Consolas" pitchFamily="49" charset="0"/>
+            </a:endParaRPr>
           </a:p>
           <a:p>
             <a:pPr marL="0" indent="0">
               <a:buNone/>
             </a:pPr>
             <a:r>
+              <a:rPr lang="en-US" b="1" dirty="0" smtClean="0">
+                <a:latin typeface="Consolas" pitchFamily="49" charset="0"/>
+                <a:cs typeface="Consolas" pitchFamily="49" charset="0"/>
+              </a:rPr>
+              <a:t>;;   given </a:t>
+            </a:r>
+            <a:r>
               <a:rPr lang="en-US" b="1" dirty="0">
                 <a:latin typeface="Consolas" pitchFamily="49" charset="0"/>
                 <a:cs typeface="Consolas" pitchFamily="49" charset="0"/>
               </a:rPr>
-              <a:t>;;   given world.</a:t>
+              <a:t>world.</a:t>
             </a:r>
           </a:p>
           <a:p>
@@ -5823,12 +6068,30 @@
               <a:buNone/>
             </a:pPr>
             <a:r>
-              <a:rPr lang="en-US" b="1" dirty="0">
-                <a:latin typeface="Consolas" pitchFamily="49" charset="0"/>
-                <a:cs typeface="Consolas" pitchFamily="49" charset="0"/>
-              </a:rPr>
-              <a:t>;; STRATEGY: Use template for World on w</a:t>
-            </a:r>
+              <a:rPr lang="en-US" b="1" dirty="0" smtClean="0">
+                <a:latin typeface="Consolas" pitchFamily="49" charset="0"/>
+                <a:cs typeface="Consolas" pitchFamily="49" charset="0"/>
+              </a:rPr>
+              <a:t>;; </a:t>
+            </a:r>
+            <a:r>
+              <a:rPr lang="en-US" b="1" dirty="0" smtClean="0">
+                <a:latin typeface="Consolas" pitchFamily="49" charset="0"/>
+                <a:cs typeface="Consolas" pitchFamily="49" charset="0"/>
+              </a:rPr>
+              <a:t>STRATEGY: </a:t>
+            </a:r>
+            <a:r>
+              <a:rPr lang="en-US" b="1" dirty="0" smtClean="0">
+                <a:latin typeface="Consolas" pitchFamily="49" charset="0"/>
+                <a:cs typeface="Consolas" pitchFamily="49" charset="0"/>
+              </a:rPr>
+              <a:t>Use template for World on w</a:t>
+            </a:r>
+            <a:endParaRPr lang="en-US" b="1" dirty="0">
+              <a:latin typeface="Consolas" pitchFamily="49" charset="0"/>
+              <a:cs typeface="Consolas" pitchFamily="49" charset="0"/>
+            </a:endParaRPr>
           </a:p>
           <a:p>
             <a:pPr marL="0" indent="0">
@@ -5940,7 +6203,7 @@
           <a:p>
             <a:pPr algn="ctr"/>
             <a:r>
-              <a:rPr lang="en-US" dirty="0">
+              <a:rPr lang="en-US" dirty="0" smtClean="0">
                 <a:solidFill>
                   <a:schemeClr val="tx1"/>
                 </a:solidFill>
@@ -5948,7 +6211,7 @@
               <a:t>The pieces are cats, so create a </a:t>
             </a:r>
             <a:r>
-              <a:rPr lang="en-US" dirty="0" err="1">
+              <a:rPr lang="en-US" dirty="0" err="1" smtClean="0">
                 <a:solidFill>
                   <a:schemeClr val="tx1"/>
                 </a:solidFill>
@@ -5956,7 +6219,7 @@
               <a:t>wishlist</a:t>
             </a:r>
             <a:r>
-              <a:rPr lang="en-US" dirty="0">
+              <a:rPr lang="en-US" dirty="0" smtClean="0">
                 <a:solidFill>
                   <a:schemeClr val="tx1"/>
                 </a:solidFill>
@@ -6061,6 +6324,13 @@
   <p:clrMapOvr>
     <a:masterClrMapping/>
   </p:clrMapOvr>
+  <p:timing>
+    <p:tnLst>
+      <p:par>
+        <p:cTn id="1" dur="indefinite" restart="never" nodeType="tmRoot"/>
+      </p:par>
+    </p:tnLst>
+  </p:timing>
 </p:sld>
 </file>
 
@@ -6097,9 +6367,10 @@
           <a:lstStyle/>
           <a:p>
             <a:r>
-              <a:rPr lang="en-US" dirty="0"/>
+              <a:rPr lang="en-US" dirty="0" smtClean="0"/>
               <a:t>place-cat</a:t>
             </a:r>
+            <a:endParaRPr lang="en-US" dirty="0"/>
           </a:p>
         </p:txBody>
       </p:sp>
@@ -6146,7 +6417,14 @@
                 <a:latin typeface="Consolas" pitchFamily="49" charset="0"/>
                 <a:cs typeface="Consolas" pitchFamily="49" charset="0"/>
               </a:rPr>
-              <a:t>;; returns a scene like the given one, but with</a:t>
+              <a:t>;; returns a scene like the given one, but </a:t>
+            </a:r>
+            <a:r>
+              <a:rPr lang="en-US" sz="2400" b="1" dirty="0" smtClean="0">
+                <a:latin typeface="Consolas" pitchFamily="49" charset="0"/>
+                <a:cs typeface="Consolas" pitchFamily="49" charset="0"/>
+              </a:rPr>
+              <a:t>with</a:t>
             </a:r>
           </a:p>
           <a:p>
@@ -6157,11 +6435,39 @@
               <a:buNone/>
             </a:pPr>
             <a:r>
+              <a:rPr lang="en-US" sz="2400" b="1" dirty="0" smtClean="0">
+                <a:latin typeface="Consolas" pitchFamily="49" charset="0"/>
+                <a:cs typeface="Consolas" pitchFamily="49" charset="0"/>
+              </a:rPr>
+              <a:t>;; </a:t>
+            </a:r>
+            <a:r>
               <a:rPr lang="en-US" sz="2400" b="1" dirty="0">
                 <a:latin typeface="Consolas" pitchFamily="49" charset="0"/>
                 <a:cs typeface="Consolas" pitchFamily="49" charset="0"/>
               </a:rPr>
-              <a:t>;; the given cat painted on it.</a:t>
+              <a:t>the given cat </a:t>
+            </a:r>
+            <a:r>
+              <a:rPr lang="en-US" sz="2400" b="1" dirty="0" smtClean="0">
+                <a:latin typeface="Consolas" pitchFamily="49" charset="0"/>
+                <a:cs typeface="Consolas" pitchFamily="49" charset="0"/>
+              </a:rPr>
+              <a:t>painted </a:t>
+            </a:r>
+            <a:r>
+              <a:rPr lang="en-US" sz="2400" b="1" dirty="0">
+                <a:latin typeface="Consolas" pitchFamily="49" charset="0"/>
+                <a:cs typeface="Consolas" pitchFamily="49" charset="0"/>
+              </a:rPr>
+              <a:t>on it</a:t>
+            </a:r>
+            <a:r>
+              <a:rPr lang="en-US" sz="2400" b="1" dirty="0" smtClean="0">
+                <a:latin typeface="Consolas" pitchFamily="49" charset="0"/>
+                <a:cs typeface="Consolas" pitchFamily="49" charset="0"/>
+              </a:rPr>
+              <a:t>.</a:t>
             </a:r>
           </a:p>
           <a:p>
@@ -6172,12 +6478,23 @@
               <a:buNone/>
             </a:pPr>
             <a:r>
-              <a:rPr lang="en-US" sz="2400" b="1" dirty="0">
-                <a:latin typeface="Consolas" pitchFamily="49" charset="0"/>
-                <a:cs typeface="Consolas" pitchFamily="49" charset="0"/>
-              </a:rPr>
-              <a:t>;; strategy : Use template for Cat on c</a:t>
-            </a:r>
+              <a:rPr lang="en-US" sz="2400" b="1" dirty="0" smtClean="0">
+                <a:latin typeface="Consolas" pitchFamily="49" charset="0"/>
+                <a:cs typeface="Consolas" pitchFamily="49" charset="0"/>
+              </a:rPr>
+              <a:t>;; strategy : </a:t>
+            </a:r>
+            <a:r>
+              <a:rPr lang="en-US" sz="2400" b="1" dirty="0" smtClean="0">
+                <a:latin typeface="Consolas" pitchFamily="49" charset="0"/>
+                <a:cs typeface="Consolas" pitchFamily="49" charset="0"/>
+              </a:rPr>
+              <a:t>Use template for Cat on c</a:t>
+            </a:r>
+            <a:endParaRPr lang="en-US" sz="2400" b="1" dirty="0">
+              <a:latin typeface="Consolas" pitchFamily="49" charset="0"/>
+              <a:cs typeface="Consolas" pitchFamily="49" charset="0"/>
+            </a:endParaRPr>
           </a:p>
           <a:p>
             <a:pPr marL="0" indent="0">
@@ -6294,6 +6611,13 @@
   <p:clrMapOvr>
     <a:masterClrMapping/>
   </p:clrMapOvr>
+  <p:timing>
+    <p:tnLst>
+      <p:par>
+        <p:cTn id="1" dur="indefinite" restart="never" nodeType="tmRoot"/>
+      </p:par>
+    </p:tnLst>
+  </p:timing>
 </p:sld>
 </file>
 
@@ -6330,52 +6654,66 @@
           <a:lstStyle/>
           <a:p>
             <a:r>
+              <a:rPr lang="en-US" dirty="0" smtClean="0"/>
+              <a:t>Summary</a:t>
+            </a:r>
+            <a:endParaRPr lang="en-US" dirty="0"/>
+          </a:p>
+        </p:txBody>
+      </p:sp>
+      <p:sp>
+        <p:nvSpPr>
+          <p:cNvPr id="3" name="Content Placeholder 2"/>
+          <p:cNvSpPr>
+            <a:spLocks noGrp="1"/>
+          </p:cNvSpPr>
+          <p:nvPr>
+            <p:ph idx="1"/>
+          </p:nvPr>
+        </p:nvSpPr>
+        <p:spPr/>
+        <p:txBody>
+          <a:bodyPr/>
+          <a:lstStyle/>
+          <a:p>
+            <a:pPr fontAlgn="base"/>
+            <a:r>
               <a:rPr lang="en-US" dirty="0"/>
-              <a:t>Summary</a:t>
-            </a:r>
-          </a:p>
-        </p:txBody>
-      </p:sp>
-      <p:sp>
-        <p:nvSpPr>
-          <p:cNvPr id="3" name="Content Placeholder 2"/>
-          <p:cNvSpPr>
-            <a:spLocks noGrp="1"/>
-          </p:cNvSpPr>
-          <p:nvPr>
-            <p:ph idx="1"/>
-          </p:nvPr>
-        </p:nvSpPr>
-        <p:spPr/>
-        <p:txBody>
-          <a:bodyPr/>
-          <a:lstStyle/>
-          <a:p>
-            <a:pPr fontAlgn="base"/>
+              <a:t>In this lesson, </a:t>
+            </a:r>
+            <a:r>
+              <a:rPr lang="en-US" dirty="0" smtClean="0"/>
+              <a:t>you had the opportunity to</a:t>
+            </a:r>
+          </a:p>
+          <a:p>
+            <a:pPr lvl="1" fontAlgn="base"/>
+            <a:r>
+              <a:rPr lang="en-US" dirty="0" smtClean="0"/>
+              <a:t>Build a more complex world</a:t>
+            </a:r>
+            <a:endParaRPr lang="en-US" dirty="0"/>
+          </a:p>
+          <a:p>
+            <a:pPr lvl="1" fontAlgn="base"/>
+            <a:r>
+              <a:rPr lang="en-US" dirty="0" smtClean="0"/>
+              <a:t>Write </a:t>
+            </a:r>
             <a:r>
               <a:rPr lang="en-US" dirty="0"/>
-              <a:t>In this lesson, you had the opportunity to</a:t>
+              <a:t>more complex data definitions, representing information in appropriate places.</a:t>
             </a:r>
           </a:p>
           <a:p>
             <a:pPr lvl="1" fontAlgn="base"/>
             <a:r>
               <a:rPr lang="en-US" dirty="0"/>
-              <a:t>Build a more complex world</a:t>
-            </a:r>
-          </a:p>
-          <a:p>
-            <a:pPr lvl="1" fontAlgn="base"/>
-            <a:r>
-              <a:rPr lang="en-US" dirty="0"/>
-              <a:t>Write more complex data definitions, representing information in appropriate places.</a:t>
-            </a:r>
-          </a:p>
-          <a:p>
-            <a:pPr lvl="1" fontAlgn="base"/>
-            <a:r>
-              <a:rPr lang="en-US" dirty="0"/>
-              <a:t>Use structural decomposition to guide the development of programs incorporating multiple data definitions.</a:t>
+              <a:t>Use structural decomposition to guide the development of programs incorporating multiple data definitions</a:t>
+            </a:r>
+            <a:r>
+              <a:rPr lang="en-US" dirty="0" smtClean="0"/>
+              <a:t>.</a:t>
             </a:r>
           </a:p>
           <a:p>
@@ -6394,6 +6732,13 @@
   <p:clrMapOvr>
     <a:masterClrMapping/>
   </p:clrMapOvr>
+  <p:timing>
+    <p:tnLst>
+      <p:par>
+        <p:cTn id="1" dur="indefinite" restart="never" nodeType="tmRoot"/>
+      </p:par>
+    </p:tnLst>
+  </p:timing>
 </p:sld>
 </file>
 
@@ -6430,9 +6775,10 @@
           <a:lstStyle/>
           <a:p>
             <a:r>
-              <a:rPr lang="en-US" dirty="0"/>
+              <a:rPr lang="en-US" dirty="0" smtClean="0"/>
               <a:t>Next Steps</a:t>
             </a:r>
+            <a:endParaRPr lang="en-US" dirty="0"/>
           </a:p>
         </p:txBody>
       </p:sp>
@@ -6452,36 +6798,40 @@
           <a:lstStyle/>
           <a:p>
             <a:r>
-              <a:rPr lang="en-US" dirty="0"/>
+              <a:rPr lang="en-US" dirty="0" smtClean="0"/>
               <a:t>Run two-</a:t>
             </a:r>
             <a:r>
-              <a:rPr lang="en-US" dirty="0" err="1"/>
+              <a:rPr lang="en-US" dirty="0" err="1" smtClean="0"/>
               <a:t>draggable</a:t>
             </a:r>
             <a:r>
-              <a:rPr lang="en-US" dirty="0"/>
+              <a:rPr lang="en-US" dirty="0" smtClean="0"/>
               <a:t>-</a:t>
             </a:r>
             <a:r>
-              <a:rPr lang="en-US" dirty="0" err="1"/>
+              <a:rPr lang="en-US" dirty="0" err="1" smtClean="0"/>
               <a:t>cats.rkt</a:t>
             </a:r>
             <a:r>
-              <a:rPr lang="en-US" dirty="0"/>
+              <a:rPr lang="en-US" dirty="0" smtClean="0"/>
               <a:t> and study the code (including the tests!)</a:t>
             </a:r>
           </a:p>
           <a:p>
             <a:r>
-              <a:rPr lang="en-US" dirty="0"/>
+              <a:rPr lang="en-US" dirty="0" smtClean="0"/>
               <a:t>If you have questions about this lesson, ask them on the </a:t>
             </a:r>
             <a:r>
-              <a:rPr lang="en-US"/>
-              <a:t>Discussion Board</a:t>
-            </a:r>
-            <a:endParaRPr lang="en-US" dirty="0"/>
+              <a:rPr lang="en-US" smtClean="0"/>
+              <a:t>Discussion </a:t>
+            </a:r>
+            <a:r>
+              <a:rPr lang="en-US" smtClean="0"/>
+              <a:t>Board</a:t>
+            </a:r>
+            <a:endParaRPr lang="en-US" dirty="0" smtClean="0"/>
           </a:p>
         </p:txBody>
       </p:sp>
@@ -6495,6 +6845,13 @@
   <p:clrMapOvr>
     <a:masterClrMapping/>
   </p:clrMapOvr>
+  <p:timing>
+    <p:tnLst>
+      <p:par>
+        <p:cTn id="1" dur="indefinite" restart="never" nodeType="tmRoot"/>
+      </p:par>
+    </p:tnLst>
+  </p:timing>
 </p:sld>
 </file>
 
@@ -6533,9 +6890,10 @@
           <a:lstStyle/>
           <a:p>
             <a:r>
-              <a:rPr lang="en-US" dirty="0"/>
+              <a:rPr lang="en-US" dirty="0" smtClean="0"/>
               <a:t>Introduction and Learning Objectives</a:t>
             </a:r>
+            <a:endParaRPr lang="en-US" dirty="0"/>
           </a:p>
         </p:txBody>
       </p:sp>
@@ -6578,7 +6936,15 @@
             <a:pPr lvl="1" fontAlgn="base"/>
             <a:r>
               <a:rPr lang="en-US" dirty="0"/>
-              <a:t>Use templates to guide the development of programs incorporating multiple data definitions.</a:t>
+              <a:t>Use </a:t>
+            </a:r>
+            <a:r>
+              <a:rPr lang="en-US" dirty="0" smtClean="0"/>
+              <a:t>templates to </a:t>
+            </a:r>
+            <a:r>
+              <a:rPr lang="en-US" dirty="0"/>
+              <a:t>guide the development of programs incorporating multiple data definitions.</a:t>
             </a:r>
           </a:p>
           <a:p>
@@ -6596,6 +6962,13 @@
   <p:clrMapOvr>
     <a:masterClrMapping/>
   </p:clrMapOvr>
+  <p:timing>
+    <p:tnLst>
+      <p:par>
+        <p:cTn id="1" dur="indefinite" restart="never" nodeType="tmRoot"/>
+      </p:par>
+    </p:tnLst>
+  </p:timing>
 </p:sld>
 </file>
 
@@ -6632,9 +7005,10 @@
           <a:lstStyle/>
           <a:p>
             <a:r>
-              <a:rPr lang="en-US" dirty="0"/>
+              <a:rPr lang="en-US" dirty="0" smtClean="0"/>
               <a:t>Requirements</a:t>
             </a:r>
+            <a:endParaRPr lang="en-US" dirty="0"/>
           </a:p>
         </p:txBody>
       </p:sp>
@@ -6656,63 +7030,63 @@
           <a:lstStyle/>
           <a:p>
             <a:r>
-              <a:rPr lang="en-US" dirty="0"/>
+              <a:rPr lang="en-US" dirty="0" smtClean="0"/>
               <a:t>Like </a:t>
             </a:r>
             <a:r>
-              <a:rPr lang="en-US" dirty="0" err="1"/>
+              <a:rPr lang="en-US" dirty="0" err="1" smtClean="0"/>
               <a:t>draggable</a:t>
             </a:r>
             <a:r>
-              <a:rPr lang="en-US" dirty="0"/>
+              <a:rPr lang="en-US" dirty="0" smtClean="0"/>
               <a:t>-cat, except:</a:t>
             </a:r>
           </a:p>
           <a:p>
             <a:r>
-              <a:rPr lang="en-US" dirty="0"/>
+              <a:rPr lang="en-US" dirty="0" smtClean="0"/>
               <a:t>We have 2 cats in the scene</a:t>
             </a:r>
           </a:p>
           <a:p>
             <a:r>
-              <a:rPr lang="en-US" dirty="0"/>
+              <a:rPr lang="en-US" dirty="0" smtClean="0"/>
               <a:t>Each cat can be individually selected, as in </a:t>
             </a:r>
             <a:r>
-              <a:rPr lang="en-US" dirty="0" err="1"/>
+              <a:rPr lang="en-US" dirty="0" err="1" smtClean="0"/>
               <a:t>draggable</a:t>
             </a:r>
             <a:r>
-              <a:rPr lang="en-US" dirty="0"/>
+              <a:rPr lang="en-US" dirty="0" smtClean="0"/>
               <a:t>-cat</a:t>
             </a:r>
           </a:p>
           <a:p>
             <a:r>
-              <a:rPr lang="en-US" dirty="0"/>
+              <a:rPr lang="en-US" dirty="0" smtClean="0"/>
               <a:t>Space pauses or </a:t>
             </a:r>
             <a:r>
-              <a:rPr lang="en-US" dirty="0" err="1"/>
+              <a:rPr lang="en-US" dirty="0" err="1" smtClean="0"/>
               <a:t>unpauses</a:t>
             </a:r>
             <a:r>
-              <a:rPr lang="en-US" dirty="0"/>
+              <a:rPr lang="en-US" dirty="0" smtClean="0"/>
               <a:t> the entire animation</a:t>
             </a:r>
           </a:p>
           <a:p>
             <a:r>
-              <a:rPr lang="en-US" dirty="0"/>
+              <a:rPr lang="en-US" dirty="0" smtClean="0"/>
               <a:t>Demo: two-</a:t>
             </a:r>
             <a:r>
-              <a:rPr lang="en-US" dirty="0" err="1"/>
+              <a:rPr lang="en-US" dirty="0" err="1" smtClean="0"/>
               <a:t>draggable</a:t>
             </a:r>
             <a:r>
-              <a:rPr lang="en-US" dirty="0"/>
+              <a:rPr lang="en-US" dirty="0" smtClean="0"/>
               <a:t>-cats: </a:t>
             </a:r>
             <a:r>
@@ -6735,6 +7109,13 @@
   <p:clrMapOvr>
     <a:masterClrMapping/>
   </p:clrMapOvr>
+  <p:timing>
+    <p:tnLst>
+      <p:par>
+        <p:cTn id="1" dur="indefinite" restart="never" nodeType="tmRoot"/>
+      </p:par>
+    </p:tnLst>
+  </p:timing>
 </p:sld>
 </file>
 
@@ -6771,17 +7152,18 @@
           <a:lstStyle/>
           <a:p>
             <a:r>
-              <a:rPr lang="en-US" dirty="0"/>
+              <a:rPr lang="en-US" dirty="0" smtClean="0"/>
               <a:t>two-</a:t>
             </a:r>
             <a:r>
-              <a:rPr lang="en-US" dirty="0" err="1"/>
+              <a:rPr lang="en-US" dirty="0" err="1" smtClean="0"/>
               <a:t>draggable</a:t>
             </a:r>
             <a:r>
-              <a:rPr lang="en-US" dirty="0"/>
+              <a:rPr lang="en-US" dirty="0" smtClean="0"/>
               <a:t>-cats: demo</a:t>
             </a:r>
+            <a:endParaRPr lang="en-US" dirty="0"/>
           </a:p>
         </p:txBody>
       </p:sp>
@@ -6840,9 +7222,10 @@
           <a:lstStyle/>
           <a:p>
             <a:r>
-              <a:rPr lang="en-US" dirty="0"/>
+              <a:rPr lang="en-US" dirty="0" smtClean="0"/>
               <a:t>Note: I've added a bunch of tests since this video was made.  Study them!</a:t>
             </a:r>
+            <a:endParaRPr lang="en-US" dirty="0"/>
           </a:p>
         </p:txBody>
       </p:sp>
@@ -6869,7 +7252,7 @@
           <a:lstStyle/>
           <a:p>
             <a:r>
-              <a:rPr lang="en-US" dirty="0">
+              <a:rPr lang="en-US" dirty="0" smtClean="0">
                 <a:hlinkClick r:id="rId4"/>
               </a:rPr>
               <a:t>YouTube link</a:t>
@@ -7004,9 +7387,10 @@
           <a:lstStyle/>
           <a:p>
             <a:r>
-              <a:rPr lang="en-US" dirty="0"/>
+              <a:rPr lang="en-US" dirty="0" smtClean="0"/>
               <a:t>Information Analysis</a:t>
             </a:r>
+            <a:endParaRPr lang="en-US" dirty="0"/>
           </a:p>
         </p:txBody>
       </p:sp>
@@ -7026,16 +7410,17 @@
           <a:lstStyle/>
           <a:p>
             <a:r>
-              <a:rPr lang="en-US" dirty="0"/>
+              <a:rPr lang="en-US" dirty="0" smtClean="0"/>
               <a:t>The world has two cats and a paused?</a:t>
             </a:r>
           </a:p>
           <a:p>
             <a:pPr lvl="1"/>
             <a:r>
-              <a:rPr lang="en-US" dirty="0"/>
+              <a:rPr lang="en-US" dirty="0" smtClean="0"/>
               <a:t>it is the whole world that is paused or not</a:t>
             </a:r>
+            <a:endParaRPr lang="en-US" dirty="0"/>
           </a:p>
         </p:txBody>
       </p:sp>
@@ -7049,6 +7434,13 @@
   <p:clrMapOvr>
     <a:masterClrMapping/>
   </p:clrMapOvr>
+  <p:timing>
+    <p:tnLst>
+      <p:par>
+        <p:cTn id="1" dur="indefinite" restart="never" nodeType="tmRoot"/>
+      </p:par>
+    </p:tnLst>
+  </p:timing>
 </p:sld>
 </file>
 
@@ -7085,9 +7477,10 @@
           <a:lstStyle/>
           <a:p>
             <a:r>
-              <a:rPr lang="en-US" dirty="0"/>
+              <a:rPr lang="en-US" dirty="0" smtClean="0"/>
               <a:t>Data Definitions: World</a:t>
             </a:r>
+            <a:endParaRPr lang="en-US" dirty="0"/>
           </a:p>
         </p:txBody>
       </p:sp>
@@ -7180,7 +7573,21 @@
                 <a:latin typeface="Consolas" pitchFamily="49" charset="0"/>
                 <a:cs typeface="Consolas" pitchFamily="49" charset="0"/>
               </a:rPr>
-              <a:t>;; paused? describes whether or not the world ;; is paused</a:t>
+              <a:t>;; paused? describes whether or not the world </a:t>
+            </a:r>
+            <a:r>
+              <a:rPr lang="en-US" b="1" dirty="0" smtClean="0">
+                <a:latin typeface="Consolas" pitchFamily="49" charset="0"/>
+                <a:cs typeface="Consolas" pitchFamily="49" charset="0"/>
+              </a:rPr>
+              <a:t>;; is </a:t>
+            </a:r>
+            <a:r>
+              <a:rPr lang="en-US" b="1" dirty="0">
+                <a:latin typeface="Consolas" pitchFamily="49" charset="0"/>
+                <a:cs typeface="Consolas" pitchFamily="49" charset="0"/>
+              </a:rPr>
+              <a:t>paused</a:t>
             </a:r>
           </a:p>
           <a:p>
@@ -7267,29 +7674,51 @@
               </a:rPr>
               <a:t>;;   (... (world-cat1 w) </a:t>
             </a:r>
+            <a:endParaRPr lang="en-US" b="1" dirty="0" smtClean="0">
+              <a:latin typeface="Consolas" pitchFamily="49" charset="0"/>
+              <a:cs typeface="Consolas" pitchFamily="49" charset="0"/>
+            </a:endParaRPr>
           </a:p>
           <a:p>
             <a:pPr marL="0" indent="0">
               <a:buNone/>
             </a:pPr>
             <a:r>
+              <a:rPr lang="en-US" b="1" dirty="0" smtClean="0">
+                <a:latin typeface="Consolas" pitchFamily="49" charset="0"/>
+                <a:cs typeface="Consolas" pitchFamily="49" charset="0"/>
+              </a:rPr>
+              <a:t>;;        (</a:t>
+            </a:r>
+            <a:r>
               <a:rPr lang="en-US" b="1" dirty="0">
                 <a:latin typeface="Consolas" pitchFamily="49" charset="0"/>
                 <a:cs typeface="Consolas" pitchFamily="49" charset="0"/>
               </a:rPr>
-              <a:t>;;        (world-cat2 w) </a:t>
-            </a:r>
+              <a:t>world-cat2 w) </a:t>
+            </a:r>
+            <a:endParaRPr lang="en-US" b="1" dirty="0" smtClean="0">
+              <a:latin typeface="Consolas" pitchFamily="49" charset="0"/>
+              <a:cs typeface="Consolas" pitchFamily="49" charset="0"/>
+            </a:endParaRPr>
           </a:p>
           <a:p>
             <a:pPr marL="0" indent="0">
               <a:buNone/>
             </a:pPr>
             <a:r>
+              <a:rPr lang="en-US" b="1" dirty="0" smtClean="0">
+                <a:latin typeface="Consolas" pitchFamily="49" charset="0"/>
+                <a:cs typeface="Consolas" pitchFamily="49" charset="0"/>
+              </a:rPr>
+              <a:t>;;        (</a:t>
+            </a:r>
+            <a:r>
               <a:rPr lang="en-US" b="1" dirty="0">
                 <a:latin typeface="Consolas" pitchFamily="49" charset="0"/>
                 <a:cs typeface="Consolas" pitchFamily="49" charset="0"/>
               </a:rPr>
-              <a:t>;;        (world-paused? w)))</a:t>
+              <a:t>world-paused? w)))</a:t>
             </a:r>
           </a:p>
           <a:p>
@@ -7313,6 +7742,13 @@
   <p:clrMapOvr>
     <a:masterClrMapping/>
   </p:clrMapOvr>
+  <p:timing>
+    <p:tnLst>
+      <p:par>
+        <p:cTn id="1" dur="indefinite" restart="never" nodeType="tmRoot"/>
+      </p:par>
+    </p:tnLst>
+  </p:timing>
 </p:sld>
 </file>
 
@@ -7349,9 +7785,10 @@
           <a:lstStyle/>
           <a:p>
             <a:r>
-              <a:rPr lang="en-US" dirty="0"/>
+              <a:rPr lang="en-US" dirty="0" smtClean="0"/>
               <a:t>Information Analysis</a:t>
             </a:r>
+            <a:endParaRPr lang="en-US" dirty="0"/>
           </a:p>
         </p:txBody>
       </p:sp>
@@ -7371,45 +7808,46 @@
           <a:lstStyle/>
           <a:p>
             <a:r>
-              <a:rPr lang="en-US" dirty="0"/>
+              <a:rPr lang="en-US" dirty="0" smtClean="0"/>
               <a:t>Each cat has x-</a:t>
             </a:r>
             <a:r>
-              <a:rPr lang="en-US" dirty="0" err="1"/>
+              <a:rPr lang="en-US" dirty="0" err="1" smtClean="0"/>
               <a:t>pos</a:t>
             </a:r>
             <a:r>
-              <a:rPr lang="en-US" dirty="0"/>
+              <a:rPr lang="en-US" dirty="0" smtClean="0"/>
               <a:t>, y-</a:t>
             </a:r>
             <a:r>
-              <a:rPr lang="en-US" dirty="0" err="1"/>
+              <a:rPr lang="en-US" dirty="0" err="1" smtClean="0"/>
               <a:t>pos</a:t>
             </a:r>
             <a:r>
-              <a:rPr lang="en-US" dirty="0"/>
+              <a:rPr lang="en-US" dirty="0" smtClean="0"/>
               <a:t>, and selected?</a:t>
             </a:r>
           </a:p>
           <a:p>
             <a:r>
-              <a:rPr lang="en-US" dirty="0"/>
+              <a:rPr lang="en-US" dirty="0" smtClean="0"/>
               <a:t>What about paused?</a:t>
             </a:r>
           </a:p>
           <a:p>
             <a:pPr lvl="1"/>
             <a:r>
-              <a:rPr lang="en-US" dirty="0"/>
+              <a:rPr lang="en-US" dirty="0" smtClean="0"/>
               <a:t>cats aren't individually paused</a:t>
             </a:r>
           </a:p>
           <a:p>
             <a:pPr lvl="1"/>
             <a:r>
-              <a:rPr lang="en-US" dirty="0"/>
+              <a:rPr lang="en-US" dirty="0" smtClean="0"/>
               <a:t>it's the whole thing that is paused or not.</a:t>
             </a:r>
+            <a:endParaRPr lang="en-US" dirty="0"/>
           </a:p>
         </p:txBody>
       </p:sp>
@@ -7423,6 +7861,13 @@
   <p:clrMapOvr>
     <a:masterClrMapping/>
   </p:clrMapOvr>
+  <p:timing>
+    <p:tnLst>
+      <p:par>
+        <p:cTn id="1" dur="indefinite" restart="never" nodeType="tmRoot"/>
+      </p:par>
+    </p:tnLst>
+  </p:timing>
 </p:sld>
 </file>
 
@@ -7459,9 +7904,10 @@
           <a:lstStyle/>
           <a:p>
             <a:r>
-              <a:rPr lang="en-US" dirty="0"/>
+              <a:rPr lang="en-US" dirty="0" smtClean="0"/>
               <a:t>Data Definitions: Cat</a:t>
             </a:r>
+            <a:endParaRPr lang="en-US" dirty="0"/>
           </a:p>
         </p:txBody>
       </p:sp>
@@ -7546,31 +7992,105 @@
               </a:rPr>
               <a:t>;; A Cat is a </a:t>
             </a:r>
+            <a:endParaRPr lang="en-US" b="1" dirty="0" smtClean="0">
+              <a:latin typeface="Consolas" pitchFamily="49" charset="0"/>
+              <a:cs typeface="Consolas" pitchFamily="49" charset="0"/>
+            </a:endParaRPr>
           </a:p>
           <a:p>
             <a:pPr marL="0" indent="0">
               <a:buNone/>
             </a:pPr>
             <a:r>
+              <a:rPr lang="en-US" b="1" dirty="0" smtClean="0">
+                <a:latin typeface="Consolas" pitchFamily="49" charset="0"/>
+                <a:cs typeface="Consolas" pitchFamily="49" charset="0"/>
+              </a:rPr>
+              <a:t>;;   (</a:t>
+            </a:r>
+            <a:r>
               <a:rPr lang="en-US" b="1" dirty="0">
                 <a:latin typeface="Consolas" pitchFamily="49" charset="0"/>
                 <a:cs typeface="Consolas" pitchFamily="49" charset="0"/>
               </a:rPr>
-              <a:t>;;   (make-cat Integer </a:t>
+              <a:t>make-cat </a:t>
+            </a:r>
+            <a:r>
+              <a:rPr lang="en-US" b="1" dirty="0" smtClean="0">
+                <a:latin typeface="Consolas" pitchFamily="49" charset="0"/>
+                <a:cs typeface="Consolas" pitchFamily="49" charset="0"/>
+              </a:rPr>
+              <a:t>Integer </a:t>
+            </a:r>
+            <a:r>
+              <a:rPr lang="en-US" b="1" dirty="0" err="1" smtClean="0">
+                <a:latin typeface="Consolas" pitchFamily="49" charset="0"/>
+                <a:cs typeface="Consolas" pitchFamily="49" charset="0"/>
+              </a:rPr>
+              <a:t>Integer</a:t>
+            </a:r>
+            <a:r>
+              <a:rPr lang="en-US" b="1" dirty="0" smtClean="0">
+                <a:latin typeface="Consolas" pitchFamily="49" charset="0"/>
+                <a:cs typeface="Consolas" pitchFamily="49" charset="0"/>
+              </a:rPr>
+              <a:t> Boolean)</a:t>
+            </a:r>
+            <a:endParaRPr lang="en-US" b="1" dirty="0">
+              <a:latin typeface="Consolas" pitchFamily="49" charset="0"/>
+              <a:cs typeface="Consolas" pitchFamily="49" charset="0"/>
+            </a:endParaRPr>
+          </a:p>
+          <a:p>
+            <a:pPr marL="0" indent="0">
+              <a:buNone/>
+            </a:pPr>
+            <a:r>
+              <a:rPr lang="en-US" b="1" dirty="0">
+                <a:latin typeface="Consolas" pitchFamily="49" charset="0"/>
+                <a:cs typeface="Consolas" pitchFamily="49" charset="0"/>
+              </a:rPr>
+              <a:t>;; Interpretation: </a:t>
+            </a:r>
+          </a:p>
+          <a:p>
+            <a:pPr marL="0" indent="0">
+              <a:buNone/>
+            </a:pPr>
+            <a:r>
+              <a:rPr lang="en-US" b="1" dirty="0">
+                <a:latin typeface="Consolas" pitchFamily="49" charset="0"/>
+                <a:cs typeface="Consolas" pitchFamily="49" charset="0"/>
+              </a:rPr>
+              <a:t>;; x-</a:t>
             </a:r>
             <a:r>
               <a:rPr lang="en-US" b="1" dirty="0" err="1">
                 <a:latin typeface="Consolas" pitchFamily="49" charset="0"/>
                 <a:cs typeface="Consolas" pitchFamily="49" charset="0"/>
               </a:rPr>
-              <a:t>Integer</a:t>
+              <a:t>pos</a:t>
             </a:r>
             <a:r>
               <a:rPr lang="en-US" b="1" dirty="0">
                 <a:latin typeface="Consolas" pitchFamily="49" charset="0"/>
                 <a:cs typeface="Consolas" pitchFamily="49" charset="0"/>
               </a:rPr>
-              <a:t> Boolean)</a:t>
+              <a:t>, y-</a:t>
+            </a:r>
+            <a:r>
+              <a:rPr lang="en-US" b="1" dirty="0" err="1">
+                <a:latin typeface="Consolas" pitchFamily="49" charset="0"/>
+                <a:cs typeface="Consolas" pitchFamily="49" charset="0"/>
+              </a:rPr>
+              <a:t>pos</a:t>
+            </a:r>
+            <a:r>
+              <a:rPr lang="en-US" b="1" dirty="0">
+                <a:latin typeface="Consolas" pitchFamily="49" charset="0"/>
+                <a:cs typeface="Consolas" pitchFamily="49" charset="0"/>
+              </a:rPr>
+              <a:t> give the position of the cat. </a:t>
             </a:r>
           </a:p>
           <a:p>
@@ -7582,7 +8102,14 @@
                 <a:latin typeface="Consolas" pitchFamily="49" charset="0"/>
                 <a:cs typeface="Consolas" pitchFamily="49" charset="0"/>
               </a:rPr>
-              <a:t>;; Interpretation: </a:t>
+              <a:t>;; selected? describes whether or not the cat </a:t>
+            </a:r>
+            <a:r>
+              <a:rPr lang="en-US" b="1" dirty="0" smtClean="0">
+                <a:latin typeface="Consolas" pitchFamily="49" charset="0"/>
+                <a:cs typeface="Consolas" pitchFamily="49" charset="0"/>
+              </a:rPr>
+              <a:t>is</a:t>
             </a:r>
           </a:p>
           <a:p>
@@ -7590,63 +8117,18 @@
               <a:buNone/>
             </a:pPr>
             <a:r>
+              <a:rPr lang="en-US" b="1" dirty="0" smtClean="0">
+                <a:latin typeface="Consolas" pitchFamily="49" charset="0"/>
+                <a:cs typeface="Consolas" pitchFamily="49" charset="0"/>
+              </a:rPr>
+              <a:t>;; </a:t>
+            </a:r>
+            <a:r>
               <a:rPr lang="en-US" b="1" dirty="0">
                 <a:latin typeface="Consolas" pitchFamily="49" charset="0"/>
                 <a:cs typeface="Consolas" pitchFamily="49" charset="0"/>
               </a:rPr>
-              <a:t>;; x-</a:t>
-            </a:r>
-            <a:r>
-              <a:rPr lang="en-US" b="1" dirty="0" err="1">
-                <a:latin typeface="Consolas" pitchFamily="49" charset="0"/>
-                <a:cs typeface="Consolas" pitchFamily="49" charset="0"/>
-              </a:rPr>
-              <a:t>pos</a:t>
-            </a:r>
-            <a:r>
-              <a:rPr lang="en-US" b="1" dirty="0">
-                <a:latin typeface="Consolas" pitchFamily="49" charset="0"/>
-                <a:cs typeface="Consolas" pitchFamily="49" charset="0"/>
-              </a:rPr>
-              <a:t>, y-</a:t>
-            </a:r>
-            <a:r>
-              <a:rPr lang="en-US" b="1" dirty="0" err="1">
-                <a:latin typeface="Consolas" pitchFamily="49" charset="0"/>
-                <a:cs typeface="Consolas" pitchFamily="49" charset="0"/>
-              </a:rPr>
-              <a:t>pos</a:t>
-            </a:r>
-            <a:r>
-              <a:rPr lang="en-US" b="1" dirty="0">
-                <a:latin typeface="Consolas" pitchFamily="49" charset="0"/>
-                <a:cs typeface="Consolas" pitchFamily="49" charset="0"/>
-              </a:rPr>
-              <a:t> give the position of the cat. </a:t>
-            </a:r>
-          </a:p>
-          <a:p>
-            <a:pPr marL="0" indent="0">
-              <a:buNone/>
-            </a:pPr>
-            <a:r>
-              <a:rPr lang="en-US" b="1" dirty="0">
-                <a:latin typeface="Consolas" pitchFamily="49" charset="0"/>
-                <a:cs typeface="Consolas" pitchFamily="49" charset="0"/>
-              </a:rPr>
-              <a:t>;; selected? describes whether or not the cat is</a:t>
-            </a:r>
-          </a:p>
-          <a:p>
-            <a:pPr marL="0" indent="0">
-              <a:buNone/>
-            </a:pPr>
-            <a:r>
-              <a:rPr lang="en-US" b="1" dirty="0">
-                <a:latin typeface="Consolas" pitchFamily="49" charset="0"/>
-                <a:cs typeface="Consolas" pitchFamily="49" charset="0"/>
-              </a:rPr>
-              <a:t>;; selected.</a:t>
+              <a:t>selected.</a:t>
             </a:r>
           </a:p>
           <a:p>
@@ -7747,24 +8229,35 @@
               </a:rPr>
               <a:t> w) </a:t>
             </a:r>
+            <a:endParaRPr lang="en-US" b="1" dirty="0" smtClean="0">
+              <a:latin typeface="Consolas" pitchFamily="49" charset="0"/>
+              <a:cs typeface="Consolas" pitchFamily="49" charset="0"/>
+            </a:endParaRPr>
           </a:p>
           <a:p>
             <a:pPr marL="0" indent="0">
               <a:buNone/>
             </a:pPr>
             <a:r>
-              <a:rPr lang="en-US" b="1">
+              <a:rPr lang="en-US" b="1" smtClean="0">
                 <a:latin typeface="Consolas" pitchFamily="49" charset="0"/>
                 <a:cs typeface="Consolas" pitchFamily="49" charset="0"/>
               </a:rPr>
               <a:t>;      </a:t>
             </a:r>
             <a:r>
+              <a:rPr lang="en-US" b="1" dirty="0" smtClean="0">
+                <a:latin typeface="Consolas" pitchFamily="49" charset="0"/>
+                <a:cs typeface="Consolas" pitchFamily="49" charset="0"/>
+              </a:rPr>
+              <a:t>(</a:t>
+            </a:r>
+            <a:r>
               <a:rPr lang="en-US" b="1" dirty="0">
                 <a:latin typeface="Consolas" pitchFamily="49" charset="0"/>
                 <a:cs typeface="Consolas" pitchFamily="49" charset="0"/>
               </a:rPr>
-              <a:t>(cat-y-</a:t>
+              <a:t>cat-y-</a:t>
             </a:r>
             <a:r>
               <a:rPr lang="en-US" b="1" dirty="0" err="1">
@@ -7780,17 +8273,28 @@
               </a:rPr>
               <a:t> w) </a:t>
             </a:r>
+            <a:endParaRPr lang="en-US" b="1" dirty="0" smtClean="0">
+              <a:latin typeface="Consolas" pitchFamily="49" charset="0"/>
+              <a:cs typeface="Consolas" pitchFamily="49" charset="0"/>
+            </a:endParaRPr>
           </a:p>
           <a:p>
             <a:pPr marL="0" indent="0">
               <a:buNone/>
             </a:pPr>
             <a:r>
+              <a:rPr lang="en-US" b="1" dirty="0" smtClean="0">
+                <a:latin typeface="Consolas" pitchFamily="49" charset="0"/>
+                <a:cs typeface="Consolas" pitchFamily="49" charset="0"/>
+              </a:rPr>
+              <a:t>;      (</a:t>
+            </a:r>
+            <a:r>
               <a:rPr lang="en-US" b="1" dirty="0">
                 <a:latin typeface="Consolas" pitchFamily="49" charset="0"/>
                 <a:cs typeface="Consolas" pitchFamily="49" charset="0"/>
               </a:rPr>
-              <a:t>;      (cat-selected? w)))</a:t>
+              <a:t>cat-selected? w)))</a:t>
             </a:r>
           </a:p>
           <a:p>
@@ -7814,6 +8318,13 @@
   <p:clrMapOvr>
     <a:masterClrMapping/>
   </p:clrMapOvr>
+  <p:timing>
+    <p:tnLst>
+      <p:par>
+        <p:cTn id="1" dur="indefinite" restart="never" nodeType="tmRoot"/>
+      </p:par>
+    </p:tnLst>
+  </p:timing>
 </p:sld>
 </file>
 
@@ -7850,9 +8361,10 @@
           <a:lstStyle/>
           <a:p>
             <a:r>
-              <a:rPr lang="en-US" dirty="0"/>
+              <a:rPr lang="en-US" dirty="0" smtClean="0"/>
               <a:t>Data Design Principles</a:t>
             </a:r>
+            <a:endParaRPr lang="en-US" dirty="0"/>
           </a:p>
         </p:txBody>
       </p:sp>
@@ -7874,43 +8386,48 @@
           <a:lstStyle/>
           <a:p>
             <a:r>
-              <a:rPr lang="en-US" dirty="0"/>
+              <a:rPr lang="en-US" dirty="0" smtClean="0"/>
               <a:t>Every value of the information should be represented by some value of the data</a:t>
             </a:r>
           </a:p>
           <a:p>
             <a:pPr lvl="1"/>
             <a:r>
-              <a:rPr lang="en-US" dirty="0"/>
+              <a:rPr lang="en-US" dirty="0" smtClean="0"/>
               <a:t>otherwise, we lose immediately!</a:t>
             </a:r>
           </a:p>
           <a:p>
             <a:r>
-              <a:rPr lang="en-US" dirty="0"/>
+              <a:rPr lang="en-US" dirty="0" smtClean="0"/>
               <a:t>Every value of the data should represent some value of the information</a:t>
             </a:r>
           </a:p>
           <a:p>
             <a:pPr lvl="1"/>
             <a:r>
-              <a:rPr lang="en-US" dirty="0"/>
+              <a:rPr lang="en-US" dirty="0" smtClean="0"/>
               <a:t>no meaningless or nonsensical combinations</a:t>
             </a:r>
           </a:p>
           <a:p>
             <a:pPr lvl="1"/>
             <a:r>
-              <a:rPr lang="en-US" dirty="0"/>
-              <a:t>if each cat had a paused? field, then what does it mean for one cat to be paused and the other not?</a:t>
+              <a:rPr lang="en-US" dirty="0" smtClean="0"/>
+              <a:t>if each cat had a paused? field, then what does it mean for one cat to be paused and the other not</a:t>
+            </a:r>
+            <a:r>
+              <a:rPr lang="en-US" dirty="0" smtClean="0"/>
+              <a:t>?</a:t>
             </a:r>
           </a:p>
           <a:p>
             <a:pPr lvl="1"/>
             <a:r>
-              <a:rPr lang="en-US" dirty="0"/>
+              <a:rPr lang="en-US" dirty="0" smtClean="0"/>
               <a:t>Is it possible for one cat to be paused and the other not?</a:t>
             </a:r>
+            <a:endParaRPr lang="en-US" dirty="0" smtClean="0"/>
           </a:p>
           <a:p>
             <a:pPr lvl="1"/>
@@ -7923,6 +8440,13 @@
   <p:clrMapOvr>
     <a:masterClrMapping/>
   </p:clrMapOvr>
+  <p:timing>
+    <p:tnLst>
+      <p:par>
+        <p:cTn id="1" dur="indefinite" restart="never" nodeType="tmRoot"/>
+      </p:par>
+    </p:tnLst>
+  </p:timing>
 </p:sld>
 </file>
 

--- a/Slides/Lesson 3.4 Two Draggable Cats.pptx
+++ b/Slides/Lesson 3.4 Two Draggable Cats.pptx
@@ -5,7 +5,7 @@
     <p:sldMasterId id="2147483661" r:id="rId1"/>
   </p:sldMasterIdLst>
   <p:notesMasterIdLst>
-    <p:notesMasterId r:id="rId20"/>
+    <p:notesMasterId r:id="rId26"/>
   </p:notesMasterIdLst>
   <p:sldIdLst>
     <p:sldId id="257" r:id="rId2"/>
@@ -24,13 +24,19 @@
     <p:sldId id="274" r:id="rId15"/>
     <p:sldId id="266" r:id="rId16"/>
     <p:sldId id="267" r:id="rId17"/>
-    <p:sldId id="269" r:id="rId18"/>
-    <p:sldId id="270" r:id="rId19"/>
+    <p:sldId id="278" r:id="rId18"/>
+    <p:sldId id="276" r:id="rId19"/>
+    <p:sldId id="277" r:id="rId20"/>
+    <p:sldId id="280" r:id="rId21"/>
+    <p:sldId id="282" r:id="rId22"/>
+    <p:sldId id="281" r:id="rId23"/>
+    <p:sldId id="269" r:id="rId24"/>
+    <p:sldId id="270" r:id="rId25"/>
   </p:sldIdLst>
   <p:sldSz cx="9144000" cy="6858000" type="screen4x3"/>
   <p:notesSz cx="6858000" cy="9144000"/>
   <p:custDataLst>
-    <p:tags r:id="rId21"/>
+    <p:tags r:id="rId27"/>
   </p:custDataLst>
   <p:defaultTextStyle>
     <a:defPPr>
@@ -135,7 +141,7 @@
             <a:srgbClr val="A4A3A4"/>
           </p15:clr>
         </p15:guide>
-        <p15:guide id="2" pos="2880">
+        <p15:guide id="2" pos="3168" userDrawn="1">
           <p15:clr>
             <a:srgbClr val="A4A3A4"/>
           </p15:clr>
@@ -229,7 +235,7 @@
             <a:fld id="{CF8F25F6-E1EF-4065-8525-42EDEBD9BD22}" type="datetimeFigureOut">
               <a:rPr lang="en-US" smtClean="0"/>
               <a:pPr/>
-              <a:t>8/20/2015</a:t>
+              <a:t>10/12/2016</a:t>
             </a:fld>
             <a:endParaRPr lang="en-US"/>
           </a:p>
@@ -295,38 +301,37 @@
           <a:p>
             <a:pPr lvl="0"/>
             <a:r>
-              <a:rPr lang="en-US" smtClean="0"/>
+              <a:rPr lang="en-US"/>
               <a:t>Click to edit Master text styles</a:t>
             </a:r>
           </a:p>
           <a:p>
             <a:pPr lvl="1"/>
             <a:r>
-              <a:rPr lang="en-US" smtClean="0"/>
+              <a:rPr lang="en-US"/>
               <a:t>Second level</a:t>
             </a:r>
           </a:p>
           <a:p>
             <a:pPr lvl="2"/>
             <a:r>
-              <a:rPr lang="en-US" smtClean="0"/>
+              <a:rPr lang="en-US"/>
               <a:t>Third level</a:t>
             </a:r>
           </a:p>
           <a:p>
             <a:pPr lvl="3"/>
             <a:r>
-              <a:rPr lang="en-US" smtClean="0"/>
+              <a:rPr lang="en-US"/>
               <a:t>Fourth level</a:t>
             </a:r>
           </a:p>
           <a:p>
             <a:pPr lvl="4"/>
             <a:r>
-              <a:rPr lang="en-US" smtClean="0"/>
+              <a:rPr lang="en-US"/>
               <a:t>Fifth level</a:t>
             </a:r>
-            <a:endParaRPr lang="en-US"/>
           </a:p>
         </p:txBody>
       </p:sp>
@@ -547,29 +552,29 @@
           <a:lstStyle/>
           <a:p>
             <a:r>
-              <a:rPr lang="en-US" dirty="0" smtClean="0"/>
+              <a:rPr lang="en-US" dirty="0"/>
               <a:t>Welcome to Week 2, Lesson 1: "How to Design Universe Programs".</a:t>
             </a:r>
           </a:p>
           <a:p>
-            <a:endParaRPr lang="en-US" dirty="0" smtClean="0"/>
-          </a:p>
-          <a:p>
-            <a:r>
-              <a:rPr lang="en-US" dirty="0" smtClean="0"/>
+            <a:endParaRPr lang="en-US" dirty="0"/>
+          </a:p>
+          <a:p>
+            <a:r>
+              <a:rPr lang="en-US" dirty="0"/>
               <a:t>In this lesson, you will learn the</a:t>
             </a:r>
             <a:r>
-              <a:rPr lang="en-US" baseline="0" dirty="0" smtClean="0"/>
+              <a:rPr lang="en-US" baseline="0" dirty="0"/>
               <a:t> steps in designing universe programs.  You will learn how to decide what data goes into the state of a world, and what does not.</a:t>
             </a:r>
           </a:p>
           <a:p>
-            <a:endParaRPr lang="en-US" baseline="0" dirty="0" smtClean="0"/>
-          </a:p>
-          <a:p>
-            <a:r>
-              <a:rPr lang="en-US" baseline="0" dirty="0" smtClean="0"/>
+            <a:endParaRPr lang="en-US" baseline="0" dirty="0"/>
+          </a:p>
+          <a:p>
+            <a:r>
+              <a:rPr lang="en-US" baseline="0" dirty="0"/>
               <a:t>We will also introduce the concept of a "wish list" to help you organize your program.</a:t>
             </a:r>
             <a:endParaRPr lang="en-US" dirty="0"/>
@@ -604,6 +609,91 @@
     <p:extLst>
       <p:ext uri="{BB962C8B-B14F-4D97-AF65-F5344CB8AC3E}">
         <p14:creationId xmlns:p14="http://schemas.microsoft.com/office/powerpoint/2010/main" val="2988334669"/>
+      </p:ext>
+    </p:extLst>
+  </p:cSld>
+  <p:clrMapOvr>
+    <a:masterClrMapping/>
+  </p:clrMapOvr>
+</p:notes>
+</file>
+
+<file path=ppt/notesSlides/notesSlide2.xml><?xml version="1.0" encoding="utf-8"?>
+<p:notes xmlns:a="http://schemas.openxmlformats.org/drawingml/2006/main" xmlns:r="http://schemas.openxmlformats.org/officeDocument/2006/relationships" xmlns:p="http://schemas.openxmlformats.org/presentationml/2006/main">
+  <p:cSld>
+    <p:spTree>
+      <p:nvGrpSpPr>
+        <p:cNvPr id="1" name=""/>
+        <p:cNvGrpSpPr/>
+        <p:nvPr/>
+      </p:nvGrpSpPr>
+      <p:grpSpPr>
+        <a:xfrm>
+          <a:off x="0" y="0"/>
+          <a:ext cx="0" cy="0"/>
+          <a:chOff x="0" y="0"/>
+          <a:chExt cx="0" cy="0"/>
+        </a:xfrm>
+      </p:grpSpPr>
+      <p:sp>
+        <p:nvSpPr>
+          <p:cNvPr id="2" name="Slide Image Placeholder 1"/>
+          <p:cNvSpPr>
+            <a:spLocks noGrp="1" noRot="1" noChangeAspect="1"/>
+          </p:cNvSpPr>
+          <p:nvPr>
+            <p:ph type="sldImg"/>
+          </p:nvPr>
+        </p:nvSpPr>
+        <p:spPr/>
+      </p:sp>
+      <p:sp>
+        <p:nvSpPr>
+          <p:cNvPr id="3" name="Notes Placeholder 2"/>
+          <p:cNvSpPr>
+            <a:spLocks noGrp="1"/>
+          </p:cNvSpPr>
+          <p:nvPr>
+            <p:ph type="body" idx="1"/>
+          </p:nvPr>
+        </p:nvSpPr>
+        <p:spPr/>
+        <p:txBody>
+          <a:bodyPr/>
+          <a:lstStyle/>
+          <a:p>
+            <a:endParaRPr lang="en-US" dirty="0"/>
+          </a:p>
+        </p:txBody>
+      </p:sp>
+      <p:sp>
+        <p:nvSpPr>
+          <p:cNvPr id="4" name="Slide Number Placeholder 3"/>
+          <p:cNvSpPr>
+            <a:spLocks noGrp="1"/>
+          </p:cNvSpPr>
+          <p:nvPr>
+            <p:ph type="sldNum" sz="quarter" idx="10"/>
+          </p:nvPr>
+        </p:nvSpPr>
+        <p:spPr/>
+        <p:txBody>
+          <a:bodyPr/>
+          <a:lstStyle/>
+          <a:p>
+            <a:fld id="{00E1DFD8-B619-4FFF-B366-BDCC98D08110}" type="slidenum">
+              <a:rPr lang="en-US" smtClean="0"/>
+              <a:pPr/>
+              <a:t>19</a:t>
+            </a:fld>
+            <a:endParaRPr lang="en-US"/>
+          </a:p>
+        </p:txBody>
+      </p:sp>
+    </p:spTree>
+    <p:extLst>
+      <p:ext uri="{BB962C8B-B14F-4D97-AF65-F5344CB8AC3E}">
+        <p14:creationId xmlns:p14="http://schemas.microsoft.com/office/powerpoint/2010/main" val="3849564029"/>
       </p:ext>
     </p:extLst>
   </p:cSld>
@@ -651,10 +741,9 @@
           <a:lstStyle/>
           <a:p>
             <a:r>
-              <a:rPr lang="en-US" smtClean="0"/>
+              <a:rPr lang="en-US"/>
               <a:t>Click to edit Master title style</a:t>
             </a:r>
-            <a:endParaRPr lang="en-US"/>
           </a:p>
         </p:txBody>
       </p:sp>
@@ -770,10 +859,9 @@
           </a:lstStyle>
           <a:p>
             <a:r>
-              <a:rPr lang="en-US" smtClean="0"/>
+              <a:rPr lang="en-US"/>
               <a:t>Click to edit Master subtitle style</a:t>
             </a:r>
-            <a:endParaRPr lang="en-US"/>
           </a:p>
         </p:txBody>
       </p:sp>
@@ -794,7 +882,7 @@
           <a:p>
             <a:fld id="{2F1F79F5-7BEC-496A-AFC7-876E38F64D71}" type="datetime1">
               <a:rPr lang="en-US" smtClean="0"/>
-              <a:t>8/20/2015</a:t>
+              <a:t>10/12/2016</a:t>
             </a:fld>
             <a:endParaRPr lang="en-US"/>
           </a:p>
@@ -852,13 +940,6 @@
   <p:clrMapOvr>
     <a:masterClrMapping/>
   </p:clrMapOvr>
-  <p:timing>
-    <p:tnLst>
-      <p:par>
-        <p:cTn id="1" dur="indefinite" restart="never" nodeType="tmRoot"/>
-      </p:par>
-    </p:tnLst>
-  </p:timing>
 </p:sldLayout>
 </file>
 
@@ -896,7 +977,7 @@
           <a:p>
             <a:fld id="{0A05703A-7669-4FEA-9056-25299B4D29D4}" type="datetime1">
               <a:rPr lang="en-US" smtClean="0"/>
-              <a:t>8/20/2015</a:t>
+              <a:t>10/12/2016</a:t>
             </a:fld>
             <a:endParaRPr lang="en-US"/>
           </a:p>
@@ -999,10 +1080,9 @@
           </a:lstStyle>
           <a:p>
             <a:r>
-              <a:rPr lang="en-US" smtClean="0"/>
+              <a:rPr lang="en-US"/>
               <a:t>Click to edit Master title style</a:t>
             </a:r>
-            <a:endParaRPr lang="en-US"/>
           </a:p>
         </p:txBody>
       </p:sp>
@@ -1056,38 +1136,37 @@
           <a:p>
             <a:pPr lvl="0"/>
             <a:r>
-              <a:rPr lang="en-US" smtClean="0"/>
+              <a:rPr lang="en-US"/>
               <a:t>Click to edit Master text styles</a:t>
             </a:r>
           </a:p>
           <a:p>
             <a:pPr lvl="1"/>
             <a:r>
-              <a:rPr lang="en-US" smtClean="0"/>
+              <a:rPr lang="en-US"/>
               <a:t>Second level</a:t>
             </a:r>
           </a:p>
           <a:p>
             <a:pPr lvl="2"/>
             <a:r>
-              <a:rPr lang="en-US" smtClean="0"/>
+              <a:rPr lang="en-US"/>
               <a:t>Third level</a:t>
             </a:r>
           </a:p>
           <a:p>
             <a:pPr lvl="3"/>
             <a:r>
-              <a:rPr lang="en-US" smtClean="0"/>
+              <a:rPr lang="en-US"/>
               <a:t>Fourth level</a:t>
             </a:r>
           </a:p>
           <a:p>
             <a:pPr lvl="4"/>
             <a:r>
-              <a:rPr lang="en-US" smtClean="0"/>
+              <a:rPr lang="en-US"/>
               <a:t>Fifth level</a:t>
             </a:r>
-            <a:endParaRPr lang="en-US"/>
           </a:p>
         </p:txBody>
       </p:sp>
@@ -1150,7 +1229,7 @@
           <a:p>
             <a:pPr lvl="0"/>
             <a:r>
-              <a:rPr lang="en-US" smtClean="0"/>
+              <a:rPr lang="en-US"/>
               <a:t>Click to edit Master text styles</a:t>
             </a:r>
           </a:p>
@@ -1173,7 +1252,7 @@
           <a:p>
             <a:fld id="{6E5077B5-BB57-49DB-88CA-226A139E5C01}" type="datetime1">
               <a:rPr lang="en-US" smtClean="0"/>
-              <a:t>8/20/2015</a:t>
+              <a:t>10/12/2016</a:t>
             </a:fld>
             <a:endParaRPr lang="en-US"/>
           </a:p>
@@ -1276,10 +1355,9 @@
           </a:lstStyle>
           <a:p>
             <a:r>
-              <a:rPr lang="en-US" smtClean="0"/>
+              <a:rPr lang="en-US"/>
               <a:t>Click to edit Master title style</a:t>
             </a:r>
-            <a:endParaRPr lang="en-US"/>
           </a:p>
         </p:txBody>
       </p:sp>
@@ -1403,7 +1481,7 @@
           <a:p>
             <a:pPr lvl="0"/>
             <a:r>
-              <a:rPr lang="en-US" smtClean="0"/>
+              <a:rPr lang="en-US"/>
               <a:t>Click to edit Master text styles</a:t>
             </a:r>
           </a:p>
@@ -1426,7 +1504,7 @@
           <a:p>
             <a:fld id="{C48D9447-CBD6-49A1-89FD-8512A8CF8999}" type="datetime1">
               <a:rPr lang="en-US" smtClean="0"/>
-              <a:t>8/20/2015</a:t>
+              <a:t>10/12/2016</a:t>
             </a:fld>
             <a:endParaRPr lang="en-US"/>
           </a:p>
@@ -1520,10 +1598,9 @@
           <a:lstStyle/>
           <a:p>
             <a:r>
-              <a:rPr lang="en-US" smtClean="0"/>
+              <a:rPr lang="en-US"/>
               <a:t>Click to edit Master title style</a:t>
             </a:r>
-            <a:endParaRPr lang="en-US"/>
           </a:p>
         </p:txBody>
       </p:sp>
@@ -1544,38 +1621,37 @@
           <a:p>
             <a:pPr lvl="0"/>
             <a:r>
-              <a:rPr lang="en-US" smtClean="0"/>
+              <a:rPr lang="en-US"/>
               <a:t>Click to edit Master text styles</a:t>
             </a:r>
           </a:p>
           <a:p>
             <a:pPr lvl="1"/>
             <a:r>
-              <a:rPr lang="en-US" smtClean="0"/>
+              <a:rPr lang="en-US"/>
               <a:t>Second level</a:t>
             </a:r>
           </a:p>
           <a:p>
             <a:pPr lvl="2"/>
             <a:r>
-              <a:rPr lang="en-US" smtClean="0"/>
+              <a:rPr lang="en-US"/>
               <a:t>Third level</a:t>
             </a:r>
           </a:p>
           <a:p>
             <a:pPr lvl="3"/>
             <a:r>
-              <a:rPr lang="en-US" smtClean="0"/>
+              <a:rPr lang="en-US"/>
               <a:t>Fourth level</a:t>
             </a:r>
           </a:p>
           <a:p>
             <a:pPr lvl="4"/>
             <a:r>
-              <a:rPr lang="en-US" smtClean="0"/>
+              <a:rPr lang="en-US"/>
               <a:t>Fifth level</a:t>
             </a:r>
-            <a:endParaRPr lang="en-US"/>
           </a:p>
         </p:txBody>
       </p:sp>
@@ -1596,7 +1672,7 @@
           <a:p>
             <a:fld id="{A3639A2A-823D-48B7-9ACE-7FAF42870BA9}" type="datetime1">
               <a:rPr lang="en-US" smtClean="0"/>
-              <a:t>8/20/2015</a:t>
+              <a:t>10/12/2016</a:t>
             </a:fld>
             <a:endParaRPr lang="en-US"/>
           </a:p>
@@ -1695,10 +1771,9 @@
           <a:lstStyle/>
           <a:p>
             <a:r>
-              <a:rPr lang="en-US" smtClean="0"/>
+              <a:rPr lang="en-US"/>
               <a:t>Click to edit Master title style</a:t>
             </a:r>
-            <a:endParaRPr lang="en-US"/>
           </a:p>
         </p:txBody>
       </p:sp>
@@ -1724,38 +1799,37 @@
           <a:p>
             <a:pPr lvl="0"/>
             <a:r>
-              <a:rPr lang="en-US" smtClean="0"/>
+              <a:rPr lang="en-US"/>
               <a:t>Click to edit Master text styles</a:t>
             </a:r>
           </a:p>
           <a:p>
             <a:pPr lvl="1"/>
             <a:r>
-              <a:rPr lang="en-US" smtClean="0"/>
+              <a:rPr lang="en-US"/>
               <a:t>Second level</a:t>
             </a:r>
           </a:p>
           <a:p>
             <a:pPr lvl="2"/>
             <a:r>
-              <a:rPr lang="en-US" smtClean="0"/>
+              <a:rPr lang="en-US"/>
               <a:t>Third level</a:t>
             </a:r>
           </a:p>
           <a:p>
             <a:pPr lvl="3"/>
             <a:r>
-              <a:rPr lang="en-US" smtClean="0"/>
+              <a:rPr lang="en-US"/>
               <a:t>Fourth level</a:t>
             </a:r>
           </a:p>
           <a:p>
             <a:pPr lvl="4"/>
             <a:r>
-              <a:rPr lang="en-US" smtClean="0"/>
+              <a:rPr lang="en-US"/>
               <a:t>Fifth level</a:t>
             </a:r>
-            <a:endParaRPr lang="en-US"/>
           </a:p>
         </p:txBody>
       </p:sp>
@@ -1776,7 +1850,7 @@
           <a:p>
             <a:fld id="{ED1B6996-82E9-463C-972C-7B56056E426C}" type="datetime1">
               <a:rPr lang="en-US" smtClean="0"/>
-              <a:t>8/20/2015</a:t>
+              <a:t>10/12/2016</a:t>
             </a:fld>
             <a:endParaRPr lang="en-US"/>
           </a:p>
@@ -1870,10 +1944,9 @@
           <a:lstStyle/>
           <a:p>
             <a:r>
-              <a:rPr lang="en-US" smtClean="0"/>
+              <a:rPr lang="en-US"/>
               <a:t>Click to edit Master title style</a:t>
             </a:r>
-            <a:endParaRPr lang="en-US"/>
           </a:p>
         </p:txBody>
       </p:sp>
@@ -1895,7 +1968,7 @@
             <a:fld id="{CBE6DF32-C57F-4EA4-9518-EB5F320F182D}" type="datetimeFigureOut">
               <a:rPr lang="en-US" smtClean="0"/>
               <a:pPr/>
-              <a:t>8/20/2015</a:t>
+              <a:t>10/12/2016</a:t>
             </a:fld>
             <a:endParaRPr lang="en-US"/>
           </a:p>
@@ -2045,10 +2118,9 @@
           <a:lstStyle/>
           <a:p>
             <a:r>
-              <a:rPr lang="en-US" dirty="0" smtClean="0"/>
+              <a:rPr lang="en-US" dirty="0"/>
               <a:t>Click to edit Master title style</a:t>
             </a:r>
-            <a:endParaRPr lang="en-US" dirty="0"/>
           </a:p>
         </p:txBody>
       </p:sp>
@@ -2069,38 +2141,37 @@
           <a:p>
             <a:pPr lvl="0"/>
             <a:r>
-              <a:rPr lang="en-US" smtClean="0"/>
+              <a:rPr lang="en-US"/>
               <a:t>Click to edit Master text styles</a:t>
             </a:r>
           </a:p>
           <a:p>
             <a:pPr lvl="1"/>
             <a:r>
-              <a:rPr lang="en-US" smtClean="0"/>
+              <a:rPr lang="en-US"/>
               <a:t>Second level</a:t>
             </a:r>
           </a:p>
           <a:p>
             <a:pPr lvl="2"/>
             <a:r>
-              <a:rPr lang="en-US" smtClean="0"/>
+              <a:rPr lang="en-US"/>
               <a:t>Third level</a:t>
             </a:r>
           </a:p>
           <a:p>
             <a:pPr lvl="3"/>
             <a:r>
-              <a:rPr lang="en-US" smtClean="0"/>
+              <a:rPr lang="en-US"/>
               <a:t>Fourth level</a:t>
             </a:r>
           </a:p>
           <a:p>
             <a:pPr lvl="4"/>
             <a:r>
-              <a:rPr lang="en-US" smtClean="0"/>
+              <a:rPr lang="en-US"/>
               <a:t>Fifth level</a:t>
             </a:r>
-            <a:endParaRPr lang="en-US"/>
           </a:p>
         </p:txBody>
       </p:sp>
@@ -2121,7 +2192,7 @@
           <a:p>
             <a:fld id="{E22ED4DA-448D-4BB1-B935-CC112220207B}" type="datetime1">
               <a:rPr lang="en-US" smtClean="0"/>
-              <a:t>8/20/2015</a:t>
+              <a:t>10/12/2016</a:t>
             </a:fld>
             <a:endParaRPr lang="en-US"/>
           </a:p>
@@ -2179,13 +2250,6 @@
   <p:clrMapOvr>
     <a:masterClrMapping/>
   </p:clrMapOvr>
-  <p:timing>
-    <p:tnLst>
-      <p:par>
-        <p:cTn id="1" dur="indefinite" restart="never" nodeType="tmRoot"/>
-      </p:par>
-    </p:tnLst>
-  </p:timing>
 </p:sldLayout>
 </file>
 
@@ -2222,10 +2286,9 @@
           <a:lstStyle/>
           <a:p>
             <a:r>
-              <a:rPr lang="en-US" smtClean="0"/>
+              <a:rPr lang="en-US"/>
               <a:t>Click to edit Master title style</a:t>
             </a:r>
-            <a:endParaRPr lang="en-US"/>
           </a:p>
         </p:txBody>
       </p:sp>
@@ -2251,38 +2314,37 @@
           <a:p>
             <a:pPr lvl="0"/>
             <a:r>
-              <a:rPr lang="en-US" dirty="0" smtClean="0"/>
+              <a:rPr lang="en-US" dirty="0"/>
               <a:t>Click to edit Master text styles</a:t>
             </a:r>
           </a:p>
           <a:p>
             <a:pPr lvl="1"/>
             <a:r>
-              <a:rPr lang="en-US" dirty="0" smtClean="0"/>
+              <a:rPr lang="en-US" dirty="0"/>
               <a:t>Second level</a:t>
             </a:r>
           </a:p>
           <a:p>
             <a:pPr lvl="2"/>
             <a:r>
-              <a:rPr lang="en-US" dirty="0" smtClean="0"/>
+              <a:rPr lang="en-US" dirty="0"/>
               <a:t>Third level</a:t>
             </a:r>
           </a:p>
           <a:p>
             <a:pPr lvl="3"/>
             <a:r>
-              <a:rPr lang="en-US" dirty="0" smtClean="0"/>
+              <a:rPr lang="en-US" dirty="0"/>
               <a:t>Fourth level</a:t>
             </a:r>
           </a:p>
           <a:p>
             <a:pPr lvl="4"/>
             <a:r>
-              <a:rPr lang="en-US" dirty="0" smtClean="0"/>
+              <a:rPr lang="en-US" dirty="0"/>
               <a:t>Fifth level</a:t>
             </a:r>
-            <a:endParaRPr lang="en-US" dirty="0"/>
           </a:p>
         </p:txBody>
       </p:sp>
@@ -2303,7 +2365,7 @@
           <a:p>
             <a:fld id="{E22ED4DA-448D-4BB1-B935-CC112220207B}" type="datetime1">
               <a:rPr lang="en-US" smtClean="0"/>
-              <a:t>8/20/2015</a:t>
+              <a:t>10/12/2016</a:t>
             </a:fld>
             <a:endParaRPr lang="en-US"/>
           </a:p>
@@ -2393,7 +2455,7 @@
           <a:lstStyle/>
           <a:p>
             <a:pPr algn="ctr"/>
-            <a:endParaRPr lang="en-US" dirty="0" smtClean="0">
+            <a:endParaRPr lang="en-US" dirty="0">
               <a:solidFill>
                 <a:schemeClr val="tx1"/>
               </a:solidFill>
@@ -2424,11 +2486,11 @@
           <a:lstStyle/>
           <a:p>
             <a:r>
-              <a:rPr lang="en-US" dirty="0" smtClean="0"/>
+              <a:rPr lang="en-US" dirty="0"/>
               <a:t>Resize video to this</a:t>
             </a:r>
             <a:r>
-              <a:rPr lang="en-US" baseline="0" dirty="0" smtClean="0"/>
+              <a:rPr lang="en-US" baseline="0" dirty="0"/>
               <a:t> box.</a:t>
             </a:r>
             <a:endParaRPr lang="en-US" dirty="0"/>
@@ -2445,13 +2507,6 @@
   <p:clrMapOvr>
     <a:masterClrMapping/>
   </p:clrMapOvr>
-  <p:timing>
-    <p:tnLst>
-      <p:par>
-        <p:cTn id="1" dur="indefinite" restart="never" nodeType="tmRoot"/>
-      </p:par>
-    </p:tnLst>
-  </p:timing>
 </p:sldLayout>
 </file>
 
@@ -2488,10 +2543,9 @@
           <a:lstStyle/>
           <a:p>
             <a:r>
-              <a:rPr lang="en-US" smtClean="0"/>
+              <a:rPr lang="en-US"/>
               <a:t>Click to edit Master title style</a:t>
             </a:r>
-            <a:endParaRPr lang="en-US"/>
           </a:p>
         </p:txBody>
       </p:sp>
@@ -2520,38 +2574,37 @@
           <a:p>
             <a:pPr lvl="0"/>
             <a:r>
-              <a:rPr lang="en-US" dirty="0" smtClean="0"/>
+              <a:rPr lang="en-US" dirty="0"/>
               <a:t>Click to edit Master text styles</a:t>
             </a:r>
           </a:p>
           <a:p>
             <a:pPr lvl="1"/>
             <a:r>
-              <a:rPr lang="en-US" dirty="0" smtClean="0"/>
+              <a:rPr lang="en-US" dirty="0"/>
               <a:t>Second level</a:t>
             </a:r>
           </a:p>
           <a:p>
             <a:pPr lvl="2"/>
             <a:r>
-              <a:rPr lang="en-US" dirty="0" smtClean="0"/>
+              <a:rPr lang="en-US" dirty="0"/>
               <a:t>Third level</a:t>
             </a:r>
           </a:p>
           <a:p>
             <a:pPr lvl="3"/>
             <a:r>
-              <a:rPr lang="en-US" dirty="0" smtClean="0"/>
+              <a:rPr lang="en-US" dirty="0"/>
               <a:t>Fourth level</a:t>
             </a:r>
           </a:p>
           <a:p>
             <a:pPr lvl="4"/>
             <a:r>
-              <a:rPr lang="en-US" dirty="0" smtClean="0"/>
+              <a:rPr lang="en-US" dirty="0"/>
               <a:t>Fifth level</a:t>
             </a:r>
-            <a:endParaRPr lang="en-US" dirty="0"/>
           </a:p>
         </p:txBody>
       </p:sp>
@@ -2572,7 +2625,7 @@
           <a:p>
             <a:fld id="{FF5D65A6-AB94-4435-B0B7-3743215FA46C}" type="datetime1">
               <a:rPr lang="en-US" smtClean="0"/>
-              <a:t>8/20/2015</a:t>
+              <a:t>10/12/2016</a:t>
             </a:fld>
             <a:endParaRPr lang="en-US"/>
           </a:p>
@@ -2630,13 +2683,6 @@
   <p:clrMapOvr>
     <a:masterClrMapping/>
   </p:clrMapOvr>
-  <p:timing>
-    <p:tnLst>
-      <p:par>
-        <p:cTn id="1" dur="indefinite" restart="never" nodeType="tmRoot"/>
-      </p:par>
-    </p:tnLst>
-  </p:timing>
 </p:sldLayout>
 </file>
 
@@ -2673,10 +2719,9 @@
           <a:lstStyle/>
           <a:p>
             <a:r>
-              <a:rPr lang="en-US" smtClean="0"/>
+              <a:rPr lang="en-US"/>
               <a:t>Click to edit Master title style</a:t>
             </a:r>
-            <a:endParaRPr lang="en-US"/>
           </a:p>
         </p:txBody>
       </p:sp>
@@ -2705,38 +2750,37 @@
           <a:p>
             <a:pPr lvl="0"/>
             <a:r>
-              <a:rPr lang="en-US" dirty="0" smtClean="0"/>
+              <a:rPr lang="en-US" dirty="0"/>
               <a:t>Click to edit Master text styles</a:t>
             </a:r>
           </a:p>
           <a:p>
             <a:pPr lvl="1"/>
             <a:r>
-              <a:rPr lang="en-US" dirty="0" smtClean="0"/>
+              <a:rPr lang="en-US" dirty="0"/>
               <a:t>Second level</a:t>
             </a:r>
           </a:p>
           <a:p>
             <a:pPr lvl="2"/>
             <a:r>
-              <a:rPr lang="en-US" dirty="0" smtClean="0"/>
+              <a:rPr lang="en-US" dirty="0"/>
               <a:t>Third level</a:t>
             </a:r>
           </a:p>
           <a:p>
             <a:pPr lvl="3"/>
             <a:r>
-              <a:rPr lang="en-US" dirty="0" smtClean="0"/>
+              <a:rPr lang="en-US" dirty="0"/>
               <a:t>Fourth level</a:t>
             </a:r>
           </a:p>
           <a:p>
             <a:pPr lvl="4"/>
             <a:r>
-              <a:rPr lang="en-US" dirty="0" smtClean="0"/>
+              <a:rPr lang="en-US" dirty="0"/>
               <a:t>Fifth level</a:t>
             </a:r>
-            <a:endParaRPr lang="en-US" dirty="0"/>
           </a:p>
         </p:txBody>
       </p:sp>
@@ -2757,7 +2801,7 @@
           <a:p>
             <a:fld id="{FF5D65A6-AB94-4435-B0B7-3743215FA46C}" type="datetime1">
               <a:rPr lang="en-US" smtClean="0"/>
-              <a:t>8/20/2015</a:t>
+              <a:t>10/12/2016</a:t>
             </a:fld>
             <a:endParaRPr lang="en-US"/>
           </a:p>
@@ -2864,13 +2908,6 @@
   <p:clrMapOvr>
     <a:masterClrMapping/>
   </p:clrMapOvr>
-  <p:timing>
-    <p:tnLst>
-      <p:par>
-        <p:cTn id="1" dur="indefinite" restart="never" nodeType="tmRoot"/>
-      </p:par>
-    </p:tnLst>
-  </p:timing>
 </p:sldLayout>
 </file>
 
@@ -2916,10 +2953,9 @@
           </a:lstStyle>
           <a:p>
             <a:r>
-              <a:rPr lang="en-US" smtClean="0"/>
+              <a:rPr lang="en-US"/>
               <a:t>Click to edit Master title style</a:t>
             </a:r>
-            <a:endParaRPr lang="en-US"/>
           </a:p>
         </p:txBody>
       </p:sp>
@@ -3036,7 +3072,7 @@
           <a:p>
             <a:pPr lvl="0"/>
             <a:r>
-              <a:rPr lang="en-US" smtClean="0"/>
+              <a:rPr lang="en-US"/>
               <a:t>Click to edit Master text styles</a:t>
             </a:r>
           </a:p>
@@ -3059,7 +3095,7 @@
           <a:p>
             <a:fld id="{7C193DC4-6EF0-48C9-B29C-616106A645E1}" type="datetime1">
               <a:rPr lang="en-US" smtClean="0"/>
-              <a:t>8/20/2015</a:t>
+              <a:t>10/12/2016</a:t>
             </a:fld>
             <a:endParaRPr lang="en-US"/>
           </a:p>
@@ -3153,10 +3189,9 @@
           <a:lstStyle/>
           <a:p>
             <a:r>
-              <a:rPr lang="en-US" smtClean="0"/>
+              <a:rPr lang="en-US"/>
               <a:t>Click to edit Master title style</a:t>
             </a:r>
-            <a:endParaRPr lang="en-US"/>
           </a:p>
         </p:txBody>
       </p:sp>
@@ -3210,38 +3245,37 @@
           <a:p>
             <a:pPr lvl="0"/>
             <a:r>
-              <a:rPr lang="en-US" smtClean="0"/>
+              <a:rPr lang="en-US"/>
               <a:t>Click to edit Master text styles</a:t>
             </a:r>
           </a:p>
           <a:p>
             <a:pPr lvl="1"/>
             <a:r>
-              <a:rPr lang="en-US" smtClean="0"/>
+              <a:rPr lang="en-US"/>
               <a:t>Second level</a:t>
             </a:r>
           </a:p>
           <a:p>
             <a:pPr lvl="2"/>
             <a:r>
-              <a:rPr lang="en-US" smtClean="0"/>
+              <a:rPr lang="en-US"/>
               <a:t>Third level</a:t>
             </a:r>
           </a:p>
           <a:p>
             <a:pPr lvl="3"/>
             <a:r>
-              <a:rPr lang="en-US" smtClean="0"/>
+              <a:rPr lang="en-US"/>
               <a:t>Fourth level</a:t>
             </a:r>
           </a:p>
           <a:p>
             <a:pPr lvl="4"/>
             <a:r>
-              <a:rPr lang="en-US" smtClean="0"/>
+              <a:rPr lang="en-US"/>
               <a:t>Fifth level</a:t>
             </a:r>
-            <a:endParaRPr lang="en-US"/>
           </a:p>
         </p:txBody>
       </p:sp>
@@ -3295,38 +3329,37 @@
           <a:p>
             <a:pPr lvl="0"/>
             <a:r>
-              <a:rPr lang="en-US" smtClean="0"/>
+              <a:rPr lang="en-US"/>
               <a:t>Click to edit Master text styles</a:t>
             </a:r>
           </a:p>
           <a:p>
             <a:pPr lvl="1"/>
             <a:r>
-              <a:rPr lang="en-US" smtClean="0"/>
+              <a:rPr lang="en-US"/>
               <a:t>Second level</a:t>
             </a:r>
           </a:p>
           <a:p>
             <a:pPr lvl="2"/>
             <a:r>
-              <a:rPr lang="en-US" smtClean="0"/>
+              <a:rPr lang="en-US"/>
               <a:t>Third level</a:t>
             </a:r>
           </a:p>
           <a:p>
             <a:pPr lvl="3"/>
             <a:r>
-              <a:rPr lang="en-US" smtClean="0"/>
+              <a:rPr lang="en-US"/>
               <a:t>Fourth level</a:t>
             </a:r>
           </a:p>
           <a:p>
             <a:pPr lvl="4"/>
             <a:r>
-              <a:rPr lang="en-US" smtClean="0"/>
+              <a:rPr lang="en-US"/>
               <a:t>Fifth level</a:t>
             </a:r>
-            <a:endParaRPr lang="en-US"/>
           </a:p>
         </p:txBody>
       </p:sp>
@@ -3347,7 +3380,7 @@
           <a:p>
             <a:fld id="{5D1846AD-9252-4647-9435-4C2AC365653A}" type="datetime1">
               <a:rPr lang="en-US" smtClean="0"/>
-              <a:t>8/20/2015</a:t>
+              <a:t>10/12/2016</a:t>
             </a:fld>
             <a:endParaRPr lang="en-US"/>
           </a:p>
@@ -3445,10 +3478,9 @@
           </a:lstStyle>
           <a:p>
             <a:r>
-              <a:rPr lang="en-US" smtClean="0"/>
+              <a:rPr lang="en-US"/>
               <a:t>Click to edit Master title style</a:t>
             </a:r>
-            <a:endParaRPr lang="en-US"/>
           </a:p>
         </p:txBody>
       </p:sp>
@@ -3511,7 +3543,7 @@
           <a:p>
             <a:pPr lvl="0"/>
             <a:r>
-              <a:rPr lang="en-US" smtClean="0"/>
+              <a:rPr lang="en-US"/>
               <a:t>Click to edit Master text styles</a:t>
             </a:r>
           </a:p>
@@ -3567,38 +3599,37 @@
           <a:p>
             <a:pPr lvl="0"/>
             <a:r>
-              <a:rPr lang="en-US" smtClean="0"/>
+              <a:rPr lang="en-US"/>
               <a:t>Click to edit Master text styles</a:t>
             </a:r>
           </a:p>
           <a:p>
             <a:pPr lvl="1"/>
             <a:r>
-              <a:rPr lang="en-US" smtClean="0"/>
+              <a:rPr lang="en-US"/>
               <a:t>Second level</a:t>
             </a:r>
           </a:p>
           <a:p>
             <a:pPr lvl="2"/>
             <a:r>
-              <a:rPr lang="en-US" smtClean="0"/>
+              <a:rPr lang="en-US"/>
               <a:t>Third level</a:t>
             </a:r>
           </a:p>
           <a:p>
             <a:pPr lvl="3"/>
             <a:r>
-              <a:rPr lang="en-US" smtClean="0"/>
+              <a:rPr lang="en-US"/>
               <a:t>Fourth level</a:t>
             </a:r>
           </a:p>
           <a:p>
             <a:pPr lvl="4"/>
             <a:r>
-              <a:rPr lang="en-US" smtClean="0"/>
+              <a:rPr lang="en-US"/>
               <a:t>Fifth level</a:t>
             </a:r>
-            <a:endParaRPr lang="en-US"/>
           </a:p>
         </p:txBody>
       </p:sp>
@@ -3661,7 +3692,7 @@
           <a:p>
             <a:pPr lvl="0"/>
             <a:r>
-              <a:rPr lang="en-US" smtClean="0"/>
+              <a:rPr lang="en-US"/>
               <a:t>Click to edit Master text styles</a:t>
             </a:r>
           </a:p>
@@ -3717,38 +3748,37 @@
           <a:p>
             <a:pPr lvl="0"/>
             <a:r>
-              <a:rPr lang="en-US" smtClean="0"/>
+              <a:rPr lang="en-US"/>
               <a:t>Click to edit Master text styles</a:t>
             </a:r>
           </a:p>
           <a:p>
             <a:pPr lvl="1"/>
             <a:r>
-              <a:rPr lang="en-US" smtClean="0"/>
+              <a:rPr lang="en-US"/>
               <a:t>Second level</a:t>
             </a:r>
           </a:p>
           <a:p>
             <a:pPr lvl="2"/>
             <a:r>
-              <a:rPr lang="en-US" smtClean="0"/>
+              <a:rPr lang="en-US"/>
               <a:t>Third level</a:t>
             </a:r>
           </a:p>
           <a:p>
             <a:pPr lvl="3"/>
             <a:r>
-              <a:rPr lang="en-US" smtClean="0"/>
+              <a:rPr lang="en-US"/>
               <a:t>Fourth level</a:t>
             </a:r>
           </a:p>
           <a:p>
             <a:pPr lvl="4"/>
             <a:r>
-              <a:rPr lang="en-US" smtClean="0"/>
+              <a:rPr lang="en-US"/>
               <a:t>Fifth level</a:t>
             </a:r>
-            <a:endParaRPr lang="en-US"/>
           </a:p>
         </p:txBody>
       </p:sp>
@@ -3769,7 +3799,7 @@
           <a:p>
             <a:fld id="{CE56DC10-3561-4063-A6AF-C1CC7A41040A}" type="datetime1">
               <a:rPr lang="en-US" smtClean="0"/>
-              <a:t>8/20/2015</a:t>
+              <a:t>10/12/2016</a:t>
             </a:fld>
             <a:endParaRPr lang="en-US"/>
           </a:p>
@@ -3863,10 +3893,9 @@
           <a:lstStyle/>
           <a:p>
             <a:r>
-              <a:rPr lang="en-US" smtClean="0"/>
+              <a:rPr lang="en-US"/>
               <a:t>Click to edit Master title style</a:t>
             </a:r>
-            <a:endParaRPr lang="en-US"/>
           </a:p>
         </p:txBody>
       </p:sp>
@@ -3887,7 +3916,7 @@
           <a:p>
             <a:fld id="{2F7B77F5-1464-4F6B-92A8-64FC8A508293}" type="datetime1">
               <a:rPr lang="en-US" smtClean="0"/>
-              <a:t>8/20/2015</a:t>
+              <a:t>10/12/2016</a:t>
             </a:fld>
             <a:endParaRPr lang="en-US"/>
           </a:p>
@@ -3945,13 +3974,6 @@
   <p:clrMapOvr>
     <a:masterClrMapping/>
   </p:clrMapOvr>
-  <p:timing>
-    <p:tnLst>
-      <p:par>
-        <p:cTn id="1" dur="indefinite" restart="never" nodeType="tmRoot"/>
-      </p:par>
-    </p:tnLst>
-  </p:timing>
 </p:sldLayout>
 </file>
 
@@ -4015,10 +4037,9 @@
           <a:lstStyle/>
           <a:p>
             <a:r>
-              <a:rPr lang="en-US" smtClean="0"/>
+              <a:rPr lang="en-US"/>
               <a:t>Click to edit Master title style</a:t>
             </a:r>
-            <a:endParaRPr lang="en-US"/>
           </a:p>
         </p:txBody>
       </p:sp>
@@ -4049,38 +4070,37 @@
           <a:p>
             <a:pPr lvl="0"/>
             <a:r>
-              <a:rPr lang="en-US" smtClean="0"/>
+              <a:rPr lang="en-US"/>
               <a:t>Click to edit Master text styles</a:t>
             </a:r>
           </a:p>
           <a:p>
             <a:pPr lvl="1"/>
             <a:r>
-              <a:rPr lang="en-US" smtClean="0"/>
+              <a:rPr lang="en-US"/>
               <a:t>Second level</a:t>
             </a:r>
           </a:p>
           <a:p>
             <a:pPr lvl="2"/>
             <a:r>
-              <a:rPr lang="en-US" smtClean="0"/>
+              <a:rPr lang="en-US"/>
               <a:t>Third level</a:t>
             </a:r>
           </a:p>
           <a:p>
             <a:pPr lvl="3"/>
             <a:r>
-              <a:rPr lang="en-US" smtClean="0"/>
+              <a:rPr lang="en-US"/>
               <a:t>Fourth level</a:t>
             </a:r>
           </a:p>
           <a:p>
             <a:pPr lvl="4"/>
             <a:r>
-              <a:rPr lang="en-US" smtClean="0"/>
+              <a:rPr lang="en-US"/>
               <a:t>Fifth level</a:t>
             </a:r>
-            <a:endParaRPr lang="en-US"/>
           </a:p>
         </p:txBody>
       </p:sp>
@@ -4119,7 +4139,7 @@
           <a:p>
             <a:fld id="{02B3F677-983B-48DB-ADFD-63FE6CBC7FB2}" type="datetime1">
               <a:rPr lang="en-US" smtClean="0"/>
-              <a:t>8/20/2015</a:t>
+              <a:t>10/12/2016</a:t>
             </a:fld>
             <a:endParaRPr lang="en-US"/>
           </a:p>
@@ -4228,13 +4248,6 @@
     <p:sldLayoutId id="2147483675" r:id="rId14"/>
     <p:sldLayoutId id="2147483660" r:id="rId15"/>
   </p:sldLayoutIdLst>
-  <p:timing>
-    <p:tnLst>
-      <p:par>
-        <p:cTn id="1" dur="indefinite" restart="never" nodeType="tmRoot"/>
-      </p:par>
-    </p:tnLst>
-  </p:timing>
   <p:hf hdr="0" ftr="0" dt="0"/>
   <p:txStyles>
     <p:titleStyle>
@@ -4522,55 +4535,54 @@
           <a:lstStyle/>
           <a:p>
             <a:r>
-              <a:rPr lang="en-US" dirty="0" smtClean="0"/>
+              <a:rPr lang="en-US" dirty="0"/>
               <a:t>Two </a:t>
             </a:r>
             <a:r>
-              <a:rPr lang="en-US" dirty="0" err="1" smtClean="0"/>
+              <a:rPr lang="en-US" dirty="0" err="1"/>
               <a:t>Draggable</a:t>
             </a:r>
             <a:r>
-              <a:rPr lang="en-US" dirty="0" smtClean="0"/>
+              <a:rPr lang="en-US" dirty="0"/>
               <a:t> Cats</a:t>
             </a:r>
+          </a:p>
+        </p:txBody>
+      </p:sp>
+      <p:sp>
+        <p:nvSpPr>
+          <p:cNvPr id="3" name="Subtitle 2"/>
+          <p:cNvSpPr>
+            <a:spLocks noGrp="1"/>
+          </p:cNvSpPr>
+          <p:nvPr>
+            <p:ph type="subTitle" idx="1"/>
+          </p:nvPr>
+        </p:nvSpPr>
+        <p:spPr/>
+        <p:txBody>
+          <a:bodyPr/>
+          <a:lstStyle/>
+          <a:p>
+            <a:r>
+              <a:rPr lang="en-US" dirty="0"/>
+              <a:t>CS 5010 Program Design Paradigms “</a:t>
+            </a:r>
+            <a:r>
+              <a:rPr lang="en-US" dirty="0" err="1"/>
+              <a:t>Bootcamp</a:t>
+            </a:r>
+            <a:r>
+              <a:rPr lang="en-US" dirty="0"/>
+              <a:t>”</a:t>
+            </a:r>
+          </a:p>
+          <a:p>
+            <a:r>
+              <a:rPr lang="en-US"/>
+              <a:t>Lesson 3.4</a:t>
+            </a:r>
             <a:endParaRPr lang="en-US" dirty="0"/>
-          </a:p>
-        </p:txBody>
-      </p:sp>
-      <p:sp>
-        <p:nvSpPr>
-          <p:cNvPr id="3" name="Subtitle 2"/>
-          <p:cNvSpPr>
-            <a:spLocks noGrp="1"/>
-          </p:cNvSpPr>
-          <p:nvPr>
-            <p:ph type="subTitle" idx="1"/>
-          </p:nvPr>
-        </p:nvSpPr>
-        <p:spPr/>
-        <p:txBody>
-          <a:bodyPr/>
-          <a:lstStyle/>
-          <a:p>
-            <a:r>
-              <a:rPr lang="en-US" dirty="0" smtClean="0"/>
-              <a:t>CS 5010 Program Design Paradigms “</a:t>
-            </a:r>
-            <a:r>
-              <a:rPr lang="en-US" dirty="0" err="1" smtClean="0"/>
-              <a:t>Bootcamp</a:t>
-            </a:r>
-            <a:r>
-              <a:rPr lang="en-US" dirty="0" smtClean="0"/>
-              <a:t>”</a:t>
-            </a:r>
-          </a:p>
-          <a:p>
-            <a:r>
-              <a:rPr lang="en-US" smtClean="0"/>
-              <a:t>Lesson 3.4</a:t>
-            </a:r>
-            <a:endParaRPr lang="en-US" dirty="0" smtClean="0"/>
           </a:p>
           <a:p>
             <a:endParaRPr lang="en-US" dirty="0"/>
@@ -4628,29 +4640,29 @@
           <a:lstStyle/>
           <a:p>
             <a:r>
-              <a:rPr lang="en-US" smtClean="0"/>
+              <a:rPr lang="en-US"/>
               <a:t>TexPoint fonts used in EMF. </a:t>
             </a:r>
           </a:p>
           <a:p>
             <a:r>
-              <a:rPr lang="en-US" smtClean="0"/>
+              <a:rPr lang="en-US"/>
               <a:t>Read the TexPoint manual before you delete this box.: </a:t>
             </a:r>
             <a:r>
-              <a:rPr lang="en-US" smtClean="0">
+              <a:rPr lang="en-US">
                 <a:latin typeface="CMMI10"/>
               </a:rPr>
               <a:t>A</a:t>
             </a:r>
             <a:r>
-              <a:rPr lang="en-US" smtClean="0">
+              <a:rPr lang="en-US">
                 <a:latin typeface="CMR10"/>
               </a:rPr>
               <a:t>A</a:t>
             </a:r>
             <a:r>
-              <a:rPr lang="en-US" smtClean="0">
+              <a:rPr lang="en-US">
                 <a:latin typeface="CMSY10ORIG"/>
               </a:rPr>
               <a:t>A</a:t>
@@ -4727,27 +4739,13 @@
             <a:p>
               <a:r>
                 <a:rPr lang="en-US" sz="1000" dirty="0"/>
-                <a:t>© Mitchell Wand, </a:t>
-              </a:r>
-              <a:r>
-                <a:rPr lang="en-US" sz="1000" dirty="0" smtClean="0"/>
-                <a:t>2012-2014</a:t>
+                <a:t>© Mitchell Wand, 2012-2014</a:t>
               </a:r>
             </a:p>
             <a:p>
               <a:r>
-                <a:rPr lang="en-US" sz="1000" dirty="0" smtClean="0"/>
+                <a:rPr lang="en-US" sz="1000" dirty="0"/>
                 <a:t>This work is licensed under a </a:t>
-              </a:r>
-              <a:r>
-                <a:rPr lang="en-US" altLang="en-US" sz="1000" dirty="0" smtClean="0">
-                  <a:solidFill>
-                    <a:srgbClr val="4374B7"/>
-                  </a:solidFill>
-                  <a:latin typeface="Helvetica Neue"/>
-                  <a:hlinkClick r:id="rId5"/>
-                </a:rPr>
-                <a:t>Creative </a:t>
               </a:r>
               <a:r>
                 <a:rPr lang="en-US" altLang="en-US" sz="1000" dirty="0">
@@ -4757,7 +4755,7 @@
                   <a:latin typeface="Helvetica Neue"/>
                   <a:hlinkClick r:id="rId5"/>
                 </a:rPr>
-                <a:t>Commons Attribution-</a:t>
+                <a:t>Creative Commons Attribution-</a:t>
               </a:r>
               <a:r>
                 <a:rPr lang="en-US" altLang="en-US" sz="1000" dirty="0" err="1">
@@ -4780,10 +4778,9 @@
                 <a:t> 4.0 International License</a:t>
               </a:r>
               <a:r>
-                <a:rPr lang="en-US" sz="1000" dirty="0" smtClean="0"/>
+                <a:rPr lang="en-US" sz="1000" dirty="0"/>
                 <a:t>.</a:t>
               </a:r>
-              <a:endParaRPr lang="en-US" sz="1000" dirty="0"/>
             </a:p>
           </p:txBody>
         </p:sp>
@@ -4793,13 +4790,6 @@
   <p:clrMapOvr>
     <a:masterClrMapping/>
   </p:clrMapOvr>
-  <p:timing>
-    <p:tnLst>
-      <p:par>
-        <p:cTn id="1" dur="indefinite" restart="never" nodeType="tmRoot"/>
-      </p:par>
-    </p:tnLst>
-  </p:timing>
 </p:sld>
 </file>
 
@@ -4836,10 +4826,9 @@
           <a:lstStyle/>
           <a:p>
             <a:r>
-              <a:rPr lang="en-US" dirty="0" smtClean="0"/>
+              <a:rPr lang="en-US" dirty="0"/>
               <a:t>Follow the template!</a:t>
             </a:r>
-            <a:endParaRPr lang="en-US" dirty="0"/>
           </a:p>
         </p:txBody>
       </p:sp>
@@ -4859,22 +4848,21 @@
           <a:lstStyle/>
           <a:p>
             <a:r>
-              <a:rPr lang="en-US" dirty="0" smtClean="0"/>
+              <a:rPr lang="en-US" dirty="0"/>
               <a:t>If your world has some cats in it, then your world function will just call a cat function on each cat.</a:t>
             </a:r>
           </a:p>
           <a:p>
             <a:r>
-              <a:rPr lang="en-US" dirty="0" smtClean="0"/>
+              <a:rPr lang="en-US" dirty="0"/>
               <a:t>The structure of your program will follow the structure of your data definitions.</a:t>
             </a:r>
           </a:p>
           <a:p>
             <a:r>
-              <a:rPr lang="en-US" dirty="0" smtClean="0"/>
+              <a:rPr lang="en-US" dirty="0"/>
               <a:t>Let's watch this at work:</a:t>
             </a:r>
-            <a:endParaRPr lang="en-US" dirty="0"/>
           </a:p>
         </p:txBody>
       </p:sp>
@@ -4924,10 +4912,9 @@
           <a:lstStyle/>
           <a:p>
             <a:r>
-              <a:rPr lang="en-US" dirty="0" smtClean="0"/>
+              <a:rPr lang="en-US" dirty="0"/>
               <a:t>world-after-tick</a:t>
             </a:r>
-            <a:endParaRPr lang="en-US" dirty="0"/>
           </a:p>
         </p:txBody>
       </p:sp>
@@ -4980,28 +4967,7 @@
                 <a:latin typeface="Consolas" pitchFamily="49" charset="0"/>
                 <a:cs typeface="Consolas" pitchFamily="49" charset="0"/>
               </a:rPr>
-              <a:t>;; </a:t>
-            </a:r>
-            <a:r>
-              <a:rPr lang="en-US" b="1" dirty="0" smtClean="0">
-                <a:latin typeface="Consolas" pitchFamily="49" charset="0"/>
-                <a:cs typeface="Consolas" pitchFamily="49" charset="0"/>
-              </a:rPr>
-              <a:t>RETURNS: </a:t>
-            </a:r>
-            <a:r>
-              <a:rPr lang="en-US" b="1" dirty="0">
-                <a:latin typeface="Consolas" pitchFamily="49" charset="0"/>
-                <a:cs typeface="Consolas" pitchFamily="49" charset="0"/>
-              </a:rPr>
-              <a:t>the world that should follow </a:t>
-            </a:r>
-            <a:r>
-              <a:rPr lang="en-US" b="1" dirty="0" smtClean="0">
-                <a:latin typeface="Consolas" pitchFamily="49" charset="0"/>
-                <a:cs typeface="Consolas" pitchFamily="49" charset="0"/>
-              </a:rPr>
-              <a:t>the</a:t>
+              <a:t>;; RETURNS: the world that should follow the</a:t>
             </a:r>
           </a:p>
           <a:p>
@@ -5015,18 +4981,11 @@
               <a:buNone/>
             </a:pPr>
             <a:r>
-              <a:rPr lang="en-US" b="1" dirty="0" smtClean="0">
-                <a:latin typeface="Consolas" pitchFamily="49" charset="0"/>
-                <a:cs typeface="Consolas" pitchFamily="49" charset="0"/>
-              </a:rPr>
-              <a:t>;; </a:t>
-            </a:r>
-            <a:r>
               <a:rPr lang="en-US" b="1" dirty="0">
                 <a:latin typeface="Consolas" pitchFamily="49" charset="0"/>
                 <a:cs typeface="Consolas" pitchFamily="49" charset="0"/>
               </a:rPr>
-              <a:t>given world after a tick</a:t>
+              <a:t>;; given world after a tick</a:t>
             </a:r>
           </a:p>
           <a:p>
@@ -5044,14 +5003,7 @@
                 <a:latin typeface="Consolas" pitchFamily="49" charset="0"/>
                 <a:cs typeface="Consolas" pitchFamily="49" charset="0"/>
               </a:rPr>
-              <a:t>;; </a:t>
-            </a:r>
-            <a:r>
-              <a:rPr lang="en-US" b="1" dirty="0" smtClean="0">
-                <a:latin typeface="Consolas" pitchFamily="49" charset="0"/>
-                <a:cs typeface="Consolas" pitchFamily="49" charset="0"/>
-              </a:rPr>
-              <a:t>STRATEGY: Use template for World on w</a:t>
+              <a:t>;; STRATEGY: Use template for World on w</a:t>
             </a:r>
           </a:p>
           <a:p>
@@ -5222,16 +5174,12 @@
               <a:buNone/>
             </a:pPr>
             <a:r>
-              <a:rPr lang="en-US" b="1" dirty="0" smtClean="0">
+              <a:rPr lang="en-US" b="1" dirty="0">
                 <a:latin typeface="Consolas" pitchFamily="49" charset="0"/>
                 <a:cs typeface="Consolas" pitchFamily="49" charset="0"/>
               </a:rPr>
               <a:t>      false)))</a:t>
             </a:r>
-            <a:endParaRPr lang="en-US" b="1" dirty="0">
-              <a:latin typeface="Consolas" pitchFamily="49" charset="0"/>
-              <a:cs typeface="Consolas" pitchFamily="49" charset="0"/>
-            </a:endParaRPr>
           </a:p>
           <a:p>
             <a:pPr marL="0" indent="0">
@@ -5280,7 +5228,7 @@
           <a:p>
             <a:pPr algn="ctr"/>
             <a:r>
-              <a:rPr lang="en-US" b="1" dirty="0" smtClean="0">
+              <a:rPr lang="en-US" b="1" dirty="0">
                 <a:solidFill>
                   <a:schemeClr val="tx1"/>
                 </a:solidFill>
@@ -5288,7 +5236,7 @@
               <a:t>(world-cat1 w) </a:t>
             </a:r>
             <a:r>
-              <a:rPr lang="en-US" dirty="0" smtClean="0">
+              <a:rPr lang="en-US" dirty="0">
                 <a:solidFill>
                   <a:schemeClr val="tx1"/>
                 </a:solidFill>
@@ -5344,13 +5292,6 @@
   <p:clrMapOvr>
     <a:masterClrMapping/>
   </p:clrMapOvr>
-  <p:timing>
-    <p:tnLst>
-      <p:par>
-        <p:cTn id="1" dur="indefinite" restart="never" nodeType="tmRoot"/>
-      </p:par>
-    </p:tnLst>
-  </p:timing>
 </p:sld>
 </file>
 
@@ -5387,10 +5328,9 @@
           <a:lstStyle/>
           <a:p>
             <a:r>
-              <a:rPr lang="en-US" dirty="0" smtClean="0"/>
+              <a:rPr lang="en-US" dirty="0"/>
               <a:t>cat-after-tick</a:t>
             </a:r>
-            <a:endParaRPr lang="en-US" dirty="0"/>
           </a:p>
         </p:txBody>
       </p:sp>
@@ -5427,56 +5367,38 @@
               <a:buNone/>
             </a:pPr>
             <a:r>
-              <a:rPr lang="en-US" sz="1800" b="1" dirty="0" smtClean="0">
-                <a:latin typeface="Consolas" pitchFamily="49" charset="0"/>
-                <a:cs typeface="Consolas" pitchFamily="49" charset="0"/>
-              </a:rPr>
-              <a:t>;; RETURNS: the </a:t>
-            </a:r>
-            <a:r>
               <a:rPr lang="en-US" sz="1800" b="1" dirty="0">
                 <a:latin typeface="Consolas" pitchFamily="49" charset="0"/>
                 <a:cs typeface="Consolas" pitchFamily="49" charset="0"/>
               </a:rPr>
-              <a:t>state of the given cat after a </a:t>
-            </a:r>
-            <a:r>
-              <a:rPr lang="en-US" sz="1800" b="1" dirty="0" smtClean="0">
+              <a:t>;; RETURNS: the state of the given cat after a tick in an</a:t>
+            </a:r>
+          </a:p>
+          <a:p>
+            <a:pPr marL="0" indent="0">
+              <a:buNone/>
+            </a:pPr>
+            <a:r>
+              <a:rPr lang="en-US" sz="1800" b="1" dirty="0">
                 <a:latin typeface="Consolas" pitchFamily="49" charset="0"/>
                 <a:cs typeface="Consolas" pitchFamily="49" charset="0"/>
               </a:rPr>
-              <a:t>tick in an</a:t>
-            </a:r>
-          </a:p>
-          <a:p>
-            <a:pPr marL="0" indent="0">
-              <a:buNone/>
-            </a:pPr>
-            <a:r>
-              <a:rPr lang="en-US" sz="1800" b="1" dirty="0" smtClean="0">
+              <a:t>;; </a:t>
+            </a:r>
+            <a:r>
+              <a:rPr lang="en-US" sz="1800" b="1" dirty="0" err="1">
                 <a:latin typeface="Consolas" pitchFamily="49" charset="0"/>
                 <a:cs typeface="Consolas" pitchFamily="49" charset="0"/>
               </a:rPr>
-              <a:t>;; </a:t>
-            </a:r>
-            <a:r>
-              <a:rPr lang="en-US" sz="1800" b="1" dirty="0" err="1" smtClean="0">
+              <a:t>unpaused</a:t>
+            </a:r>
+            <a:r>
+              <a:rPr lang="en-US" sz="1800" b="1" dirty="0">
                 <a:latin typeface="Consolas" pitchFamily="49" charset="0"/>
                 <a:cs typeface="Consolas" pitchFamily="49" charset="0"/>
               </a:rPr>
-              <a:t>unpaused</a:t>
-            </a:r>
-            <a:r>
-              <a:rPr lang="en-US" sz="1800" b="1" dirty="0" smtClean="0">
-                <a:latin typeface="Consolas" pitchFamily="49" charset="0"/>
-                <a:cs typeface="Consolas" pitchFamily="49" charset="0"/>
-              </a:rPr>
               <a:t> world.</a:t>
             </a:r>
-            <a:endParaRPr lang="en-US" sz="1800" b="1" dirty="0">
-              <a:latin typeface="Consolas" pitchFamily="49" charset="0"/>
-              <a:cs typeface="Consolas" pitchFamily="49" charset="0"/>
-            </a:endParaRPr>
           </a:p>
           <a:p>
             <a:pPr marL="0" indent="0">
@@ -5496,19 +5418,8 @@
                 <a:latin typeface="Consolas" pitchFamily="49" charset="0"/>
                 <a:cs typeface="Consolas" pitchFamily="49" charset="0"/>
               </a:rPr>
-              <a:t>;; </a:t>
-            </a:r>
-            <a:r>
-              <a:rPr lang="en-US" sz="1800" b="1" dirty="0" smtClean="0">
-                <a:latin typeface="Consolas" pitchFamily="49" charset="0"/>
-                <a:cs typeface="Consolas" pitchFamily="49" charset="0"/>
-              </a:rPr>
-              <a:t>EXAMPLES: </a:t>
-            </a:r>
-            <a:endParaRPr lang="en-US" sz="1800" b="1" dirty="0">
-              <a:latin typeface="Consolas" pitchFamily="49" charset="0"/>
-              <a:cs typeface="Consolas" pitchFamily="49" charset="0"/>
-            </a:endParaRPr>
+              <a:t>;; EXAMPLES: </a:t>
+            </a:r>
           </a:p>
           <a:p>
             <a:pPr marL="0" indent="0">
@@ -5555,14 +5466,7 @@
                 <a:latin typeface="Consolas" pitchFamily="49" charset="0"/>
                 <a:cs typeface="Consolas" pitchFamily="49" charset="0"/>
               </a:rPr>
-              <a:t>;; (cat-after-tick unselected-cat-at-20) = </a:t>
-            </a:r>
-            <a:r>
-              <a:rPr lang="en-US" sz="1800" b="1" dirty="0" smtClean="0">
-                <a:latin typeface="Consolas" pitchFamily="49" charset="0"/>
-                <a:cs typeface="Consolas" pitchFamily="49" charset="0"/>
-              </a:rPr>
-              <a:t>unselected-cat-at-28</a:t>
+              <a:t>;; (cat-after-tick unselected-cat-at-20) = unselected-cat-at-28</a:t>
             </a:r>
           </a:p>
           <a:p>
@@ -5579,23 +5483,12 @@
               <a:buNone/>
             </a:pPr>
             <a:r>
-              <a:rPr lang="en-US" sz="1800" b="1" dirty="0" smtClean="0">
+              <a:rPr lang="en-US" sz="1800" b="1" dirty="0">
                 <a:latin typeface="Consolas" pitchFamily="49" charset="0"/>
                 <a:cs typeface="Consolas" pitchFamily="49" charset="0"/>
               </a:rPr>
-              <a:t>;; </a:t>
-            </a:r>
-            <a:r>
-              <a:rPr lang="en-US" sz="1800" b="1" dirty="0" smtClean="0">
-                <a:latin typeface="Consolas" pitchFamily="49" charset="0"/>
-                <a:cs typeface="Consolas" pitchFamily="49" charset="0"/>
-              </a:rPr>
-              <a:t>STRATEGY: Use template for Cat on c</a:t>
-            </a:r>
-            <a:endParaRPr lang="en-US" sz="1800" b="1" dirty="0">
-              <a:latin typeface="Consolas" pitchFamily="49" charset="0"/>
-              <a:cs typeface="Consolas" pitchFamily="49" charset="0"/>
-            </a:endParaRPr>
+              <a:t>;; STRATEGY: Use template for Cat on c</a:t>
+            </a:r>
           </a:p>
           <a:p>
             <a:pPr marL="0" indent="0">
@@ -5611,7 +5504,7 @@
               <a:buNone/>
             </a:pPr>
             <a:r>
-              <a:rPr lang="en-US" sz="1800" b="1" dirty="0" smtClean="0">
+              <a:rPr lang="en-US" sz="1800" b="1" dirty="0">
                 <a:latin typeface="Consolas" pitchFamily="49" charset="0"/>
                 <a:cs typeface="Consolas" pitchFamily="49" charset="0"/>
               </a:rPr>
@@ -5639,13 +5532,6 @@
   <p:clrMapOvr>
     <a:masterClrMapping/>
   </p:clrMapOvr>
-  <p:timing>
-    <p:tnLst>
-      <p:par>
-        <p:cTn id="1" dur="indefinite" restart="never" nodeType="tmRoot"/>
-      </p:par>
-    </p:tnLst>
-  </p:timing>
 </p:sld>
 </file>
 
@@ -5682,10 +5568,9 @@
           <a:lstStyle/>
           <a:p>
             <a:r>
-              <a:rPr lang="en-US" dirty="0" smtClean="0"/>
+              <a:rPr lang="en-US" dirty="0"/>
               <a:t>cat-after-tick definition</a:t>
             </a:r>
-            <a:endParaRPr lang="en-US" dirty="0"/>
           </a:p>
         </p:txBody>
       </p:sp>
@@ -5837,10 +5722,6 @@
               </a:rPr>
               <a:t>      (cat-selected? c))))</a:t>
             </a:r>
-            <a:endParaRPr lang="en-US" sz="2400" b="1" dirty="0">
-              <a:latin typeface="Consolas" pitchFamily="49" charset="0"/>
-              <a:cs typeface="Consolas" pitchFamily="49" charset="0"/>
-            </a:endParaRPr>
           </a:p>
         </p:txBody>
       </p:sp>
@@ -5854,13 +5735,6 @@
   <p:clrMapOvr>
     <a:masterClrMapping/>
   </p:clrMapOvr>
-  <p:timing>
-    <p:tnLst>
-      <p:par>
-        <p:cTn id="1" dur="indefinite" restart="never" nodeType="tmRoot"/>
-      </p:par>
-    </p:tnLst>
-  </p:timing>
 </p:sld>
 </file>
 
@@ -5897,10 +5771,9 @@
           <a:lstStyle/>
           <a:p>
             <a:r>
-              <a:rPr lang="en-US" dirty="0" smtClean="0"/>
+              <a:rPr lang="en-US" dirty="0"/>
               <a:t>world-to-scene</a:t>
             </a:r>
-            <a:endParaRPr lang="en-US" dirty="0"/>
           </a:p>
         </p:txBody>
       </p:sp>
@@ -5920,16 +5793,15 @@
           <a:lstStyle/>
           <a:p>
             <a:r>
-              <a:rPr lang="en-US" dirty="0" smtClean="0"/>
+              <a:rPr lang="en-US" dirty="0"/>
               <a:t>world-to-scene follows the same pattern:  the world consists of two cats, so we call two cat functions.</a:t>
             </a:r>
           </a:p>
           <a:p>
             <a:r>
-              <a:rPr lang="en-US" dirty="0" smtClean="0"/>
+              <a:rPr lang="en-US" dirty="0"/>
               <a:t>Both cats have to appear in the same scene, so we will have to be a little clever about our cat function.</a:t>
             </a:r>
-            <a:endParaRPr lang="en-US" dirty="0"/>
           </a:p>
         </p:txBody>
       </p:sp>
@@ -5979,10 +5851,9 @@
           <a:lstStyle/>
           <a:p>
             <a:r>
-              <a:rPr lang="en-US" dirty="0" smtClean="0"/>
+              <a:rPr lang="en-US" dirty="0"/>
               <a:t>world-to-scene</a:t>
             </a:r>
-            <a:endParaRPr lang="en-US" dirty="0"/>
           </a:p>
         </p:txBody>
       </p:sp>
@@ -6023,75 +5894,32 @@
                 <a:latin typeface="Consolas" pitchFamily="49" charset="0"/>
                 <a:cs typeface="Consolas" pitchFamily="49" charset="0"/>
               </a:rPr>
-              <a:t>;; </a:t>
-            </a:r>
-            <a:r>
-              <a:rPr lang="en-US" b="1" dirty="0" smtClean="0">
-                <a:latin typeface="Consolas" pitchFamily="49" charset="0"/>
-                <a:cs typeface="Consolas" pitchFamily="49" charset="0"/>
-              </a:rPr>
-              <a:t>RETURNS: a </a:t>
-            </a:r>
+              <a:t>;; RETURNS: a Scene that portrays the </a:t>
+            </a:r>
+          </a:p>
+          <a:p>
+            <a:pPr marL="0" indent="0">
+              <a:buNone/>
+            </a:pPr>
             <a:r>
               <a:rPr lang="en-US" b="1" dirty="0">
                 <a:latin typeface="Consolas" pitchFamily="49" charset="0"/>
                 <a:cs typeface="Consolas" pitchFamily="49" charset="0"/>
               </a:rPr>
-              <a:t>Scene that portrays the </a:t>
-            </a:r>
-            <a:endParaRPr lang="en-US" b="1" dirty="0" smtClean="0">
-              <a:latin typeface="Consolas" pitchFamily="49" charset="0"/>
-              <a:cs typeface="Consolas" pitchFamily="49" charset="0"/>
-            </a:endParaRPr>
+              <a:t>;;   given world.</a:t>
+            </a:r>
           </a:p>
           <a:p>
             <a:pPr marL="0" indent="0">
               <a:buNone/>
             </a:pPr>
-            <a:r>
-              <a:rPr lang="en-US" b="1" dirty="0" smtClean="0">
-                <a:latin typeface="Consolas" pitchFamily="49" charset="0"/>
-                <a:cs typeface="Consolas" pitchFamily="49" charset="0"/>
-              </a:rPr>
-              <a:t>;;   given </a:t>
-            </a:r>
             <a:r>
               <a:rPr lang="en-US" b="1" dirty="0">
                 <a:latin typeface="Consolas" pitchFamily="49" charset="0"/>
                 <a:cs typeface="Consolas" pitchFamily="49" charset="0"/>
               </a:rPr>
-              <a:t>world.</a:t>
-            </a:r>
-          </a:p>
-          <a:p>
-            <a:pPr marL="0" indent="0">
-              <a:buNone/>
-            </a:pPr>
-            <a:r>
-              <a:rPr lang="en-US" b="1" dirty="0" smtClean="0">
-                <a:latin typeface="Consolas" pitchFamily="49" charset="0"/>
-                <a:cs typeface="Consolas" pitchFamily="49" charset="0"/>
-              </a:rPr>
-              <a:t>;; </a:t>
-            </a:r>
-            <a:r>
-              <a:rPr lang="en-US" b="1" dirty="0" smtClean="0">
-                <a:latin typeface="Consolas" pitchFamily="49" charset="0"/>
-                <a:cs typeface="Consolas" pitchFamily="49" charset="0"/>
-              </a:rPr>
-              <a:t>STRATEGY: </a:t>
-            </a:r>
-            <a:r>
-              <a:rPr lang="en-US" b="1" dirty="0" smtClean="0">
-                <a:latin typeface="Consolas" pitchFamily="49" charset="0"/>
-                <a:cs typeface="Consolas" pitchFamily="49" charset="0"/>
-              </a:rPr>
-              <a:t>Use template for World on w</a:t>
-            </a:r>
-            <a:endParaRPr lang="en-US" b="1" dirty="0">
-              <a:latin typeface="Consolas" pitchFamily="49" charset="0"/>
-              <a:cs typeface="Consolas" pitchFamily="49" charset="0"/>
-            </a:endParaRPr>
+              <a:t>;; STRATEGY: Use template for World on w</a:t>
+            </a:r>
           </a:p>
           <a:p>
             <a:pPr marL="0" indent="0">
@@ -6203,7 +6031,7 @@
           <a:p>
             <a:pPr algn="ctr"/>
             <a:r>
-              <a:rPr lang="en-US" dirty="0" smtClean="0">
+              <a:rPr lang="en-US" dirty="0">
                 <a:solidFill>
                   <a:schemeClr val="tx1"/>
                 </a:solidFill>
@@ -6211,7 +6039,7 @@
               <a:t>The pieces are cats, so create a </a:t>
             </a:r>
             <a:r>
-              <a:rPr lang="en-US" dirty="0" err="1" smtClean="0">
+              <a:rPr lang="en-US" dirty="0" err="1">
                 <a:solidFill>
                   <a:schemeClr val="tx1"/>
                 </a:solidFill>
@@ -6219,7 +6047,7 @@
               <a:t>wishlist</a:t>
             </a:r>
             <a:r>
-              <a:rPr lang="en-US" dirty="0" smtClean="0">
+              <a:rPr lang="en-US" dirty="0">
                 <a:solidFill>
                   <a:schemeClr val="tx1"/>
                 </a:solidFill>
@@ -6324,13 +6152,6 @@
   <p:clrMapOvr>
     <a:masterClrMapping/>
   </p:clrMapOvr>
-  <p:timing>
-    <p:tnLst>
-      <p:par>
-        <p:cTn id="1" dur="indefinite" restart="never" nodeType="tmRoot"/>
-      </p:par>
-    </p:tnLst>
-  </p:timing>
 </p:sld>
 </file>
 
@@ -6367,10 +6188,9 @@
           <a:lstStyle/>
           <a:p>
             <a:r>
-              <a:rPr lang="en-US" dirty="0" smtClean="0"/>
+              <a:rPr lang="en-US" dirty="0"/>
               <a:t>place-cat</a:t>
             </a:r>
-            <a:endParaRPr lang="en-US" dirty="0"/>
           </a:p>
         </p:txBody>
       </p:sp>
@@ -6417,14 +6237,7 @@
                 <a:latin typeface="Consolas" pitchFamily="49" charset="0"/>
                 <a:cs typeface="Consolas" pitchFamily="49" charset="0"/>
               </a:rPr>
-              <a:t>;; returns a scene like the given one, but </a:t>
-            </a:r>
-            <a:r>
-              <a:rPr lang="en-US" sz="2400" b="1" dirty="0" smtClean="0">
-                <a:latin typeface="Consolas" pitchFamily="49" charset="0"/>
-                <a:cs typeface="Consolas" pitchFamily="49" charset="0"/>
-              </a:rPr>
-              <a:t>with</a:t>
+              <a:t>;; returns a scene like the given one, but with</a:t>
             </a:r>
           </a:p>
           <a:p>
@@ -6435,39 +6248,11 @@
               <a:buNone/>
             </a:pPr>
             <a:r>
-              <a:rPr lang="en-US" sz="2400" b="1" dirty="0" smtClean="0">
-                <a:latin typeface="Consolas" pitchFamily="49" charset="0"/>
-                <a:cs typeface="Consolas" pitchFamily="49" charset="0"/>
-              </a:rPr>
-              <a:t>;; </a:t>
-            </a:r>
-            <a:r>
               <a:rPr lang="en-US" sz="2400" b="1" dirty="0">
                 <a:latin typeface="Consolas" pitchFamily="49" charset="0"/>
                 <a:cs typeface="Consolas" pitchFamily="49" charset="0"/>
               </a:rPr>
-              <a:t>the given cat </a:t>
-            </a:r>
-            <a:r>
-              <a:rPr lang="en-US" sz="2400" b="1" dirty="0" smtClean="0">
-                <a:latin typeface="Consolas" pitchFamily="49" charset="0"/>
-                <a:cs typeface="Consolas" pitchFamily="49" charset="0"/>
-              </a:rPr>
-              <a:t>painted </a:t>
-            </a:r>
-            <a:r>
-              <a:rPr lang="en-US" sz="2400" b="1" dirty="0">
-                <a:latin typeface="Consolas" pitchFamily="49" charset="0"/>
-                <a:cs typeface="Consolas" pitchFamily="49" charset="0"/>
-              </a:rPr>
-              <a:t>on it</a:t>
-            </a:r>
-            <a:r>
-              <a:rPr lang="en-US" sz="2400" b="1" dirty="0" smtClean="0">
-                <a:latin typeface="Consolas" pitchFamily="49" charset="0"/>
-                <a:cs typeface="Consolas" pitchFamily="49" charset="0"/>
-              </a:rPr>
-              <a:t>.</a:t>
+              <a:t>;; the given cat painted on it.</a:t>
             </a:r>
           </a:p>
           <a:p>
@@ -6478,23 +6263,12 @@
               <a:buNone/>
             </a:pPr>
             <a:r>
-              <a:rPr lang="en-US" sz="2400" b="1" dirty="0" smtClean="0">
+              <a:rPr lang="en-US" sz="2400" b="1" dirty="0">
                 <a:latin typeface="Consolas" pitchFamily="49" charset="0"/>
                 <a:cs typeface="Consolas" pitchFamily="49" charset="0"/>
               </a:rPr>
-              <a:t>;; strategy : </a:t>
-            </a:r>
-            <a:r>
-              <a:rPr lang="en-US" sz="2400" b="1" dirty="0" smtClean="0">
-                <a:latin typeface="Consolas" pitchFamily="49" charset="0"/>
-                <a:cs typeface="Consolas" pitchFamily="49" charset="0"/>
-              </a:rPr>
-              <a:t>Use template for Cat on c</a:t>
-            </a:r>
-            <a:endParaRPr lang="en-US" sz="2400" b="1" dirty="0">
-              <a:latin typeface="Consolas" pitchFamily="49" charset="0"/>
-              <a:cs typeface="Consolas" pitchFamily="49" charset="0"/>
-            </a:endParaRPr>
+              <a:t>;; strategy : Use template for Cat on c</a:t>
+            </a:r>
           </a:p>
           <a:p>
             <a:pPr marL="0" indent="0">
@@ -6611,13 +6385,6 @@
   <p:clrMapOvr>
     <a:masterClrMapping/>
   </p:clrMapOvr>
-  <p:timing>
-    <p:tnLst>
-      <p:par>
-        <p:cTn id="1" dur="indefinite" restart="never" nodeType="tmRoot"/>
-      </p:par>
-    </p:tnLst>
-  </p:timing>
 </p:sld>
 </file>
 
@@ -6650,95 +6417,93 @@
         </p:nvSpPr>
         <p:spPr/>
         <p:txBody>
+          <a:bodyPr>
+            <a:normAutofit fontScale="90000"/>
+          </a:bodyPr>
+          <a:lstStyle/>
+          <a:p>
+            <a:r>
+              <a:rPr lang="en-US" dirty="0"/>
+              <a:t>The Structure of the Program Follows the Structure of the Data (1)</a:t>
+            </a:r>
+          </a:p>
+        </p:txBody>
+      </p:sp>
+      <p:sp>
+        <p:nvSpPr>
+          <p:cNvPr id="3" name="Content Placeholder 2"/>
+          <p:cNvSpPr>
+            <a:spLocks noGrp="1"/>
+          </p:cNvSpPr>
+          <p:nvPr>
+            <p:ph idx="1"/>
+          </p:nvPr>
+        </p:nvSpPr>
+        <p:spPr/>
+        <p:txBody>
+          <a:bodyPr>
+            <a:normAutofit lnSpcReduction="10000"/>
+          </a:bodyPr>
+          <a:lstStyle/>
+          <a:p>
+            <a:r>
+              <a:rPr lang="en-US" dirty="0"/>
+              <a:t>Let's look again at the structure of our program.</a:t>
+            </a:r>
+          </a:p>
+          <a:p>
+            <a:r>
+              <a:rPr lang="en-US" dirty="0"/>
+              <a:t>If we draw the call graph of our program (showing which functions call which), we can see that the call graph mirrors the structure of the data</a:t>
+            </a:r>
+          </a:p>
+          <a:p>
+            <a:r>
+              <a:rPr lang="en-US" dirty="0"/>
+              <a:t>The world contains two cats, so world-after-tick calls cat-after-tick (twice).</a:t>
+            </a:r>
+          </a:p>
+          <a:p>
+            <a:r>
+              <a:rPr lang="en-US" dirty="0"/>
+              <a:t>Let' draw some pictures:</a:t>
+            </a:r>
+          </a:p>
+        </p:txBody>
+      </p:sp>
+      <p:sp>
+        <p:nvSpPr>
+          <p:cNvPr id="4" name="Slide Number Placeholder 3"/>
+          <p:cNvSpPr>
+            <a:spLocks noGrp="1"/>
+          </p:cNvSpPr>
+          <p:nvPr>
+            <p:ph type="sldNum" sz="quarter" idx="12"/>
+          </p:nvPr>
+        </p:nvSpPr>
+        <p:spPr/>
+        <p:txBody>
           <a:bodyPr/>
           <a:lstStyle/>
           <a:p>
-            <a:r>
-              <a:rPr lang="en-US" dirty="0" smtClean="0"/>
-              <a:t>Summary</a:t>
-            </a:r>
-            <a:endParaRPr lang="en-US" dirty="0"/>
-          </a:p>
-        </p:txBody>
-      </p:sp>
-      <p:sp>
-        <p:nvSpPr>
-          <p:cNvPr id="3" name="Content Placeholder 2"/>
-          <p:cNvSpPr>
-            <a:spLocks noGrp="1"/>
-          </p:cNvSpPr>
-          <p:nvPr>
-            <p:ph idx="1"/>
-          </p:nvPr>
-        </p:nvSpPr>
-        <p:spPr/>
-        <p:txBody>
-          <a:bodyPr/>
-          <a:lstStyle/>
-          <a:p>
-            <a:pPr fontAlgn="base"/>
-            <a:r>
-              <a:rPr lang="en-US" dirty="0"/>
-              <a:t>In this lesson, </a:t>
-            </a:r>
-            <a:r>
-              <a:rPr lang="en-US" dirty="0" smtClean="0"/>
-              <a:t>you had the opportunity to</a:t>
-            </a:r>
-          </a:p>
-          <a:p>
-            <a:pPr lvl="1" fontAlgn="base"/>
-            <a:r>
-              <a:rPr lang="en-US" dirty="0" smtClean="0"/>
-              <a:t>Build a more complex world</a:t>
-            </a:r>
-            <a:endParaRPr lang="en-US" dirty="0"/>
-          </a:p>
-          <a:p>
-            <a:pPr lvl="1" fontAlgn="base"/>
-            <a:r>
-              <a:rPr lang="en-US" dirty="0" smtClean="0"/>
-              <a:t>Write </a:t>
-            </a:r>
-            <a:r>
-              <a:rPr lang="en-US" dirty="0"/>
-              <a:t>more complex data definitions, representing information in appropriate places.</a:t>
-            </a:r>
-          </a:p>
-          <a:p>
-            <a:pPr lvl="1" fontAlgn="base"/>
-            <a:r>
-              <a:rPr lang="en-US" dirty="0"/>
-              <a:t>Use structural decomposition to guide the development of programs incorporating multiple data definitions</a:t>
-            </a:r>
-            <a:r>
-              <a:rPr lang="en-US" dirty="0" smtClean="0"/>
-              <a:t>.</a:t>
-            </a:r>
-          </a:p>
-          <a:p>
-            <a:pPr lvl="1" fontAlgn="base"/>
-            <a:endParaRPr lang="en-US" dirty="0"/>
+            <a:fld id="{2AF3B5EA-18B6-4040-9F78-6052AF49C681}" type="slidenum">
+              <a:rPr lang="en-US" smtClean="0"/>
+              <a:t>17</a:t>
+            </a:fld>
+            <a:endParaRPr lang="en-US"/>
           </a:p>
         </p:txBody>
       </p:sp>
     </p:spTree>
     <p:extLst>
       <p:ext uri="{BB962C8B-B14F-4D97-AF65-F5344CB8AC3E}">
-        <p14:creationId xmlns:p14="http://schemas.microsoft.com/office/powerpoint/2010/main" val="2226717334"/>
+        <p14:creationId xmlns:p14="http://schemas.microsoft.com/office/powerpoint/2010/main" val="2540011528"/>
       </p:ext>
     </p:extLst>
   </p:cSld>
   <p:clrMapOvr>
     <a:masterClrMapping/>
   </p:clrMapOvr>
-  <p:timing>
-    <p:tnLst>
-      <p:par>
-        <p:cTn id="1" dur="indefinite" restart="never" nodeType="tmRoot"/>
-      </p:par>
-    </p:tnLst>
-  </p:timing>
 </p:sld>
 </file>
 
@@ -6769,89 +6534,2101 @@
             <p:ph type="title"/>
           </p:nvPr>
         </p:nvSpPr>
+        <p:spPr>
+          <a:xfrm>
+            <a:off x="457200" y="241687"/>
+            <a:ext cx="8229600" cy="1143000"/>
+          </a:xfrm>
+        </p:spPr>
+        <p:txBody>
+          <a:bodyPr>
+            <a:normAutofit fontScale="90000"/>
+          </a:bodyPr>
+          <a:lstStyle/>
+          <a:p>
+            <a:r>
+              <a:rPr lang="en-US" dirty="0"/>
+              <a:t>The Structure of the Program Follows the Structure of the Data (2)</a:t>
+            </a:r>
+          </a:p>
+        </p:txBody>
+      </p:sp>
+      <p:sp>
+        <p:nvSpPr>
+          <p:cNvPr id="3" name="Slide Number Placeholder 2"/>
+          <p:cNvSpPr>
+            <a:spLocks noGrp="1"/>
+          </p:cNvSpPr>
+          <p:nvPr>
+            <p:ph type="sldNum" sz="quarter" idx="12"/>
+          </p:nvPr>
+        </p:nvSpPr>
         <p:spPr/>
         <p:txBody>
           <a:bodyPr/>
           <a:lstStyle/>
           <a:p>
-            <a:r>
-              <a:rPr lang="en-US" dirty="0" smtClean="0"/>
-              <a:t>Next Steps</a:t>
-            </a:r>
-            <a:endParaRPr lang="en-US" dirty="0"/>
-          </a:p>
-        </p:txBody>
-      </p:sp>
-      <p:sp>
-        <p:nvSpPr>
-          <p:cNvPr id="3" name="Content Placeholder 2"/>
-          <p:cNvSpPr>
-            <a:spLocks noGrp="1"/>
-          </p:cNvSpPr>
-          <p:nvPr>
-            <p:ph idx="1"/>
-          </p:nvPr>
-        </p:nvSpPr>
-        <p:spPr/>
-        <p:txBody>
-          <a:bodyPr/>
-          <a:lstStyle/>
-          <a:p>
-            <a:r>
-              <a:rPr lang="en-US" dirty="0" smtClean="0"/>
-              <a:t>Run two-</a:t>
-            </a:r>
-            <a:r>
-              <a:rPr lang="en-US" dirty="0" err="1" smtClean="0"/>
-              <a:t>draggable</a:t>
-            </a:r>
-            <a:r>
-              <a:rPr lang="en-US" dirty="0" smtClean="0"/>
-              <a:t>-</a:t>
-            </a:r>
-            <a:r>
-              <a:rPr lang="en-US" dirty="0" err="1" smtClean="0"/>
-              <a:t>cats.rkt</a:t>
-            </a:r>
-            <a:r>
-              <a:rPr lang="en-US" dirty="0" smtClean="0"/>
-              <a:t> and study the code (including the tests!)</a:t>
-            </a:r>
-          </a:p>
-          <a:p>
-            <a:r>
-              <a:rPr lang="en-US" dirty="0" smtClean="0"/>
-              <a:t>If you have questions about this lesson, ask them on the </a:t>
-            </a:r>
-            <a:r>
+            <a:fld id="{2AF3B5EA-18B6-4040-9F78-6052AF49C681}" type="slidenum">
               <a:rPr lang="en-US" smtClean="0"/>
-              <a:t>Discussion </a:t>
-            </a:r>
-            <a:r>
-              <a:rPr lang="en-US" smtClean="0"/>
-              <a:t>Board</a:t>
-            </a:r>
-            <a:endParaRPr lang="en-US" dirty="0" smtClean="0"/>
+              <a:t>18</a:t>
+            </a:fld>
+            <a:endParaRPr lang="en-US"/>
+          </a:p>
+        </p:txBody>
+      </p:sp>
+      <p:sp>
+        <p:nvSpPr>
+          <p:cNvPr id="4" name="Rectangle 3"/>
+          <p:cNvSpPr/>
+          <p:nvPr/>
+        </p:nvSpPr>
+        <p:spPr>
+          <a:xfrm>
+            <a:off x="1028700" y="1729952"/>
+            <a:ext cx="1600200" cy="533400"/>
+          </a:xfrm>
+          <a:prstGeom prst="rect">
+            <a:avLst/>
+          </a:prstGeom>
+          <a:noFill/>
+          <a:ln w="12700">
+            <a:solidFill>
+              <a:schemeClr val="tx1"/>
+            </a:solidFill>
+          </a:ln>
+        </p:spPr>
+        <p:style>
+          <a:lnRef idx="2">
+            <a:schemeClr val="accent1"/>
+          </a:lnRef>
+          <a:fillRef idx="1">
+            <a:schemeClr val="lt1"/>
+          </a:fillRef>
+          <a:effectRef idx="0">
+            <a:schemeClr val="accent1"/>
+          </a:effectRef>
+          <a:fontRef idx="minor">
+            <a:schemeClr val="dk1"/>
+          </a:fontRef>
+        </p:style>
+        <p:txBody>
+          <a:bodyPr rot="0" spcFirstLastPara="0" vertOverflow="overflow" horzOverflow="overflow" vert="horz" wrap="square" lIns="91440" tIns="45720" rIns="91440" bIns="45720" numCol="1" spcCol="0" rtlCol="0" fromWordArt="0" anchor="ctr" anchorCtr="0" forceAA="0" compatLnSpc="1">
+            <a:prstTxWarp prst="textNoShape">
+              <a:avLst/>
+            </a:prstTxWarp>
+            <a:noAutofit/>
+          </a:bodyPr>
+          <a:lstStyle/>
+          <a:p>
+            <a:pPr algn="ctr"/>
+            <a:r>
+              <a:rPr lang="en-US" dirty="0">
+                <a:solidFill>
+                  <a:schemeClr val="tx1"/>
+                </a:solidFill>
+              </a:rPr>
+              <a:t>World</a:t>
+            </a:r>
+          </a:p>
+        </p:txBody>
+      </p:sp>
+      <p:cxnSp>
+        <p:nvCxnSpPr>
+          <p:cNvPr id="7" name="Straight Arrow Connector 6"/>
+          <p:cNvCxnSpPr>
+            <a:stCxn id="8" idx="0"/>
+            <a:endCxn id="4" idx="2"/>
+          </p:cNvCxnSpPr>
+          <p:nvPr/>
+        </p:nvCxnSpPr>
+        <p:spPr>
+          <a:xfrm flipV="1">
+            <a:off x="1828800" y="2263352"/>
+            <a:ext cx="0" cy="479848"/>
+          </a:xfrm>
+          <a:prstGeom prst="straightConnector1">
+            <a:avLst/>
+          </a:prstGeom>
+          <a:ln>
+            <a:tailEnd type="triangle"/>
+          </a:ln>
+        </p:spPr>
+        <p:style>
+          <a:lnRef idx="1">
+            <a:schemeClr val="accent1"/>
+          </a:lnRef>
+          <a:fillRef idx="0">
+            <a:schemeClr val="accent1"/>
+          </a:fillRef>
+          <a:effectRef idx="0">
+            <a:schemeClr val="accent1"/>
+          </a:effectRef>
+          <a:fontRef idx="minor">
+            <a:schemeClr val="tx1"/>
+          </a:fontRef>
+        </p:style>
+      </p:cxnSp>
+      <p:sp>
+        <p:nvSpPr>
+          <p:cNvPr id="8" name="Rectangle 7"/>
+          <p:cNvSpPr/>
+          <p:nvPr/>
+        </p:nvSpPr>
+        <p:spPr>
+          <a:xfrm>
+            <a:off x="1028700" y="2743200"/>
+            <a:ext cx="1600200" cy="533400"/>
+          </a:xfrm>
+          <a:prstGeom prst="rect">
+            <a:avLst/>
+          </a:prstGeom>
+          <a:noFill/>
+          <a:ln w="12700">
+            <a:solidFill>
+              <a:schemeClr val="tx1"/>
+            </a:solidFill>
+          </a:ln>
+        </p:spPr>
+        <p:style>
+          <a:lnRef idx="2">
+            <a:schemeClr val="accent1"/>
+          </a:lnRef>
+          <a:fillRef idx="1">
+            <a:schemeClr val="lt1"/>
+          </a:fillRef>
+          <a:effectRef idx="0">
+            <a:schemeClr val="accent1"/>
+          </a:effectRef>
+          <a:fontRef idx="minor">
+            <a:schemeClr val="dk1"/>
+          </a:fontRef>
+        </p:style>
+        <p:txBody>
+          <a:bodyPr rot="0" spcFirstLastPara="0" vertOverflow="overflow" horzOverflow="overflow" vert="horz" wrap="square" lIns="91440" tIns="45720" rIns="91440" bIns="45720" numCol="1" spcCol="0" rtlCol="0" fromWordArt="0" anchor="ctr" anchorCtr="0" forceAA="0" compatLnSpc="1">
+            <a:prstTxWarp prst="textNoShape">
+              <a:avLst/>
+            </a:prstTxWarp>
+            <a:noAutofit/>
+          </a:bodyPr>
+          <a:lstStyle/>
+          <a:p>
+            <a:pPr algn="ctr"/>
+            <a:r>
+              <a:rPr lang="en-US" dirty="0">
+                <a:solidFill>
+                  <a:schemeClr val="tx1"/>
+                </a:solidFill>
+              </a:rPr>
+              <a:t>Cat</a:t>
+            </a:r>
+          </a:p>
+        </p:txBody>
+      </p:sp>
+      <p:grpSp>
+        <p:nvGrpSpPr>
+          <p:cNvPr id="21" name="Group 20"/>
+          <p:cNvGrpSpPr/>
+          <p:nvPr/>
+        </p:nvGrpSpPr>
+        <p:grpSpPr>
+          <a:xfrm>
+            <a:off x="3429000" y="1768052"/>
+            <a:ext cx="1600200" cy="1546648"/>
+            <a:chOff x="4114800" y="1729952"/>
+            <a:chExt cx="1600200" cy="1546648"/>
+          </a:xfrm>
+        </p:grpSpPr>
+        <p:sp>
+          <p:nvSpPr>
+            <p:cNvPr id="13" name="Rectangle 12"/>
+            <p:cNvSpPr/>
+            <p:nvPr/>
+          </p:nvSpPr>
+          <p:spPr>
+            <a:xfrm>
+              <a:off x="4114800" y="1729952"/>
+              <a:ext cx="1600200" cy="533400"/>
+            </a:xfrm>
+            <a:prstGeom prst="rect">
+              <a:avLst/>
+            </a:prstGeom>
+            <a:noFill/>
+            <a:ln w="12700">
+              <a:solidFill>
+                <a:schemeClr val="tx1"/>
+              </a:solidFill>
+            </a:ln>
+          </p:spPr>
+          <p:style>
+            <a:lnRef idx="2">
+              <a:schemeClr val="accent1"/>
+            </a:lnRef>
+            <a:fillRef idx="1">
+              <a:schemeClr val="lt1"/>
+            </a:fillRef>
+            <a:effectRef idx="0">
+              <a:schemeClr val="accent1"/>
+            </a:effectRef>
+            <a:fontRef idx="minor">
+              <a:schemeClr val="dk1"/>
+            </a:fontRef>
+          </p:style>
+          <p:txBody>
+            <a:bodyPr rot="0" spcFirstLastPara="0" vertOverflow="overflow" horzOverflow="overflow" vert="horz" wrap="square" lIns="91440" tIns="45720" rIns="91440" bIns="45720" numCol="1" spcCol="0" rtlCol="0" fromWordArt="0" anchor="ctr" anchorCtr="0" forceAA="0" compatLnSpc="1">
+              <a:prstTxWarp prst="textNoShape">
+                <a:avLst/>
+              </a:prstTxWarp>
+              <a:noAutofit/>
+            </a:bodyPr>
+            <a:lstStyle/>
+            <a:p>
+              <a:pPr algn="ctr"/>
+              <a:r>
+                <a:rPr lang="en-US" dirty="0">
+                  <a:solidFill>
+                    <a:schemeClr val="tx1"/>
+                  </a:solidFill>
+                </a:rPr>
+                <a:t>world-after-tick</a:t>
+              </a:r>
+            </a:p>
+          </p:txBody>
+        </p:sp>
+        <p:sp>
+          <p:nvSpPr>
+            <p:cNvPr id="18" name="Rectangle 17"/>
+            <p:cNvSpPr/>
+            <p:nvPr/>
+          </p:nvSpPr>
+          <p:spPr>
+            <a:xfrm>
+              <a:off x="4114800" y="2743200"/>
+              <a:ext cx="1600200" cy="533400"/>
+            </a:xfrm>
+            <a:prstGeom prst="rect">
+              <a:avLst/>
+            </a:prstGeom>
+            <a:noFill/>
+            <a:ln w="12700">
+              <a:solidFill>
+                <a:schemeClr val="tx1"/>
+              </a:solidFill>
+            </a:ln>
+          </p:spPr>
+          <p:style>
+            <a:lnRef idx="2">
+              <a:schemeClr val="accent1"/>
+            </a:lnRef>
+            <a:fillRef idx="1">
+              <a:schemeClr val="lt1"/>
+            </a:fillRef>
+            <a:effectRef idx="0">
+              <a:schemeClr val="accent1"/>
+            </a:effectRef>
+            <a:fontRef idx="minor">
+              <a:schemeClr val="dk1"/>
+            </a:fontRef>
+          </p:style>
+          <p:txBody>
+            <a:bodyPr rot="0" spcFirstLastPara="0" vertOverflow="overflow" horzOverflow="overflow" vert="horz" wrap="square" lIns="91440" tIns="45720" rIns="91440" bIns="45720" numCol="1" spcCol="0" rtlCol="0" fromWordArt="0" anchor="ctr" anchorCtr="0" forceAA="0" compatLnSpc="1">
+              <a:prstTxWarp prst="textNoShape">
+                <a:avLst/>
+              </a:prstTxWarp>
+              <a:noAutofit/>
+            </a:bodyPr>
+            <a:lstStyle/>
+            <a:p>
+              <a:pPr algn="ctr"/>
+              <a:r>
+                <a:rPr lang="en-US" dirty="0">
+                  <a:solidFill>
+                    <a:schemeClr val="tx1"/>
+                  </a:solidFill>
+                </a:rPr>
+                <a:t>cat-after-tick</a:t>
+              </a:r>
+            </a:p>
+          </p:txBody>
+        </p:sp>
+        <p:cxnSp>
+          <p:nvCxnSpPr>
+            <p:cNvPr id="20" name="Straight Arrow Connector 19"/>
+            <p:cNvCxnSpPr>
+              <a:stCxn id="13" idx="2"/>
+              <a:endCxn id="18" idx="0"/>
+            </p:cNvCxnSpPr>
+            <p:nvPr/>
+          </p:nvCxnSpPr>
+          <p:spPr>
+            <a:xfrm>
+              <a:off x="4914900" y="2263352"/>
+              <a:ext cx="0" cy="479848"/>
+            </a:xfrm>
+            <a:prstGeom prst="straightConnector1">
+              <a:avLst/>
+            </a:prstGeom>
+            <a:ln>
+              <a:tailEnd type="triangle"/>
+            </a:ln>
+          </p:spPr>
+          <p:style>
+            <a:lnRef idx="1">
+              <a:schemeClr val="accent1"/>
+            </a:lnRef>
+            <a:fillRef idx="0">
+              <a:schemeClr val="accent1"/>
+            </a:fillRef>
+            <a:effectRef idx="0">
+              <a:schemeClr val="accent1"/>
+            </a:effectRef>
+            <a:fontRef idx="minor">
+              <a:schemeClr val="tx1"/>
+            </a:fontRef>
+          </p:style>
+        </p:cxnSp>
+      </p:grpSp>
+      <p:grpSp>
+        <p:nvGrpSpPr>
+          <p:cNvPr id="22" name="Group 21"/>
+          <p:cNvGrpSpPr/>
+          <p:nvPr/>
+        </p:nvGrpSpPr>
+        <p:grpSpPr>
+          <a:xfrm>
+            <a:off x="5253036" y="1768052"/>
+            <a:ext cx="1600200" cy="1546648"/>
+            <a:chOff x="4114800" y="1729952"/>
+            <a:chExt cx="1600200" cy="1546648"/>
+          </a:xfrm>
+        </p:grpSpPr>
+        <p:sp>
+          <p:nvSpPr>
+            <p:cNvPr id="23" name="Rectangle 22"/>
+            <p:cNvSpPr/>
+            <p:nvPr/>
+          </p:nvSpPr>
+          <p:spPr>
+            <a:xfrm>
+              <a:off x="4114800" y="1729952"/>
+              <a:ext cx="1600200" cy="533400"/>
+            </a:xfrm>
+            <a:prstGeom prst="rect">
+              <a:avLst/>
+            </a:prstGeom>
+            <a:noFill/>
+            <a:ln w="12700">
+              <a:solidFill>
+                <a:schemeClr val="tx1"/>
+              </a:solidFill>
+            </a:ln>
+          </p:spPr>
+          <p:style>
+            <a:lnRef idx="2">
+              <a:schemeClr val="accent1"/>
+            </a:lnRef>
+            <a:fillRef idx="1">
+              <a:schemeClr val="lt1"/>
+            </a:fillRef>
+            <a:effectRef idx="0">
+              <a:schemeClr val="accent1"/>
+            </a:effectRef>
+            <a:fontRef idx="minor">
+              <a:schemeClr val="dk1"/>
+            </a:fontRef>
+          </p:style>
+          <p:txBody>
+            <a:bodyPr rot="0" spcFirstLastPara="0" vertOverflow="overflow" horzOverflow="overflow" vert="horz" wrap="square" lIns="91440" tIns="45720" rIns="91440" bIns="45720" numCol="1" spcCol="0" rtlCol="0" fromWordArt="0" anchor="ctr" anchorCtr="0" forceAA="0" compatLnSpc="1">
+              <a:prstTxWarp prst="textNoShape">
+                <a:avLst/>
+              </a:prstTxWarp>
+              <a:noAutofit/>
+            </a:bodyPr>
+            <a:lstStyle/>
+            <a:p>
+              <a:pPr algn="ctr"/>
+              <a:r>
+                <a:rPr lang="en-US" dirty="0">
+                  <a:solidFill>
+                    <a:schemeClr val="tx1"/>
+                  </a:solidFill>
+                </a:rPr>
+                <a:t>world-to-scene</a:t>
+              </a:r>
+            </a:p>
+          </p:txBody>
+        </p:sp>
+        <p:sp>
+          <p:nvSpPr>
+            <p:cNvPr id="24" name="Rectangle 23"/>
+            <p:cNvSpPr/>
+            <p:nvPr/>
+          </p:nvSpPr>
+          <p:spPr>
+            <a:xfrm>
+              <a:off x="4114800" y="2743200"/>
+              <a:ext cx="1600200" cy="533400"/>
+            </a:xfrm>
+            <a:prstGeom prst="rect">
+              <a:avLst/>
+            </a:prstGeom>
+            <a:noFill/>
+            <a:ln w="12700">
+              <a:solidFill>
+                <a:schemeClr val="tx1"/>
+              </a:solidFill>
+            </a:ln>
+          </p:spPr>
+          <p:style>
+            <a:lnRef idx="2">
+              <a:schemeClr val="accent1"/>
+            </a:lnRef>
+            <a:fillRef idx="1">
+              <a:schemeClr val="lt1"/>
+            </a:fillRef>
+            <a:effectRef idx="0">
+              <a:schemeClr val="accent1"/>
+            </a:effectRef>
+            <a:fontRef idx="minor">
+              <a:schemeClr val="dk1"/>
+            </a:fontRef>
+          </p:style>
+          <p:txBody>
+            <a:bodyPr rot="0" spcFirstLastPara="0" vertOverflow="overflow" horzOverflow="overflow" vert="horz" wrap="square" lIns="91440" tIns="45720" rIns="91440" bIns="45720" numCol="1" spcCol="0" rtlCol="0" fromWordArt="0" anchor="ctr" anchorCtr="0" forceAA="0" compatLnSpc="1">
+              <a:prstTxWarp prst="textNoShape">
+                <a:avLst/>
+              </a:prstTxWarp>
+              <a:noAutofit/>
+            </a:bodyPr>
+            <a:lstStyle/>
+            <a:p>
+              <a:pPr algn="ctr"/>
+              <a:r>
+                <a:rPr lang="en-US" dirty="0">
+                  <a:solidFill>
+                    <a:schemeClr val="tx1"/>
+                  </a:solidFill>
+                </a:rPr>
+                <a:t>place-cat</a:t>
+              </a:r>
+            </a:p>
+          </p:txBody>
+        </p:sp>
+        <p:cxnSp>
+          <p:nvCxnSpPr>
+            <p:cNvPr id="25" name="Straight Arrow Connector 24"/>
+            <p:cNvCxnSpPr>
+              <a:stCxn id="23" idx="2"/>
+              <a:endCxn id="24" idx="0"/>
+            </p:cNvCxnSpPr>
+            <p:nvPr/>
+          </p:nvCxnSpPr>
+          <p:spPr>
+            <a:xfrm>
+              <a:off x="4914900" y="2263352"/>
+              <a:ext cx="0" cy="479848"/>
+            </a:xfrm>
+            <a:prstGeom prst="straightConnector1">
+              <a:avLst/>
+            </a:prstGeom>
+            <a:ln>
+              <a:tailEnd type="triangle"/>
+            </a:ln>
+          </p:spPr>
+          <p:style>
+            <a:lnRef idx="1">
+              <a:schemeClr val="accent1"/>
+            </a:lnRef>
+            <a:fillRef idx="0">
+              <a:schemeClr val="accent1"/>
+            </a:fillRef>
+            <a:effectRef idx="0">
+              <a:schemeClr val="accent1"/>
+            </a:effectRef>
+            <a:fontRef idx="minor">
+              <a:schemeClr val="tx1"/>
+            </a:fontRef>
+          </p:style>
+        </p:cxnSp>
+      </p:grpSp>
+      <p:grpSp>
+        <p:nvGrpSpPr>
+          <p:cNvPr id="26" name="Group 25"/>
+          <p:cNvGrpSpPr/>
+          <p:nvPr/>
+        </p:nvGrpSpPr>
+        <p:grpSpPr>
+          <a:xfrm>
+            <a:off x="7077073" y="1768052"/>
+            <a:ext cx="1600200" cy="1546648"/>
+            <a:chOff x="4114800" y="1729952"/>
+            <a:chExt cx="1600200" cy="1546648"/>
+          </a:xfrm>
+        </p:grpSpPr>
+        <p:sp>
+          <p:nvSpPr>
+            <p:cNvPr id="27" name="Rectangle 26"/>
+            <p:cNvSpPr/>
+            <p:nvPr/>
+          </p:nvSpPr>
+          <p:spPr>
+            <a:xfrm>
+              <a:off x="4114800" y="1729952"/>
+              <a:ext cx="1600200" cy="533400"/>
+            </a:xfrm>
+            <a:prstGeom prst="rect">
+              <a:avLst/>
+            </a:prstGeom>
+            <a:noFill/>
+            <a:ln w="12700">
+              <a:solidFill>
+                <a:schemeClr val="tx1"/>
+              </a:solidFill>
+            </a:ln>
+          </p:spPr>
+          <p:style>
+            <a:lnRef idx="2">
+              <a:schemeClr val="accent1"/>
+            </a:lnRef>
+            <a:fillRef idx="1">
+              <a:schemeClr val="lt1"/>
+            </a:fillRef>
+            <a:effectRef idx="0">
+              <a:schemeClr val="accent1"/>
+            </a:effectRef>
+            <a:fontRef idx="minor">
+              <a:schemeClr val="dk1"/>
+            </a:fontRef>
+          </p:style>
+          <p:txBody>
+            <a:bodyPr rot="0" spcFirstLastPara="0" vertOverflow="overflow" horzOverflow="overflow" vert="horz" wrap="square" lIns="91440" tIns="45720" rIns="91440" bIns="45720" numCol="1" spcCol="0" rtlCol="0" fromWordArt="0" anchor="ctr" anchorCtr="0" forceAA="0" compatLnSpc="1">
+              <a:prstTxWarp prst="textNoShape">
+                <a:avLst/>
+              </a:prstTxWarp>
+              <a:noAutofit/>
+            </a:bodyPr>
+            <a:lstStyle/>
+            <a:p>
+              <a:pPr algn="ctr"/>
+              <a:r>
+                <a:rPr lang="en-US" dirty="0">
+                  <a:solidFill>
+                    <a:schemeClr val="tx1"/>
+                  </a:solidFill>
+                </a:rPr>
+                <a:t>world-after-mouse-event</a:t>
+              </a:r>
+            </a:p>
+          </p:txBody>
+        </p:sp>
+        <p:sp>
+          <p:nvSpPr>
+            <p:cNvPr id="28" name="Rectangle 27"/>
+            <p:cNvSpPr/>
+            <p:nvPr/>
+          </p:nvSpPr>
+          <p:spPr>
+            <a:xfrm>
+              <a:off x="4114800" y="2743200"/>
+              <a:ext cx="1600200" cy="533400"/>
+            </a:xfrm>
+            <a:prstGeom prst="rect">
+              <a:avLst/>
+            </a:prstGeom>
+            <a:noFill/>
+            <a:ln w="12700">
+              <a:solidFill>
+                <a:schemeClr val="tx1"/>
+              </a:solidFill>
+            </a:ln>
+          </p:spPr>
+          <p:style>
+            <a:lnRef idx="2">
+              <a:schemeClr val="accent1"/>
+            </a:lnRef>
+            <a:fillRef idx="1">
+              <a:schemeClr val="lt1"/>
+            </a:fillRef>
+            <a:effectRef idx="0">
+              <a:schemeClr val="accent1"/>
+            </a:effectRef>
+            <a:fontRef idx="minor">
+              <a:schemeClr val="dk1"/>
+            </a:fontRef>
+          </p:style>
+          <p:txBody>
+            <a:bodyPr rot="0" spcFirstLastPara="0" vertOverflow="overflow" horzOverflow="overflow" vert="horz" wrap="square" lIns="91440" tIns="45720" rIns="91440" bIns="45720" numCol="1" spcCol="0" rtlCol="0" fromWordArt="0" anchor="ctr" anchorCtr="0" forceAA="0" compatLnSpc="1">
+              <a:prstTxWarp prst="textNoShape">
+                <a:avLst/>
+              </a:prstTxWarp>
+              <a:noAutofit/>
+            </a:bodyPr>
+            <a:lstStyle/>
+            <a:p>
+              <a:pPr algn="ctr"/>
+              <a:r>
+                <a:rPr lang="en-US" dirty="0">
+                  <a:solidFill>
+                    <a:schemeClr val="tx1"/>
+                  </a:solidFill>
+                </a:rPr>
+                <a:t>cat-after-mouse-event</a:t>
+              </a:r>
+            </a:p>
+          </p:txBody>
+        </p:sp>
+        <p:cxnSp>
+          <p:nvCxnSpPr>
+            <p:cNvPr id="29" name="Straight Arrow Connector 28"/>
+            <p:cNvCxnSpPr>
+              <a:stCxn id="27" idx="2"/>
+              <a:endCxn id="28" idx="0"/>
+            </p:cNvCxnSpPr>
+            <p:nvPr/>
+          </p:nvCxnSpPr>
+          <p:spPr>
+            <a:xfrm>
+              <a:off x="4914900" y="2263352"/>
+              <a:ext cx="0" cy="479848"/>
+            </a:xfrm>
+            <a:prstGeom prst="straightConnector1">
+              <a:avLst/>
+            </a:prstGeom>
+            <a:ln>
+              <a:tailEnd type="triangle"/>
+            </a:ln>
+          </p:spPr>
+          <p:style>
+            <a:lnRef idx="1">
+              <a:schemeClr val="accent1"/>
+            </a:lnRef>
+            <a:fillRef idx="0">
+              <a:schemeClr val="accent1"/>
+            </a:fillRef>
+            <a:effectRef idx="0">
+              <a:schemeClr val="accent1"/>
+            </a:effectRef>
+            <a:fontRef idx="minor">
+              <a:schemeClr val="tx1"/>
+            </a:fontRef>
+          </p:style>
+        </p:cxnSp>
+      </p:grpSp>
+      <p:sp>
+        <p:nvSpPr>
+          <p:cNvPr id="30" name="TextBox 29"/>
+          <p:cNvSpPr txBox="1"/>
+          <p:nvPr/>
+        </p:nvSpPr>
+        <p:spPr>
+          <a:xfrm>
+            <a:off x="734462" y="3867235"/>
+            <a:ext cx="2188676" cy="461665"/>
+          </a:xfrm>
+          <a:prstGeom prst="rect">
+            <a:avLst/>
+          </a:prstGeom>
+          <a:noFill/>
+        </p:spPr>
+        <p:txBody>
+          <a:bodyPr wrap="none" rtlCol="0">
+            <a:spAutoFit/>
+          </a:bodyPr>
+          <a:lstStyle/>
+          <a:p>
+            <a:r>
+              <a:rPr lang="en-US" sz="2400" dirty="0">
+                <a:solidFill>
+                  <a:schemeClr val="tx2">
+                    <a:lumMod val="60000"/>
+                    <a:lumOff val="40000"/>
+                  </a:schemeClr>
+                </a:solidFill>
+              </a:rPr>
+              <a:t>Data Definitions</a:t>
+            </a:r>
+          </a:p>
+        </p:txBody>
+      </p:sp>
+      <p:sp>
+        <p:nvSpPr>
+          <p:cNvPr id="31" name="TextBox 30"/>
+          <p:cNvSpPr txBox="1"/>
+          <p:nvPr/>
+        </p:nvSpPr>
+        <p:spPr>
+          <a:xfrm>
+            <a:off x="4958798" y="3867236"/>
+            <a:ext cx="1592231" cy="461665"/>
+          </a:xfrm>
+          <a:prstGeom prst="rect">
+            <a:avLst/>
+          </a:prstGeom>
+          <a:noFill/>
+        </p:spPr>
+        <p:txBody>
+          <a:bodyPr wrap="none" rtlCol="0">
+            <a:spAutoFit/>
+          </a:bodyPr>
+          <a:lstStyle/>
+          <a:p>
+            <a:r>
+              <a:rPr lang="en-US" sz="2400" dirty="0">
+                <a:solidFill>
+                  <a:schemeClr val="tx2">
+                    <a:lumMod val="60000"/>
+                    <a:lumOff val="40000"/>
+                  </a:schemeClr>
+                </a:solidFill>
+              </a:rPr>
+              <a:t>Call Graphs</a:t>
+            </a:r>
           </a:p>
         </p:txBody>
       </p:sp>
     </p:spTree>
     <p:extLst>
       <p:ext uri="{BB962C8B-B14F-4D97-AF65-F5344CB8AC3E}">
-        <p14:creationId xmlns:p14="http://schemas.microsoft.com/office/powerpoint/2010/main" val="2468265515"/>
+        <p14:creationId xmlns:p14="http://schemas.microsoft.com/office/powerpoint/2010/main" val="2982319082"/>
       </p:ext>
     </p:extLst>
   </p:cSld>
   <p:clrMapOvr>
     <a:masterClrMapping/>
   </p:clrMapOvr>
-  <p:timing>
-    <p:tnLst>
-      <p:par>
-        <p:cTn id="1" dur="indefinite" restart="never" nodeType="tmRoot"/>
-      </p:par>
-    </p:tnLst>
-  </p:timing>
+</p:sld>
+</file>
+
+<file path=ppt/slides/slide19.xml><?xml version="1.0" encoding="utf-8"?>
+<p:sld xmlns:a="http://schemas.openxmlformats.org/drawingml/2006/main" xmlns:r="http://schemas.openxmlformats.org/officeDocument/2006/relationships" xmlns:p="http://schemas.openxmlformats.org/presentationml/2006/main">
+  <p:cSld>
+    <p:spTree>
+      <p:nvGrpSpPr>
+        <p:cNvPr id="1" name=""/>
+        <p:cNvGrpSpPr/>
+        <p:nvPr/>
+      </p:nvGrpSpPr>
+      <p:grpSpPr>
+        <a:xfrm>
+          <a:off x="0" y="0"/>
+          <a:ext cx="0" cy="0"/>
+          <a:chOff x="0" y="0"/>
+          <a:chExt cx="0" cy="0"/>
+        </a:xfrm>
+      </p:grpSpPr>
+      <p:sp>
+        <p:nvSpPr>
+          <p:cNvPr id="2" name="Title 1"/>
+          <p:cNvSpPr>
+            <a:spLocks noGrp="1"/>
+          </p:cNvSpPr>
+          <p:nvPr>
+            <p:ph type="title"/>
+          </p:nvPr>
+        </p:nvSpPr>
+        <p:spPr/>
+        <p:txBody>
+          <a:bodyPr>
+            <a:normAutofit fontScale="90000"/>
+          </a:bodyPr>
+          <a:lstStyle/>
+          <a:p>
+            <a:r>
+              <a:rPr lang="en-US" dirty="0"/>
+              <a:t>The Structure of the Program Follows the Structure of the Data (3)</a:t>
+            </a:r>
+          </a:p>
+        </p:txBody>
+      </p:sp>
+      <p:sp>
+        <p:nvSpPr>
+          <p:cNvPr id="3" name="Slide Number Placeholder 2"/>
+          <p:cNvSpPr>
+            <a:spLocks noGrp="1"/>
+          </p:cNvSpPr>
+          <p:nvPr>
+            <p:ph type="sldNum" sz="quarter" idx="12"/>
+          </p:nvPr>
+        </p:nvSpPr>
+        <p:spPr/>
+        <p:txBody>
+          <a:bodyPr/>
+          <a:lstStyle/>
+          <a:p>
+            <a:fld id="{2AF3B5EA-18B6-4040-9F78-6052AF49C681}" type="slidenum">
+              <a:rPr lang="en-US" smtClean="0"/>
+              <a:t>19</a:t>
+            </a:fld>
+            <a:endParaRPr lang="en-US"/>
+          </a:p>
+        </p:txBody>
+      </p:sp>
+      <p:sp>
+        <p:nvSpPr>
+          <p:cNvPr id="4" name="Rectangle 3"/>
+          <p:cNvSpPr/>
+          <p:nvPr/>
+        </p:nvSpPr>
+        <p:spPr>
+          <a:xfrm>
+            <a:off x="1028700" y="1729952"/>
+            <a:ext cx="1600200" cy="533400"/>
+          </a:xfrm>
+          <a:prstGeom prst="rect">
+            <a:avLst/>
+          </a:prstGeom>
+          <a:noFill/>
+          <a:ln w="12700">
+            <a:solidFill>
+              <a:schemeClr val="tx1"/>
+            </a:solidFill>
+          </a:ln>
+        </p:spPr>
+        <p:style>
+          <a:lnRef idx="2">
+            <a:schemeClr val="accent1"/>
+          </a:lnRef>
+          <a:fillRef idx="1">
+            <a:schemeClr val="lt1"/>
+          </a:fillRef>
+          <a:effectRef idx="0">
+            <a:schemeClr val="accent1"/>
+          </a:effectRef>
+          <a:fontRef idx="minor">
+            <a:schemeClr val="dk1"/>
+          </a:fontRef>
+        </p:style>
+        <p:txBody>
+          <a:bodyPr rot="0" spcFirstLastPara="0" vertOverflow="overflow" horzOverflow="overflow" vert="horz" wrap="square" lIns="91440" tIns="45720" rIns="91440" bIns="45720" numCol="1" spcCol="0" rtlCol="0" fromWordArt="0" anchor="ctr" anchorCtr="0" forceAA="0" compatLnSpc="1">
+            <a:prstTxWarp prst="textNoShape">
+              <a:avLst/>
+            </a:prstTxWarp>
+            <a:noAutofit/>
+          </a:bodyPr>
+          <a:lstStyle/>
+          <a:p>
+            <a:pPr algn="ctr"/>
+            <a:r>
+              <a:rPr lang="en-US" dirty="0">
+                <a:solidFill>
+                  <a:schemeClr val="tx1"/>
+                </a:solidFill>
+              </a:rPr>
+              <a:t>World</a:t>
+            </a:r>
+          </a:p>
+        </p:txBody>
+      </p:sp>
+      <p:cxnSp>
+        <p:nvCxnSpPr>
+          <p:cNvPr id="7" name="Straight Arrow Connector 6"/>
+          <p:cNvCxnSpPr>
+            <a:stCxn id="8" idx="0"/>
+            <a:endCxn id="4" idx="2"/>
+          </p:cNvCxnSpPr>
+          <p:nvPr/>
+        </p:nvCxnSpPr>
+        <p:spPr>
+          <a:xfrm flipV="1">
+            <a:off x="1828800" y="2263352"/>
+            <a:ext cx="0" cy="479848"/>
+          </a:xfrm>
+          <a:prstGeom prst="straightConnector1">
+            <a:avLst/>
+          </a:prstGeom>
+          <a:ln>
+            <a:tailEnd type="triangle"/>
+          </a:ln>
+        </p:spPr>
+        <p:style>
+          <a:lnRef idx="1">
+            <a:schemeClr val="accent1"/>
+          </a:lnRef>
+          <a:fillRef idx="0">
+            <a:schemeClr val="accent1"/>
+          </a:fillRef>
+          <a:effectRef idx="0">
+            <a:schemeClr val="accent1"/>
+          </a:effectRef>
+          <a:fontRef idx="minor">
+            <a:schemeClr val="tx1"/>
+          </a:fontRef>
+        </p:style>
+      </p:cxnSp>
+      <p:sp>
+        <p:nvSpPr>
+          <p:cNvPr id="8" name="Rectangle 7"/>
+          <p:cNvSpPr/>
+          <p:nvPr/>
+        </p:nvSpPr>
+        <p:spPr>
+          <a:xfrm>
+            <a:off x="1028700" y="2743200"/>
+            <a:ext cx="1600200" cy="533400"/>
+          </a:xfrm>
+          <a:prstGeom prst="rect">
+            <a:avLst/>
+          </a:prstGeom>
+          <a:noFill/>
+          <a:ln w="12700">
+            <a:solidFill>
+              <a:schemeClr val="tx1"/>
+            </a:solidFill>
+          </a:ln>
+        </p:spPr>
+        <p:style>
+          <a:lnRef idx="2">
+            <a:schemeClr val="accent1"/>
+          </a:lnRef>
+          <a:fillRef idx="1">
+            <a:schemeClr val="lt1"/>
+          </a:fillRef>
+          <a:effectRef idx="0">
+            <a:schemeClr val="accent1"/>
+          </a:effectRef>
+          <a:fontRef idx="minor">
+            <a:schemeClr val="dk1"/>
+          </a:fontRef>
+        </p:style>
+        <p:txBody>
+          <a:bodyPr rot="0" spcFirstLastPara="0" vertOverflow="overflow" horzOverflow="overflow" vert="horz" wrap="square" lIns="91440" tIns="45720" rIns="91440" bIns="45720" numCol="1" spcCol="0" rtlCol="0" fromWordArt="0" anchor="ctr" anchorCtr="0" forceAA="0" compatLnSpc="1">
+            <a:prstTxWarp prst="textNoShape">
+              <a:avLst/>
+            </a:prstTxWarp>
+            <a:noAutofit/>
+          </a:bodyPr>
+          <a:lstStyle/>
+          <a:p>
+            <a:pPr algn="ctr"/>
+            <a:r>
+              <a:rPr lang="en-US" dirty="0">
+                <a:solidFill>
+                  <a:schemeClr val="tx1"/>
+                </a:solidFill>
+              </a:rPr>
+              <a:t>Cat</a:t>
+            </a:r>
+          </a:p>
+        </p:txBody>
+      </p:sp>
+      <p:grpSp>
+        <p:nvGrpSpPr>
+          <p:cNvPr id="26" name="Group 25"/>
+          <p:cNvGrpSpPr/>
+          <p:nvPr/>
+        </p:nvGrpSpPr>
+        <p:grpSpPr>
+          <a:xfrm>
+            <a:off x="5181600" y="1783504"/>
+            <a:ext cx="1600200" cy="1546648"/>
+            <a:chOff x="4114800" y="1729952"/>
+            <a:chExt cx="1600200" cy="1546648"/>
+          </a:xfrm>
+        </p:grpSpPr>
+        <p:sp>
+          <p:nvSpPr>
+            <p:cNvPr id="27" name="Rectangle 26"/>
+            <p:cNvSpPr/>
+            <p:nvPr/>
+          </p:nvSpPr>
+          <p:spPr>
+            <a:xfrm>
+              <a:off x="4114800" y="1729952"/>
+              <a:ext cx="1600200" cy="533400"/>
+            </a:xfrm>
+            <a:prstGeom prst="rect">
+              <a:avLst/>
+            </a:prstGeom>
+            <a:noFill/>
+            <a:ln w="12700">
+              <a:solidFill>
+                <a:schemeClr val="tx1"/>
+              </a:solidFill>
+            </a:ln>
+          </p:spPr>
+          <p:style>
+            <a:lnRef idx="2">
+              <a:schemeClr val="accent1"/>
+            </a:lnRef>
+            <a:fillRef idx="1">
+              <a:schemeClr val="lt1"/>
+            </a:fillRef>
+            <a:effectRef idx="0">
+              <a:schemeClr val="accent1"/>
+            </a:effectRef>
+            <a:fontRef idx="minor">
+              <a:schemeClr val="dk1"/>
+            </a:fontRef>
+          </p:style>
+          <p:txBody>
+            <a:bodyPr rot="0" spcFirstLastPara="0" vertOverflow="overflow" horzOverflow="overflow" vert="horz" wrap="square" lIns="91440" tIns="45720" rIns="91440" bIns="45720" numCol="1" spcCol="0" rtlCol="0" fromWordArt="0" anchor="ctr" anchorCtr="0" forceAA="0" compatLnSpc="1">
+              <a:prstTxWarp prst="textNoShape">
+                <a:avLst/>
+              </a:prstTxWarp>
+              <a:noAutofit/>
+            </a:bodyPr>
+            <a:lstStyle/>
+            <a:p>
+              <a:pPr algn="ctr"/>
+              <a:r>
+                <a:rPr lang="en-US" dirty="0">
+                  <a:solidFill>
+                    <a:schemeClr val="tx1"/>
+                  </a:solidFill>
+                </a:rPr>
+                <a:t>world-after-mouse-event</a:t>
+              </a:r>
+            </a:p>
+          </p:txBody>
+        </p:sp>
+        <p:sp>
+          <p:nvSpPr>
+            <p:cNvPr id="28" name="Rectangle 27"/>
+            <p:cNvSpPr/>
+            <p:nvPr/>
+          </p:nvSpPr>
+          <p:spPr>
+            <a:xfrm>
+              <a:off x="4114800" y="2743200"/>
+              <a:ext cx="1600200" cy="533400"/>
+            </a:xfrm>
+            <a:prstGeom prst="rect">
+              <a:avLst/>
+            </a:prstGeom>
+            <a:noFill/>
+            <a:ln w="12700">
+              <a:solidFill>
+                <a:schemeClr val="tx1"/>
+              </a:solidFill>
+            </a:ln>
+          </p:spPr>
+          <p:style>
+            <a:lnRef idx="2">
+              <a:schemeClr val="accent1"/>
+            </a:lnRef>
+            <a:fillRef idx="1">
+              <a:schemeClr val="lt1"/>
+            </a:fillRef>
+            <a:effectRef idx="0">
+              <a:schemeClr val="accent1"/>
+            </a:effectRef>
+            <a:fontRef idx="minor">
+              <a:schemeClr val="dk1"/>
+            </a:fontRef>
+          </p:style>
+          <p:txBody>
+            <a:bodyPr rot="0" spcFirstLastPara="0" vertOverflow="overflow" horzOverflow="overflow" vert="horz" wrap="square" lIns="91440" tIns="45720" rIns="91440" bIns="45720" numCol="1" spcCol="0" rtlCol="0" fromWordArt="0" anchor="ctr" anchorCtr="0" forceAA="0" compatLnSpc="1">
+              <a:prstTxWarp prst="textNoShape">
+                <a:avLst/>
+              </a:prstTxWarp>
+              <a:noAutofit/>
+            </a:bodyPr>
+            <a:lstStyle/>
+            <a:p>
+              <a:pPr algn="ctr"/>
+              <a:r>
+                <a:rPr lang="en-US" dirty="0">
+                  <a:solidFill>
+                    <a:schemeClr val="tx1"/>
+                  </a:solidFill>
+                </a:rPr>
+                <a:t>cat-after-mouse-event</a:t>
+              </a:r>
+            </a:p>
+          </p:txBody>
+        </p:sp>
+        <p:cxnSp>
+          <p:nvCxnSpPr>
+            <p:cNvPr id="29" name="Straight Arrow Connector 28"/>
+            <p:cNvCxnSpPr>
+              <a:stCxn id="27" idx="2"/>
+              <a:endCxn id="28" idx="0"/>
+            </p:cNvCxnSpPr>
+            <p:nvPr/>
+          </p:nvCxnSpPr>
+          <p:spPr>
+            <a:xfrm>
+              <a:off x="4914900" y="2263352"/>
+              <a:ext cx="0" cy="479848"/>
+            </a:xfrm>
+            <a:prstGeom prst="straightConnector1">
+              <a:avLst/>
+            </a:prstGeom>
+            <a:ln>
+              <a:tailEnd type="triangle"/>
+            </a:ln>
+          </p:spPr>
+          <p:style>
+            <a:lnRef idx="1">
+              <a:schemeClr val="accent1"/>
+            </a:lnRef>
+            <a:fillRef idx="0">
+              <a:schemeClr val="accent1"/>
+            </a:fillRef>
+            <a:effectRef idx="0">
+              <a:schemeClr val="accent1"/>
+            </a:effectRef>
+            <a:fontRef idx="minor">
+              <a:schemeClr val="tx1"/>
+            </a:fontRef>
+          </p:style>
+        </p:cxnSp>
+      </p:grpSp>
+      <p:grpSp>
+        <p:nvGrpSpPr>
+          <p:cNvPr id="6" name="Group 5"/>
+          <p:cNvGrpSpPr/>
+          <p:nvPr/>
+        </p:nvGrpSpPr>
+        <p:grpSpPr>
+          <a:xfrm>
+            <a:off x="352424" y="3469648"/>
+            <a:ext cx="3324226" cy="2008277"/>
+            <a:chOff x="733425" y="4852057"/>
+            <a:chExt cx="3324226" cy="2217653"/>
+          </a:xfrm>
+        </p:grpSpPr>
+        <p:sp>
+          <p:nvSpPr>
+            <p:cNvPr id="30" name="Rectangle 29"/>
+            <p:cNvSpPr/>
+            <p:nvPr/>
+          </p:nvSpPr>
+          <p:spPr>
+            <a:xfrm>
+              <a:off x="1457325" y="4852057"/>
+              <a:ext cx="1600200" cy="533400"/>
+            </a:xfrm>
+            <a:prstGeom prst="rect">
+              <a:avLst/>
+            </a:prstGeom>
+            <a:noFill/>
+            <a:ln w="12700">
+              <a:solidFill>
+                <a:schemeClr val="tx1"/>
+              </a:solidFill>
+            </a:ln>
+          </p:spPr>
+          <p:style>
+            <a:lnRef idx="2">
+              <a:schemeClr val="accent1"/>
+            </a:lnRef>
+            <a:fillRef idx="1">
+              <a:schemeClr val="lt1"/>
+            </a:fillRef>
+            <a:effectRef idx="0">
+              <a:schemeClr val="accent1"/>
+            </a:effectRef>
+            <a:fontRef idx="minor">
+              <a:schemeClr val="dk1"/>
+            </a:fontRef>
+          </p:style>
+          <p:txBody>
+            <a:bodyPr rot="0" spcFirstLastPara="0" vertOverflow="overflow" horzOverflow="overflow" vert="horz" wrap="square" lIns="91440" tIns="45720" rIns="91440" bIns="45720" numCol="1" spcCol="0" rtlCol="0" fromWordArt="0" anchor="ctr" anchorCtr="0" forceAA="0" compatLnSpc="1">
+              <a:prstTxWarp prst="textNoShape">
+                <a:avLst/>
+              </a:prstTxWarp>
+              <a:noAutofit/>
+            </a:bodyPr>
+            <a:lstStyle/>
+            <a:p>
+              <a:pPr algn="ctr"/>
+              <a:r>
+                <a:rPr lang="en-US" dirty="0">
+                  <a:solidFill>
+                    <a:schemeClr val="tx1"/>
+                  </a:solidFill>
+                </a:rPr>
+                <a:t>Mouse Event</a:t>
+              </a:r>
+            </a:p>
+          </p:txBody>
+        </p:sp>
+        <p:sp>
+          <p:nvSpPr>
+            <p:cNvPr id="5" name="TextBox 4"/>
+            <p:cNvSpPr txBox="1"/>
+            <p:nvPr/>
+          </p:nvSpPr>
+          <p:spPr>
+            <a:xfrm>
+              <a:off x="733425" y="5861214"/>
+              <a:ext cx="1314450" cy="307777"/>
+            </a:xfrm>
+            <a:prstGeom prst="rect">
+              <a:avLst/>
+            </a:prstGeom>
+            <a:noFill/>
+            <a:ln w="9525">
+              <a:solidFill>
+                <a:schemeClr val="tx1"/>
+              </a:solidFill>
+            </a:ln>
+          </p:spPr>
+          <p:txBody>
+            <a:bodyPr wrap="square" rtlCol="0">
+              <a:spAutoFit/>
+            </a:bodyPr>
+            <a:lstStyle/>
+            <a:p>
+              <a:r>
+                <a:rPr lang="en-US" sz="1400" dirty="0"/>
+                <a:t>“button-down”</a:t>
+              </a:r>
+            </a:p>
+          </p:txBody>
+        </p:sp>
+        <p:sp>
+          <p:nvSpPr>
+            <p:cNvPr id="31" name="TextBox 30"/>
+            <p:cNvSpPr txBox="1"/>
+            <p:nvPr/>
+          </p:nvSpPr>
+          <p:spPr>
+            <a:xfrm>
+              <a:off x="1738313" y="6311573"/>
+              <a:ext cx="1314450" cy="307777"/>
+            </a:xfrm>
+            <a:prstGeom prst="rect">
+              <a:avLst/>
+            </a:prstGeom>
+            <a:noFill/>
+            <a:ln w="9525">
+              <a:solidFill>
+                <a:schemeClr val="tx1"/>
+              </a:solidFill>
+            </a:ln>
+          </p:spPr>
+          <p:txBody>
+            <a:bodyPr wrap="square" rtlCol="0">
+              <a:spAutoFit/>
+            </a:bodyPr>
+            <a:lstStyle/>
+            <a:p>
+              <a:pPr algn="ctr"/>
+              <a:r>
+                <a:rPr lang="en-US" sz="1400" dirty="0"/>
+                <a:t>“button-up”</a:t>
+              </a:r>
+            </a:p>
+          </p:txBody>
+        </p:sp>
+        <p:sp>
+          <p:nvSpPr>
+            <p:cNvPr id="32" name="TextBox 31"/>
+            <p:cNvSpPr txBox="1"/>
+            <p:nvPr/>
+          </p:nvSpPr>
+          <p:spPr>
+            <a:xfrm>
+              <a:off x="2743201" y="6761933"/>
+              <a:ext cx="1314450" cy="307777"/>
+            </a:xfrm>
+            <a:prstGeom prst="rect">
+              <a:avLst/>
+            </a:prstGeom>
+            <a:noFill/>
+            <a:ln w="9525">
+              <a:solidFill>
+                <a:schemeClr val="tx1"/>
+              </a:solidFill>
+            </a:ln>
+          </p:spPr>
+          <p:txBody>
+            <a:bodyPr wrap="square" rtlCol="0">
+              <a:spAutoFit/>
+            </a:bodyPr>
+            <a:lstStyle/>
+            <a:p>
+              <a:pPr algn="ctr"/>
+              <a:r>
+                <a:rPr lang="en-US" sz="1400" dirty="0"/>
+                <a:t>“drag”</a:t>
+              </a:r>
+            </a:p>
+          </p:txBody>
+        </p:sp>
+        <p:cxnSp>
+          <p:nvCxnSpPr>
+            <p:cNvPr id="9" name="Straight Arrow Connector 8"/>
+            <p:cNvCxnSpPr>
+              <a:stCxn id="5" idx="0"/>
+              <a:endCxn id="30" idx="2"/>
+            </p:cNvCxnSpPr>
+            <p:nvPr/>
+          </p:nvCxnSpPr>
+          <p:spPr>
+            <a:xfrm flipV="1">
+              <a:off x="1390650" y="5385457"/>
+              <a:ext cx="866775" cy="475757"/>
+            </a:xfrm>
+            <a:prstGeom prst="straightConnector1">
+              <a:avLst/>
+            </a:prstGeom>
+            <a:ln>
+              <a:tailEnd type="triangle"/>
+            </a:ln>
+          </p:spPr>
+          <p:style>
+            <a:lnRef idx="1">
+              <a:schemeClr val="accent1"/>
+            </a:lnRef>
+            <a:fillRef idx="0">
+              <a:schemeClr val="accent1"/>
+            </a:fillRef>
+            <a:effectRef idx="0">
+              <a:schemeClr val="accent1"/>
+            </a:effectRef>
+            <a:fontRef idx="minor">
+              <a:schemeClr val="tx1"/>
+            </a:fontRef>
+          </p:style>
+        </p:cxnSp>
+        <p:cxnSp>
+          <p:nvCxnSpPr>
+            <p:cNvPr id="11" name="Straight Arrow Connector 10"/>
+            <p:cNvCxnSpPr>
+              <a:stCxn id="31" idx="0"/>
+              <a:endCxn id="30" idx="2"/>
+            </p:cNvCxnSpPr>
+            <p:nvPr/>
+          </p:nvCxnSpPr>
+          <p:spPr>
+            <a:xfrm flipH="1" flipV="1">
+              <a:off x="2257425" y="5385457"/>
+              <a:ext cx="138113" cy="926116"/>
+            </a:xfrm>
+            <a:prstGeom prst="straightConnector1">
+              <a:avLst/>
+            </a:prstGeom>
+            <a:ln>
+              <a:tailEnd type="triangle"/>
+            </a:ln>
+          </p:spPr>
+          <p:style>
+            <a:lnRef idx="1">
+              <a:schemeClr val="accent1"/>
+            </a:lnRef>
+            <a:fillRef idx="0">
+              <a:schemeClr val="accent1"/>
+            </a:fillRef>
+            <a:effectRef idx="0">
+              <a:schemeClr val="accent1"/>
+            </a:effectRef>
+            <a:fontRef idx="minor">
+              <a:schemeClr val="tx1"/>
+            </a:fontRef>
+          </p:style>
+        </p:cxnSp>
+        <p:cxnSp>
+          <p:nvCxnSpPr>
+            <p:cNvPr id="14" name="Straight Arrow Connector 13"/>
+            <p:cNvCxnSpPr>
+              <a:stCxn id="32" idx="0"/>
+              <a:endCxn id="30" idx="2"/>
+            </p:cNvCxnSpPr>
+            <p:nvPr/>
+          </p:nvCxnSpPr>
+          <p:spPr>
+            <a:xfrm flipH="1" flipV="1">
+              <a:off x="2257425" y="5385457"/>
+              <a:ext cx="1143001" cy="1376476"/>
+            </a:xfrm>
+            <a:prstGeom prst="straightConnector1">
+              <a:avLst/>
+            </a:prstGeom>
+            <a:ln>
+              <a:tailEnd type="triangle"/>
+            </a:ln>
+          </p:spPr>
+          <p:style>
+            <a:lnRef idx="1">
+              <a:schemeClr val="accent1"/>
+            </a:lnRef>
+            <a:fillRef idx="0">
+              <a:schemeClr val="accent1"/>
+            </a:fillRef>
+            <a:effectRef idx="0">
+              <a:schemeClr val="accent1"/>
+            </a:effectRef>
+            <a:fontRef idx="minor">
+              <a:schemeClr val="tx1"/>
+            </a:fontRef>
+          </p:style>
+        </p:cxnSp>
+      </p:grpSp>
+      <p:sp>
+        <p:nvSpPr>
+          <p:cNvPr id="33" name="Rectangle 32"/>
+          <p:cNvSpPr/>
+          <p:nvPr/>
+        </p:nvSpPr>
+        <p:spPr>
+          <a:xfrm>
+            <a:off x="3395662" y="3811588"/>
+            <a:ext cx="1600200" cy="533400"/>
+          </a:xfrm>
+          <a:prstGeom prst="rect">
+            <a:avLst/>
+          </a:prstGeom>
+          <a:noFill/>
+          <a:ln w="12700">
+            <a:solidFill>
+              <a:schemeClr val="tx1"/>
+            </a:solidFill>
+          </a:ln>
+        </p:spPr>
+        <p:style>
+          <a:lnRef idx="2">
+            <a:schemeClr val="accent1"/>
+          </a:lnRef>
+          <a:fillRef idx="1">
+            <a:schemeClr val="lt1"/>
+          </a:fillRef>
+          <a:effectRef idx="0">
+            <a:schemeClr val="accent1"/>
+          </a:effectRef>
+          <a:fontRef idx="minor">
+            <a:schemeClr val="dk1"/>
+          </a:fontRef>
+        </p:style>
+        <p:txBody>
+          <a:bodyPr rot="0" spcFirstLastPara="0" vertOverflow="overflow" horzOverflow="overflow" vert="horz" wrap="square" lIns="91440" tIns="45720" rIns="91440" bIns="45720" numCol="1" spcCol="0" rtlCol="0" fromWordArt="0" anchor="ctr" anchorCtr="0" forceAA="0" compatLnSpc="1">
+            <a:prstTxWarp prst="textNoShape">
+              <a:avLst/>
+            </a:prstTxWarp>
+            <a:noAutofit/>
+          </a:bodyPr>
+          <a:lstStyle/>
+          <a:p>
+            <a:pPr algn="ctr"/>
+            <a:r>
+              <a:rPr lang="en-US" dirty="0">
+                <a:solidFill>
+                  <a:schemeClr val="tx1"/>
+                </a:solidFill>
+              </a:rPr>
+              <a:t>cat-after-button-down</a:t>
+            </a:r>
+          </a:p>
+        </p:txBody>
+      </p:sp>
+      <p:sp>
+        <p:nvSpPr>
+          <p:cNvPr id="34" name="Rectangle 33"/>
+          <p:cNvSpPr/>
+          <p:nvPr/>
+        </p:nvSpPr>
+        <p:spPr>
+          <a:xfrm>
+            <a:off x="5181600" y="3811588"/>
+            <a:ext cx="1600200" cy="533400"/>
+          </a:xfrm>
+          <a:prstGeom prst="rect">
+            <a:avLst/>
+          </a:prstGeom>
+          <a:noFill/>
+          <a:ln w="12700">
+            <a:solidFill>
+              <a:schemeClr val="tx1"/>
+            </a:solidFill>
+          </a:ln>
+        </p:spPr>
+        <p:style>
+          <a:lnRef idx="2">
+            <a:schemeClr val="accent1"/>
+          </a:lnRef>
+          <a:fillRef idx="1">
+            <a:schemeClr val="lt1"/>
+          </a:fillRef>
+          <a:effectRef idx="0">
+            <a:schemeClr val="accent1"/>
+          </a:effectRef>
+          <a:fontRef idx="minor">
+            <a:schemeClr val="dk1"/>
+          </a:fontRef>
+        </p:style>
+        <p:txBody>
+          <a:bodyPr rot="0" spcFirstLastPara="0" vertOverflow="overflow" horzOverflow="overflow" vert="horz" wrap="square" lIns="91440" tIns="45720" rIns="91440" bIns="45720" numCol="1" spcCol="0" rtlCol="0" fromWordArt="0" anchor="ctr" anchorCtr="0" forceAA="0" compatLnSpc="1">
+            <a:prstTxWarp prst="textNoShape">
+              <a:avLst/>
+            </a:prstTxWarp>
+            <a:noAutofit/>
+          </a:bodyPr>
+          <a:lstStyle/>
+          <a:p>
+            <a:pPr algn="ctr"/>
+            <a:r>
+              <a:rPr lang="en-US" dirty="0">
+                <a:solidFill>
+                  <a:schemeClr val="tx1"/>
+                </a:solidFill>
+              </a:rPr>
+              <a:t>cat-after-button-up</a:t>
+            </a:r>
+          </a:p>
+        </p:txBody>
+      </p:sp>
+      <p:sp>
+        <p:nvSpPr>
+          <p:cNvPr id="35" name="Rectangle 34"/>
+          <p:cNvSpPr/>
+          <p:nvPr/>
+        </p:nvSpPr>
+        <p:spPr>
+          <a:xfrm>
+            <a:off x="6967538" y="3800078"/>
+            <a:ext cx="1600200" cy="533400"/>
+          </a:xfrm>
+          <a:prstGeom prst="rect">
+            <a:avLst/>
+          </a:prstGeom>
+          <a:noFill/>
+          <a:ln w="12700">
+            <a:solidFill>
+              <a:schemeClr val="tx1"/>
+            </a:solidFill>
+          </a:ln>
+        </p:spPr>
+        <p:style>
+          <a:lnRef idx="2">
+            <a:schemeClr val="accent1"/>
+          </a:lnRef>
+          <a:fillRef idx="1">
+            <a:schemeClr val="lt1"/>
+          </a:fillRef>
+          <a:effectRef idx="0">
+            <a:schemeClr val="accent1"/>
+          </a:effectRef>
+          <a:fontRef idx="minor">
+            <a:schemeClr val="dk1"/>
+          </a:fontRef>
+        </p:style>
+        <p:txBody>
+          <a:bodyPr rot="0" spcFirstLastPara="0" vertOverflow="overflow" horzOverflow="overflow" vert="horz" wrap="square" lIns="91440" tIns="45720" rIns="91440" bIns="45720" numCol="1" spcCol="0" rtlCol="0" fromWordArt="0" anchor="ctr" anchorCtr="0" forceAA="0" compatLnSpc="1">
+            <a:prstTxWarp prst="textNoShape">
+              <a:avLst/>
+            </a:prstTxWarp>
+            <a:noAutofit/>
+          </a:bodyPr>
+          <a:lstStyle/>
+          <a:p>
+            <a:pPr algn="ctr"/>
+            <a:r>
+              <a:rPr lang="en-US" dirty="0">
+                <a:solidFill>
+                  <a:schemeClr val="tx1"/>
+                </a:solidFill>
+              </a:rPr>
+              <a:t>cat-after-drag</a:t>
+            </a:r>
+          </a:p>
+        </p:txBody>
+      </p:sp>
+      <p:cxnSp>
+        <p:nvCxnSpPr>
+          <p:cNvPr id="19" name="Straight Arrow Connector 18"/>
+          <p:cNvCxnSpPr>
+            <a:stCxn id="28" idx="2"/>
+            <a:endCxn id="33" idx="0"/>
+          </p:cNvCxnSpPr>
+          <p:nvPr/>
+        </p:nvCxnSpPr>
+        <p:spPr>
+          <a:xfrm flipH="1">
+            <a:off x="4195762" y="3330152"/>
+            <a:ext cx="1785938" cy="481436"/>
+          </a:xfrm>
+          <a:prstGeom prst="straightConnector1">
+            <a:avLst/>
+          </a:prstGeom>
+          <a:ln>
+            <a:tailEnd type="triangle"/>
+          </a:ln>
+        </p:spPr>
+        <p:style>
+          <a:lnRef idx="1">
+            <a:schemeClr val="accent1"/>
+          </a:lnRef>
+          <a:fillRef idx="0">
+            <a:schemeClr val="accent1"/>
+          </a:fillRef>
+          <a:effectRef idx="0">
+            <a:schemeClr val="accent1"/>
+          </a:effectRef>
+          <a:fontRef idx="minor">
+            <a:schemeClr val="tx1"/>
+          </a:fontRef>
+        </p:style>
+      </p:cxnSp>
+      <p:cxnSp>
+        <p:nvCxnSpPr>
+          <p:cNvPr id="37" name="Straight Arrow Connector 36"/>
+          <p:cNvCxnSpPr>
+            <a:stCxn id="28" idx="2"/>
+            <a:endCxn id="34" idx="0"/>
+          </p:cNvCxnSpPr>
+          <p:nvPr/>
+        </p:nvCxnSpPr>
+        <p:spPr>
+          <a:xfrm>
+            <a:off x="5981700" y="3330152"/>
+            <a:ext cx="0" cy="481436"/>
+          </a:xfrm>
+          <a:prstGeom prst="straightConnector1">
+            <a:avLst/>
+          </a:prstGeom>
+          <a:ln>
+            <a:tailEnd type="triangle"/>
+          </a:ln>
+        </p:spPr>
+        <p:style>
+          <a:lnRef idx="1">
+            <a:schemeClr val="accent1"/>
+          </a:lnRef>
+          <a:fillRef idx="0">
+            <a:schemeClr val="accent1"/>
+          </a:fillRef>
+          <a:effectRef idx="0">
+            <a:schemeClr val="accent1"/>
+          </a:effectRef>
+          <a:fontRef idx="minor">
+            <a:schemeClr val="tx1"/>
+          </a:fontRef>
+        </p:style>
+      </p:cxnSp>
+      <p:cxnSp>
+        <p:nvCxnSpPr>
+          <p:cNvPr id="39" name="Straight Arrow Connector 38"/>
+          <p:cNvCxnSpPr>
+            <a:stCxn id="28" idx="2"/>
+            <a:endCxn id="35" idx="0"/>
+          </p:cNvCxnSpPr>
+          <p:nvPr/>
+        </p:nvCxnSpPr>
+        <p:spPr>
+          <a:xfrm>
+            <a:off x="5981700" y="3330152"/>
+            <a:ext cx="1785938" cy="469926"/>
+          </a:xfrm>
+          <a:prstGeom prst="straightConnector1">
+            <a:avLst/>
+          </a:prstGeom>
+          <a:ln>
+            <a:tailEnd type="triangle"/>
+          </a:ln>
+        </p:spPr>
+        <p:style>
+          <a:lnRef idx="1">
+            <a:schemeClr val="accent1"/>
+          </a:lnRef>
+          <a:fillRef idx="0">
+            <a:schemeClr val="accent1"/>
+          </a:fillRef>
+          <a:effectRef idx="0">
+            <a:schemeClr val="accent1"/>
+          </a:effectRef>
+          <a:fontRef idx="minor">
+            <a:schemeClr val="tx1"/>
+          </a:fontRef>
+        </p:style>
+      </p:cxnSp>
+      <p:sp>
+        <p:nvSpPr>
+          <p:cNvPr id="40" name="TextBox 39"/>
+          <p:cNvSpPr txBox="1"/>
+          <p:nvPr/>
+        </p:nvSpPr>
+        <p:spPr>
+          <a:xfrm>
+            <a:off x="5245697" y="4709266"/>
+            <a:ext cx="1472006" cy="461665"/>
+          </a:xfrm>
+          <a:prstGeom prst="rect">
+            <a:avLst/>
+          </a:prstGeom>
+          <a:noFill/>
+        </p:spPr>
+        <p:txBody>
+          <a:bodyPr wrap="none" rtlCol="0">
+            <a:spAutoFit/>
+          </a:bodyPr>
+          <a:lstStyle/>
+          <a:p>
+            <a:r>
+              <a:rPr lang="en-US" sz="2400" dirty="0">
+                <a:solidFill>
+                  <a:schemeClr val="tx2">
+                    <a:lumMod val="60000"/>
+                    <a:lumOff val="40000"/>
+                  </a:schemeClr>
+                </a:solidFill>
+              </a:rPr>
+              <a:t>Call Graph</a:t>
+            </a:r>
+          </a:p>
+        </p:txBody>
+      </p:sp>
+      <p:sp>
+        <p:nvSpPr>
+          <p:cNvPr id="41" name="TextBox 40"/>
+          <p:cNvSpPr txBox="1"/>
+          <p:nvPr/>
+        </p:nvSpPr>
+        <p:spPr>
+          <a:xfrm>
+            <a:off x="1019175" y="6214601"/>
+            <a:ext cx="2188676" cy="461665"/>
+          </a:xfrm>
+          <a:prstGeom prst="rect">
+            <a:avLst/>
+          </a:prstGeom>
+          <a:noFill/>
+        </p:spPr>
+        <p:txBody>
+          <a:bodyPr wrap="none" rtlCol="0">
+            <a:spAutoFit/>
+          </a:bodyPr>
+          <a:lstStyle/>
+          <a:p>
+            <a:r>
+              <a:rPr lang="en-US" sz="2400" dirty="0">
+                <a:solidFill>
+                  <a:schemeClr val="tx2">
+                    <a:lumMod val="60000"/>
+                    <a:lumOff val="40000"/>
+                  </a:schemeClr>
+                </a:solidFill>
+              </a:rPr>
+              <a:t>Data Definitions</a:t>
+            </a:r>
+          </a:p>
+        </p:txBody>
+      </p:sp>
+      <p:sp>
+        <p:nvSpPr>
+          <p:cNvPr id="18" name="Arc 17"/>
+          <p:cNvSpPr/>
+          <p:nvPr/>
+        </p:nvSpPr>
+        <p:spPr>
+          <a:xfrm rot="7655387">
+            <a:off x="1684377" y="3814761"/>
+            <a:ext cx="304800" cy="320252"/>
+          </a:xfrm>
+          <a:prstGeom prst="arc">
+            <a:avLst>
+              <a:gd name="adj1" fmla="val 15293596"/>
+              <a:gd name="adj2" fmla="val 1378001"/>
+            </a:avLst>
+          </a:prstGeom>
+        </p:spPr>
+        <p:style>
+          <a:lnRef idx="1">
+            <a:schemeClr val="accent1"/>
+          </a:lnRef>
+          <a:fillRef idx="0">
+            <a:schemeClr val="accent1"/>
+          </a:fillRef>
+          <a:effectRef idx="0">
+            <a:schemeClr val="accent1"/>
+          </a:effectRef>
+          <a:fontRef idx="minor">
+            <a:schemeClr val="tx1"/>
+          </a:fontRef>
+        </p:style>
+        <p:txBody>
+          <a:bodyPr rtlCol="0" anchor="ctr"/>
+          <a:lstStyle/>
+          <a:p>
+            <a:pPr algn="ctr"/>
+            <a:endParaRPr lang="en-US"/>
+          </a:p>
+        </p:txBody>
+      </p:sp>
+      <p:sp>
+        <p:nvSpPr>
+          <p:cNvPr id="20" name="Arc 19"/>
+          <p:cNvSpPr/>
+          <p:nvPr/>
+        </p:nvSpPr>
+        <p:spPr>
+          <a:xfrm rot="7851929">
+            <a:off x="5451106" y="2654351"/>
+            <a:ext cx="914400" cy="914400"/>
+          </a:xfrm>
+          <a:prstGeom prst="arc">
+            <a:avLst/>
+          </a:prstGeom>
+        </p:spPr>
+        <p:style>
+          <a:lnRef idx="1">
+            <a:schemeClr val="accent1"/>
+          </a:lnRef>
+          <a:fillRef idx="0">
+            <a:schemeClr val="accent1"/>
+          </a:fillRef>
+          <a:effectRef idx="0">
+            <a:schemeClr val="accent1"/>
+          </a:effectRef>
+          <a:fontRef idx="minor">
+            <a:schemeClr val="tx1"/>
+          </a:fontRef>
+        </p:style>
+        <p:txBody>
+          <a:bodyPr rtlCol="0" anchor="ctr"/>
+          <a:lstStyle/>
+          <a:p>
+            <a:pPr algn="ctr"/>
+            <a:endParaRPr lang="en-US"/>
+          </a:p>
+        </p:txBody>
+      </p:sp>
+      <p:sp>
+        <p:nvSpPr>
+          <p:cNvPr id="21" name="Rectangle 20"/>
+          <p:cNvSpPr/>
+          <p:nvPr/>
+        </p:nvSpPr>
+        <p:spPr>
+          <a:xfrm>
+            <a:off x="4098131" y="5693863"/>
+            <a:ext cx="1981200" cy="452635"/>
+          </a:xfrm>
+          <a:prstGeom prst="rect">
+            <a:avLst/>
+          </a:prstGeom>
+          <a:solidFill>
+            <a:schemeClr val="accent3">
+              <a:lumMod val="40000"/>
+              <a:lumOff val="60000"/>
+            </a:schemeClr>
+          </a:solidFill>
+          <a:ln/>
+        </p:spPr>
+        <p:style>
+          <a:lnRef idx="2">
+            <a:schemeClr val="accent1"/>
+          </a:lnRef>
+          <a:fillRef idx="1">
+            <a:schemeClr val="lt1"/>
+          </a:fillRef>
+          <a:effectRef idx="0">
+            <a:schemeClr val="accent1"/>
+          </a:effectRef>
+          <a:fontRef idx="minor">
+            <a:schemeClr val="dk1"/>
+          </a:fontRef>
+        </p:style>
+        <p:txBody>
+          <a:bodyPr rot="0" spcFirstLastPara="0" vertOverflow="overflow" horzOverflow="overflow" vert="horz" wrap="square" lIns="91440" tIns="45720" rIns="91440" bIns="45720" numCol="1" spcCol="0" rtlCol="0" fromWordArt="0" anchor="ctr" anchorCtr="0" forceAA="0" compatLnSpc="1">
+            <a:prstTxWarp prst="textNoShape">
+              <a:avLst/>
+            </a:prstTxWarp>
+            <a:noAutofit/>
+          </a:bodyPr>
+          <a:lstStyle/>
+          <a:p>
+            <a:pPr algn="ctr"/>
+            <a:r>
+              <a:rPr lang="en-US" sz="1400" dirty="0">
+                <a:solidFill>
+                  <a:schemeClr val="tx1"/>
+                </a:solidFill>
+              </a:rPr>
+              <a:t>The arcs indicate an "or" relationship</a:t>
+            </a:r>
+          </a:p>
+        </p:txBody>
+      </p:sp>
+      <p:sp>
+        <p:nvSpPr>
+          <p:cNvPr id="25" name="Freeform 24"/>
+          <p:cNvSpPr/>
+          <p:nvPr/>
+        </p:nvSpPr>
+        <p:spPr>
+          <a:xfrm>
+            <a:off x="2297526" y="4157062"/>
+            <a:ext cx="2727832" cy="1536807"/>
+          </a:xfrm>
+          <a:custGeom>
+            <a:avLst/>
+            <a:gdLst>
+              <a:gd name="connsiteX0" fmla="*/ 2727832 w 2727832"/>
+              <a:gd name="connsiteY0" fmla="*/ 1536807 h 1536807"/>
+              <a:gd name="connsiteX1" fmla="*/ 1859536 w 2727832"/>
+              <a:gd name="connsiteY1" fmla="*/ 676195 h 1536807"/>
+              <a:gd name="connsiteX2" fmla="*/ 1091133 w 2727832"/>
+              <a:gd name="connsiteY2" fmla="*/ 791456 h 1536807"/>
+              <a:gd name="connsiteX3" fmla="*/ 0 w 2727832"/>
+              <a:gd name="connsiteY3" fmla="*/ 0 h 1536807"/>
+            </a:gdLst>
+            <a:ahLst/>
+            <a:cxnLst>
+              <a:cxn ang="0">
+                <a:pos x="connsiteX0" y="connsiteY0"/>
+              </a:cxn>
+              <a:cxn ang="0">
+                <a:pos x="connsiteX1" y="connsiteY1"/>
+              </a:cxn>
+              <a:cxn ang="0">
+                <a:pos x="connsiteX2" y="connsiteY2"/>
+              </a:cxn>
+              <a:cxn ang="0">
+                <a:pos x="connsiteX3" y="connsiteY3"/>
+              </a:cxn>
+            </a:cxnLst>
+            <a:rect l="l" t="t" r="r" b="b"/>
+            <a:pathLst>
+              <a:path w="2727832" h="1536807">
+                <a:moveTo>
+                  <a:pt x="2727832" y="1536807"/>
+                </a:moveTo>
+                <a:cubicBezTo>
+                  <a:pt x="2430075" y="1168613"/>
+                  <a:pt x="2132319" y="800420"/>
+                  <a:pt x="1859536" y="676195"/>
+                </a:cubicBezTo>
+                <a:cubicBezTo>
+                  <a:pt x="1586753" y="551970"/>
+                  <a:pt x="1401056" y="904155"/>
+                  <a:pt x="1091133" y="791456"/>
+                </a:cubicBezTo>
+                <a:cubicBezTo>
+                  <a:pt x="781210" y="678757"/>
+                  <a:pt x="390605" y="339378"/>
+                  <a:pt x="0" y="0"/>
+                </a:cubicBezTo>
+              </a:path>
+            </a:pathLst>
+          </a:custGeom>
+          <a:noFill/>
+          <a:ln>
+            <a:tailEnd type="arrow" w="lg" len="lg"/>
+          </a:ln>
+        </p:spPr>
+        <p:style>
+          <a:lnRef idx="2">
+            <a:schemeClr val="accent1"/>
+          </a:lnRef>
+          <a:fillRef idx="1">
+            <a:schemeClr val="lt1"/>
+          </a:fillRef>
+          <a:effectRef idx="0">
+            <a:schemeClr val="accent1"/>
+          </a:effectRef>
+          <a:fontRef idx="minor">
+            <a:schemeClr val="dk1"/>
+          </a:fontRef>
+        </p:style>
+        <p:txBody>
+          <a:bodyPr rtlCol="0" anchor="ctr"/>
+          <a:lstStyle/>
+          <a:p>
+            <a:pPr algn="ctr"/>
+            <a:endParaRPr lang="en-US"/>
+          </a:p>
+        </p:txBody>
+      </p:sp>
+      <p:sp>
+        <p:nvSpPr>
+          <p:cNvPr id="36" name="Freeform 35"/>
+          <p:cNvSpPr/>
+          <p:nvPr/>
+        </p:nvSpPr>
+        <p:spPr>
+          <a:xfrm>
+            <a:off x="5025358" y="3565392"/>
+            <a:ext cx="560934" cy="2128477"/>
+          </a:xfrm>
+          <a:custGeom>
+            <a:avLst/>
+            <a:gdLst>
+              <a:gd name="connsiteX0" fmla="*/ 0 w 560934"/>
+              <a:gd name="connsiteY0" fmla="*/ 2128477 h 2128477"/>
+              <a:gd name="connsiteX1" fmla="*/ 46104 w 560934"/>
+              <a:gd name="connsiteY1" fmla="*/ 806823 h 2128477"/>
+              <a:gd name="connsiteX2" fmla="*/ 69156 w 560934"/>
+              <a:gd name="connsiteY2" fmla="*/ 145996 h 2128477"/>
+              <a:gd name="connsiteX3" fmla="*/ 560934 w 560934"/>
+              <a:gd name="connsiteY3" fmla="*/ 0 h 2128477"/>
+            </a:gdLst>
+            <a:ahLst/>
+            <a:cxnLst>
+              <a:cxn ang="0">
+                <a:pos x="connsiteX0" y="connsiteY0"/>
+              </a:cxn>
+              <a:cxn ang="0">
+                <a:pos x="connsiteX1" y="connsiteY1"/>
+              </a:cxn>
+              <a:cxn ang="0">
+                <a:pos x="connsiteX2" y="connsiteY2"/>
+              </a:cxn>
+              <a:cxn ang="0">
+                <a:pos x="connsiteX3" y="connsiteY3"/>
+              </a:cxn>
+            </a:cxnLst>
+            <a:rect l="l" t="t" r="r" b="b"/>
+            <a:pathLst>
+              <a:path w="560934" h="2128477">
+                <a:moveTo>
+                  <a:pt x="0" y="2128477"/>
+                </a:moveTo>
+                <a:lnTo>
+                  <a:pt x="46104" y="806823"/>
+                </a:lnTo>
+                <a:cubicBezTo>
+                  <a:pt x="57630" y="476410"/>
+                  <a:pt x="-16649" y="280466"/>
+                  <a:pt x="69156" y="145996"/>
+                </a:cubicBezTo>
+                <a:cubicBezTo>
+                  <a:pt x="154961" y="11526"/>
+                  <a:pt x="357947" y="5763"/>
+                  <a:pt x="560934" y="0"/>
+                </a:cubicBezTo>
+              </a:path>
+            </a:pathLst>
+          </a:custGeom>
+          <a:noFill/>
+          <a:ln>
+            <a:headEnd type="none"/>
+            <a:tailEnd w="lg" len="lg"/>
+          </a:ln>
+        </p:spPr>
+        <p:style>
+          <a:lnRef idx="2">
+            <a:schemeClr val="accent1"/>
+          </a:lnRef>
+          <a:fillRef idx="1">
+            <a:schemeClr val="lt1"/>
+          </a:fillRef>
+          <a:effectRef idx="0">
+            <a:schemeClr val="accent1"/>
+          </a:effectRef>
+          <a:fontRef idx="minor">
+            <a:schemeClr val="dk1"/>
+          </a:fontRef>
+        </p:style>
+        <p:txBody>
+          <a:bodyPr rtlCol="0" anchor="ctr"/>
+          <a:lstStyle/>
+          <a:p>
+            <a:pPr algn="ctr"/>
+            <a:endParaRPr lang="en-US"/>
+          </a:p>
+        </p:txBody>
+      </p:sp>
+    </p:spTree>
+    <p:extLst>
+      <p:ext uri="{BB962C8B-B14F-4D97-AF65-F5344CB8AC3E}">
+        <p14:creationId xmlns:p14="http://schemas.microsoft.com/office/powerpoint/2010/main" val="2371273016"/>
+      </p:ext>
+    </p:extLst>
+  </p:cSld>
+  <p:clrMapOvr>
+    <a:masterClrMapping/>
+  </p:clrMapOvr>
 </p:sld>
 </file>
 
@@ -6890,10 +8667,9 @@
           <a:lstStyle/>
           <a:p>
             <a:r>
-              <a:rPr lang="en-US" dirty="0" smtClean="0"/>
+              <a:rPr lang="en-US" dirty="0"/>
               <a:t>Introduction and Learning Objectives</a:t>
             </a:r>
-            <a:endParaRPr lang="en-US" dirty="0"/>
           </a:p>
         </p:txBody>
       </p:sp>
@@ -6936,15 +8712,7 @@
             <a:pPr lvl="1" fontAlgn="base"/>
             <a:r>
               <a:rPr lang="en-US" dirty="0"/>
-              <a:t>Use </a:t>
-            </a:r>
-            <a:r>
-              <a:rPr lang="en-US" dirty="0" smtClean="0"/>
-              <a:t>templates to </a:t>
-            </a:r>
-            <a:r>
-              <a:rPr lang="en-US" dirty="0"/>
-              <a:t>guide the development of programs incorporating multiple data definitions.</a:t>
+              <a:t>Use templates to guide the development of programs incorporating multiple data definitions.</a:t>
             </a:r>
           </a:p>
           <a:p>
@@ -6962,13 +8730,2456 @@
   <p:clrMapOvr>
     <a:masterClrMapping/>
   </p:clrMapOvr>
-  <p:timing>
-    <p:tnLst>
-      <p:par>
-        <p:cTn id="1" dur="indefinite" restart="never" nodeType="tmRoot"/>
-      </p:par>
-    </p:tnLst>
-  </p:timing>
+</p:sld>
+</file>
+
+<file path=ppt/slides/slide20.xml><?xml version="1.0" encoding="utf-8"?>
+<p:sld xmlns:a="http://schemas.openxmlformats.org/drawingml/2006/main" xmlns:r="http://schemas.openxmlformats.org/officeDocument/2006/relationships" xmlns:p="http://schemas.openxmlformats.org/presentationml/2006/main">
+  <p:cSld>
+    <p:spTree>
+      <p:nvGrpSpPr>
+        <p:cNvPr id="1" name=""/>
+        <p:cNvGrpSpPr/>
+        <p:nvPr/>
+      </p:nvGrpSpPr>
+      <p:grpSpPr>
+        <a:xfrm>
+          <a:off x="0" y="0"/>
+          <a:ext cx="0" cy="0"/>
+          <a:chOff x="0" y="0"/>
+          <a:chExt cx="0" cy="0"/>
+        </a:xfrm>
+      </p:grpSpPr>
+      <p:sp>
+        <p:nvSpPr>
+          <p:cNvPr id="2" name="Title 1"/>
+          <p:cNvSpPr>
+            <a:spLocks noGrp="1"/>
+          </p:cNvSpPr>
+          <p:nvPr>
+            <p:ph type="title"/>
+          </p:nvPr>
+        </p:nvSpPr>
+        <p:spPr>
+          <a:xfrm>
+            <a:off x="457200" y="241687"/>
+            <a:ext cx="8229600" cy="1143000"/>
+          </a:xfrm>
+        </p:spPr>
+        <p:txBody>
+          <a:bodyPr>
+            <a:normAutofit fontScale="90000"/>
+          </a:bodyPr>
+          <a:lstStyle/>
+          <a:p>
+            <a:r>
+              <a:rPr lang="en-US" dirty="0"/>
+              <a:t>What if there were more things in the world?</a:t>
+            </a:r>
+          </a:p>
+        </p:txBody>
+      </p:sp>
+      <p:sp>
+        <p:nvSpPr>
+          <p:cNvPr id="3" name="Slide Number Placeholder 2"/>
+          <p:cNvSpPr>
+            <a:spLocks noGrp="1"/>
+          </p:cNvSpPr>
+          <p:nvPr>
+            <p:ph type="sldNum" sz="quarter" idx="12"/>
+          </p:nvPr>
+        </p:nvSpPr>
+        <p:spPr/>
+        <p:txBody>
+          <a:bodyPr/>
+          <a:lstStyle/>
+          <a:p>
+            <a:fld id="{2AF3B5EA-18B6-4040-9F78-6052AF49C681}" type="slidenum">
+              <a:rPr lang="en-US" smtClean="0"/>
+              <a:t>20</a:t>
+            </a:fld>
+            <a:endParaRPr lang="en-US"/>
+          </a:p>
+        </p:txBody>
+      </p:sp>
+      <p:sp>
+        <p:nvSpPr>
+          <p:cNvPr id="30" name="TextBox 29"/>
+          <p:cNvSpPr txBox="1"/>
+          <p:nvPr/>
+        </p:nvSpPr>
+        <p:spPr>
+          <a:xfrm>
+            <a:off x="1077362" y="3944848"/>
+            <a:ext cx="2188676" cy="461665"/>
+          </a:xfrm>
+          <a:prstGeom prst="rect">
+            <a:avLst/>
+          </a:prstGeom>
+          <a:noFill/>
+        </p:spPr>
+        <p:txBody>
+          <a:bodyPr wrap="none" rtlCol="0">
+            <a:spAutoFit/>
+          </a:bodyPr>
+          <a:lstStyle/>
+          <a:p>
+            <a:r>
+              <a:rPr lang="en-US" sz="2400" dirty="0">
+                <a:solidFill>
+                  <a:schemeClr val="tx2">
+                    <a:lumMod val="60000"/>
+                    <a:lumOff val="40000"/>
+                  </a:schemeClr>
+                </a:solidFill>
+              </a:rPr>
+              <a:t>Data Definitions</a:t>
+            </a:r>
+          </a:p>
+        </p:txBody>
+      </p:sp>
+      <p:sp>
+        <p:nvSpPr>
+          <p:cNvPr id="31" name="TextBox 30"/>
+          <p:cNvSpPr txBox="1"/>
+          <p:nvPr/>
+        </p:nvSpPr>
+        <p:spPr>
+          <a:xfrm>
+            <a:off x="5321897" y="3944847"/>
+            <a:ext cx="1472006" cy="461665"/>
+          </a:xfrm>
+          <a:prstGeom prst="rect">
+            <a:avLst/>
+          </a:prstGeom>
+          <a:noFill/>
+        </p:spPr>
+        <p:txBody>
+          <a:bodyPr wrap="none" rtlCol="0">
+            <a:spAutoFit/>
+          </a:bodyPr>
+          <a:lstStyle/>
+          <a:p>
+            <a:r>
+              <a:rPr lang="en-US" sz="2400" dirty="0">
+                <a:solidFill>
+                  <a:schemeClr val="tx2">
+                    <a:lumMod val="60000"/>
+                    <a:lumOff val="40000"/>
+                  </a:schemeClr>
+                </a:solidFill>
+              </a:rPr>
+              <a:t>Call Graph</a:t>
+            </a:r>
+          </a:p>
+        </p:txBody>
+      </p:sp>
+      <p:grpSp>
+        <p:nvGrpSpPr>
+          <p:cNvPr id="10" name="Group 9"/>
+          <p:cNvGrpSpPr/>
+          <p:nvPr/>
+        </p:nvGrpSpPr>
+        <p:grpSpPr>
+          <a:xfrm>
+            <a:off x="457200" y="1785859"/>
+            <a:ext cx="3429000" cy="1643141"/>
+            <a:chOff x="1028700" y="1633459"/>
+            <a:chExt cx="3429000" cy="1643141"/>
+          </a:xfrm>
+        </p:grpSpPr>
+        <p:sp>
+          <p:nvSpPr>
+            <p:cNvPr id="4" name="Rectangle 3"/>
+            <p:cNvSpPr/>
+            <p:nvPr/>
+          </p:nvSpPr>
+          <p:spPr>
+            <a:xfrm>
+              <a:off x="1943100" y="1633459"/>
+              <a:ext cx="1600200" cy="533400"/>
+            </a:xfrm>
+            <a:prstGeom prst="rect">
+              <a:avLst/>
+            </a:prstGeom>
+            <a:noFill/>
+            <a:ln w="12700">
+              <a:solidFill>
+                <a:schemeClr val="tx1"/>
+              </a:solidFill>
+            </a:ln>
+          </p:spPr>
+          <p:style>
+            <a:lnRef idx="2">
+              <a:schemeClr val="accent1"/>
+            </a:lnRef>
+            <a:fillRef idx="1">
+              <a:schemeClr val="lt1"/>
+            </a:fillRef>
+            <a:effectRef idx="0">
+              <a:schemeClr val="accent1"/>
+            </a:effectRef>
+            <a:fontRef idx="minor">
+              <a:schemeClr val="dk1"/>
+            </a:fontRef>
+          </p:style>
+          <p:txBody>
+            <a:bodyPr rot="0" spcFirstLastPara="0" vertOverflow="overflow" horzOverflow="overflow" vert="horz" wrap="square" lIns="91440" tIns="45720" rIns="91440" bIns="45720" numCol="1" spcCol="0" rtlCol="0" fromWordArt="0" anchor="ctr" anchorCtr="0" forceAA="0" compatLnSpc="1">
+              <a:prstTxWarp prst="textNoShape">
+                <a:avLst/>
+              </a:prstTxWarp>
+              <a:noAutofit/>
+            </a:bodyPr>
+            <a:lstStyle/>
+            <a:p>
+              <a:pPr algn="ctr"/>
+              <a:r>
+                <a:rPr lang="en-US" dirty="0">
+                  <a:solidFill>
+                    <a:schemeClr val="tx1"/>
+                  </a:solidFill>
+                </a:rPr>
+                <a:t>World</a:t>
+              </a:r>
+            </a:p>
+          </p:txBody>
+        </p:sp>
+        <p:cxnSp>
+          <p:nvCxnSpPr>
+            <p:cNvPr id="7" name="Straight Arrow Connector 6"/>
+            <p:cNvCxnSpPr>
+              <a:stCxn id="8" idx="0"/>
+              <a:endCxn id="4" idx="2"/>
+            </p:cNvCxnSpPr>
+            <p:nvPr/>
+          </p:nvCxnSpPr>
+          <p:spPr>
+            <a:xfrm flipV="1">
+              <a:off x="1828800" y="2166859"/>
+              <a:ext cx="914400" cy="576341"/>
+            </a:xfrm>
+            <a:prstGeom prst="straightConnector1">
+              <a:avLst/>
+            </a:prstGeom>
+            <a:ln>
+              <a:tailEnd type="triangle"/>
+            </a:ln>
+          </p:spPr>
+          <p:style>
+            <a:lnRef idx="1">
+              <a:schemeClr val="accent1"/>
+            </a:lnRef>
+            <a:fillRef idx="0">
+              <a:schemeClr val="accent1"/>
+            </a:fillRef>
+            <a:effectRef idx="0">
+              <a:schemeClr val="accent1"/>
+            </a:effectRef>
+            <a:fontRef idx="minor">
+              <a:schemeClr val="tx1"/>
+            </a:fontRef>
+          </p:style>
+        </p:cxnSp>
+        <p:sp>
+          <p:nvSpPr>
+            <p:cNvPr id="8" name="Rectangle 7"/>
+            <p:cNvSpPr/>
+            <p:nvPr/>
+          </p:nvSpPr>
+          <p:spPr>
+            <a:xfrm>
+              <a:off x="1028700" y="2743200"/>
+              <a:ext cx="1600200" cy="533400"/>
+            </a:xfrm>
+            <a:prstGeom prst="rect">
+              <a:avLst/>
+            </a:prstGeom>
+            <a:noFill/>
+            <a:ln w="12700">
+              <a:solidFill>
+                <a:schemeClr val="tx1"/>
+              </a:solidFill>
+            </a:ln>
+          </p:spPr>
+          <p:style>
+            <a:lnRef idx="2">
+              <a:schemeClr val="accent1"/>
+            </a:lnRef>
+            <a:fillRef idx="1">
+              <a:schemeClr val="lt1"/>
+            </a:fillRef>
+            <a:effectRef idx="0">
+              <a:schemeClr val="accent1"/>
+            </a:effectRef>
+            <a:fontRef idx="minor">
+              <a:schemeClr val="dk1"/>
+            </a:fontRef>
+          </p:style>
+          <p:txBody>
+            <a:bodyPr rot="0" spcFirstLastPara="0" vertOverflow="overflow" horzOverflow="overflow" vert="horz" wrap="square" lIns="91440" tIns="45720" rIns="91440" bIns="45720" numCol="1" spcCol="0" rtlCol="0" fromWordArt="0" anchor="ctr" anchorCtr="0" forceAA="0" compatLnSpc="1">
+              <a:prstTxWarp prst="textNoShape">
+                <a:avLst/>
+              </a:prstTxWarp>
+              <a:noAutofit/>
+            </a:bodyPr>
+            <a:lstStyle/>
+            <a:p>
+              <a:pPr algn="ctr"/>
+              <a:r>
+                <a:rPr lang="en-US" dirty="0">
+                  <a:solidFill>
+                    <a:schemeClr val="tx1"/>
+                  </a:solidFill>
+                </a:rPr>
+                <a:t>Cat</a:t>
+              </a:r>
+            </a:p>
+          </p:txBody>
+        </p:sp>
+        <p:sp>
+          <p:nvSpPr>
+            <p:cNvPr id="32" name="Rectangle 31"/>
+            <p:cNvSpPr/>
+            <p:nvPr/>
+          </p:nvSpPr>
+          <p:spPr>
+            <a:xfrm>
+              <a:off x="2857500" y="2743200"/>
+              <a:ext cx="1600200" cy="533400"/>
+            </a:xfrm>
+            <a:prstGeom prst="rect">
+              <a:avLst/>
+            </a:prstGeom>
+            <a:noFill/>
+            <a:ln w="12700">
+              <a:solidFill>
+                <a:schemeClr val="tx1"/>
+              </a:solidFill>
+            </a:ln>
+          </p:spPr>
+          <p:style>
+            <a:lnRef idx="2">
+              <a:schemeClr val="accent1"/>
+            </a:lnRef>
+            <a:fillRef idx="1">
+              <a:schemeClr val="lt1"/>
+            </a:fillRef>
+            <a:effectRef idx="0">
+              <a:schemeClr val="accent1"/>
+            </a:effectRef>
+            <a:fontRef idx="minor">
+              <a:schemeClr val="dk1"/>
+            </a:fontRef>
+          </p:style>
+          <p:txBody>
+            <a:bodyPr rot="0" spcFirstLastPara="0" vertOverflow="overflow" horzOverflow="overflow" vert="horz" wrap="square" lIns="91440" tIns="45720" rIns="91440" bIns="45720" numCol="1" spcCol="0" rtlCol="0" fromWordArt="0" anchor="ctr" anchorCtr="0" forceAA="0" compatLnSpc="1">
+              <a:prstTxWarp prst="textNoShape">
+                <a:avLst/>
+              </a:prstTxWarp>
+              <a:noAutofit/>
+            </a:bodyPr>
+            <a:lstStyle/>
+            <a:p>
+              <a:pPr algn="ctr"/>
+              <a:r>
+                <a:rPr lang="en-US" dirty="0">
+                  <a:solidFill>
+                    <a:schemeClr val="tx1"/>
+                  </a:solidFill>
+                </a:rPr>
+                <a:t>Traffic Light</a:t>
+              </a:r>
+            </a:p>
+          </p:txBody>
+        </p:sp>
+        <p:cxnSp>
+          <p:nvCxnSpPr>
+            <p:cNvPr id="9" name="Straight Arrow Connector 8"/>
+            <p:cNvCxnSpPr>
+              <a:stCxn id="32" idx="0"/>
+              <a:endCxn id="4" idx="2"/>
+            </p:cNvCxnSpPr>
+            <p:nvPr/>
+          </p:nvCxnSpPr>
+          <p:spPr>
+            <a:xfrm flipH="1" flipV="1">
+              <a:off x="2743200" y="2166859"/>
+              <a:ext cx="914400" cy="576341"/>
+            </a:xfrm>
+            <a:prstGeom prst="straightConnector1">
+              <a:avLst/>
+            </a:prstGeom>
+            <a:ln>
+              <a:tailEnd type="triangle"/>
+            </a:ln>
+          </p:spPr>
+          <p:style>
+            <a:lnRef idx="1">
+              <a:schemeClr val="accent1"/>
+            </a:lnRef>
+            <a:fillRef idx="0">
+              <a:schemeClr val="accent1"/>
+            </a:fillRef>
+            <a:effectRef idx="0">
+              <a:schemeClr val="accent1"/>
+            </a:effectRef>
+            <a:fontRef idx="minor">
+              <a:schemeClr val="tx1"/>
+            </a:fontRef>
+          </p:style>
+        </p:cxnSp>
+      </p:grpSp>
+      <p:grpSp>
+        <p:nvGrpSpPr>
+          <p:cNvPr id="33" name="Group 32"/>
+          <p:cNvGrpSpPr/>
+          <p:nvPr/>
+        </p:nvGrpSpPr>
+        <p:grpSpPr>
+          <a:xfrm>
+            <a:off x="4343400" y="1789362"/>
+            <a:ext cx="3429000" cy="1643141"/>
+            <a:chOff x="1028700" y="1633459"/>
+            <a:chExt cx="3429000" cy="1643141"/>
+          </a:xfrm>
+        </p:grpSpPr>
+        <p:sp>
+          <p:nvSpPr>
+            <p:cNvPr id="34" name="Rectangle 33"/>
+            <p:cNvSpPr/>
+            <p:nvPr/>
+          </p:nvSpPr>
+          <p:spPr>
+            <a:xfrm>
+              <a:off x="1943100" y="1633459"/>
+              <a:ext cx="1600200" cy="533400"/>
+            </a:xfrm>
+            <a:prstGeom prst="rect">
+              <a:avLst/>
+            </a:prstGeom>
+            <a:noFill/>
+            <a:ln w="12700">
+              <a:solidFill>
+                <a:schemeClr val="tx1"/>
+              </a:solidFill>
+            </a:ln>
+          </p:spPr>
+          <p:style>
+            <a:lnRef idx="2">
+              <a:schemeClr val="accent1"/>
+            </a:lnRef>
+            <a:fillRef idx="1">
+              <a:schemeClr val="lt1"/>
+            </a:fillRef>
+            <a:effectRef idx="0">
+              <a:schemeClr val="accent1"/>
+            </a:effectRef>
+            <a:fontRef idx="minor">
+              <a:schemeClr val="dk1"/>
+            </a:fontRef>
+          </p:style>
+          <p:txBody>
+            <a:bodyPr rot="0" spcFirstLastPara="0" vertOverflow="overflow" horzOverflow="overflow" vert="horz" wrap="square" lIns="91440" tIns="45720" rIns="91440" bIns="45720" numCol="1" spcCol="0" rtlCol="0" fromWordArt="0" anchor="ctr" anchorCtr="0" forceAA="0" compatLnSpc="1">
+              <a:prstTxWarp prst="textNoShape">
+                <a:avLst/>
+              </a:prstTxWarp>
+              <a:noAutofit/>
+            </a:bodyPr>
+            <a:lstStyle/>
+            <a:p>
+              <a:pPr algn="ctr"/>
+              <a:r>
+                <a:rPr lang="en-US" dirty="0">
+                  <a:solidFill>
+                    <a:schemeClr val="tx1"/>
+                  </a:solidFill>
+                </a:rPr>
+                <a:t>world-after-tick</a:t>
+              </a:r>
+            </a:p>
+          </p:txBody>
+        </p:sp>
+        <p:sp>
+          <p:nvSpPr>
+            <p:cNvPr id="36" name="Rectangle 35"/>
+            <p:cNvSpPr/>
+            <p:nvPr/>
+          </p:nvSpPr>
+          <p:spPr>
+            <a:xfrm>
+              <a:off x="1028700" y="2743200"/>
+              <a:ext cx="1600200" cy="533400"/>
+            </a:xfrm>
+            <a:prstGeom prst="rect">
+              <a:avLst/>
+            </a:prstGeom>
+            <a:noFill/>
+            <a:ln w="12700">
+              <a:solidFill>
+                <a:schemeClr val="tx1"/>
+              </a:solidFill>
+            </a:ln>
+          </p:spPr>
+          <p:style>
+            <a:lnRef idx="2">
+              <a:schemeClr val="accent1"/>
+            </a:lnRef>
+            <a:fillRef idx="1">
+              <a:schemeClr val="lt1"/>
+            </a:fillRef>
+            <a:effectRef idx="0">
+              <a:schemeClr val="accent1"/>
+            </a:effectRef>
+            <a:fontRef idx="minor">
+              <a:schemeClr val="dk1"/>
+            </a:fontRef>
+          </p:style>
+          <p:txBody>
+            <a:bodyPr rot="0" spcFirstLastPara="0" vertOverflow="overflow" horzOverflow="overflow" vert="horz" wrap="square" lIns="91440" tIns="45720" rIns="91440" bIns="45720" numCol="1" spcCol="0" rtlCol="0" fromWordArt="0" anchor="ctr" anchorCtr="0" forceAA="0" compatLnSpc="1">
+              <a:prstTxWarp prst="textNoShape">
+                <a:avLst/>
+              </a:prstTxWarp>
+              <a:noAutofit/>
+            </a:bodyPr>
+            <a:lstStyle/>
+            <a:p>
+              <a:pPr algn="ctr"/>
+              <a:r>
+                <a:rPr lang="en-US" dirty="0">
+                  <a:solidFill>
+                    <a:schemeClr val="tx1"/>
+                  </a:solidFill>
+                </a:rPr>
+                <a:t>cat-after-tick</a:t>
+              </a:r>
+            </a:p>
+          </p:txBody>
+        </p:sp>
+        <p:sp>
+          <p:nvSpPr>
+            <p:cNvPr id="37" name="Rectangle 36"/>
+            <p:cNvSpPr/>
+            <p:nvPr/>
+          </p:nvSpPr>
+          <p:spPr>
+            <a:xfrm>
+              <a:off x="2857500" y="2743200"/>
+              <a:ext cx="1600200" cy="533400"/>
+            </a:xfrm>
+            <a:prstGeom prst="rect">
+              <a:avLst/>
+            </a:prstGeom>
+            <a:noFill/>
+            <a:ln w="12700">
+              <a:solidFill>
+                <a:schemeClr val="tx1"/>
+              </a:solidFill>
+            </a:ln>
+          </p:spPr>
+          <p:style>
+            <a:lnRef idx="2">
+              <a:schemeClr val="accent1"/>
+            </a:lnRef>
+            <a:fillRef idx="1">
+              <a:schemeClr val="lt1"/>
+            </a:fillRef>
+            <a:effectRef idx="0">
+              <a:schemeClr val="accent1"/>
+            </a:effectRef>
+            <a:fontRef idx="minor">
+              <a:schemeClr val="dk1"/>
+            </a:fontRef>
+          </p:style>
+          <p:txBody>
+            <a:bodyPr rot="0" spcFirstLastPara="0" vertOverflow="overflow" horzOverflow="overflow" vert="horz" wrap="square" lIns="91440" tIns="45720" rIns="91440" bIns="45720" numCol="1" spcCol="0" rtlCol="0" fromWordArt="0" anchor="ctr" anchorCtr="0" forceAA="0" compatLnSpc="1">
+              <a:prstTxWarp prst="textNoShape">
+                <a:avLst/>
+              </a:prstTxWarp>
+              <a:noAutofit/>
+            </a:bodyPr>
+            <a:lstStyle/>
+            <a:p>
+              <a:pPr algn="ctr"/>
+              <a:r>
+                <a:rPr lang="en-US" dirty="0">
+                  <a:solidFill>
+                    <a:schemeClr val="tx1"/>
+                  </a:solidFill>
+                </a:rPr>
+                <a:t>traffic-light-after-tick</a:t>
+              </a:r>
+            </a:p>
+          </p:txBody>
+        </p:sp>
+      </p:grpSp>
+      <p:cxnSp>
+        <p:nvCxnSpPr>
+          <p:cNvPr id="12" name="Straight Arrow Connector 11"/>
+          <p:cNvCxnSpPr>
+            <a:stCxn id="34" idx="2"/>
+            <a:endCxn id="36" idx="0"/>
+          </p:cNvCxnSpPr>
+          <p:nvPr/>
+        </p:nvCxnSpPr>
+        <p:spPr>
+          <a:xfrm flipH="1">
+            <a:off x="5143500" y="2322762"/>
+            <a:ext cx="914400" cy="576341"/>
+          </a:xfrm>
+          <a:prstGeom prst="straightConnector1">
+            <a:avLst/>
+          </a:prstGeom>
+          <a:ln>
+            <a:tailEnd type="triangle"/>
+          </a:ln>
+        </p:spPr>
+        <p:style>
+          <a:lnRef idx="1">
+            <a:schemeClr val="accent1"/>
+          </a:lnRef>
+          <a:fillRef idx="0">
+            <a:schemeClr val="accent1"/>
+          </a:fillRef>
+          <a:effectRef idx="0">
+            <a:schemeClr val="accent1"/>
+          </a:effectRef>
+          <a:fontRef idx="minor">
+            <a:schemeClr val="tx1"/>
+          </a:fontRef>
+        </p:style>
+      </p:cxnSp>
+      <p:cxnSp>
+        <p:nvCxnSpPr>
+          <p:cNvPr id="15" name="Straight Arrow Connector 14"/>
+          <p:cNvCxnSpPr>
+            <a:stCxn id="34" idx="2"/>
+            <a:endCxn id="37" idx="0"/>
+          </p:cNvCxnSpPr>
+          <p:nvPr/>
+        </p:nvCxnSpPr>
+        <p:spPr>
+          <a:xfrm>
+            <a:off x="6057900" y="2322762"/>
+            <a:ext cx="914400" cy="576341"/>
+          </a:xfrm>
+          <a:prstGeom prst="straightConnector1">
+            <a:avLst/>
+          </a:prstGeom>
+          <a:ln>
+            <a:tailEnd type="triangle"/>
+          </a:ln>
+        </p:spPr>
+        <p:style>
+          <a:lnRef idx="1">
+            <a:schemeClr val="accent1"/>
+          </a:lnRef>
+          <a:fillRef idx="0">
+            <a:schemeClr val="accent1"/>
+          </a:fillRef>
+          <a:effectRef idx="0">
+            <a:schemeClr val="accent1"/>
+          </a:effectRef>
+          <a:fontRef idx="minor">
+            <a:schemeClr val="tx1"/>
+          </a:fontRef>
+        </p:style>
+      </p:cxnSp>
+    </p:spTree>
+    <p:extLst>
+      <p:ext uri="{BB962C8B-B14F-4D97-AF65-F5344CB8AC3E}">
+        <p14:creationId xmlns:p14="http://schemas.microsoft.com/office/powerpoint/2010/main" val="3477666466"/>
+      </p:ext>
+    </p:extLst>
+  </p:cSld>
+  <p:clrMapOvr>
+    <a:masterClrMapping/>
+  </p:clrMapOvr>
+</p:sld>
+</file>
+
+<file path=ppt/slides/slide21.xml><?xml version="1.0" encoding="utf-8"?>
+<p:sld xmlns:a="http://schemas.openxmlformats.org/drawingml/2006/main" xmlns:r="http://schemas.openxmlformats.org/officeDocument/2006/relationships" xmlns:p="http://schemas.openxmlformats.org/presentationml/2006/main">
+  <p:cSld>
+    <p:spTree>
+      <p:nvGrpSpPr>
+        <p:cNvPr id="1" name=""/>
+        <p:cNvGrpSpPr/>
+        <p:nvPr/>
+      </p:nvGrpSpPr>
+      <p:grpSpPr>
+        <a:xfrm>
+          <a:off x="0" y="0"/>
+          <a:ext cx="0" cy="0"/>
+          <a:chOff x="0" y="0"/>
+          <a:chExt cx="0" cy="0"/>
+        </a:xfrm>
+      </p:grpSpPr>
+      <p:sp>
+        <p:nvSpPr>
+          <p:cNvPr id="4" name="Title 3"/>
+          <p:cNvSpPr>
+            <a:spLocks noGrp="1"/>
+          </p:cNvSpPr>
+          <p:nvPr>
+            <p:ph type="title"/>
+          </p:nvPr>
+        </p:nvSpPr>
+        <p:spPr/>
+        <p:txBody>
+          <a:bodyPr>
+            <a:normAutofit fontScale="90000"/>
+          </a:bodyPr>
+          <a:lstStyle/>
+          <a:p>
+            <a:r>
+              <a:rPr lang="en-US" dirty="0"/>
+              <a:t>What if the motion of the cat were more complicated?</a:t>
+            </a:r>
+          </a:p>
+        </p:txBody>
+      </p:sp>
+      <p:sp>
+        <p:nvSpPr>
+          <p:cNvPr id="5" name="Content Placeholder 4"/>
+          <p:cNvSpPr>
+            <a:spLocks noGrp="1"/>
+          </p:cNvSpPr>
+          <p:nvPr>
+            <p:ph idx="1"/>
+          </p:nvPr>
+        </p:nvSpPr>
+        <p:spPr/>
+        <p:txBody>
+          <a:bodyPr>
+            <a:normAutofit fontScale="92500" lnSpcReduction="10000"/>
+          </a:bodyPr>
+          <a:lstStyle/>
+          <a:p>
+            <a:r>
+              <a:rPr lang="en-US" dirty="0"/>
+              <a:t>In our problem, the components of the new cat were all "one-liners"</a:t>
+            </a:r>
+          </a:p>
+          <a:p>
+            <a:r>
+              <a:rPr lang="en-US" dirty="0"/>
+              <a:t>If the motion of the cat were more complicated, you might need to do some complicated computation to determine the next </a:t>
+            </a:r>
+            <a:r>
+              <a:rPr lang="en-US" dirty="0" err="1"/>
+              <a:t>x,y</a:t>
+            </a:r>
+            <a:r>
+              <a:rPr lang="en-US" dirty="0"/>
+              <a:t> position and next </a:t>
+            </a:r>
+            <a:r>
+              <a:rPr lang="en-US" dirty="0" err="1"/>
+              <a:t>x,y</a:t>
+            </a:r>
+            <a:r>
+              <a:rPr lang="en-US" dirty="0"/>
+              <a:t> velocities of the cat.</a:t>
+            </a:r>
+          </a:p>
+          <a:p>
+            <a:r>
+              <a:rPr lang="en-US" dirty="0"/>
+              <a:t>You'd turn some or all of these into help functions.</a:t>
+            </a:r>
+          </a:p>
+          <a:p>
+            <a:r>
+              <a:rPr lang="en-US" dirty="0"/>
+              <a:t>This still </a:t>
+            </a:r>
+            <a:r>
+              <a:rPr lang="en-US" dirty="0" err="1"/>
+              <a:t>still</a:t>
+            </a:r>
+            <a:r>
+              <a:rPr lang="en-US" dirty="0"/>
+              <a:t> winds up following the structure of the data:</a:t>
+            </a:r>
+          </a:p>
+        </p:txBody>
+      </p:sp>
+      <p:sp>
+        <p:nvSpPr>
+          <p:cNvPr id="3" name="Slide Number Placeholder 2"/>
+          <p:cNvSpPr>
+            <a:spLocks noGrp="1"/>
+          </p:cNvSpPr>
+          <p:nvPr>
+            <p:ph type="sldNum" sz="quarter" idx="12"/>
+          </p:nvPr>
+        </p:nvSpPr>
+        <p:spPr/>
+        <p:txBody>
+          <a:bodyPr/>
+          <a:lstStyle/>
+          <a:p>
+            <a:fld id="{2AF3B5EA-18B6-4040-9F78-6052AF49C681}" type="slidenum">
+              <a:rPr lang="en-US" smtClean="0"/>
+              <a:t>21</a:t>
+            </a:fld>
+            <a:endParaRPr lang="en-US"/>
+          </a:p>
+        </p:txBody>
+      </p:sp>
+    </p:spTree>
+    <p:extLst>
+      <p:ext uri="{BB962C8B-B14F-4D97-AF65-F5344CB8AC3E}">
+        <p14:creationId xmlns:p14="http://schemas.microsoft.com/office/powerpoint/2010/main" val="4111548245"/>
+      </p:ext>
+    </p:extLst>
+  </p:cSld>
+  <p:clrMapOvr>
+    <a:masterClrMapping/>
+  </p:clrMapOvr>
+</p:sld>
+</file>
+
+<file path=ppt/slides/slide22.xml><?xml version="1.0" encoding="utf-8"?>
+<p:sld xmlns:a="http://schemas.openxmlformats.org/drawingml/2006/main" xmlns:r="http://schemas.openxmlformats.org/officeDocument/2006/relationships" xmlns:p="http://schemas.openxmlformats.org/presentationml/2006/main">
+  <p:cSld>
+    <p:spTree>
+      <p:nvGrpSpPr>
+        <p:cNvPr id="1" name=""/>
+        <p:cNvGrpSpPr/>
+        <p:nvPr/>
+      </p:nvGrpSpPr>
+      <p:grpSpPr>
+        <a:xfrm>
+          <a:off x="0" y="0"/>
+          <a:ext cx="0" cy="0"/>
+          <a:chOff x="0" y="0"/>
+          <a:chExt cx="0" cy="0"/>
+        </a:xfrm>
+      </p:grpSpPr>
+      <p:sp>
+        <p:nvSpPr>
+          <p:cNvPr id="2" name="Title 1"/>
+          <p:cNvSpPr>
+            <a:spLocks noGrp="1"/>
+          </p:cNvSpPr>
+          <p:nvPr>
+            <p:ph type="title"/>
+          </p:nvPr>
+        </p:nvSpPr>
+        <p:spPr>
+          <a:xfrm>
+            <a:off x="457200" y="241687"/>
+            <a:ext cx="8229600" cy="1143000"/>
+          </a:xfrm>
+        </p:spPr>
+        <p:txBody>
+          <a:bodyPr>
+            <a:normAutofit fontScale="90000"/>
+          </a:bodyPr>
+          <a:lstStyle/>
+          <a:p>
+            <a:r>
+              <a:rPr lang="en-US" dirty="0"/>
+              <a:t>What if the motion of the cat were more complicated? (2)</a:t>
+            </a:r>
+          </a:p>
+        </p:txBody>
+      </p:sp>
+      <p:sp>
+        <p:nvSpPr>
+          <p:cNvPr id="3" name="Slide Number Placeholder 2"/>
+          <p:cNvSpPr>
+            <a:spLocks noGrp="1"/>
+          </p:cNvSpPr>
+          <p:nvPr>
+            <p:ph type="sldNum" sz="quarter" idx="12"/>
+          </p:nvPr>
+        </p:nvSpPr>
+        <p:spPr/>
+        <p:txBody>
+          <a:bodyPr/>
+          <a:lstStyle/>
+          <a:p>
+            <a:fld id="{2AF3B5EA-18B6-4040-9F78-6052AF49C681}" type="slidenum">
+              <a:rPr lang="en-US" smtClean="0"/>
+              <a:t>22</a:t>
+            </a:fld>
+            <a:endParaRPr lang="en-US"/>
+          </a:p>
+        </p:txBody>
+      </p:sp>
+      <p:sp>
+        <p:nvSpPr>
+          <p:cNvPr id="30" name="TextBox 29"/>
+          <p:cNvSpPr txBox="1"/>
+          <p:nvPr/>
+        </p:nvSpPr>
+        <p:spPr>
+          <a:xfrm>
+            <a:off x="1077362" y="5562600"/>
+            <a:ext cx="2188676" cy="461665"/>
+          </a:xfrm>
+          <a:prstGeom prst="rect">
+            <a:avLst/>
+          </a:prstGeom>
+          <a:noFill/>
+        </p:spPr>
+        <p:txBody>
+          <a:bodyPr wrap="none" rtlCol="0">
+            <a:spAutoFit/>
+          </a:bodyPr>
+          <a:lstStyle/>
+          <a:p>
+            <a:r>
+              <a:rPr lang="en-US" sz="2400" dirty="0">
+                <a:solidFill>
+                  <a:schemeClr val="tx2">
+                    <a:lumMod val="60000"/>
+                    <a:lumOff val="40000"/>
+                  </a:schemeClr>
+                </a:solidFill>
+              </a:rPr>
+              <a:t>Data Definitions</a:t>
+            </a:r>
+          </a:p>
+        </p:txBody>
+      </p:sp>
+      <p:sp>
+        <p:nvSpPr>
+          <p:cNvPr id="31" name="TextBox 30"/>
+          <p:cNvSpPr txBox="1"/>
+          <p:nvPr/>
+        </p:nvSpPr>
+        <p:spPr>
+          <a:xfrm>
+            <a:off x="6181067" y="3656216"/>
+            <a:ext cx="1472006" cy="461665"/>
+          </a:xfrm>
+          <a:prstGeom prst="rect">
+            <a:avLst/>
+          </a:prstGeom>
+          <a:noFill/>
+        </p:spPr>
+        <p:txBody>
+          <a:bodyPr wrap="none" rtlCol="0">
+            <a:spAutoFit/>
+          </a:bodyPr>
+          <a:lstStyle/>
+          <a:p>
+            <a:r>
+              <a:rPr lang="en-US" sz="2400" dirty="0">
+                <a:solidFill>
+                  <a:schemeClr val="tx2">
+                    <a:lumMod val="60000"/>
+                    <a:lumOff val="40000"/>
+                  </a:schemeClr>
+                </a:solidFill>
+              </a:rPr>
+              <a:t>Call Graph</a:t>
+            </a:r>
+          </a:p>
+        </p:txBody>
+      </p:sp>
+      <p:grpSp>
+        <p:nvGrpSpPr>
+          <p:cNvPr id="10" name="Group 9"/>
+          <p:cNvGrpSpPr/>
+          <p:nvPr/>
+        </p:nvGrpSpPr>
+        <p:grpSpPr>
+          <a:xfrm>
+            <a:off x="457200" y="1785859"/>
+            <a:ext cx="3429000" cy="1643141"/>
+            <a:chOff x="1028700" y="1633459"/>
+            <a:chExt cx="3429000" cy="1643141"/>
+          </a:xfrm>
+        </p:grpSpPr>
+        <p:sp>
+          <p:nvSpPr>
+            <p:cNvPr id="4" name="Rectangle 3"/>
+            <p:cNvSpPr/>
+            <p:nvPr/>
+          </p:nvSpPr>
+          <p:spPr>
+            <a:xfrm>
+              <a:off x="1943100" y="1633459"/>
+              <a:ext cx="1600200" cy="533400"/>
+            </a:xfrm>
+            <a:prstGeom prst="rect">
+              <a:avLst/>
+            </a:prstGeom>
+            <a:noFill/>
+            <a:ln w="12700">
+              <a:solidFill>
+                <a:schemeClr val="tx1"/>
+              </a:solidFill>
+            </a:ln>
+          </p:spPr>
+          <p:style>
+            <a:lnRef idx="2">
+              <a:schemeClr val="accent1"/>
+            </a:lnRef>
+            <a:fillRef idx="1">
+              <a:schemeClr val="lt1"/>
+            </a:fillRef>
+            <a:effectRef idx="0">
+              <a:schemeClr val="accent1"/>
+            </a:effectRef>
+            <a:fontRef idx="minor">
+              <a:schemeClr val="dk1"/>
+            </a:fontRef>
+          </p:style>
+          <p:txBody>
+            <a:bodyPr rot="0" spcFirstLastPara="0" vertOverflow="overflow" horzOverflow="overflow" vert="horz" wrap="square" lIns="91440" tIns="45720" rIns="91440" bIns="45720" numCol="1" spcCol="0" rtlCol="0" fromWordArt="0" anchor="ctr" anchorCtr="0" forceAA="0" compatLnSpc="1">
+              <a:prstTxWarp prst="textNoShape">
+                <a:avLst/>
+              </a:prstTxWarp>
+              <a:noAutofit/>
+            </a:bodyPr>
+            <a:lstStyle/>
+            <a:p>
+              <a:pPr algn="ctr"/>
+              <a:r>
+                <a:rPr lang="en-US" dirty="0">
+                  <a:solidFill>
+                    <a:schemeClr val="tx1"/>
+                  </a:solidFill>
+                </a:rPr>
+                <a:t>World</a:t>
+              </a:r>
+            </a:p>
+          </p:txBody>
+        </p:sp>
+        <p:cxnSp>
+          <p:nvCxnSpPr>
+            <p:cNvPr id="7" name="Straight Arrow Connector 6"/>
+            <p:cNvCxnSpPr>
+              <a:stCxn id="8" idx="0"/>
+              <a:endCxn id="4" idx="2"/>
+            </p:cNvCxnSpPr>
+            <p:nvPr/>
+          </p:nvCxnSpPr>
+          <p:spPr>
+            <a:xfrm flipV="1">
+              <a:off x="1828800" y="2166859"/>
+              <a:ext cx="914400" cy="576341"/>
+            </a:xfrm>
+            <a:prstGeom prst="straightConnector1">
+              <a:avLst/>
+            </a:prstGeom>
+            <a:ln>
+              <a:tailEnd type="triangle"/>
+            </a:ln>
+          </p:spPr>
+          <p:style>
+            <a:lnRef idx="1">
+              <a:schemeClr val="accent1"/>
+            </a:lnRef>
+            <a:fillRef idx="0">
+              <a:schemeClr val="accent1"/>
+            </a:fillRef>
+            <a:effectRef idx="0">
+              <a:schemeClr val="accent1"/>
+            </a:effectRef>
+            <a:fontRef idx="minor">
+              <a:schemeClr val="tx1"/>
+            </a:fontRef>
+          </p:style>
+        </p:cxnSp>
+        <p:sp>
+          <p:nvSpPr>
+            <p:cNvPr id="8" name="Rectangle 7"/>
+            <p:cNvSpPr/>
+            <p:nvPr/>
+          </p:nvSpPr>
+          <p:spPr>
+            <a:xfrm>
+              <a:off x="1028700" y="2743200"/>
+              <a:ext cx="1600200" cy="533400"/>
+            </a:xfrm>
+            <a:prstGeom prst="rect">
+              <a:avLst/>
+            </a:prstGeom>
+            <a:noFill/>
+            <a:ln w="12700">
+              <a:solidFill>
+                <a:schemeClr val="tx1"/>
+              </a:solidFill>
+            </a:ln>
+          </p:spPr>
+          <p:style>
+            <a:lnRef idx="2">
+              <a:schemeClr val="accent1"/>
+            </a:lnRef>
+            <a:fillRef idx="1">
+              <a:schemeClr val="lt1"/>
+            </a:fillRef>
+            <a:effectRef idx="0">
+              <a:schemeClr val="accent1"/>
+            </a:effectRef>
+            <a:fontRef idx="minor">
+              <a:schemeClr val="dk1"/>
+            </a:fontRef>
+          </p:style>
+          <p:txBody>
+            <a:bodyPr rot="0" spcFirstLastPara="0" vertOverflow="overflow" horzOverflow="overflow" vert="horz" wrap="square" lIns="91440" tIns="45720" rIns="91440" bIns="45720" numCol="1" spcCol="0" rtlCol="0" fromWordArt="0" anchor="ctr" anchorCtr="0" forceAA="0" compatLnSpc="1">
+              <a:prstTxWarp prst="textNoShape">
+                <a:avLst/>
+              </a:prstTxWarp>
+              <a:noAutofit/>
+            </a:bodyPr>
+            <a:lstStyle/>
+            <a:p>
+              <a:pPr algn="ctr"/>
+              <a:r>
+                <a:rPr lang="en-US" dirty="0">
+                  <a:solidFill>
+                    <a:schemeClr val="tx1"/>
+                  </a:solidFill>
+                </a:rPr>
+                <a:t>Cat</a:t>
+              </a:r>
+            </a:p>
+          </p:txBody>
+        </p:sp>
+        <p:sp>
+          <p:nvSpPr>
+            <p:cNvPr id="32" name="Rectangle 31"/>
+            <p:cNvSpPr/>
+            <p:nvPr/>
+          </p:nvSpPr>
+          <p:spPr>
+            <a:xfrm>
+              <a:off x="2857500" y="2743200"/>
+              <a:ext cx="1600200" cy="533400"/>
+            </a:xfrm>
+            <a:prstGeom prst="rect">
+              <a:avLst/>
+            </a:prstGeom>
+            <a:noFill/>
+            <a:ln w="12700">
+              <a:solidFill>
+                <a:schemeClr val="tx1"/>
+              </a:solidFill>
+            </a:ln>
+          </p:spPr>
+          <p:style>
+            <a:lnRef idx="2">
+              <a:schemeClr val="accent1"/>
+            </a:lnRef>
+            <a:fillRef idx="1">
+              <a:schemeClr val="lt1"/>
+            </a:fillRef>
+            <a:effectRef idx="0">
+              <a:schemeClr val="accent1"/>
+            </a:effectRef>
+            <a:fontRef idx="minor">
+              <a:schemeClr val="dk1"/>
+            </a:fontRef>
+          </p:style>
+          <p:txBody>
+            <a:bodyPr rot="0" spcFirstLastPara="0" vertOverflow="overflow" horzOverflow="overflow" vert="horz" wrap="square" lIns="91440" tIns="45720" rIns="91440" bIns="45720" numCol="1" spcCol="0" rtlCol="0" fromWordArt="0" anchor="ctr" anchorCtr="0" forceAA="0" compatLnSpc="1">
+              <a:prstTxWarp prst="textNoShape">
+                <a:avLst/>
+              </a:prstTxWarp>
+              <a:noAutofit/>
+            </a:bodyPr>
+            <a:lstStyle/>
+            <a:p>
+              <a:pPr algn="ctr"/>
+              <a:r>
+                <a:rPr lang="en-US" dirty="0">
+                  <a:solidFill>
+                    <a:schemeClr val="tx1"/>
+                  </a:solidFill>
+                </a:rPr>
+                <a:t>Traffic Light</a:t>
+              </a:r>
+            </a:p>
+          </p:txBody>
+        </p:sp>
+        <p:cxnSp>
+          <p:nvCxnSpPr>
+            <p:cNvPr id="9" name="Straight Arrow Connector 8"/>
+            <p:cNvCxnSpPr>
+              <a:stCxn id="32" idx="0"/>
+              <a:endCxn id="4" idx="2"/>
+            </p:cNvCxnSpPr>
+            <p:nvPr/>
+          </p:nvCxnSpPr>
+          <p:spPr>
+            <a:xfrm flipH="1" flipV="1">
+              <a:off x="2743200" y="2166859"/>
+              <a:ext cx="914400" cy="576341"/>
+            </a:xfrm>
+            <a:prstGeom prst="straightConnector1">
+              <a:avLst/>
+            </a:prstGeom>
+            <a:ln>
+              <a:tailEnd type="triangle"/>
+            </a:ln>
+          </p:spPr>
+          <p:style>
+            <a:lnRef idx="1">
+              <a:schemeClr val="accent1"/>
+            </a:lnRef>
+            <a:fillRef idx="0">
+              <a:schemeClr val="accent1"/>
+            </a:fillRef>
+            <a:effectRef idx="0">
+              <a:schemeClr val="accent1"/>
+            </a:effectRef>
+            <a:fontRef idx="minor">
+              <a:schemeClr val="tx1"/>
+            </a:fontRef>
+          </p:style>
+        </p:cxnSp>
+      </p:grpSp>
+      <p:grpSp>
+        <p:nvGrpSpPr>
+          <p:cNvPr id="33" name="Group 32"/>
+          <p:cNvGrpSpPr/>
+          <p:nvPr/>
+        </p:nvGrpSpPr>
+        <p:grpSpPr>
+          <a:xfrm>
+            <a:off x="4343400" y="1789362"/>
+            <a:ext cx="3429000" cy="1643141"/>
+            <a:chOff x="1028700" y="1633459"/>
+            <a:chExt cx="3429000" cy="1643141"/>
+          </a:xfrm>
+        </p:grpSpPr>
+        <p:sp>
+          <p:nvSpPr>
+            <p:cNvPr id="34" name="Rectangle 33"/>
+            <p:cNvSpPr/>
+            <p:nvPr/>
+          </p:nvSpPr>
+          <p:spPr>
+            <a:xfrm>
+              <a:off x="1943100" y="1633459"/>
+              <a:ext cx="1600200" cy="533400"/>
+            </a:xfrm>
+            <a:prstGeom prst="rect">
+              <a:avLst/>
+            </a:prstGeom>
+            <a:noFill/>
+            <a:ln w="12700">
+              <a:solidFill>
+                <a:schemeClr val="tx1"/>
+              </a:solidFill>
+            </a:ln>
+          </p:spPr>
+          <p:style>
+            <a:lnRef idx="2">
+              <a:schemeClr val="accent1"/>
+            </a:lnRef>
+            <a:fillRef idx="1">
+              <a:schemeClr val="lt1"/>
+            </a:fillRef>
+            <a:effectRef idx="0">
+              <a:schemeClr val="accent1"/>
+            </a:effectRef>
+            <a:fontRef idx="minor">
+              <a:schemeClr val="dk1"/>
+            </a:fontRef>
+          </p:style>
+          <p:txBody>
+            <a:bodyPr rot="0" spcFirstLastPara="0" vertOverflow="overflow" horzOverflow="overflow" vert="horz" wrap="square" lIns="91440" tIns="45720" rIns="91440" bIns="45720" numCol="1" spcCol="0" rtlCol="0" fromWordArt="0" anchor="ctr" anchorCtr="0" forceAA="0" compatLnSpc="1">
+              <a:prstTxWarp prst="textNoShape">
+                <a:avLst/>
+              </a:prstTxWarp>
+              <a:noAutofit/>
+            </a:bodyPr>
+            <a:lstStyle/>
+            <a:p>
+              <a:pPr algn="ctr"/>
+              <a:r>
+                <a:rPr lang="en-US" dirty="0">
+                  <a:solidFill>
+                    <a:schemeClr val="tx1"/>
+                  </a:solidFill>
+                </a:rPr>
+                <a:t>world-after-tick</a:t>
+              </a:r>
+            </a:p>
+          </p:txBody>
+        </p:sp>
+        <p:sp>
+          <p:nvSpPr>
+            <p:cNvPr id="36" name="Rectangle 35"/>
+            <p:cNvSpPr/>
+            <p:nvPr/>
+          </p:nvSpPr>
+          <p:spPr>
+            <a:xfrm>
+              <a:off x="1028700" y="2743200"/>
+              <a:ext cx="1600200" cy="533400"/>
+            </a:xfrm>
+            <a:prstGeom prst="rect">
+              <a:avLst/>
+            </a:prstGeom>
+            <a:noFill/>
+            <a:ln w="12700">
+              <a:solidFill>
+                <a:schemeClr val="tx1"/>
+              </a:solidFill>
+            </a:ln>
+          </p:spPr>
+          <p:style>
+            <a:lnRef idx="2">
+              <a:schemeClr val="accent1"/>
+            </a:lnRef>
+            <a:fillRef idx="1">
+              <a:schemeClr val="lt1"/>
+            </a:fillRef>
+            <a:effectRef idx="0">
+              <a:schemeClr val="accent1"/>
+            </a:effectRef>
+            <a:fontRef idx="minor">
+              <a:schemeClr val="dk1"/>
+            </a:fontRef>
+          </p:style>
+          <p:txBody>
+            <a:bodyPr rot="0" spcFirstLastPara="0" vertOverflow="overflow" horzOverflow="overflow" vert="horz" wrap="square" lIns="91440" tIns="45720" rIns="91440" bIns="45720" numCol="1" spcCol="0" rtlCol="0" fromWordArt="0" anchor="ctr" anchorCtr="0" forceAA="0" compatLnSpc="1">
+              <a:prstTxWarp prst="textNoShape">
+                <a:avLst/>
+              </a:prstTxWarp>
+              <a:noAutofit/>
+            </a:bodyPr>
+            <a:lstStyle/>
+            <a:p>
+              <a:pPr algn="ctr"/>
+              <a:r>
+                <a:rPr lang="en-US" dirty="0">
+                  <a:solidFill>
+                    <a:schemeClr val="tx1"/>
+                  </a:solidFill>
+                </a:rPr>
+                <a:t>cat-after-tick</a:t>
+              </a:r>
+            </a:p>
+          </p:txBody>
+        </p:sp>
+        <p:sp>
+          <p:nvSpPr>
+            <p:cNvPr id="37" name="Rectangle 36"/>
+            <p:cNvSpPr/>
+            <p:nvPr/>
+          </p:nvSpPr>
+          <p:spPr>
+            <a:xfrm>
+              <a:off x="2857500" y="2743200"/>
+              <a:ext cx="1600200" cy="533400"/>
+            </a:xfrm>
+            <a:prstGeom prst="rect">
+              <a:avLst/>
+            </a:prstGeom>
+            <a:noFill/>
+            <a:ln w="12700">
+              <a:solidFill>
+                <a:schemeClr val="tx1"/>
+              </a:solidFill>
+            </a:ln>
+          </p:spPr>
+          <p:style>
+            <a:lnRef idx="2">
+              <a:schemeClr val="accent1"/>
+            </a:lnRef>
+            <a:fillRef idx="1">
+              <a:schemeClr val="lt1"/>
+            </a:fillRef>
+            <a:effectRef idx="0">
+              <a:schemeClr val="accent1"/>
+            </a:effectRef>
+            <a:fontRef idx="minor">
+              <a:schemeClr val="dk1"/>
+            </a:fontRef>
+          </p:style>
+          <p:txBody>
+            <a:bodyPr rot="0" spcFirstLastPara="0" vertOverflow="overflow" horzOverflow="overflow" vert="horz" wrap="square" lIns="91440" tIns="45720" rIns="91440" bIns="45720" numCol="1" spcCol="0" rtlCol="0" fromWordArt="0" anchor="ctr" anchorCtr="0" forceAA="0" compatLnSpc="1">
+              <a:prstTxWarp prst="textNoShape">
+                <a:avLst/>
+              </a:prstTxWarp>
+              <a:noAutofit/>
+            </a:bodyPr>
+            <a:lstStyle/>
+            <a:p>
+              <a:pPr algn="ctr"/>
+              <a:r>
+                <a:rPr lang="en-US" dirty="0">
+                  <a:solidFill>
+                    <a:schemeClr val="tx1"/>
+                  </a:solidFill>
+                </a:rPr>
+                <a:t>traffic-light-after-tick</a:t>
+              </a:r>
+            </a:p>
+          </p:txBody>
+        </p:sp>
+      </p:grpSp>
+      <p:cxnSp>
+        <p:nvCxnSpPr>
+          <p:cNvPr id="12" name="Straight Arrow Connector 11"/>
+          <p:cNvCxnSpPr>
+            <a:stCxn id="34" idx="2"/>
+            <a:endCxn id="36" idx="0"/>
+          </p:cNvCxnSpPr>
+          <p:nvPr/>
+        </p:nvCxnSpPr>
+        <p:spPr>
+          <a:xfrm flipH="1">
+            <a:off x="5143500" y="2322762"/>
+            <a:ext cx="914400" cy="576341"/>
+          </a:xfrm>
+          <a:prstGeom prst="straightConnector1">
+            <a:avLst/>
+          </a:prstGeom>
+          <a:ln>
+            <a:tailEnd type="triangle"/>
+          </a:ln>
+        </p:spPr>
+        <p:style>
+          <a:lnRef idx="1">
+            <a:schemeClr val="accent1"/>
+          </a:lnRef>
+          <a:fillRef idx="0">
+            <a:schemeClr val="accent1"/>
+          </a:fillRef>
+          <a:effectRef idx="0">
+            <a:schemeClr val="accent1"/>
+          </a:effectRef>
+          <a:fontRef idx="minor">
+            <a:schemeClr val="tx1"/>
+          </a:fontRef>
+        </p:style>
+      </p:cxnSp>
+      <p:cxnSp>
+        <p:nvCxnSpPr>
+          <p:cNvPr id="15" name="Straight Arrow Connector 14"/>
+          <p:cNvCxnSpPr>
+            <a:stCxn id="34" idx="2"/>
+            <a:endCxn id="37" idx="0"/>
+          </p:cNvCxnSpPr>
+          <p:nvPr/>
+        </p:nvCxnSpPr>
+        <p:spPr>
+          <a:xfrm>
+            <a:off x="6057900" y="2322762"/>
+            <a:ext cx="914400" cy="576341"/>
+          </a:xfrm>
+          <a:prstGeom prst="straightConnector1">
+            <a:avLst/>
+          </a:prstGeom>
+          <a:ln>
+            <a:tailEnd type="triangle"/>
+          </a:ln>
+        </p:spPr>
+        <p:style>
+          <a:lnRef idx="1">
+            <a:schemeClr val="accent1"/>
+          </a:lnRef>
+          <a:fillRef idx="0">
+            <a:schemeClr val="accent1"/>
+          </a:fillRef>
+          <a:effectRef idx="0">
+            <a:schemeClr val="accent1"/>
+          </a:effectRef>
+          <a:fontRef idx="minor">
+            <a:schemeClr val="tx1"/>
+          </a:fontRef>
+        </p:style>
+      </p:cxnSp>
+      <p:sp>
+        <p:nvSpPr>
+          <p:cNvPr id="18" name="Rectangle 17"/>
+          <p:cNvSpPr/>
+          <p:nvPr/>
+        </p:nvSpPr>
+        <p:spPr>
+          <a:xfrm>
+            <a:off x="742950" y="3830172"/>
+            <a:ext cx="1028700" cy="1275228"/>
+          </a:xfrm>
+          <a:prstGeom prst="rect">
+            <a:avLst/>
+          </a:prstGeom>
+          <a:noFill/>
+          <a:ln w="12700">
+            <a:solidFill>
+              <a:schemeClr val="tx1"/>
+            </a:solidFill>
+          </a:ln>
+        </p:spPr>
+        <p:style>
+          <a:lnRef idx="2">
+            <a:schemeClr val="accent1"/>
+          </a:lnRef>
+          <a:fillRef idx="1">
+            <a:schemeClr val="lt1"/>
+          </a:fillRef>
+          <a:effectRef idx="0">
+            <a:schemeClr val="accent1"/>
+          </a:effectRef>
+          <a:fontRef idx="minor">
+            <a:schemeClr val="dk1"/>
+          </a:fontRef>
+        </p:style>
+        <p:txBody>
+          <a:bodyPr rot="0" spcFirstLastPara="0" vertOverflow="overflow" horzOverflow="overflow" vert="horz" wrap="square" lIns="91440" tIns="45720" rIns="91440" bIns="45720" numCol="1" spcCol="0" rtlCol="0" fromWordArt="0" anchor="ctr" anchorCtr="0" forceAA="0" compatLnSpc="1">
+            <a:prstTxWarp prst="textNoShape">
+              <a:avLst/>
+            </a:prstTxWarp>
+            <a:noAutofit/>
+          </a:bodyPr>
+          <a:lstStyle/>
+          <a:p>
+            <a:r>
+              <a:rPr lang="en-US" sz="1600" dirty="0">
+                <a:solidFill>
+                  <a:schemeClr val="tx1"/>
+                </a:solidFill>
+              </a:rPr>
+              <a:t>x-</a:t>
+            </a:r>
+            <a:r>
+              <a:rPr lang="en-US" sz="1600" dirty="0" err="1">
+                <a:solidFill>
+                  <a:schemeClr val="tx1"/>
+                </a:solidFill>
+              </a:rPr>
+              <a:t>pos</a:t>
+            </a:r>
+            <a:endParaRPr lang="en-US" sz="1600" dirty="0">
+              <a:solidFill>
+                <a:schemeClr val="tx1"/>
+              </a:solidFill>
+            </a:endParaRPr>
+          </a:p>
+          <a:p>
+            <a:r>
+              <a:rPr lang="en-US" sz="1600" dirty="0">
+                <a:solidFill>
+                  <a:schemeClr val="tx1"/>
+                </a:solidFill>
+              </a:rPr>
+              <a:t>y-</a:t>
+            </a:r>
+            <a:r>
+              <a:rPr lang="en-US" sz="1600" dirty="0" err="1">
+                <a:solidFill>
+                  <a:schemeClr val="tx1"/>
+                </a:solidFill>
+              </a:rPr>
+              <a:t>pos</a:t>
+            </a:r>
+            <a:endParaRPr lang="en-US" sz="1600" dirty="0">
+              <a:solidFill>
+                <a:schemeClr val="tx1"/>
+              </a:solidFill>
+            </a:endParaRPr>
+          </a:p>
+          <a:p>
+            <a:r>
+              <a:rPr lang="en-US" sz="1600" dirty="0">
+                <a:solidFill>
+                  <a:schemeClr val="tx1"/>
+                </a:solidFill>
+              </a:rPr>
+              <a:t>x-</a:t>
+            </a:r>
+            <a:r>
+              <a:rPr lang="en-US" sz="1600" dirty="0" err="1">
+                <a:solidFill>
+                  <a:schemeClr val="tx1"/>
+                </a:solidFill>
+              </a:rPr>
+              <a:t>vel</a:t>
+            </a:r>
+            <a:endParaRPr lang="en-US" sz="1600" dirty="0">
+              <a:solidFill>
+                <a:schemeClr val="tx1"/>
+              </a:solidFill>
+            </a:endParaRPr>
+          </a:p>
+          <a:p>
+            <a:r>
+              <a:rPr lang="en-US" sz="1600" dirty="0">
+                <a:solidFill>
+                  <a:schemeClr val="tx1"/>
+                </a:solidFill>
+              </a:rPr>
+              <a:t>y-</a:t>
+            </a:r>
+            <a:r>
+              <a:rPr lang="en-US" sz="1600" dirty="0" err="1">
+                <a:solidFill>
+                  <a:schemeClr val="tx1"/>
+                </a:solidFill>
+              </a:rPr>
+              <a:t>vel</a:t>
+            </a:r>
+            <a:endParaRPr lang="en-US" sz="1600" dirty="0">
+              <a:solidFill>
+                <a:schemeClr val="tx1"/>
+              </a:solidFill>
+            </a:endParaRPr>
+          </a:p>
+          <a:p>
+            <a:r>
+              <a:rPr lang="en-US" sz="1600" dirty="0">
+                <a:solidFill>
+                  <a:schemeClr val="tx1"/>
+                </a:solidFill>
+              </a:rPr>
+              <a:t>selected?</a:t>
+            </a:r>
+          </a:p>
+        </p:txBody>
+      </p:sp>
+      <p:cxnSp>
+        <p:nvCxnSpPr>
+          <p:cNvPr id="6" name="Straight Arrow Connector 5"/>
+          <p:cNvCxnSpPr>
+            <a:stCxn id="18" idx="0"/>
+            <a:endCxn id="8" idx="2"/>
+          </p:cNvCxnSpPr>
+          <p:nvPr/>
+        </p:nvCxnSpPr>
+        <p:spPr>
+          <a:xfrm flipV="1">
+            <a:off x="1257300" y="3429000"/>
+            <a:ext cx="0" cy="401172"/>
+          </a:xfrm>
+          <a:prstGeom prst="straightConnector1">
+            <a:avLst/>
+          </a:prstGeom>
+          <a:ln>
+            <a:tailEnd type="triangle"/>
+          </a:ln>
+        </p:spPr>
+        <p:style>
+          <a:lnRef idx="1">
+            <a:schemeClr val="accent1"/>
+          </a:lnRef>
+          <a:fillRef idx="0">
+            <a:schemeClr val="accent1"/>
+          </a:fillRef>
+          <a:effectRef idx="0">
+            <a:schemeClr val="accent1"/>
+          </a:effectRef>
+          <a:fontRef idx="minor">
+            <a:schemeClr val="tx1"/>
+          </a:fontRef>
+        </p:style>
+      </p:cxnSp>
+      <p:grpSp>
+        <p:nvGrpSpPr>
+          <p:cNvPr id="11" name="Group 10"/>
+          <p:cNvGrpSpPr/>
+          <p:nvPr/>
+        </p:nvGrpSpPr>
+        <p:grpSpPr>
+          <a:xfrm>
+            <a:off x="3484229" y="3645594"/>
+            <a:ext cx="3547142" cy="3112347"/>
+            <a:chOff x="3657600" y="3644995"/>
+            <a:chExt cx="3547142" cy="3112347"/>
+          </a:xfrm>
+        </p:grpSpPr>
+        <p:sp>
+          <p:nvSpPr>
+            <p:cNvPr id="21" name="Rectangle 20"/>
+            <p:cNvSpPr/>
+            <p:nvPr/>
+          </p:nvSpPr>
+          <p:spPr>
+            <a:xfrm>
+              <a:off x="3657600" y="3644995"/>
+              <a:ext cx="1600200" cy="533400"/>
+            </a:xfrm>
+            <a:prstGeom prst="rect">
+              <a:avLst/>
+            </a:prstGeom>
+            <a:noFill/>
+            <a:ln w="12700">
+              <a:solidFill>
+                <a:schemeClr val="tx1"/>
+              </a:solidFill>
+            </a:ln>
+          </p:spPr>
+          <p:style>
+            <a:lnRef idx="2">
+              <a:schemeClr val="accent1"/>
+            </a:lnRef>
+            <a:fillRef idx="1">
+              <a:schemeClr val="lt1"/>
+            </a:fillRef>
+            <a:effectRef idx="0">
+              <a:schemeClr val="accent1"/>
+            </a:effectRef>
+            <a:fontRef idx="minor">
+              <a:schemeClr val="dk1"/>
+            </a:fontRef>
+          </p:style>
+          <p:txBody>
+            <a:bodyPr rot="0" spcFirstLastPara="0" vertOverflow="overflow" horzOverflow="overflow" vert="horz" wrap="square" lIns="91440" tIns="45720" rIns="91440" bIns="45720" numCol="1" spcCol="0" rtlCol="0" fromWordArt="0" anchor="ctr" anchorCtr="0" forceAA="0" compatLnSpc="1">
+              <a:prstTxWarp prst="textNoShape">
+                <a:avLst/>
+              </a:prstTxWarp>
+              <a:noAutofit/>
+            </a:bodyPr>
+            <a:lstStyle/>
+            <a:p>
+              <a:pPr algn="ctr"/>
+              <a:r>
+                <a:rPr lang="en-US" dirty="0">
+                  <a:solidFill>
+                    <a:schemeClr val="tx1"/>
+                  </a:solidFill>
+                </a:rPr>
+                <a:t>cat-x-</a:t>
+              </a:r>
+              <a:r>
+                <a:rPr lang="en-US" dirty="0" err="1">
+                  <a:solidFill>
+                    <a:schemeClr val="tx1"/>
+                  </a:solidFill>
+                </a:rPr>
+                <a:t>pos</a:t>
+              </a:r>
+              <a:r>
+                <a:rPr lang="en-US" dirty="0">
+                  <a:solidFill>
+                    <a:schemeClr val="tx1"/>
+                  </a:solidFill>
+                </a:rPr>
+                <a:t>-after-tick</a:t>
+              </a:r>
+            </a:p>
+          </p:txBody>
+        </p:sp>
+        <p:sp>
+          <p:nvSpPr>
+            <p:cNvPr id="22" name="Rectangle 21"/>
+            <p:cNvSpPr/>
+            <p:nvPr/>
+          </p:nvSpPr>
+          <p:spPr>
+            <a:xfrm>
+              <a:off x="4631072" y="4934469"/>
+              <a:ext cx="1600200" cy="533400"/>
+            </a:xfrm>
+            <a:prstGeom prst="rect">
+              <a:avLst/>
+            </a:prstGeom>
+            <a:noFill/>
+            <a:ln w="12700">
+              <a:solidFill>
+                <a:schemeClr val="tx1"/>
+              </a:solidFill>
+            </a:ln>
+          </p:spPr>
+          <p:style>
+            <a:lnRef idx="2">
+              <a:schemeClr val="accent1"/>
+            </a:lnRef>
+            <a:fillRef idx="1">
+              <a:schemeClr val="lt1"/>
+            </a:fillRef>
+            <a:effectRef idx="0">
+              <a:schemeClr val="accent1"/>
+            </a:effectRef>
+            <a:fontRef idx="minor">
+              <a:schemeClr val="dk1"/>
+            </a:fontRef>
+          </p:style>
+          <p:txBody>
+            <a:bodyPr rot="0" spcFirstLastPara="0" vertOverflow="overflow" horzOverflow="overflow" vert="horz" wrap="square" lIns="91440" tIns="45720" rIns="91440" bIns="45720" numCol="1" spcCol="0" rtlCol="0" fromWordArt="0" anchor="ctr" anchorCtr="0" forceAA="0" compatLnSpc="1">
+              <a:prstTxWarp prst="textNoShape">
+                <a:avLst/>
+              </a:prstTxWarp>
+              <a:noAutofit/>
+            </a:bodyPr>
+            <a:lstStyle/>
+            <a:p>
+              <a:pPr algn="ctr"/>
+              <a:r>
+                <a:rPr lang="en-US" dirty="0">
+                  <a:solidFill>
+                    <a:schemeClr val="tx1"/>
+                  </a:solidFill>
+                </a:rPr>
+                <a:t>cat-x-</a:t>
+              </a:r>
+              <a:r>
+                <a:rPr lang="en-US" dirty="0" err="1">
+                  <a:solidFill>
+                    <a:schemeClr val="tx1"/>
+                  </a:solidFill>
+                </a:rPr>
+                <a:t>vel</a:t>
+              </a:r>
+              <a:r>
+                <a:rPr lang="en-US" dirty="0">
+                  <a:solidFill>
+                    <a:schemeClr val="tx1"/>
+                  </a:solidFill>
+                </a:rPr>
+                <a:t>-after-tick</a:t>
+              </a:r>
+            </a:p>
+          </p:txBody>
+        </p:sp>
+        <p:sp>
+          <p:nvSpPr>
+            <p:cNvPr id="23" name="Rectangle 22"/>
+            <p:cNvSpPr/>
+            <p:nvPr/>
+          </p:nvSpPr>
+          <p:spPr>
+            <a:xfrm>
+              <a:off x="5117808" y="5579206"/>
+              <a:ext cx="1600200" cy="533400"/>
+            </a:xfrm>
+            <a:prstGeom prst="rect">
+              <a:avLst/>
+            </a:prstGeom>
+            <a:noFill/>
+            <a:ln w="12700">
+              <a:solidFill>
+                <a:schemeClr val="tx1"/>
+              </a:solidFill>
+            </a:ln>
+          </p:spPr>
+          <p:style>
+            <a:lnRef idx="2">
+              <a:schemeClr val="accent1"/>
+            </a:lnRef>
+            <a:fillRef idx="1">
+              <a:schemeClr val="lt1"/>
+            </a:fillRef>
+            <a:effectRef idx="0">
+              <a:schemeClr val="accent1"/>
+            </a:effectRef>
+            <a:fontRef idx="minor">
+              <a:schemeClr val="dk1"/>
+            </a:fontRef>
+          </p:style>
+          <p:txBody>
+            <a:bodyPr rot="0" spcFirstLastPara="0" vertOverflow="overflow" horzOverflow="overflow" vert="horz" wrap="square" lIns="91440" tIns="45720" rIns="91440" bIns="45720" numCol="1" spcCol="0" rtlCol="0" fromWordArt="0" anchor="ctr" anchorCtr="0" forceAA="0" compatLnSpc="1">
+              <a:prstTxWarp prst="textNoShape">
+                <a:avLst/>
+              </a:prstTxWarp>
+              <a:noAutofit/>
+            </a:bodyPr>
+            <a:lstStyle/>
+            <a:p>
+              <a:pPr algn="ctr"/>
+              <a:r>
+                <a:rPr lang="en-US" dirty="0">
+                  <a:solidFill>
+                    <a:schemeClr val="tx1"/>
+                  </a:solidFill>
+                </a:rPr>
+                <a:t>cat-y-</a:t>
+              </a:r>
+              <a:r>
+                <a:rPr lang="en-US" dirty="0" err="1">
+                  <a:solidFill>
+                    <a:schemeClr val="tx1"/>
+                  </a:solidFill>
+                </a:rPr>
+                <a:t>vel</a:t>
+              </a:r>
+              <a:r>
+                <a:rPr lang="en-US" dirty="0">
+                  <a:solidFill>
+                    <a:schemeClr val="tx1"/>
+                  </a:solidFill>
+                </a:rPr>
+                <a:t>-after-tick</a:t>
+              </a:r>
+            </a:p>
+          </p:txBody>
+        </p:sp>
+        <p:sp>
+          <p:nvSpPr>
+            <p:cNvPr id="24" name="Rectangle 23"/>
+            <p:cNvSpPr/>
+            <p:nvPr/>
+          </p:nvSpPr>
+          <p:spPr>
+            <a:xfrm>
+              <a:off x="5604542" y="6223942"/>
+              <a:ext cx="1600200" cy="533400"/>
+            </a:xfrm>
+            <a:prstGeom prst="rect">
+              <a:avLst/>
+            </a:prstGeom>
+            <a:noFill/>
+            <a:ln w="12700">
+              <a:solidFill>
+                <a:schemeClr val="tx1"/>
+              </a:solidFill>
+            </a:ln>
+          </p:spPr>
+          <p:style>
+            <a:lnRef idx="2">
+              <a:schemeClr val="accent1"/>
+            </a:lnRef>
+            <a:fillRef idx="1">
+              <a:schemeClr val="lt1"/>
+            </a:fillRef>
+            <a:effectRef idx="0">
+              <a:schemeClr val="accent1"/>
+            </a:effectRef>
+            <a:fontRef idx="minor">
+              <a:schemeClr val="dk1"/>
+            </a:fontRef>
+          </p:style>
+          <p:txBody>
+            <a:bodyPr rot="0" spcFirstLastPara="0" vertOverflow="overflow" horzOverflow="overflow" vert="horz" wrap="square" lIns="91440" tIns="45720" rIns="91440" bIns="45720" numCol="1" spcCol="0" rtlCol="0" fromWordArt="0" anchor="ctr" anchorCtr="0" forceAA="0" compatLnSpc="1">
+              <a:prstTxWarp prst="textNoShape">
+                <a:avLst/>
+              </a:prstTxWarp>
+              <a:noAutofit/>
+            </a:bodyPr>
+            <a:lstStyle/>
+            <a:p>
+              <a:pPr algn="ctr"/>
+              <a:r>
+                <a:rPr lang="en-US" dirty="0">
+                  <a:solidFill>
+                    <a:schemeClr val="tx1"/>
+                  </a:solidFill>
+                </a:rPr>
+                <a:t>cat-selected?-after-tick</a:t>
+              </a:r>
+            </a:p>
+          </p:txBody>
+        </p:sp>
+        <p:sp>
+          <p:nvSpPr>
+            <p:cNvPr id="25" name="Rectangle 24"/>
+            <p:cNvSpPr/>
+            <p:nvPr/>
+          </p:nvSpPr>
+          <p:spPr>
+            <a:xfrm>
+              <a:off x="4144336" y="4289732"/>
+              <a:ext cx="1600200" cy="533400"/>
+            </a:xfrm>
+            <a:prstGeom prst="rect">
+              <a:avLst/>
+            </a:prstGeom>
+            <a:noFill/>
+            <a:ln w="12700">
+              <a:solidFill>
+                <a:schemeClr val="tx1"/>
+              </a:solidFill>
+            </a:ln>
+          </p:spPr>
+          <p:style>
+            <a:lnRef idx="2">
+              <a:schemeClr val="accent1"/>
+            </a:lnRef>
+            <a:fillRef idx="1">
+              <a:schemeClr val="lt1"/>
+            </a:fillRef>
+            <a:effectRef idx="0">
+              <a:schemeClr val="accent1"/>
+            </a:effectRef>
+            <a:fontRef idx="minor">
+              <a:schemeClr val="dk1"/>
+            </a:fontRef>
+          </p:style>
+          <p:txBody>
+            <a:bodyPr rot="0" spcFirstLastPara="0" vertOverflow="overflow" horzOverflow="overflow" vert="horz" wrap="square" lIns="91440" tIns="45720" rIns="91440" bIns="45720" numCol="1" spcCol="0" rtlCol="0" fromWordArt="0" anchor="ctr" anchorCtr="0" forceAA="0" compatLnSpc="1">
+              <a:prstTxWarp prst="textNoShape">
+                <a:avLst/>
+              </a:prstTxWarp>
+              <a:noAutofit/>
+            </a:bodyPr>
+            <a:lstStyle/>
+            <a:p>
+              <a:pPr algn="ctr"/>
+              <a:r>
+                <a:rPr lang="en-US" dirty="0">
+                  <a:solidFill>
+                    <a:schemeClr val="tx1"/>
+                  </a:solidFill>
+                </a:rPr>
+                <a:t>cat-y-</a:t>
+              </a:r>
+              <a:r>
+                <a:rPr lang="en-US" dirty="0" err="1">
+                  <a:solidFill>
+                    <a:schemeClr val="tx1"/>
+                  </a:solidFill>
+                </a:rPr>
+                <a:t>pos</a:t>
+              </a:r>
+              <a:r>
+                <a:rPr lang="en-US" dirty="0">
+                  <a:solidFill>
+                    <a:schemeClr val="tx1"/>
+                  </a:solidFill>
+                </a:rPr>
+                <a:t>-after-tick</a:t>
+              </a:r>
+            </a:p>
+          </p:txBody>
+        </p:sp>
+      </p:grpSp>
+      <p:cxnSp>
+        <p:nvCxnSpPr>
+          <p:cNvPr id="14" name="Straight Arrow Connector 13"/>
+          <p:cNvCxnSpPr>
+            <a:stCxn id="36" idx="2"/>
+            <a:endCxn id="21" idx="0"/>
+          </p:cNvCxnSpPr>
+          <p:nvPr/>
+        </p:nvCxnSpPr>
+        <p:spPr>
+          <a:xfrm flipH="1">
+            <a:off x="4284329" y="3432503"/>
+            <a:ext cx="859171" cy="213091"/>
+          </a:xfrm>
+          <a:prstGeom prst="straightConnector1">
+            <a:avLst/>
+          </a:prstGeom>
+          <a:ln>
+            <a:tailEnd type="triangle"/>
+          </a:ln>
+        </p:spPr>
+        <p:style>
+          <a:lnRef idx="1">
+            <a:schemeClr val="accent1"/>
+          </a:lnRef>
+          <a:fillRef idx="0">
+            <a:schemeClr val="accent1"/>
+          </a:fillRef>
+          <a:effectRef idx="0">
+            <a:schemeClr val="accent1"/>
+          </a:effectRef>
+          <a:fontRef idx="minor">
+            <a:schemeClr val="tx1"/>
+          </a:fontRef>
+        </p:style>
+      </p:cxnSp>
+      <p:cxnSp>
+        <p:nvCxnSpPr>
+          <p:cNvPr id="17" name="Straight Arrow Connector 16"/>
+          <p:cNvCxnSpPr>
+            <a:stCxn id="36" idx="2"/>
+            <a:endCxn id="25" idx="0"/>
+          </p:cNvCxnSpPr>
+          <p:nvPr/>
+        </p:nvCxnSpPr>
+        <p:spPr>
+          <a:xfrm flipH="1">
+            <a:off x="4771065" y="3432503"/>
+            <a:ext cx="372435" cy="857828"/>
+          </a:xfrm>
+          <a:prstGeom prst="straightConnector1">
+            <a:avLst/>
+          </a:prstGeom>
+          <a:ln>
+            <a:tailEnd type="triangle"/>
+          </a:ln>
+        </p:spPr>
+        <p:style>
+          <a:lnRef idx="1">
+            <a:schemeClr val="accent1"/>
+          </a:lnRef>
+          <a:fillRef idx="0">
+            <a:schemeClr val="accent1"/>
+          </a:fillRef>
+          <a:effectRef idx="0">
+            <a:schemeClr val="accent1"/>
+          </a:effectRef>
+          <a:fontRef idx="minor">
+            <a:schemeClr val="tx1"/>
+          </a:fontRef>
+        </p:style>
+      </p:cxnSp>
+      <p:cxnSp>
+        <p:nvCxnSpPr>
+          <p:cNvPr id="20" name="Straight Arrow Connector 19"/>
+          <p:cNvCxnSpPr>
+            <a:stCxn id="36" idx="2"/>
+            <a:endCxn id="22" idx="0"/>
+          </p:cNvCxnSpPr>
+          <p:nvPr/>
+        </p:nvCxnSpPr>
+        <p:spPr>
+          <a:xfrm>
+            <a:off x="5143500" y="3432503"/>
+            <a:ext cx="114301" cy="1502565"/>
+          </a:xfrm>
+          <a:prstGeom prst="straightConnector1">
+            <a:avLst/>
+          </a:prstGeom>
+          <a:ln>
+            <a:tailEnd type="triangle"/>
+          </a:ln>
+        </p:spPr>
+        <p:style>
+          <a:lnRef idx="1">
+            <a:schemeClr val="accent1"/>
+          </a:lnRef>
+          <a:fillRef idx="0">
+            <a:schemeClr val="accent1"/>
+          </a:fillRef>
+          <a:effectRef idx="0">
+            <a:schemeClr val="accent1"/>
+          </a:effectRef>
+          <a:fontRef idx="minor">
+            <a:schemeClr val="tx1"/>
+          </a:fontRef>
+        </p:style>
+      </p:cxnSp>
+      <p:cxnSp>
+        <p:nvCxnSpPr>
+          <p:cNvPr id="27" name="Straight Arrow Connector 26"/>
+          <p:cNvCxnSpPr>
+            <a:stCxn id="36" idx="2"/>
+            <a:endCxn id="23" idx="0"/>
+          </p:cNvCxnSpPr>
+          <p:nvPr/>
+        </p:nvCxnSpPr>
+        <p:spPr>
+          <a:xfrm>
+            <a:off x="5143500" y="3432503"/>
+            <a:ext cx="601037" cy="2147302"/>
+          </a:xfrm>
+          <a:prstGeom prst="straightConnector1">
+            <a:avLst/>
+          </a:prstGeom>
+          <a:ln>
+            <a:tailEnd type="triangle"/>
+          </a:ln>
+        </p:spPr>
+        <p:style>
+          <a:lnRef idx="1">
+            <a:schemeClr val="accent1"/>
+          </a:lnRef>
+          <a:fillRef idx="0">
+            <a:schemeClr val="accent1"/>
+          </a:fillRef>
+          <a:effectRef idx="0">
+            <a:schemeClr val="accent1"/>
+          </a:effectRef>
+          <a:fontRef idx="minor">
+            <a:schemeClr val="tx1"/>
+          </a:fontRef>
+        </p:style>
+      </p:cxnSp>
+      <p:cxnSp>
+        <p:nvCxnSpPr>
+          <p:cNvPr id="29" name="Straight Arrow Connector 28"/>
+          <p:cNvCxnSpPr>
+            <a:stCxn id="36" idx="2"/>
+            <a:endCxn id="24" idx="0"/>
+          </p:cNvCxnSpPr>
+          <p:nvPr/>
+        </p:nvCxnSpPr>
+        <p:spPr>
+          <a:xfrm>
+            <a:off x="5143500" y="3432503"/>
+            <a:ext cx="1087771" cy="2792038"/>
+          </a:xfrm>
+          <a:prstGeom prst="straightConnector1">
+            <a:avLst/>
+          </a:prstGeom>
+          <a:ln>
+            <a:tailEnd type="triangle"/>
+          </a:ln>
+        </p:spPr>
+        <p:style>
+          <a:lnRef idx="1">
+            <a:schemeClr val="accent1"/>
+          </a:lnRef>
+          <a:fillRef idx="0">
+            <a:schemeClr val="accent1"/>
+          </a:fillRef>
+          <a:effectRef idx="0">
+            <a:schemeClr val="accent1"/>
+          </a:effectRef>
+          <a:fontRef idx="minor">
+            <a:schemeClr val="tx1"/>
+          </a:fontRef>
+        </p:style>
+      </p:cxnSp>
+      <p:sp>
+        <p:nvSpPr>
+          <p:cNvPr id="35" name="Rectangle 34"/>
+          <p:cNvSpPr/>
+          <p:nvPr/>
+        </p:nvSpPr>
+        <p:spPr>
+          <a:xfrm>
+            <a:off x="6629400" y="4290331"/>
+            <a:ext cx="2133600" cy="1178137"/>
+          </a:xfrm>
+          <a:prstGeom prst="rect">
+            <a:avLst/>
+          </a:prstGeom>
+          <a:solidFill>
+            <a:schemeClr val="accent3">
+              <a:lumMod val="40000"/>
+              <a:lumOff val="60000"/>
+            </a:schemeClr>
+          </a:solidFill>
+          <a:ln/>
+        </p:spPr>
+        <p:style>
+          <a:lnRef idx="2">
+            <a:schemeClr val="accent1"/>
+          </a:lnRef>
+          <a:fillRef idx="1">
+            <a:schemeClr val="lt1"/>
+          </a:fillRef>
+          <a:effectRef idx="0">
+            <a:schemeClr val="accent1"/>
+          </a:effectRef>
+          <a:fontRef idx="minor">
+            <a:schemeClr val="dk1"/>
+          </a:fontRef>
+        </p:style>
+        <p:txBody>
+          <a:bodyPr rot="0" spcFirstLastPara="0" vertOverflow="overflow" horzOverflow="overflow" vert="horz" wrap="square" lIns="91440" tIns="45720" rIns="91440" bIns="45720" numCol="1" spcCol="0" rtlCol="0" fromWordArt="0" anchor="t" anchorCtr="0" forceAA="0" compatLnSpc="1">
+            <a:prstTxWarp prst="textNoShape">
+              <a:avLst/>
+            </a:prstTxWarp>
+            <a:noAutofit/>
+          </a:bodyPr>
+          <a:lstStyle/>
+          <a:p>
+            <a:r>
+              <a:rPr lang="en-US" sz="1400" dirty="0">
+                <a:solidFill>
+                  <a:schemeClr val="tx1"/>
+                </a:solidFill>
+              </a:rPr>
+              <a:t>You may not need all of these help functions if some of the components of the cat after the tick are one-liners.</a:t>
+            </a:r>
+          </a:p>
+        </p:txBody>
+      </p:sp>
+    </p:spTree>
+    <p:extLst>
+      <p:ext uri="{BB962C8B-B14F-4D97-AF65-F5344CB8AC3E}">
+        <p14:creationId xmlns:p14="http://schemas.microsoft.com/office/powerpoint/2010/main" val="2546904474"/>
+      </p:ext>
+    </p:extLst>
+  </p:cSld>
+  <p:clrMapOvr>
+    <a:masterClrMapping/>
+  </p:clrMapOvr>
+</p:sld>
+</file>
+
+<file path=ppt/slides/slide23.xml><?xml version="1.0" encoding="utf-8"?>
+<p:sld xmlns:a="http://schemas.openxmlformats.org/drawingml/2006/main" xmlns:r="http://schemas.openxmlformats.org/officeDocument/2006/relationships" xmlns:p="http://schemas.openxmlformats.org/presentationml/2006/main">
+  <p:cSld>
+    <p:spTree>
+      <p:nvGrpSpPr>
+        <p:cNvPr id="1" name=""/>
+        <p:cNvGrpSpPr/>
+        <p:nvPr/>
+      </p:nvGrpSpPr>
+      <p:grpSpPr>
+        <a:xfrm>
+          <a:off x="0" y="0"/>
+          <a:ext cx="0" cy="0"/>
+          <a:chOff x="0" y="0"/>
+          <a:chExt cx="0" cy="0"/>
+        </a:xfrm>
+      </p:grpSpPr>
+      <p:sp>
+        <p:nvSpPr>
+          <p:cNvPr id="2" name="Title 1"/>
+          <p:cNvSpPr>
+            <a:spLocks noGrp="1"/>
+          </p:cNvSpPr>
+          <p:nvPr>
+            <p:ph type="title"/>
+          </p:nvPr>
+        </p:nvSpPr>
+        <p:spPr/>
+        <p:txBody>
+          <a:bodyPr/>
+          <a:lstStyle/>
+          <a:p>
+            <a:r>
+              <a:rPr lang="en-US" dirty="0"/>
+              <a:t>Summary</a:t>
+            </a:r>
+          </a:p>
+        </p:txBody>
+      </p:sp>
+      <p:sp>
+        <p:nvSpPr>
+          <p:cNvPr id="3" name="Content Placeholder 2"/>
+          <p:cNvSpPr>
+            <a:spLocks noGrp="1"/>
+          </p:cNvSpPr>
+          <p:nvPr>
+            <p:ph idx="1"/>
+          </p:nvPr>
+        </p:nvSpPr>
+        <p:spPr/>
+        <p:txBody>
+          <a:bodyPr/>
+          <a:lstStyle/>
+          <a:p>
+            <a:pPr fontAlgn="base"/>
+            <a:r>
+              <a:rPr lang="en-US" dirty="0"/>
+              <a:t>In this lesson, you had the opportunity to</a:t>
+            </a:r>
+          </a:p>
+          <a:p>
+            <a:pPr lvl="1" fontAlgn="base"/>
+            <a:r>
+              <a:rPr lang="en-US" dirty="0"/>
+              <a:t>Build a more complex world</a:t>
+            </a:r>
+          </a:p>
+          <a:p>
+            <a:pPr lvl="1" fontAlgn="base"/>
+            <a:r>
+              <a:rPr lang="en-US" dirty="0"/>
+              <a:t>Write more complex data definitions, representing information in appropriate places.</a:t>
+            </a:r>
+          </a:p>
+          <a:p>
+            <a:pPr lvl="1" fontAlgn="base"/>
+            <a:r>
+              <a:rPr lang="en-US" dirty="0"/>
+              <a:t>Use the structure of the data to guide the development of programs incorporating multiple data definitions ("the structure of the program follows the structure of the data").</a:t>
+            </a:r>
+          </a:p>
+          <a:p>
+            <a:pPr lvl="1" fontAlgn="base"/>
+            <a:endParaRPr lang="en-US" dirty="0"/>
+          </a:p>
+        </p:txBody>
+      </p:sp>
+    </p:spTree>
+    <p:extLst>
+      <p:ext uri="{BB962C8B-B14F-4D97-AF65-F5344CB8AC3E}">
+        <p14:creationId xmlns:p14="http://schemas.microsoft.com/office/powerpoint/2010/main" val="2226717334"/>
+      </p:ext>
+    </p:extLst>
+  </p:cSld>
+  <p:clrMapOvr>
+    <a:masterClrMapping/>
+  </p:clrMapOvr>
+</p:sld>
+</file>
+
+<file path=ppt/slides/slide24.xml><?xml version="1.0" encoding="utf-8"?>
+<p:sld xmlns:a="http://schemas.openxmlformats.org/drawingml/2006/main" xmlns:r="http://schemas.openxmlformats.org/officeDocument/2006/relationships" xmlns:p="http://schemas.openxmlformats.org/presentationml/2006/main">
+  <p:cSld>
+    <p:spTree>
+      <p:nvGrpSpPr>
+        <p:cNvPr id="1" name=""/>
+        <p:cNvGrpSpPr/>
+        <p:nvPr/>
+      </p:nvGrpSpPr>
+      <p:grpSpPr>
+        <a:xfrm>
+          <a:off x="0" y="0"/>
+          <a:ext cx="0" cy="0"/>
+          <a:chOff x="0" y="0"/>
+          <a:chExt cx="0" cy="0"/>
+        </a:xfrm>
+      </p:grpSpPr>
+      <p:sp>
+        <p:nvSpPr>
+          <p:cNvPr id="2" name="Title 1"/>
+          <p:cNvSpPr>
+            <a:spLocks noGrp="1"/>
+          </p:cNvSpPr>
+          <p:nvPr>
+            <p:ph type="title"/>
+          </p:nvPr>
+        </p:nvSpPr>
+        <p:spPr/>
+        <p:txBody>
+          <a:bodyPr/>
+          <a:lstStyle/>
+          <a:p>
+            <a:r>
+              <a:rPr lang="en-US" dirty="0"/>
+              <a:t>Next Steps</a:t>
+            </a:r>
+          </a:p>
+        </p:txBody>
+      </p:sp>
+      <p:sp>
+        <p:nvSpPr>
+          <p:cNvPr id="3" name="Content Placeholder 2"/>
+          <p:cNvSpPr>
+            <a:spLocks noGrp="1"/>
+          </p:cNvSpPr>
+          <p:nvPr>
+            <p:ph idx="1"/>
+          </p:nvPr>
+        </p:nvSpPr>
+        <p:spPr/>
+        <p:txBody>
+          <a:bodyPr/>
+          <a:lstStyle/>
+          <a:p>
+            <a:r>
+              <a:rPr lang="en-US" dirty="0"/>
+              <a:t>Run two-</a:t>
+            </a:r>
+            <a:r>
+              <a:rPr lang="en-US" dirty="0" err="1"/>
+              <a:t>draggable</a:t>
+            </a:r>
+            <a:r>
+              <a:rPr lang="en-US" dirty="0"/>
+              <a:t>-</a:t>
+            </a:r>
+            <a:r>
+              <a:rPr lang="en-US" dirty="0" err="1"/>
+              <a:t>cats.rkt</a:t>
+            </a:r>
+            <a:r>
+              <a:rPr lang="en-US" dirty="0"/>
+              <a:t> and study the code (including the tests!)</a:t>
+            </a:r>
+          </a:p>
+          <a:p>
+            <a:r>
+              <a:rPr lang="en-US" dirty="0"/>
+              <a:t>If you have questions about this lesson, ask them on the </a:t>
+            </a:r>
+            <a:r>
+              <a:rPr lang="en-US"/>
+              <a:t>Discussion Board</a:t>
+            </a:r>
+            <a:endParaRPr lang="en-US" dirty="0"/>
+          </a:p>
+        </p:txBody>
+      </p:sp>
+    </p:spTree>
+    <p:extLst>
+      <p:ext uri="{BB962C8B-B14F-4D97-AF65-F5344CB8AC3E}">
+        <p14:creationId xmlns:p14="http://schemas.microsoft.com/office/powerpoint/2010/main" val="2468265515"/>
+      </p:ext>
+    </p:extLst>
+  </p:cSld>
+  <p:clrMapOvr>
+    <a:masterClrMapping/>
+  </p:clrMapOvr>
 </p:sld>
 </file>
 
@@ -7005,10 +11216,9 @@
           <a:lstStyle/>
           <a:p>
             <a:r>
-              <a:rPr lang="en-US" dirty="0" smtClean="0"/>
+              <a:rPr lang="en-US" dirty="0"/>
               <a:t>Requirements</a:t>
             </a:r>
-            <a:endParaRPr lang="en-US" dirty="0"/>
           </a:p>
         </p:txBody>
       </p:sp>
@@ -7030,63 +11240,63 @@
           <a:lstStyle/>
           <a:p>
             <a:r>
-              <a:rPr lang="en-US" dirty="0" smtClean="0"/>
+              <a:rPr lang="en-US" dirty="0"/>
               <a:t>Like </a:t>
             </a:r>
             <a:r>
-              <a:rPr lang="en-US" dirty="0" err="1" smtClean="0"/>
+              <a:rPr lang="en-US" dirty="0" err="1"/>
               <a:t>draggable</a:t>
             </a:r>
             <a:r>
-              <a:rPr lang="en-US" dirty="0" smtClean="0"/>
+              <a:rPr lang="en-US" dirty="0"/>
               <a:t>-cat, except:</a:t>
             </a:r>
           </a:p>
           <a:p>
             <a:r>
-              <a:rPr lang="en-US" dirty="0" smtClean="0"/>
+              <a:rPr lang="en-US" dirty="0"/>
               <a:t>We have 2 cats in the scene</a:t>
             </a:r>
           </a:p>
           <a:p>
             <a:r>
-              <a:rPr lang="en-US" dirty="0" smtClean="0"/>
+              <a:rPr lang="en-US" dirty="0"/>
               <a:t>Each cat can be individually selected, as in </a:t>
             </a:r>
             <a:r>
-              <a:rPr lang="en-US" dirty="0" err="1" smtClean="0"/>
+              <a:rPr lang="en-US" dirty="0" err="1"/>
               <a:t>draggable</a:t>
             </a:r>
             <a:r>
-              <a:rPr lang="en-US" dirty="0" smtClean="0"/>
+              <a:rPr lang="en-US" dirty="0"/>
               <a:t>-cat</a:t>
             </a:r>
           </a:p>
           <a:p>
             <a:r>
-              <a:rPr lang="en-US" dirty="0" smtClean="0"/>
+              <a:rPr lang="en-US" dirty="0"/>
               <a:t>Space pauses or </a:t>
             </a:r>
             <a:r>
-              <a:rPr lang="en-US" dirty="0" err="1" smtClean="0"/>
+              <a:rPr lang="en-US" dirty="0" err="1"/>
               <a:t>unpauses</a:t>
             </a:r>
             <a:r>
-              <a:rPr lang="en-US" dirty="0" smtClean="0"/>
+              <a:rPr lang="en-US" dirty="0"/>
               <a:t> the entire animation</a:t>
             </a:r>
           </a:p>
           <a:p>
             <a:r>
-              <a:rPr lang="en-US" dirty="0" smtClean="0"/>
+              <a:rPr lang="en-US" dirty="0"/>
               <a:t>Demo: two-</a:t>
             </a:r>
             <a:r>
-              <a:rPr lang="en-US" dirty="0" err="1" smtClean="0"/>
+              <a:rPr lang="en-US" dirty="0" err="1"/>
               <a:t>draggable</a:t>
             </a:r>
             <a:r>
-              <a:rPr lang="en-US" dirty="0" smtClean="0"/>
+              <a:rPr lang="en-US" dirty="0"/>
               <a:t>-cats: </a:t>
             </a:r>
             <a:r>
@@ -7109,13 +11319,6 @@
   <p:clrMapOvr>
     <a:masterClrMapping/>
   </p:clrMapOvr>
-  <p:timing>
-    <p:tnLst>
-      <p:par>
-        <p:cTn id="1" dur="indefinite" restart="never" nodeType="tmRoot"/>
-      </p:par>
-    </p:tnLst>
-  </p:timing>
 </p:sld>
 </file>
 
@@ -7152,18 +11355,17 @@
           <a:lstStyle/>
           <a:p>
             <a:r>
-              <a:rPr lang="en-US" dirty="0" smtClean="0"/>
+              <a:rPr lang="en-US" dirty="0"/>
               <a:t>two-</a:t>
             </a:r>
             <a:r>
-              <a:rPr lang="en-US" dirty="0" err="1" smtClean="0"/>
+              <a:rPr lang="en-US" dirty="0" err="1"/>
               <a:t>draggable</a:t>
             </a:r>
             <a:r>
-              <a:rPr lang="en-US" dirty="0" smtClean="0"/>
+              <a:rPr lang="en-US" dirty="0"/>
               <a:t>-cats: demo</a:t>
             </a:r>
-            <a:endParaRPr lang="en-US" dirty="0"/>
           </a:p>
         </p:txBody>
       </p:sp>
@@ -7222,10 +11424,9 @@
           <a:lstStyle/>
           <a:p>
             <a:r>
-              <a:rPr lang="en-US" dirty="0" smtClean="0"/>
+              <a:rPr lang="en-US" dirty="0"/>
               <a:t>Note: I've added a bunch of tests since this video was made.  Study them!</a:t>
             </a:r>
-            <a:endParaRPr lang="en-US" dirty="0"/>
           </a:p>
         </p:txBody>
       </p:sp>
@@ -7252,7 +11453,7 @@
           <a:lstStyle/>
           <a:p>
             <a:r>
-              <a:rPr lang="en-US" dirty="0" smtClean="0">
+              <a:rPr lang="en-US" dirty="0">
                 <a:hlinkClick r:id="rId4"/>
               </a:rPr>
               <a:t>YouTube link</a:t>
@@ -7387,10 +11588,9 @@
           <a:lstStyle/>
           <a:p>
             <a:r>
-              <a:rPr lang="en-US" dirty="0" smtClean="0"/>
+              <a:rPr lang="en-US" dirty="0"/>
               <a:t>Information Analysis</a:t>
             </a:r>
-            <a:endParaRPr lang="en-US" dirty="0"/>
           </a:p>
         </p:txBody>
       </p:sp>
@@ -7410,17 +11610,16 @@
           <a:lstStyle/>
           <a:p>
             <a:r>
-              <a:rPr lang="en-US" dirty="0" smtClean="0"/>
+              <a:rPr lang="en-US" dirty="0"/>
               <a:t>The world has two cats and a paused?</a:t>
             </a:r>
           </a:p>
           <a:p>
             <a:pPr lvl="1"/>
             <a:r>
-              <a:rPr lang="en-US" dirty="0" smtClean="0"/>
+              <a:rPr lang="en-US" dirty="0"/>
               <a:t>it is the whole world that is paused or not</a:t>
             </a:r>
-            <a:endParaRPr lang="en-US" dirty="0"/>
           </a:p>
         </p:txBody>
       </p:sp>
@@ -7434,13 +11633,6 @@
   <p:clrMapOvr>
     <a:masterClrMapping/>
   </p:clrMapOvr>
-  <p:timing>
-    <p:tnLst>
-      <p:par>
-        <p:cTn id="1" dur="indefinite" restart="never" nodeType="tmRoot"/>
-      </p:par>
-    </p:tnLst>
-  </p:timing>
 </p:sld>
 </file>
 
@@ -7477,10 +11669,9 @@
           <a:lstStyle/>
           <a:p>
             <a:r>
-              <a:rPr lang="en-US" dirty="0" smtClean="0"/>
+              <a:rPr lang="en-US" dirty="0"/>
               <a:t>Data Definitions: World</a:t>
             </a:r>
-            <a:endParaRPr lang="en-US" dirty="0"/>
           </a:p>
         </p:txBody>
       </p:sp>
@@ -7573,21 +11764,7 @@
                 <a:latin typeface="Consolas" pitchFamily="49" charset="0"/>
                 <a:cs typeface="Consolas" pitchFamily="49" charset="0"/>
               </a:rPr>
-              <a:t>;; paused? describes whether or not the world </a:t>
-            </a:r>
-            <a:r>
-              <a:rPr lang="en-US" b="1" dirty="0" smtClean="0">
-                <a:latin typeface="Consolas" pitchFamily="49" charset="0"/>
-                <a:cs typeface="Consolas" pitchFamily="49" charset="0"/>
-              </a:rPr>
-              <a:t>;; is </a:t>
-            </a:r>
-            <a:r>
-              <a:rPr lang="en-US" b="1" dirty="0">
-                <a:latin typeface="Consolas" pitchFamily="49" charset="0"/>
-                <a:cs typeface="Consolas" pitchFamily="49" charset="0"/>
-              </a:rPr>
-              <a:t>paused</a:t>
+              <a:t>;; paused? describes whether or not the world ;; is paused</a:t>
             </a:r>
           </a:p>
           <a:p>
@@ -7674,51 +11851,29 @@
               </a:rPr>
               <a:t>;;   (... (world-cat1 w) </a:t>
             </a:r>
-            <a:endParaRPr lang="en-US" b="1" dirty="0" smtClean="0">
-              <a:latin typeface="Consolas" pitchFamily="49" charset="0"/>
-              <a:cs typeface="Consolas" pitchFamily="49" charset="0"/>
-            </a:endParaRPr>
           </a:p>
           <a:p>
             <a:pPr marL="0" indent="0">
               <a:buNone/>
             </a:pPr>
-            <a:r>
-              <a:rPr lang="en-US" b="1" dirty="0" smtClean="0">
-                <a:latin typeface="Consolas" pitchFamily="49" charset="0"/>
-                <a:cs typeface="Consolas" pitchFamily="49" charset="0"/>
-              </a:rPr>
-              <a:t>;;        (</a:t>
-            </a:r>
             <a:r>
               <a:rPr lang="en-US" b="1" dirty="0">
                 <a:latin typeface="Consolas" pitchFamily="49" charset="0"/>
                 <a:cs typeface="Consolas" pitchFamily="49" charset="0"/>
               </a:rPr>
-              <a:t>world-cat2 w) </a:t>
-            </a:r>
-            <a:endParaRPr lang="en-US" b="1" dirty="0" smtClean="0">
-              <a:latin typeface="Consolas" pitchFamily="49" charset="0"/>
-              <a:cs typeface="Consolas" pitchFamily="49" charset="0"/>
-            </a:endParaRPr>
+              <a:t>;;        (world-cat2 w) </a:t>
+            </a:r>
           </a:p>
           <a:p>
             <a:pPr marL="0" indent="0">
               <a:buNone/>
             </a:pPr>
-            <a:r>
-              <a:rPr lang="en-US" b="1" dirty="0" smtClean="0">
-                <a:latin typeface="Consolas" pitchFamily="49" charset="0"/>
-                <a:cs typeface="Consolas" pitchFamily="49" charset="0"/>
-              </a:rPr>
-              <a:t>;;        (</a:t>
-            </a:r>
             <a:r>
               <a:rPr lang="en-US" b="1" dirty="0">
                 <a:latin typeface="Consolas" pitchFamily="49" charset="0"/>
                 <a:cs typeface="Consolas" pitchFamily="49" charset="0"/>
               </a:rPr>
-              <a:t>world-paused? w)))</a:t>
+              <a:t>;;        (world-paused? w)))</a:t>
             </a:r>
           </a:p>
           <a:p>
@@ -7742,13 +11897,6 @@
   <p:clrMapOvr>
     <a:masterClrMapping/>
   </p:clrMapOvr>
-  <p:timing>
-    <p:tnLst>
-      <p:par>
-        <p:cTn id="1" dur="indefinite" restart="never" nodeType="tmRoot"/>
-      </p:par>
-    </p:tnLst>
-  </p:timing>
 </p:sld>
 </file>
 
@@ -7785,10 +11933,9 @@
           <a:lstStyle/>
           <a:p>
             <a:r>
-              <a:rPr lang="en-US" dirty="0" smtClean="0"/>
+              <a:rPr lang="en-US" dirty="0"/>
               <a:t>Information Analysis</a:t>
             </a:r>
-            <a:endParaRPr lang="en-US" dirty="0"/>
           </a:p>
         </p:txBody>
       </p:sp>
@@ -7808,46 +11955,45 @@
           <a:lstStyle/>
           <a:p>
             <a:r>
-              <a:rPr lang="en-US" dirty="0" smtClean="0"/>
+              <a:rPr lang="en-US" dirty="0"/>
               <a:t>Each cat has x-</a:t>
             </a:r>
             <a:r>
-              <a:rPr lang="en-US" dirty="0" err="1" smtClean="0"/>
+              <a:rPr lang="en-US" dirty="0" err="1"/>
               <a:t>pos</a:t>
             </a:r>
             <a:r>
-              <a:rPr lang="en-US" dirty="0" smtClean="0"/>
+              <a:rPr lang="en-US" dirty="0"/>
               <a:t>, y-</a:t>
             </a:r>
             <a:r>
-              <a:rPr lang="en-US" dirty="0" err="1" smtClean="0"/>
+              <a:rPr lang="en-US" dirty="0" err="1"/>
               <a:t>pos</a:t>
             </a:r>
             <a:r>
-              <a:rPr lang="en-US" dirty="0" smtClean="0"/>
+              <a:rPr lang="en-US" dirty="0"/>
               <a:t>, and selected?</a:t>
             </a:r>
           </a:p>
           <a:p>
             <a:r>
-              <a:rPr lang="en-US" dirty="0" smtClean="0"/>
+              <a:rPr lang="en-US" dirty="0"/>
               <a:t>What about paused?</a:t>
             </a:r>
           </a:p>
           <a:p>
             <a:pPr lvl="1"/>
             <a:r>
-              <a:rPr lang="en-US" dirty="0" smtClean="0"/>
+              <a:rPr lang="en-US" dirty="0"/>
               <a:t>cats aren't individually paused</a:t>
             </a:r>
           </a:p>
           <a:p>
             <a:pPr lvl="1"/>
             <a:r>
-              <a:rPr lang="en-US" dirty="0" smtClean="0"/>
+              <a:rPr lang="en-US" dirty="0"/>
               <a:t>it's the whole thing that is paused or not.</a:t>
             </a:r>
-            <a:endParaRPr lang="en-US" dirty="0"/>
           </a:p>
         </p:txBody>
       </p:sp>
@@ -7861,13 +12007,6 @@
   <p:clrMapOvr>
     <a:masterClrMapping/>
   </p:clrMapOvr>
-  <p:timing>
-    <p:tnLst>
-      <p:par>
-        <p:cTn id="1" dur="indefinite" restart="never" nodeType="tmRoot"/>
-      </p:par>
-    </p:tnLst>
-  </p:timing>
 </p:sld>
 </file>
 
@@ -7904,10 +12043,9 @@
           <a:lstStyle/>
           <a:p>
             <a:r>
-              <a:rPr lang="en-US" dirty="0" smtClean="0"/>
+              <a:rPr lang="en-US" dirty="0"/>
               <a:t>Data Definitions: Cat</a:t>
             </a:r>
-            <a:endParaRPr lang="en-US" dirty="0"/>
           </a:p>
         </p:txBody>
       </p:sp>
@@ -7992,65 +12130,31 @@
               </a:rPr>
               <a:t>;; A Cat is a </a:t>
             </a:r>
-            <a:endParaRPr lang="en-US" b="1" dirty="0" smtClean="0">
-              <a:latin typeface="Consolas" pitchFamily="49" charset="0"/>
-              <a:cs typeface="Consolas" pitchFamily="49" charset="0"/>
-            </a:endParaRPr>
           </a:p>
           <a:p>
             <a:pPr marL="0" indent="0">
               <a:buNone/>
             </a:pPr>
-            <a:r>
-              <a:rPr lang="en-US" b="1" dirty="0" smtClean="0">
-                <a:latin typeface="Consolas" pitchFamily="49" charset="0"/>
-                <a:cs typeface="Consolas" pitchFamily="49" charset="0"/>
-              </a:rPr>
-              <a:t>;;   (</a:t>
-            </a:r>
             <a:r>
               <a:rPr lang="en-US" b="1" dirty="0">
                 <a:latin typeface="Consolas" pitchFamily="49" charset="0"/>
                 <a:cs typeface="Consolas" pitchFamily="49" charset="0"/>
               </a:rPr>
-              <a:t>make-cat </a:t>
-            </a:r>
-            <a:r>
-              <a:rPr lang="en-US" b="1" dirty="0" smtClean="0">
+              <a:t>;;   (make-cat Integer </a:t>
+            </a:r>
+            <a:r>
+              <a:rPr lang="en-US" b="1" dirty="0" err="1">
                 <a:latin typeface="Consolas" pitchFamily="49" charset="0"/>
                 <a:cs typeface="Consolas" pitchFamily="49" charset="0"/>
               </a:rPr>
-              <a:t>Integer </a:t>
-            </a:r>
-            <a:r>
-              <a:rPr lang="en-US" b="1" dirty="0" err="1" smtClean="0">
-                <a:latin typeface="Consolas" pitchFamily="49" charset="0"/>
-                <a:cs typeface="Consolas" pitchFamily="49" charset="0"/>
-              </a:rPr>
               <a:t>Integer</a:t>
             </a:r>
-            <a:r>
-              <a:rPr lang="en-US" b="1" dirty="0" smtClean="0">
-                <a:latin typeface="Consolas" pitchFamily="49" charset="0"/>
-                <a:cs typeface="Consolas" pitchFamily="49" charset="0"/>
-              </a:rPr>
-              <a:t> Boolean)</a:t>
-            </a:r>
-            <a:endParaRPr lang="en-US" b="1" dirty="0">
-              <a:latin typeface="Consolas" pitchFamily="49" charset="0"/>
-              <a:cs typeface="Consolas" pitchFamily="49" charset="0"/>
-            </a:endParaRPr>
-          </a:p>
-          <a:p>
-            <a:pPr marL="0" indent="0">
-              <a:buNone/>
-            </a:pPr>
             <a:r>
               <a:rPr lang="en-US" b="1" dirty="0">
                 <a:latin typeface="Consolas" pitchFamily="49" charset="0"/>
                 <a:cs typeface="Consolas" pitchFamily="49" charset="0"/>
               </a:rPr>
-              <a:t>;; Interpretation: </a:t>
+              <a:t> Boolean)</a:t>
             </a:r>
           </a:p>
           <a:p>
@@ -8062,6 +12166,18 @@
                 <a:latin typeface="Consolas" pitchFamily="49" charset="0"/>
                 <a:cs typeface="Consolas" pitchFamily="49" charset="0"/>
               </a:rPr>
+              <a:t>;; Interpretation: </a:t>
+            </a:r>
+          </a:p>
+          <a:p>
+            <a:pPr marL="0" indent="0">
+              <a:buNone/>
+            </a:pPr>
+            <a:r>
+              <a:rPr lang="en-US" b="1" dirty="0">
+                <a:latin typeface="Consolas" pitchFamily="49" charset="0"/>
+                <a:cs typeface="Consolas" pitchFamily="49" charset="0"/>
+              </a:rPr>
               <a:t>;; x-</a:t>
             </a:r>
             <a:r>
@@ -8102,33 +12218,19 @@
                 <a:latin typeface="Consolas" pitchFamily="49" charset="0"/>
                 <a:cs typeface="Consolas" pitchFamily="49" charset="0"/>
               </a:rPr>
-              <a:t>;; selected? describes whether or not the cat </a:t>
-            </a:r>
-            <a:r>
-              <a:rPr lang="en-US" b="1" dirty="0" smtClean="0">
-                <a:latin typeface="Consolas" pitchFamily="49" charset="0"/>
-                <a:cs typeface="Consolas" pitchFamily="49" charset="0"/>
-              </a:rPr>
-              <a:t>is</a:t>
+              <a:t>;; selected? describes whether or not the cat is</a:t>
             </a:r>
           </a:p>
           <a:p>
             <a:pPr marL="0" indent="0">
               <a:buNone/>
             </a:pPr>
-            <a:r>
-              <a:rPr lang="en-US" b="1" dirty="0" smtClean="0">
-                <a:latin typeface="Consolas" pitchFamily="49" charset="0"/>
-                <a:cs typeface="Consolas" pitchFamily="49" charset="0"/>
-              </a:rPr>
-              <a:t>;; </a:t>
-            </a:r>
             <a:r>
               <a:rPr lang="en-US" b="1" dirty="0">
                 <a:latin typeface="Consolas" pitchFamily="49" charset="0"/>
                 <a:cs typeface="Consolas" pitchFamily="49" charset="0"/>
               </a:rPr>
-              <a:t>selected.</a:t>
+              <a:t>;; selected.</a:t>
             </a:r>
           </a:p>
           <a:p>
@@ -8229,35 +12331,24 @@
               </a:rPr>
               <a:t> w) </a:t>
             </a:r>
-            <a:endParaRPr lang="en-US" b="1" dirty="0" smtClean="0">
-              <a:latin typeface="Consolas" pitchFamily="49" charset="0"/>
-              <a:cs typeface="Consolas" pitchFamily="49" charset="0"/>
-            </a:endParaRPr>
           </a:p>
           <a:p>
             <a:pPr marL="0" indent="0">
               <a:buNone/>
             </a:pPr>
             <a:r>
-              <a:rPr lang="en-US" b="1" smtClean="0">
+              <a:rPr lang="en-US" b="1">
                 <a:latin typeface="Consolas" pitchFamily="49" charset="0"/>
                 <a:cs typeface="Consolas" pitchFamily="49" charset="0"/>
               </a:rPr>
               <a:t>;      </a:t>
-            </a:r>
-            <a:r>
-              <a:rPr lang="en-US" b="1" dirty="0" smtClean="0">
-                <a:latin typeface="Consolas" pitchFamily="49" charset="0"/>
-                <a:cs typeface="Consolas" pitchFamily="49" charset="0"/>
-              </a:rPr>
-              <a:t>(</a:t>
             </a:r>
             <a:r>
               <a:rPr lang="en-US" b="1" dirty="0">
                 <a:latin typeface="Consolas" pitchFamily="49" charset="0"/>
                 <a:cs typeface="Consolas" pitchFamily="49" charset="0"/>
               </a:rPr>
-              <a:t>cat-y-</a:t>
+              <a:t>(cat-y-</a:t>
             </a:r>
             <a:r>
               <a:rPr lang="en-US" b="1" dirty="0" err="1">
@@ -8273,28 +12364,17 @@
               </a:rPr>
               <a:t> w) </a:t>
             </a:r>
-            <a:endParaRPr lang="en-US" b="1" dirty="0" smtClean="0">
-              <a:latin typeface="Consolas" pitchFamily="49" charset="0"/>
-              <a:cs typeface="Consolas" pitchFamily="49" charset="0"/>
-            </a:endParaRPr>
           </a:p>
           <a:p>
             <a:pPr marL="0" indent="0">
               <a:buNone/>
             </a:pPr>
-            <a:r>
-              <a:rPr lang="en-US" b="1" dirty="0" smtClean="0">
-                <a:latin typeface="Consolas" pitchFamily="49" charset="0"/>
-                <a:cs typeface="Consolas" pitchFamily="49" charset="0"/>
-              </a:rPr>
-              <a:t>;      (</a:t>
-            </a:r>
             <a:r>
               <a:rPr lang="en-US" b="1" dirty="0">
                 <a:latin typeface="Consolas" pitchFamily="49" charset="0"/>
                 <a:cs typeface="Consolas" pitchFamily="49" charset="0"/>
               </a:rPr>
-              <a:t>cat-selected? w)))</a:t>
+              <a:t>;      (cat-selected? w)))</a:t>
             </a:r>
           </a:p>
           <a:p>
@@ -8318,13 +12398,6 @@
   <p:clrMapOvr>
     <a:masterClrMapping/>
   </p:clrMapOvr>
-  <p:timing>
-    <p:tnLst>
-      <p:par>
-        <p:cTn id="1" dur="indefinite" restart="never" nodeType="tmRoot"/>
-      </p:par>
-    </p:tnLst>
-  </p:timing>
 </p:sld>
 </file>
 
@@ -8361,10 +12434,9 @@
           <a:lstStyle/>
           <a:p>
             <a:r>
-              <a:rPr lang="en-US" dirty="0" smtClean="0"/>
+              <a:rPr lang="en-US" dirty="0"/>
               <a:t>Data Design Principles</a:t>
             </a:r>
-            <a:endParaRPr lang="en-US" dirty="0"/>
           </a:p>
         </p:txBody>
       </p:sp>
@@ -8386,48 +12458,43 @@
           <a:lstStyle/>
           <a:p>
             <a:r>
-              <a:rPr lang="en-US" dirty="0" smtClean="0"/>
+              <a:rPr lang="en-US" dirty="0"/>
               <a:t>Every value of the information should be represented by some value of the data</a:t>
             </a:r>
           </a:p>
           <a:p>
             <a:pPr lvl="1"/>
             <a:r>
-              <a:rPr lang="en-US" dirty="0" smtClean="0"/>
+              <a:rPr lang="en-US" dirty="0"/>
               <a:t>otherwise, we lose immediately!</a:t>
             </a:r>
           </a:p>
           <a:p>
             <a:r>
-              <a:rPr lang="en-US" dirty="0" smtClean="0"/>
+              <a:rPr lang="en-US" dirty="0"/>
               <a:t>Every value of the data should represent some value of the information</a:t>
             </a:r>
           </a:p>
           <a:p>
             <a:pPr lvl="1"/>
             <a:r>
-              <a:rPr lang="en-US" dirty="0" smtClean="0"/>
+              <a:rPr lang="en-US" dirty="0"/>
               <a:t>no meaningless or nonsensical combinations</a:t>
             </a:r>
           </a:p>
           <a:p>
             <a:pPr lvl="1"/>
             <a:r>
-              <a:rPr lang="en-US" dirty="0" smtClean="0"/>
-              <a:t>if each cat had a paused? field, then what does it mean for one cat to be paused and the other not</a:t>
-            </a:r>
-            <a:r>
-              <a:rPr lang="en-US" dirty="0" smtClean="0"/>
-              <a:t>?</a:t>
+              <a:rPr lang="en-US" dirty="0"/>
+              <a:t>if each cat had a paused? field, then what does it mean for one cat to be paused and the other not?</a:t>
             </a:r>
           </a:p>
           <a:p>
             <a:pPr lvl="1"/>
             <a:r>
-              <a:rPr lang="en-US" dirty="0" smtClean="0"/>
+              <a:rPr lang="en-US" dirty="0"/>
               <a:t>Is it possible for one cat to be paused and the other not?</a:t>
             </a:r>
-            <a:endParaRPr lang="en-US" dirty="0" smtClean="0"/>
           </a:p>
           <a:p>
             <a:pPr lvl="1"/>
@@ -8440,13 +12507,6 @@
   <p:clrMapOvr>
     <a:masterClrMapping/>
   </p:clrMapOvr>
-  <p:timing>
-    <p:tnLst>
-      <p:par>
-        <p:cTn id="1" dur="indefinite" restart="never" nodeType="tmRoot"/>
-      </p:par>
-    </p:tnLst>
-  </p:timing>
 </p:sld>
 </file>
 

--- a/Slides/Lesson 3.4 Two Draggable Cats.pptx
+++ b/Slides/Lesson 3.4 Two Draggable Cats.pptx
@@ -235,7 +235,7 @@
             <a:fld id="{CF8F25F6-E1EF-4065-8525-42EDEBD9BD22}" type="datetimeFigureOut">
               <a:rPr lang="en-US" smtClean="0"/>
               <a:pPr/>
-              <a:t>10/12/2016</a:t>
+              <a:t>10/14/2016</a:t>
             </a:fld>
             <a:endParaRPr lang="en-US"/>
           </a:p>
@@ -882,7 +882,7 @@
           <a:p>
             <a:fld id="{2F1F79F5-7BEC-496A-AFC7-876E38F64D71}" type="datetime1">
               <a:rPr lang="en-US" smtClean="0"/>
-              <a:t>10/12/2016</a:t>
+              <a:t>10/14/2016</a:t>
             </a:fld>
             <a:endParaRPr lang="en-US"/>
           </a:p>
@@ -977,7 +977,7 @@
           <a:p>
             <a:fld id="{0A05703A-7669-4FEA-9056-25299B4D29D4}" type="datetime1">
               <a:rPr lang="en-US" smtClean="0"/>
-              <a:t>10/12/2016</a:t>
+              <a:t>10/14/2016</a:t>
             </a:fld>
             <a:endParaRPr lang="en-US"/>
           </a:p>
@@ -1252,7 +1252,7 @@
           <a:p>
             <a:fld id="{6E5077B5-BB57-49DB-88CA-226A139E5C01}" type="datetime1">
               <a:rPr lang="en-US" smtClean="0"/>
-              <a:t>10/12/2016</a:t>
+              <a:t>10/14/2016</a:t>
             </a:fld>
             <a:endParaRPr lang="en-US"/>
           </a:p>
@@ -1504,7 +1504,7 @@
           <a:p>
             <a:fld id="{C48D9447-CBD6-49A1-89FD-8512A8CF8999}" type="datetime1">
               <a:rPr lang="en-US" smtClean="0"/>
-              <a:t>10/12/2016</a:t>
+              <a:t>10/14/2016</a:t>
             </a:fld>
             <a:endParaRPr lang="en-US"/>
           </a:p>
@@ -1672,7 +1672,7 @@
           <a:p>
             <a:fld id="{A3639A2A-823D-48B7-9ACE-7FAF42870BA9}" type="datetime1">
               <a:rPr lang="en-US" smtClean="0"/>
-              <a:t>10/12/2016</a:t>
+              <a:t>10/14/2016</a:t>
             </a:fld>
             <a:endParaRPr lang="en-US"/>
           </a:p>
@@ -1850,7 +1850,7 @@
           <a:p>
             <a:fld id="{ED1B6996-82E9-463C-972C-7B56056E426C}" type="datetime1">
               <a:rPr lang="en-US" smtClean="0"/>
-              <a:t>10/12/2016</a:t>
+              <a:t>10/14/2016</a:t>
             </a:fld>
             <a:endParaRPr lang="en-US"/>
           </a:p>
@@ -1968,7 +1968,7 @@
             <a:fld id="{CBE6DF32-C57F-4EA4-9518-EB5F320F182D}" type="datetimeFigureOut">
               <a:rPr lang="en-US" smtClean="0"/>
               <a:pPr/>
-              <a:t>10/12/2016</a:t>
+              <a:t>10/14/2016</a:t>
             </a:fld>
             <a:endParaRPr lang="en-US"/>
           </a:p>
@@ -2192,7 +2192,7 @@
           <a:p>
             <a:fld id="{E22ED4DA-448D-4BB1-B935-CC112220207B}" type="datetime1">
               <a:rPr lang="en-US" smtClean="0"/>
-              <a:t>10/12/2016</a:t>
+              <a:t>10/14/2016</a:t>
             </a:fld>
             <a:endParaRPr lang="en-US"/>
           </a:p>
@@ -2365,7 +2365,7 @@
           <a:p>
             <a:fld id="{E22ED4DA-448D-4BB1-B935-CC112220207B}" type="datetime1">
               <a:rPr lang="en-US" smtClean="0"/>
-              <a:t>10/12/2016</a:t>
+              <a:t>10/14/2016</a:t>
             </a:fld>
             <a:endParaRPr lang="en-US"/>
           </a:p>
@@ -2625,7 +2625,7 @@
           <a:p>
             <a:fld id="{FF5D65A6-AB94-4435-B0B7-3743215FA46C}" type="datetime1">
               <a:rPr lang="en-US" smtClean="0"/>
-              <a:t>10/12/2016</a:t>
+              <a:t>10/14/2016</a:t>
             </a:fld>
             <a:endParaRPr lang="en-US"/>
           </a:p>
@@ -2801,7 +2801,7 @@
           <a:p>
             <a:fld id="{FF5D65A6-AB94-4435-B0B7-3743215FA46C}" type="datetime1">
               <a:rPr lang="en-US" smtClean="0"/>
-              <a:t>10/12/2016</a:t>
+              <a:t>10/14/2016</a:t>
             </a:fld>
             <a:endParaRPr lang="en-US"/>
           </a:p>
@@ -3095,7 +3095,7 @@
           <a:p>
             <a:fld id="{7C193DC4-6EF0-48C9-B29C-616106A645E1}" type="datetime1">
               <a:rPr lang="en-US" smtClean="0"/>
-              <a:t>10/12/2016</a:t>
+              <a:t>10/14/2016</a:t>
             </a:fld>
             <a:endParaRPr lang="en-US"/>
           </a:p>
@@ -3380,7 +3380,7 @@
           <a:p>
             <a:fld id="{5D1846AD-9252-4647-9435-4C2AC365653A}" type="datetime1">
               <a:rPr lang="en-US" smtClean="0"/>
-              <a:t>10/12/2016</a:t>
+              <a:t>10/14/2016</a:t>
             </a:fld>
             <a:endParaRPr lang="en-US"/>
           </a:p>
@@ -3799,7 +3799,7 @@
           <a:p>
             <a:fld id="{CE56DC10-3561-4063-A6AF-C1CC7A41040A}" type="datetime1">
               <a:rPr lang="en-US" smtClean="0"/>
-              <a:t>10/12/2016</a:t>
+              <a:t>10/14/2016</a:t>
             </a:fld>
             <a:endParaRPr lang="en-US"/>
           </a:p>
@@ -3916,7 +3916,7 @@
           <a:p>
             <a:fld id="{2F7B77F5-1464-4F6B-92A8-64FC8A508293}" type="datetime1">
               <a:rPr lang="en-US" smtClean="0"/>
-              <a:t>10/12/2016</a:t>
+              <a:t>10/14/2016</a:t>
             </a:fld>
             <a:endParaRPr lang="en-US"/>
           </a:p>
@@ -4139,7 +4139,7 @@
           <a:p>
             <a:fld id="{02B3F677-983B-48DB-ADFD-63FE6CBC7FB2}" type="datetime1">
               <a:rPr lang="en-US" smtClean="0"/>
-              <a:t>10/12/2016</a:t>
+              <a:t>10/14/2016</a:t>
             </a:fld>
             <a:endParaRPr lang="en-US"/>
           </a:p>
@@ -8593,7 +8593,7 @@
           <a:noFill/>
           <a:ln>
             <a:headEnd type="none"/>
-            <a:tailEnd w="lg" len="lg"/>
+            <a:tailEnd type="arrow" w="lg" len="lg"/>
           </a:ln>
         </p:spPr>
         <p:style>
